--- a/Slides/Lesson 9.5 The Design Recipe Using Classes.pptx
+++ b/Slides/Lesson 9.5 The Design Recipe Using Classes.pptx
@@ -5,42 +5,47 @@
     <p:sldMasterId id="2147483661" r:id="rId1"/>
   </p:sldMasterIdLst>
   <p:notesMasterIdLst>
-    <p:notesMasterId r:id="rId30"/>
+    <p:notesMasterId r:id="rId35"/>
   </p:notesMasterIdLst>
   <p:sldIdLst>
     <p:sldId id="256" r:id="rId2"/>
     <p:sldId id="267" r:id="rId3"/>
     <p:sldId id="283" r:id="rId4"/>
     <p:sldId id="319" r:id="rId5"/>
-    <p:sldId id="315" r:id="rId6"/>
-    <p:sldId id="313" r:id="rId7"/>
-    <p:sldId id="316" r:id="rId8"/>
-    <p:sldId id="317" r:id="rId9"/>
-    <p:sldId id="301" r:id="rId10"/>
-    <p:sldId id="288" r:id="rId11"/>
-    <p:sldId id="318" r:id="rId12"/>
-    <p:sldId id="320" r:id="rId13"/>
-    <p:sldId id="303" r:id="rId14"/>
-    <p:sldId id="305" r:id="rId15"/>
-    <p:sldId id="306" r:id="rId16"/>
-    <p:sldId id="293" r:id="rId17"/>
-    <p:sldId id="310" r:id="rId18"/>
-    <p:sldId id="289" r:id="rId19"/>
-    <p:sldId id="297" r:id="rId20"/>
-    <p:sldId id="291" r:id="rId21"/>
-    <p:sldId id="295" r:id="rId22"/>
-    <p:sldId id="292" r:id="rId23"/>
-    <p:sldId id="321" r:id="rId24"/>
-    <p:sldId id="294" r:id="rId25"/>
-    <p:sldId id="322" r:id="rId26"/>
-    <p:sldId id="311" r:id="rId27"/>
-    <p:sldId id="272" r:id="rId28"/>
-    <p:sldId id="312" r:id="rId29"/>
+    <p:sldId id="323" r:id="rId6"/>
+    <p:sldId id="315" r:id="rId7"/>
+    <p:sldId id="313" r:id="rId8"/>
+    <p:sldId id="316" r:id="rId9"/>
+    <p:sldId id="317" r:id="rId10"/>
+    <p:sldId id="301" r:id="rId11"/>
+    <p:sldId id="288" r:id="rId12"/>
+    <p:sldId id="328" r:id="rId13"/>
+    <p:sldId id="326" r:id="rId14"/>
+    <p:sldId id="327" r:id="rId15"/>
+    <p:sldId id="320" r:id="rId16"/>
+    <p:sldId id="329" r:id="rId17"/>
+    <p:sldId id="305" r:id="rId18"/>
+    <p:sldId id="306" r:id="rId19"/>
+    <p:sldId id="293" r:id="rId20"/>
+    <p:sldId id="330" r:id="rId21"/>
+    <p:sldId id="310" r:id="rId22"/>
+    <p:sldId id="289" r:id="rId23"/>
+    <p:sldId id="297" r:id="rId24"/>
+    <p:sldId id="291" r:id="rId25"/>
+    <p:sldId id="295" r:id="rId26"/>
+    <p:sldId id="292" r:id="rId27"/>
+    <p:sldId id="321" r:id="rId28"/>
+    <p:sldId id="294" r:id="rId29"/>
+    <p:sldId id="331" r:id="rId30"/>
+    <p:sldId id="322" r:id="rId31"/>
+    <p:sldId id="311" r:id="rId32"/>
+    <p:sldId id="272" r:id="rId33"/>
+    <p:sldId id="312" r:id="rId34"/>
   </p:sldIdLst>
   <p:sldSz cx="9144000" cy="6858000" type="screen4x3"/>
   <p:notesSz cx="6858000" cy="9144000"/>
   <p:custDataLst>
-    <p:tags r:id="rId31"/>
+    <p:tags r:id="rId36"/>
   </p:custDataLst>
   <p:defaultTextStyle>
     <a:defPPr>
@@ -156,6 +161,10 @@
 </p:presentation>
 </file>
 
+<file path=ppt/revisionInfo.xml><?xml version="1.0" encoding="utf-8"?>
+<p1510:revInfo xmlns:a="http://schemas.openxmlformats.org/drawingml/2006/main" xmlns:r="http://schemas.openxmlformats.org/officeDocument/2006/relationships" xmlns:p1510="http://schemas.microsoft.com/office/powerpoint/2015/10/main"/>
+</file>
+
 <file path=ppt/notesMasters/notesMaster1.xml><?xml version="1.0" encoding="utf-8"?>
 <p:notesMaster xmlns:a="http://schemas.openxmlformats.org/drawingml/2006/main" xmlns:r="http://schemas.openxmlformats.org/officeDocument/2006/relationships" xmlns:p="http://schemas.openxmlformats.org/presentationml/2006/main">
   <p:cSld>
@@ -239,7 +248,7 @@
             <a:fld id="{23FDE9B3-31FB-4CEB-98C8-D7B6CFC76B62}" type="datetimeFigureOut">
               <a:rPr lang="en-US" smtClean="0"/>
               <a:pPr/>
-              <a:t>11/9/2016</a:t>
+              <a:t>11/8/2017</a:t>
             </a:fld>
             <a:endParaRPr lang="en-US"/>
           </a:p>
@@ -744,7 +753,7 @@
           <a:p>
             <a:fld id="{D3C86B6F-9679-C544-B86B-D18AA0460570}" type="slidenum">
               <a:rPr lang="en-US" smtClean="0"/>
-              <a:t>14</a:t>
+              <a:t>17</a:t>
             </a:fld>
             <a:endParaRPr lang="en-US"/>
           </a:p>
@@ -828,7 +837,7 @@
           <a:p>
             <a:fld id="{D3C86B6F-9679-C544-B86B-D18AA0460570}" type="slidenum">
               <a:rPr lang="en-US" smtClean="0"/>
-              <a:t>15</a:t>
+              <a:t>18</a:t>
             </a:fld>
             <a:endParaRPr lang="en-US"/>
           </a:p>
@@ -1026,7 +1035,7 @@
           <a:p>
             <a:fld id="{2F1F79F5-7BEC-496A-AFC7-876E38F64D71}" type="datetime1">
               <a:rPr lang="en-US" smtClean="0"/>
-              <a:t>11/9/2016</a:t>
+              <a:t>11/8/2017</a:t>
             </a:fld>
             <a:endParaRPr lang="en-US"/>
           </a:p>
@@ -1143,7 +1152,7 @@
           <a:p>
             <a:fld id="{2F7B77F5-1464-4F6B-92A8-64FC8A508293}" type="datetime1">
               <a:rPr lang="en-US" smtClean="0"/>
-              <a:t>11/9/2016</a:t>
+              <a:t>11/8/2017</a:t>
             </a:fld>
             <a:endParaRPr lang="en-US"/>
           </a:p>
@@ -1238,7 +1247,7 @@
           <a:p>
             <a:fld id="{0A05703A-7669-4FEA-9056-25299B4D29D4}" type="datetime1">
               <a:rPr lang="en-US" smtClean="0"/>
-              <a:t>11/9/2016</a:t>
+              <a:t>11/8/2017</a:t>
             </a:fld>
             <a:endParaRPr lang="en-US"/>
           </a:p>
@@ -1513,7 +1522,7 @@
           <a:p>
             <a:fld id="{6E5077B5-BB57-49DB-88CA-226A139E5C01}" type="datetime1">
               <a:rPr lang="en-US" smtClean="0"/>
-              <a:t>11/9/2016</a:t>
+              <a:t>11/8/2017</a:t>
             </a:fld>
             <a:endParaRPr lang="en-US"/>
           </a:p>
@@ -1765,7 +1774,7 @@
           <a:p>
             <a:fld id="{C48D9447-CBD6-49A1-89FD-8512A8CF8999}" type="datetime1">
               <a:rPr lang="en-US" smtClean="0"/>
-              <a:t>11/9/2016</a:t>
+              <a:t>11/8/2017</a:t>
             </a:fld>
             <a:endParaRPr lang="en-US"/>
           </a:p>
@@ -1933,7 +1942,7 @@
           <a:p>
             <a:fld id="{A3639A2A-823D-48B7-9ACE-7FAF42870BA9}" type="datetime1">
               <a:rPr lang="en-US" smtClean="0"/>
-              <a:t>11/9/2016</a:t>
+              <a:t>11/8/2017</a:t>
             </a:fld>
             <a:endParaRPr lang="en-US"/>
           </a:p>
@@ -2111,7 +2120,7 @@
           <a:p>
             <a:fld id="{ED1B6996-82E9-463C-972C-7B56056E426C}" type="datetime1">
               <a:rPr lang="en-US" smtClean="0"/>
-              <a:t>11/9/2016</a:t>
+              <a:t>11/8/2017</a:t>
             </a:fld>
             <a:endParaRPr lang="en-US"/>
           </a:p>
@@ -2285,7 +2294,7 @@
           <a:p>
             <a:fld id="{E22ED4DA-448D-4BB1-B935-CC112220207B}" type="datetime1">
               <a:rPr lang="en-US" smtClean="0"/>
-              <a:t>11/9/2016</a:t>
+              <a:t>11/8/2017</a:t>
             </a:fld>
             <a:endParaRPr lang="en-US"/>
           </a:p>
@@ -2458,7 +2467,7 @@
           <a:p>
             <a:fld id="{E22ED4DA-448D-4BB1-B935-CC112220207B}" type="datetime1">
               <a:rPr lang="en-US" smtClean="0"/>
-              <a:t>11/9/2016</a:t>
+              <a:t>11/8/2017</a:t>
             </a:fld>
             <a:endParaRPr lang="en-US"/>
           </a:p>
@@ -2718,7 +2727,7 @@
           <a:p>
             <a:fld id="{FF5D65A6-AB94-4435-B0B7-3743215FA46C}" type="datetime1">
               <a:rPr lang="en-US" smtClean="0"/>
-              <a:t>11/9/2016</a:t>
+              <a:t>11/8/2017</a:t>
             </a:fld>
             <a:endParaRPr lang="en-US"/>
           </a:p>
@@ -2894,7 +2903,7 @@
           <a:p>
             <a:fld id="{FF5D65A6-AB94-4435-B0B7-3743215FA46C}" type="datetime1">
               <a:rPr lang="en-US" smtClean="0"/>
-              <a:t>11/9/2016</a:t>
+              <a:t>11/8/2017</a:t>
             </a:fld>
             <a:endParaRPr lang="en-US"/>
           </a:p>
@@ -3188,7 +3197,7 @@
           <a:p>
             <a:fld id="{7C193DC4-6EF0-48C9-B29C-616106A645E1}" type="datetime1">
               <a:rPr lang="en-US" smtClean="0"/>
-              <a:t>11/9/2016</a:t>
+              <a:t>11/8/2017</a:t>
             </a:fld>
             <a:endParaRPr lang="en-US"/>
           </a:p>
@@ -3473,7 +3482,7 @@
           <a:p>
             <a:fld id="{5D1846AD-9252-4647-9435-4C2AC365653A}" type="datetime1">
               <a:rPr lang="en-US" smtClean="0"/>
-              <a:t>11/9/2016</a:t>
+              <a:t>11/8/2017</a:t>
             </a:fld>
             <a:endParaRPr lang="en-US"/>
           </a:p>
@@ -3766,7 +3775,7 @@
           <a:p>
             <a:fld id="{5D1846AD-9252-4647-9435-4C2AC365653A}" type="datetime1">
               <a:rPr lang="en-US" smtClean="0"/>
-              <a:t>11/9/2016</a:t>
+              <a:t>11/8/2017</a:t>
             </a:fld>
             <a:endParaRPr lang="en-US"/>
           </a:p>
@@ -4185,7 +4194,7 @@
           <a:p>
             <a:fld id="{CE56DC10-3561-4063-A6AF-C1CC7A41040A}" type="datetime1">
               <a:rPr lang="en-US" smtClean="0"/>
-              <a:t>11/9/2016</a:t>
+              <a:t>11/8/2017</a:t>
             </a:fld>
             <a:endParaRPr lang="en-US"/>
           </a:p>
@@ -4408,7 +4417,7 @@
           <a:p>
             <a:fld id="{02B3F677-983B-48DB-ADFD-63FE6CBC7FB2}" type="datetime1">
               <a:rPr lang="en-US" smtClean="0"/>
-              <a:t>11/9/2016</a:t>
+              <a:t>11/8/2017</a:t>
             </a:fld>
             <a:endParaRPr lang="en-US"/>
           </a:p>
@@ -4944,13 +4953,8 @@
             <a:p>
               <a:r>
                 <a:rPr lang="en-US" sz="1000" dirty="0"/>
-                <a:t>© Mitchell Wand</a:t>
+                <a:t>© Mitchell Wand, 2012-2017</a:t>
               </a:r>
-              <a:r>
-                <a:rPr lang="en-US" sz="1000"/>
-                <a:t>, 2012-2015</a:t>
-              </a:r>
-              <a:endParaRPr lang="en-US" sz="1000" dirty="0"/>
             </a:p>
             <a:p>
               <a:r>
@@ -5032,97 +5036,461 @@
         </p:nvSpPr>
         <p:spPr/>
         <p:txBody>
+          <a:bodyPr/>
+          <a:lstStyle/>
+          <a:p>
+            <a:r>
+              <a:rPr lang="en-US" dirty="0"/>
+              <a:t>Example</a:t>
+            </a:r>
+          </a:p>
+        </p:txBody>
+      </p:sp>
+      <p:sp>
+        <p:nvSpPr>
+          <p:cNvPr id="4" name="Content Placeholder 3"/>
+          <p:cNvSpPr>
+            <a:spLocks noGrp="1"/>
+          </p:cNvSpPr>
+          <p:nvPr>
+            <p:ph idx="1"/>
+          </p:nvPr>
+        </p:nvSpPr>
+        <p:spPr>
+          <a:xfrm>
+            <a:off x="457200" y="1600200"/>
+            <a:ext cx="8686800" cy="4525963"/>
+          </a:xfrm>
+        </p:spPr>
+        <p:txBody>
           <a:bodyPr>
-            <a:normAutofit fontScale="90000"/>
+            <a:normAutofit fontScale="40000" lnSpcReduction="20000"/>
           </a:bodyPr>
           <a:lstStyle/>
           <a:p>
-            <a:r>
-              <a:rPr lang="en-US" dirty="0"/>
-              <a:t>What happened to the Observer Template?</a:t>
-            </a:r>
-          </a:p>
-        </p:txBody>
-      </p:sp>
-      <p:sp>
-        <p:nvSpPr>
-          <p:cNvPr id="3" name="Content Placeholder 2"/>
-          <p:cNvSpPr>
-            <a:spLocks noGrp="1"/>
-          </p:cNvSpPr>
-          <p:nvPr>
-            <p:ph idx="1"/>
-          </p:nvPr>
-        </p:nvSpPr>
-        <p:spPr/>
-        <p:txBody>
-          <a:bodyPr>
-            <a:normAutofit lnSpcReduction="10000"/>
-          </a:bodyPr>
-          <a:lstStyle/>
-          <a:p>
-            <a:r>
-              <a:rPr lang="en-US" dirty="0"/>
-              <a:t>An interface is implicitly itemization data</a:t>
-            </a:r>
-          </a:p>
-          <a:p>
-            <a:r>
-              <a:rPr lang="en-US" dirty="0"/>
-              <a:t>Each class that implements the interface is like an alternative of the itemization data.</a:t>
-            </a:r>
-          </a:p>
-          <a:p>
-            <a:r>
-              <a:rPr lang="en-US" dirty="0"/>
-              <a:t>The object system does all the </a:t>
-            </a:r>
-            <a:r>
-              <a:rPr lang="en-US" b="1" dirty="0" err="1"/>
-              <a:t>cond</a:t>
-            </a:r>
-            <a:r>
-              <a:rPr lang="en-US" dirty="0" err="1"/>
-              <a:t>'s</a:t>
-            </a:r>
-            <a:r>
-              <a:rPr lang="en-US" dirty="0"/>
-              <a:t> for you.</a:t>
-            </a:r>
-          </a:p>
-          <a:p>
-            <a:r>
-              <a:rPr lang="en-US" dirty="0"/>
-              <a:t>All that's left for you to do is to write the right-hand side of each </a:t>
-            </a:r>
-            <a:r>
-              <a:rPr lang="en-US" b="1" dirty="0" err="1"/>
-              <a:t>cond</a:t>
-            </a:r>
-            <a:r>
-              <a:rPr lang="en-US" dirty="0"/>
-              <a:t>-line.</a:t>
-            </a:r>
-          </a:p>
-          <a:p>
-            <a:pPr lvl="1"/>
-            <a:r>
-              <a:rPr lang="en-US" dirty="0"/>
-              <a:t>You can use fields instead of selectors.</a:t>
-            </a:r>
-          </a:p>
-          <a:p>
-            <a:pPr lvl="1"/>
-            <a:r>
-              <a:rPr lang="en-US" dirty="0"/>
-              <a:t>So there's no need for a separate  observer template. (Yay!)  </a:t>
-            </a:r>
-          </a:p>
-        </p:txBody>
-      </p:sp>
-      <p:sp>
-        <p:nvSpPr>
-          <p:cNvPr id="4" name="Slide Number Placeholder 3"/>
+            <a:pPr marL="0" indent="0">
+              <a:buNone/>
+            </a:pPr>
+            <a:r>
+              <a:rPr lang="en-US" sz="2200" b="1" dirty="0">
+                <a:latin typeface="Consolas" pitchFamily="49" charset="0"/>
+                <a:cs typeface="Consolas" pitchFamily="49" charset="0"/>
+              </a:rPr>
+              <a:t>       </a:t>
+            </a:r>
+            <a:r>
+              <a:rPr lang="en-US" sz="2800" b="1" dirty="0">
+                <a:latin typeface="Consolas" pitchFamily="49" charset="0"/>
+                <a:cs typeface="Consolas" pitchFamily="49" charset="0"/>
+              </a:rPr>
+              <a:t>// Constructor template for Bomb:</a:t>
+            </a:r>
+          </a:p>
+          <a:p>
+            <a:pPr marL="0" indent="0">
+              <a:buNone/>
+            </a:pPr>
+            <a:r>
+              <a:rPr lang="en-US" sz="2800" b="1" dirty="0">
+                <a:latin typeface="Consolas" pitchFamily="49" charset="0"/>
+                <a:cs typeface="Consolas" pitchFamily="49" charset="0"/>
+              </a:rPr>
+              <a:t>      //     new Bomb(x, y)</a:t>
+            </a:r>
+          </a:p>
+          <a:p>
+            <a:pPr marL="0" indent="0">
+              <a:buNone/>
+            </a:pPr>
+            <a:r>
+              <a:rPr lang="en-US" sz="2800" b="1" dirty="0">
+                <a:latin typeface="Consolas" pitchFamily="49" charset="0"/>
+                <a:cs typeface="Consolas" pitchFamily="49" charset="0"/>
+              </a:rPr>
+              <a:t>      // Interpretation:</a:t>
+            </a:r>
+          </a:p>
+          <a:p>
+            <a:pPr marL="0" indent="0">
+              <a:buNone/>
+            </a:pPr>
+            <a:r>
+              <a:rPr lang="en-US" sz="2800" b="1" dirty="0">
+                <a:latin typeface="Consolas" pitchFamily="49" charset="0"/>
+                <a:cs typeface="Consolas" pitchFamily="49" charset="0"/>
+              </a:rPr>
+              <a:t>      //     x and y are the x and y coordinates for the center of this bomb</a:t>
+            </a:r>
+          </a:p>
+          <a:p>
+            <a:pPr marL="0" indent="0">
+              <a:buNone/>
+            </a:pPr>
+            <a:r>
+              <a:rPr lang="en-US" sz="2800" b="1" dirty="0">
+                <a:latin typeface="Consolas" pitchFamily="49" charset="0"/>
+                <a:cs typeface="Consolas" pitchFamily="49" charset="0"/>
+              </a:rPr>
+              <a:t>      </a:t>
+            </a:r>
+          </a:p>
+          <a:p>
+            <a:pPr marL="0" indent="0">
+              <a:buNone/>
+            </a:pPr>
+            <a:r>
+              <a:rPr lang="en-US" sz="2800" b="1" dirty="0">
+                <a:latin typeface="Consolas" pitchFamily="49" charset="0"/>
+                <a:cs typeface="Consolas" pitchFamily="49" charset="0"/>
+              </a:rPr>
+              <a:t>      class Bomb implements Widget {</a:t>
+            </a:r>
+          </a:p>
+          <a:p>
+            <a:pPr marL="0" indent="0">
+              <a:buNone/>
+            </a:pPr>
+            <a:r>
+              <a:rPr lang="en-US" sz="2800" b="1" dirty="0">
+                <a:latin typeface="Consolas" pitchFamily="49" charset="0"/>
+                <a:cs typeface="Consolas" pitchFamily="49" charset="0"/>
+              </a:rPr>
+              <a:t>      </a:t>
+            </a:r>
+          </a:p>
+          <a:p>
+            <a:pPr marL="0" indent="0">
+              <a:buNone/>
+            </a:pPr>
+            <a:r>
+              <a:rPr lang="en-US" sz="2800" b="1" dirty="0">
+                <a:latin typeface="Consolas" pitchFamily="49" charset="0"/>
+                <a:cs typeface="Consolas" pitchFamily="49" charset="0"/>
+              </a:rPr>
+              <a:t>          </a:t>
+            </a:r>
+            <a:r>
+              <a:rPr lang="en-US" sz="2800" b="1" dirty="0" err="1">
+                <a:latin typeface="Consolas" pitchFamily="49" charset="0"/>
+                <a:cs typeface="Consolas" pitchFamily="49" charset="0"/>
+              </a:rPr>
+              <a:t>int</a:t>
+            </a:r>
+            <a:r>
+              <a:rPr lang="en-US" sz="2800" b="1" dirty="0">
+                <a:latin typeface="Consolas" pitchFamily="49" charset="0"/>
+                <a:cs typeface="Consolas" pitchFamily="49" charset="0"/>
+              </a:rPr>
+              <a:t> x;                // x coordinate for this bomb's center</a:t>
+            </a:r>
+          </a:p>
+          <a:p>
+            <a:pPr marL="0" indent="0">
+              <a:buNone/>
+            </a:pPr>
+            <a:r>
+              <a:rPr lang="en-US" sz="2800" b="1" dirty="0">
+                <a:latin typeface="Consolas" pitchFamily="49" charset="0"/>
+                <a:cs typeface="Consolas" pitchFamily="49" charset="0"/>
+              </a:rPr>
+              <a:t>          </a:t>
+            </a:r>
+            <a:r>
+              <a:rPr lang="en-US" sz="2800" b="1" dirty="0" err="1">
+                <a:latin typeface="Consolas" pitchFamily="49" charset="0"/>
+                <a:cs typeface="Consolas" pitchFamily="49" charset="0"/>
+              </a:rPr>
+              <a:t>int</a:t>
+            </a:r>
+            <a:r>
+              <a:rPr lang="en-US" sz="2800" b="1" dirty="0">
+                <a:latin typeface="Consolas" pitchFamily="49" charset="0"/>
+                <a:cs typeface="Consolas" pitchFamily="49" charset="0"/>
+              </a:rPr>
+              <a:t> y;                // y coordinate for this bomb's center</a:t>
+            </a:r>
+          </a:p>
+          <a:p>
+            <a:pPr marL="0" indent="0">
+              <a:buNone/>
+            </a:pPr>
+            <a:r>
+              <a:rPr lang="en-US" sz="2800" b="1" dirty="0">
+                <a:latin typeface="Consolas" pitchFamily="49" charset="0"/>
+                <a:cs typeface="Consolas" pitchFamily="49" charset="0"/>
+              </a:rPr>
+              <a:t>      </a:t>
+            </a:r>
+          </a:p>
+          <a:p>
+            <a:pPr marL="0" indent="0">
+              <a:buNone/>
+            </a:pPr>
+            <a:r>
+              <a:rPr lang="en-US" sz="2800" b="1" dirty="0">
+                <a:latin typeface="Consolas" pitchFamily="49" charset="0"/>
+                <a:cs typeface="Consolas" pitchFamily="49" charset="0"/>
+              </a:rPr>
+              <a:t>          // image for displaying the bomb</a:t>
+            </a:r>
+          </a:p>
+          <a:p>
+            <a:pPr marL="0" indent="0">
+              <a:buNone/>
+            </a:pPr>
+            <a:r>
+              <a:rPr lang="en-US" sz="2800" b="1" dirty="0">
+                <a:latin typeface="Consolas" pitchFamily="49" charset="0"/>
+                <a:cs typeface="Consolas" pitchFamily="49" charset="0"/>
+              </a:rPr>
+              <a:t>          // (declared static to avoid creating a separate image</a:t>
+            </a:r>
+          </a:p>
+          <a:p>
+            <a:pPr marL="0" indent="0">
+              <a:buNone/>
+            </a:pPr>
+            <a:r>
+              <a:rPr lang="en-US" sz="2800" b="1" dirty="0">
+                <a:latin typeface="Consolas" pitchFamily="49" charset="0"/>
+                <a:cs typeface="Consolas" pitchFamily="49" charset="0"/>
+              </a:rPr>
+              <a:t>          // for every bomb we create)</a:t>
+            </a:r>
+          </a:p>
+          <a:p>
+            <a:pPr marL="0" indent="0">
+              <a:buNone/>
+            </a:pPr>
+            <a:r>
+              <a:rPr lang="en-US" sz="2800" b="1" dirty="0">
+                <a:latin typeface="Consolas" pitchFamily="49" charset="0"/>
+                <a:cs typeface="Consolas" pitchFamily="49" charset="0"/>
+              </a:rPr>
+              <a:t>      </a:t>
+            </a:r>
+          </a:p>
+          <a:p>
+            <a:pPr marL="0" indent="0">
+              <a:buNone/>
+            </a:pPr>
+            <a:r>
+              <a:rPr lang="en-US" sz="2800" b="1" dirty="0">
+                <a:latin typeface="Consolas" pitchFamily="49" charset="0"/>
+                <a:cs typeface="Consolas" pitchFamily="49" charset="0"/>
+              </a:rPr>
+              <a:t>          static Image BOMB_IMG = </a:t>
+            </a:r>
+            <a:r>
+              <a:rPr lang="en-US" sz="2800" b="1" dirty="0" err="1">
+                <a:latin typeface="Consolas" pitchFamily="49" charset="0"/>
+                <a:cs typeface="Consolas" pitchFamily="49" charset="0"/>
+              </a:rPr>
+              <a:t>Image.circle</a:t>
+            </a:r>
+            <a:r>
+              <a:rPr lang="en-US" sz="2800" b="1" dirty="0">
+                <a:latin typeface="Consolas" pitchFamily="49" charset="0"/>
+                <a:cs typeface="Consolas" pitchFamily="49" charset="0"/>
+              </a:rPr>
+              <a:t> (10, "solid", "red");</a:t>
+            </a:r>
+          </a:p>
+          <a:p>
+            <a:pPr marL="0" indent="0">
+              <a:buNone/>
+            </a:pPr>
+            <a:r>
+              <a:rPr lang="en-US" sz="2800" b="1" dirty="0">
+                <a:latin typeface="Consolas" pitchFamily="49" charset="0"/>
+                <a:cs typeface="Consolas" pitchFamily="49" charset="0"/>
+              </a:rPr>
+              <a:t>      </a:t>
+            </a:r>
+          </a:p>
+          <a:p>
+            <a:pPr marL="0" indent="0">
+              <a:buNone/>
+            </a:pPr>
+            <a:r>
+              <a:rPr lang="en-US" sz="2800" b="1" dirty="0">
+                <a:latin typeface="Consolas" pitchFamily="49" charset="0"/>
+                <a:cs typeface="Consolas" pitchFamily="49" charset="0"/>
+              </a:rPr>
+              <a:t>          static </a:t>
+            </a:r>
+            <a:r>
+              <a:rPr lang="en-US" sz="2800" b="1" dirty="0" err="1">
+                <a:latin typeface="Consolas" pitchFamily="49" charset="0"/>
+                <a:cs typeface="Consolas" pitchFamily="49" charset="0"/>
+              </a:rPr>
+              <a:t>int</a:t>
+            </a:r>
+            <a:r>
+              <a:rPr lang="en-US" sz="2800" b="1" dirty="0">
+                <a:latin typeface="Consolas" pitchFamily="49" charset="0"/>
+                <a:cs typeface="Consolas" pitchFamily="49" charset="0"/>
+              </a:rPr>
+              <a:t> SPEED = 8; // the bomb's speed, in pixels/tick</a:t>
+            </a:r>
+          </a:p>
+          <a:p>
+            <a:pPr marL="0" indent="0">
+              <a:buNone/>
+            </a:pPr>
+            <a:r>
+              <a:rPr lang="en-US" sz="2800" b="1" dirty="0">
+                <a:latin typeface="Consolas" pitchFamily="49" charset="0"/>
+                <a:cs typeface="Consolas" pitchFamily="49" charset="0"/>
+              </a:rPr>
+              <a:t>      </a:t>
+            </a:r>
+          </a:p>
+          <a:p>
+            <a:pPr marL="0" indent="0">
+              <a:buNone/>
+            </a:pPr>
+            <a:r>
+              <a:rPr lang="en-US" sz="2800" b="1" dirty="0">
+                <a:latin typeface="Consolas" pitchFamily="49" charset="0"/>
+                <a:cs typeface="Consolas" pitchFamily="49" charset="0"/>
+              </a:rPr>
+              <a:t>          Bomb (</a:t>
+            </a:r>
+            <a:r>
+              <a:rPr lang="en-US" sz="2800" b="1" dirty="0" err="1">
+                <a:latin typeface="Consolas" pitchFamily="49" charset="0"/>
+                <a:cs typeface="Consolas" pitchFamily="49" charset="0"/>
+              </a:rPr>
+              <a:t>int</a:t>
+            </a:r>
+            <a:r>
+              <a:rPr lang="en-US" sz="2800" b="1" dirty="0">
+                <a:latin typeface="Consolas" pitchFamily="49" charset="0"/>
+                <a:cs typeface="Consolas" pitchFamily="49" charset="0"/>
+              </a:rPr>
+              <a:t> x, </a:t>
+            </a:r>
+            <a:r>
+              <a:rPr lang="en-US" sz="2800" b="1" dirty="0" err="1">
+                <a:latin typeface="Consolas" pitchFamily="49" charset="0"/>
+                <a:cs typeface="Consolas" pitchFamily="49" charset="0"/>
+              </a:rPr>
+              <a:t>int</a:t>
+            </a:r>
+            <a:r>
+              <a:rPr lang="en-US" sz="2800" b="1" dirty="0">
+                <a:latin typeface="Consolas" pitchFamily="49" charset="0"/>
+                <a:cs typeface="Consolas" pitchFamily="49" charset="0"/>
+              </a:rPr>
+              <a:t> y) {</a:t>
+            </a:r>
+          </a:p>
+          <a:p>
+            <a:pPr marL="0" indent="0">
+              <a:buNone/>
+            </a:pPr>
+            <a:r>
+              <a:rPr lang="en-US" sz="2800" b="1" dirty="0">
+                <a:latin typeface="Consolas" pitchFamily="49" charset="0"/>
+                <a:cs typeface="Consolas" pitchFamily="49" charset="0"/>
+              </a:rPr>
+              <a:t>              </a:t>
+            </a:r>
+            <a:r>
+              <a:rPr lang="en-US" sz="2800" b="1" dirty="0" err="1">
+                <a:latin typeface="Consolas" pitchFamily="49" charset="0"/>
+                <a:cs typeface="Consolas" pitchFamily="49" charset="0"/>
+              </a:rPr>
+              <a:t>this.x</a:t>
+            </a:r>
+            <a:r>
+              <a:rPr lang="en-US" sz="2800" b="1" dirty="0">
+                <a:latin typeface="Consolas" pitchFamily="49" charset="0"/>
+                <a:cs typeface="Consolas" pitchFamily="49" charset="0"/>
+              </a:rPr>
+              <a:t> = x;</a:t>
+            </a:r>
+          </a:p>
+          <a:p>
+            <a:pPr marL="0" indent="0">
+              <a:buNone/>
+            </a:pPr>
+            <a:r>
+              <a:rPr lang="en-US" sz="2800" b="1" dirty="0">
+                <a:latin typeface="Consolas" pitchFamily="49" charset="0"/>
+                <a:cs typeface="Consolas" pitchFamily="49" charset="0"/>
+              </a:rPr>
+              <a:t>              </a:t>
+            </a:r>
+            <a:r>
+              <a:rPr lang="en-US" sz="2800" b="1" dirty="0" err="1">
+                <a:latin typeface="Consolas" pitchFamily="49" charset="0"/>
+                <a:cs typeface="Consolas" pitchFamily="49" charset="0"/>
+              </a:rPr>
+              <a:t>this.y</a:t>
+            </a:r>
+            <a:r>
+              <a:rPr lang="en-US" sz="2800" b="1" dirty="0">
+                <a:latin typeface="Consolas" pitchFamily="49" charset="0"/>
+                <a:cs typeface="Consolas" pitchFamily="49" charset="0"/>
+              </a:rPr>
+              <a:t> = y;</a:t>
+            </a:r>
+          </a:p>
+          <a:p>
+            <a:pPr marL="0" indent="0">
+              <a:buNone/>
+            </a:pPr>
+            <a:r>
+              <a:rPr lang="en-US" sz="2800" b="1" dirty="0">
+                <a:latin typeface="Consolas" pitchFamily="49" charset="0"/>
+                <a:cs typeface="Consolas" pitchFamily="49" charset="0"/>
+              </a:rPr>
+              <a:t>          }</a:t>
+            </a:r>
+          </a:p>
+          <a:p>
+            <a:pPr marL="0" indent="0">
+              <a:buNone/>
+            </a:pPr>
+            <a:r>
+              <a:rPr lang="en-US" sz="2800" b="1" dirty="0">
+                <a:latin typeface="Consolas" pitchFamily="49" charset="0"/>
+                <a:cs typeface="Consolas" pitchFamily="49" charset="0"/>
+              </a:rPr>
+              <a:t>      </a:t>
+            </a:r>
+          </a:p>
+          <a:p>
+            <a:pPr marL="0" indent="0">
+              <a:buNone/>
+            </a:pPr>
+            <a:r>
+              <a:rPr lang="en-US" sz="2800" b="1" dirty="0">
+                <a:latin typeface="Consolas" pitchFamily="49" charset="0"/>
+                <a:cs typeface="Consolas" pitchFamily="49" charset="0"/>
+              </a:rPr>
+              <a:t>          ...</a:t>
+            </a:r>
+          </a:p>
+          <a:p>
+            <a:pPr marL="0" indent="0">
+              <a:buNone/>
+            </a:pPr>
+            <a:r>
+              <a:rPr lang="en-US" sz="2800" b="1" dirty="0">
+                <a:latin typeface="Consolas" pitchFamily="49" charset="0"/>
+                <a:cs typeface="Consolas" pitchFamily="49" charset="0"/>
+              </a:rPr>
+              <a:t>      }</a:t>
+            </a:r>
+          </a:p>
+        </p:txBody>
+      </p:sp>
+      <p:sp>
+        <p:nvSpPr>
+          <p:cNvPr id="3" name="Slide Number Placeholder 2"/>
           <p:cNvSpPr>
             <a:spLocks noGrp="1"/>
           </p:cNvSpPr>
@@ -5145,6 +5513,11 @@
         </p:txBody>
       </p:sp>
     </p:spTree>
+    <p:extLst>
+      <p:ext uri="{BB962C8B-B14F-4D97-AF65-F5344CB8AC3E}">
+        <p14:creationId xmlns:p14="http://schemas.microsoft.com/office/powerpoint/2010/main" val="2254716004"/>
+      </p:ext>
+    </p:extLst>
   </p:cSld>
   <p:clrMapOvr>
     <a:masterClrMapping/>
@@ -5181,91 +5554,120 @@
         </p:nvSpPr>
         <p:spPr/>
         <p:txBody>
+          <a:bodyPr>
+            <a:normAutofit fontScale="90000"/>
+          </a:bodyPr>
+          <a:lstStyle/>
+          <a:p>
+            <a:r>
+              <a:rPr lang="en-US" dirty="0"/>
+              <a:t>What happened to the Observer Template?</a:t>
+            </a:r>
+          </a:p>
+        </p:txBody>
+      </p:sp>
+      <p:sp>
+        <p:nvSpPr>
+          <p:cNvPr id="3" name="Content Placeholder 2"/>
+          <p:cNvSpPr>
+            <a:spLocks noGrp="1"/>
+          </p:cNvSpPr>
+          <p:nvPr>
+            <p:ph idx="1"/>
+          </p:nvPr>
+        </p:nvSpPr>
+        <p:spPr/>
+        <p:txBody>
+          <a:bodyPr>
+            <a:normAutofit fontScale="92500" lnSpcReduction="10000"/>
+          </a:bodyPr>
+          <a:lstStyle/>
+          <a:p>
+            <a:r>
+              <a:rPr lang="en-US" dirty="0"/>
+              <a:t>An interface is implicitly itemization data</a:t>
+            </a:r>
+          </a:p>
+          <a:p>
+            <a:r>
+              <a:rPr lang="en-US" dirty="0"/>
+              <a:t>Each class that implements the interface is like an alternative of the itemization data.</a:t>
+            </a:r>
+          </a:p>
+          <a:p>
+            <a:r>
+              <a:rPr lang="en-US" dirty="0"/>
+              <a:t>The object system does all the </a:t>
+            </a:r>
+            <a:r>
+              <a:rPr lang="en-US" b="1" dirty="0" err="1"/>
+              <a:t>cond</a:t>
+            </a:r>
+            <a:r>
+              <a:rPr lang="en-US" dirty="0" err="1"/>
+              <a:t>'s</a:t>
+            </a:r>
+            <a:r>
+              <a:rPr lang="en-US" dirty="0"/>
+              <a:t> for you.</a:t>
+            </a:r>
+          </a:p>
+          <a:p>
+            <a:r>
+              <a:rPr lang="en-US" dirty="0"/>
+              <a:t>All that's left for you to do is to write the right-hand side of each </a:t>
+            </a:r>
+            <a:r>
+              <a:rPr lang="en-US" b="1" dirty="0" err="1"/>
+              <a:t>cond</a:t>
+            </a:r>
+            <a:r>
+              <a:rPr lang="en-US" dirty="0"/>
+              <a:t>-line.</a:t>
+            </a:r>
+          </a:p>
+          <a:p>
+            <a:pPr lvl="1"/>
+            <a:r>
+              <a:rPr lang="en-US" dirty="0"/>
+              <a:t>When referring to the fields of </a:t>
+            </a:r>
+            <a:r>
+              <a:rPr lang="en-US" b="1" dirty="0"/>
+              <a:t>this</a:t>
+            </a:r>
+            <a:r>
+              <a:rPr lang="en-US" dirty="0"/>
+              <a:t> object, you can use fields instead of selectors.</a:t>
+            </a:r>
+          </a:p>
+          <a:p>
+            <a:pPr lvl="1"/>
+            <a:r>
+              <a:rPr lang="en-US" dirty="0"/>
+              <a:t>So there's no need for a separate  observer template. (Yay!)  </a:t>
+            </a:r>
+          </a:p>
+        </p:txBody>
+      </p:sp>
+      <p:sp>
+        <p:nvSpPr>
+          <p:cNvPr id="4" name="Slide Number Placeholder 3"/>
+          <p:cNvSpPr>
+            <a:spLocks noGrp="1"/>
+          </p:cNvSpPr>
+          <p:nvPr>
+            <p:ph type="sldNum" sz="quarter" idx="12"/>
+          </p:nvPr>
+        </p:nvSpPr>
+        <p:spPr/>
+        <p:txBody>
           <a:bodyPr/>
           <a:lstStyle/>
           <a:p>
-            <a:r>
-              <a:rPr lang="en-US" dirty="0"/>
-              <a:t>Coding Standards</a:t>
-            </a:r>
-          </a:p>
-        </p:txBody>
-      </p:sp>
-      <p:sp>
-        <p:nvSpPr>
-          <p:cNvPr id="3" name="Content Placeholder 2"/>
-          <p:cNvSpPr>
-            <a:spLocks noGrp="1"/>
-          </p:cNvSpPr>
-          <p:nvPr>
-            <p:ph idx="1"/>
-          </p:nvPr>
-        </p:nvSpPr>
-        <p:spPr/>
-        <p:txBody>
-          <a:bodyPr/>
-          <a:lstStyle/>
-          <a:p>
-            <a:r>
-              <a:rPr lang="en-US" dirty="0"/>
-              <a:t>Every method in the class (defined with </a:t>
-            </a:r>
-            <a:r>
-              <a:rPr lang="en-US" b="1" dirty="0"/>
-              <a:t>define/public</a:t>
-            </a:r>
-            <a:r>
-              <a:rPr lang="en-US" dirty="0"/>
-              <a:t>) MUST be listed in the interface.</a:t>
-            </a:r>
-          </a:p>
-          <a:p>
-            <a:r>
-              <a:rPr lang="en-US" dirty="0"/>
-              <a:t>Exception: methods named </a:t>
-            </a:r>
-            <a:r>
-              <a:rPr lang="en-US" b="1" dirty="0"/>
-              <a:t>for-test:... </a:t>
-            </a:r>
-            <a:r>
-              <a:rPr lang="en-US" dirty="0"/>
-              <a:t> These methods may only be used for testing and  debugging.</a:t>
-            </a:r>
-          </a:p>
-          <a:p>
-            <a:r>
-              <a:rPr lang="en-US" dirty="0"/>
-              <a:t>You may have functions (defined with </a:t>
-            </a:r>
-            <a:r>
-              <a:rPr lang="en-US" b="1" dirty="0"/>
-              <a:t>define</a:t>
-            </a:r>
-            <a:r>
-              <a:rPr lang="en-US" dirty="0"/>
-              <a:t>) in your class.   These will be private to the class.</a:t>
-            </a:r>
-          </a:p>
-        </p:txBody>
-      </p:sp>
-      <p:sp>
-        <p:nvSpPr>
-          <p:cNvPr id="4" name="Slide Number Placeholder 3"/>
-          <p:cNvSpPr>
-            <a:spLocks noGrp="1"/>
-          </p:cNvSpPr>
-          <p:nvPr>
-            <p:ph type="sldNum" sz="quarter" idx="12"/>
-          </p:nvPr>
-        </p:nvSpPr>
-        <p:spPr/>
-        <p:txBody>
-          <a:bodyPr/>
-          <a:lstStyle/>
-          <a:p>
-            <a:fld id="{2AF3B5EA-18B6-4040-9F78-6052AF49C681}" type="slidenum">
+            <a:fld id="{B6F15528-21DE-4FAA-801E-634DDDAF4B2B}" type="slidenum">
               <a:rPr lang="en-US" smtClean="0"/>
+              <a:pPr/>
               <a:t>11</a:t>
             </a:fld>
             <a:endParaRPr lang="en-US"/>
@@ -5273,11 +5675,6 @@
         </p:txBody>
       </p:sp>
     </p:spTree>
-    <p:extLst>
-      <p:ext uri="{BB962C8B-B14F-4D97-AF65-F5344CB8AC3E}">
-        <p14:creationId xmlns:p14="http://schemas.microsoft.com/office/powerpoint/2010/main" val="2646996292"/>
-      </p:ext>
-    </p:extLst>
   </p:cSld>
   <p:clrMapOvr>
     <a:masterClrMapping/>
@@ -5304,6 +5701,552 @@
       </p:grpSpPr>
       <p:sp>
         <p:nvSpPr>
+          <p:cNvPr id="2" name="Title 1">
+            <a:extLst>
+              <a:ext uri="{FF2B5EF4-FFF2-40B4-BE49-F238E27FC236}">
+                <a16:creationId xmlns:a16="http://schemas.microsoft.com/office/drawing/2014/main" id="{6FB6FA3F-8630-4A07-8984-5CDDEE9089BF}"/>
+              </a:ext>
+            </a:extLst>
+          </p:cNvPr>
+          <p:cNvSpPr>
+            <a:spLocks noGrp="1"/>
+          </p:cNvSpPr>
+          <p:nvPr>
+            <p:ph type="title"/>
+          </p:nvPr>
+        </p:nvSpPr>
+        <p:spPr/>
+        <p:txBody>
+          <a:bodyPr/>
+          <a:lstStyle/>
+          <a:p>
+            <a:r>
+              <a:rPr lang="en-US" dirty="0"/>
+              <a:t>Coding Standards, Part 1</a:t>
+            </a:r>
+          </a:p>
+        </p:txBody>
+      </p:sp>
+      <p:sp>
+        <p:nvSpPr>
+          <p:cNvPr id="3" name="Content Placeholder 2">
+            <a:extLst>
+              <a:ext uri="{FF2B5EF4-FFF2-40B4-BE49-F238E27FC236}">
+                <a16:creationId xmlns:a16="http://schemas.microsoft.com/office/drawing/2014/main" id="{876E1BCC-FCF3-442C-AA30-298925367D4F}"/>
+              </a:ext>
+            </a:extLst>
+          </p:cNvPr>
+          <p:cNvSpPr>
+            <a:spLocks noGrp="1"/>
+          </p:cNvSpPr>
+          <p:nvPr>
+            <p:ph idx="1"/>
+          </p:nvPr>
+        </p:nvSpPr>
+        <p:spPr/>
+        <p:txBody>
+          <a:bodyPr>
+            <a:normAutofit fontScale="62500" lnSpcReduction="20000"/>
+          </a:bodyPr>
+          <a:lstStyle/>
+          <a:p>
+            <a:r>
+              <a:rPr lang="en-US" dirty="0"/>
+              <a:t>A public method is a method whose definition begins with </a:t>
+            </a:r>
+            <a:r>
+              <a:rPr lang="en-US" b="1" dirty="0"/>
+              <a:t>public</a:t>
+            </a:r>
+            <a:r>
+              <a:rPr lang="en-US" dirty="0"/>
+              <a:t>.</a:t>
+            </a:r>
+          </a:p>
+          <a:p>
+            <a:pPr lvl="1"/>
+            <a:r>
+              <a:rPr lang="en-US" dirty="0"/>
+              <a:t>If a method is listed in an interface, its definition must be public. (The Java compiler enforces this.)</a:t>
+            </a:r>
+          </a:p>
+          <a:p>
+            <a:pPr lvl="1"/>
+            <a:r>
+              <a:rPr lang="en-US" dirty="0"/>
+              <a:t>If a method overrides a method inherited from </a:t>
+            </a:r>
+            <a:r>
+              <a:rPr lang="en-US" b="1" dirty="0"/>
+              <a:t>Object</a:t>
+            </a:r>
+            <a:r>
+              <a:rPr lang="en-US" dirty="0"/>
+              <a:t>, its definition must be public. (The Java compiler enforces this.)</a:t>
+            </a:r>
+          </a:p>
+          <a:p>
+            <a:pPr lvl="1"/>
+            <a:r>
+              <a:rPr lang="en-US" dirty="0"/>
+              <a:t>A static method (such as </a:t>
+            </a:r>
+            <a:r>
+              <a:rPr lang="en-US" b="1" dirty="0"/>
+              <a:t>main</a:t>
+            </a:r>
+            <a:r>
+              <a:rPr lang="en-US" dirty="0"/>
+              <a:t>) may be public.</a:t>
+            </a:r>
+          </a:p>
+          <a:p>
+            <a:r>
+              <a:rPr lang="en-US" dirty="0"/>
+              <a:t>Every public method of the class MUST</a:t>
+            </a:r>
+          </a:p>
+          <a:p>
+            <a:pPr lvl="1"/>
+            <a:r>
+              <a:rPr lang="en-US" dirty="0"/>
+              <a:t>be listed in an interface the class implements, or</a:t>
+            </a:r>
+          </a:p>
+          <a:p>
+            <a:pPr lvl="1"/>
+            <a:r>
+              <a:rPr lang="en-US" dirty="0"/>
+              <a:t>override a method inherited from </a:t>
+            </a:r>
+            <a:r>
+              <a:rPr lang="en-US" b="1" dirty="0"/>
+              <a:t>Object</a:t>
+            </a:r>
+            <a:r>
+              <a:rPr lang="en-US" dirty="0"/>
+              <a:t>, or</a:t>
+            </a:r>
+          </a:p>
+          <a:p>
+            <a:pPr lvl="1"/>
+            <a:r>
+              <a:rPr lang="en-US" dirty="0"/>
+              <a:t>be a static method (such as </a:t>
+            </a:r>
+            <a:r>
+              <a:rPr lang="en-US" b="1" dirty="0"/>
+              <a:t>main</a:t>
+            </a:r>
+            <a:r>
+              <a:rPr lang="en-US" dirty="0"/>
+              <a:t>).</a:t>
+            </a:r>
+          </a:p>
+          <a:p>
+            <a:r>
+              <a:rPr lang="en-US" dirty="0"/>
+              <a:t>Your class may also define non-public help methods. If a help method is called only from within the class, then it should be declared </a:t>
+            </a:r>
+            <a:r>
+              <a:rPr lang="en-US" b="1" dirty="0"/>
+              <a:t>private</a:t>
+            </a:r>
+            <a:r>
+              <a:rPr lang="en-US" dirty="0"/>
+              <a:t>.</a:t>
+            </a:r>
+          </a:p>
+          <a:p>
+            <a:r>
+              <a:rPr lang="en-US" dirty="0"/>
+              <a:t>Your non-public methods should come after all of the public methods.</a:t>
+            </a:r>
+          </a:p>
+          <a:p>
+            <a:r>
+              <a:rPr lang="en-US" dirty="0"/>
+              <a:t>You must not declare anything to be </a:t>
+            </a:r>
+            <a:r>
+              <a:rPr lang="en-US" b="1" dirty="0"/>
+              <a:t>protected</a:t>
+            </a:r>
+            <a:r>
+              <a:rPr lang="en-US" dirty="0"/>
+              <a:t>.</a:t>
+            </a:r>
+          </a:p>
+        </p:txBody>
+      </p:sp>
+      <p:sp>
+        <p:nvSpPr>
+          <p:cNvPr id="4" name="Slide Number Placeholder 3">
+            <a:extLst>
+              <a:ext uri="{FF2B5EF4-FFF2-40B4-BE49-F238E27FC236}">
+                <a16:creationId xmlns:a16="http://schemas.microsoft.com/office/drawing/2014/main" id="{2523D933-3BE1-43F0-A859-1B0A05401FF4}"/>
+              </a:ext>
+            </a:extLst>
+          </p:cNvPr>
+          <p:cNvSpPr>
+            <a:spLocks noGrp="1"/>
+          </p:cNvSpPr>
+          <p:nvPr>
+            <p:ph type="sldNum" sz="quarter" idx="12"/>
+          </p:nvPr>
+        </p:nvSpPr>
+        <p:spPr/>
+        <p:txBody>
+          <a:bodyPr/>
+          <a:lstStyle/>
+          <a:p>
+            <a:fld id="{2AF3B5EA-18B6-4040-9F78-6052AF49C681}" type="slidenum">
+              <a:rPr lang="en-US" smtClean="0"/>
+              <a:t>12</a:t>
+            </a:fld>
+            <a:endParaRPr lang="en-US"/>
+          </a:p>
+        </p:txBody>
+      </p:sp>
+    </p:spTree>
+    <p:extLst>
+      <p:ext uri="{BB962C8B-B14F-4D97-AF65-F5344CB8AC3E}">
+        <p14:creationId xmlns:p14="http://schemas.microsoft.com/office/powerpoint/2010/main" val="2011775058"/>
+      </p:ext>
+    </p:extLst>
+  </p:cSld>
+  <p:clrMapOvr>
+    <a:masterClrMapping/>
+  </p:clrMapOvr>
+</p:sld>
+</file>
+
+<file path=ppt/slides/slide13.xml><?xml version="1.0" encoding="utf-8"?>
+<p:sld xmlns:a="http://schemas.openxmlformats.org/drawingml/2006/main" xmlns:r="http://schemas.openxmlformats.org/officeDocument/2006/relationships" xmlns:p="http://schemas.openxmlformats.org/presentationml/2006/main">
+  <p:cSld>
+    <p:spTree>
+      <p:nvGrpSpPr>
+        <p:cNvPr id="1" name=""/>
+        <p:cNvGrpSpPr/>
+        <p:nvPr/>
+      </p:nvGrpSpPr>
+      <p:grpSpPr>
+        <a:xfrm>
+          <a:off x="0" y="0"/>
+          <a:ext cx="0" cy="0"/>
+          <a:chOff x="0" y="0"/>
+          <a:chExt cx="0" cy="0"/>
+        </a:xfrm>
+      </p:grpSpPr>
+      <p:sp>
+        <p:nvSpPr>
+          <p:cNvPr id="2" name="Title 1">
+            <a:extLst>
+              <a:ext uri="{FF2B5EF4-FFF2-40B4-BE49-F238E27FC236}">
+                <a16:creationId xmlns:a16="http://schemas.microsoft.com/office/drawing/2014/main" id="{93FAA8D4-AE71-4C9D-9A94-262A4C2D29E1}"/>
+              </a:ext>
+            </a:extLst>
+          </p:cNvPr>
+          <p:cNvSpPr>
+            <a:spLocks noGrp="1"/>
+          </p:cNvSpPr>
+          <p:nvPr>
+            <p:ph type="title"/>
+          </p:nvPr>
+        </p:nvSpPr>
+        <p:spPr/>
+        <p:txBody>
+          <a:bodyPr/>
+          <a:lstStyle/>
+          <a:p>
+            <a:r>
+              <a:rPr lang="en-US" dirty="0"/>
+              <a:t>What happened to </a:t>
+            </a:r>
+            <a:r>
+              <a:rPr lang="en-US" b="1" dirty="0"/>
+              <a:t>protected</a:t>
+            </a:r>
+            <a:r>
+              <a:rPr lang="en-US" dirty="0"/>
+              <a:t>?</a:t>
+            </a:r>
+          </a:p>
+        </p:txBody>
+      </p:sp>
+      <p:sp>
+        <p:nvSpPr>
+          <p:cNvPr id="3" name="Content Placeholder 2">
+            <a:extLst>
+              <a:ext uri="{FF2B5EF4-FFF2-40B4-BE49-F238E27FC236}">
+                <a16:creationId xmlns:a16="http://schemas.microsoft.com/office/drawing/2014/main" id="{E7C274CC-5AC9-4927-8428-F327BDAE2A73}"/>
+              </a:ext>
+            </a:extLst>
+          </p:cNvPr>
+          <p:cNvSpPr>
+            <a:spLocks noGrp="1"/>
+          </p:cNvSpPr>
+          <p:nvPr>
+            <p:ph idx="1"/>
+          </p:nvPr>
+        </p:nvSpPr>
+        <p:spPr/>
+        <p:txBody>
+          <a:bodyPr/>
+          <a:lstStyle/>
+          <a:p>
+            <a:r>
+              <a:rPr lang="en-US" dirty="0"/>
+              <a:t>In Java, declaring something to be protected makes it less protected, so programmers who are new to Java seldom use that keyword correctly. Java's protected keyword does have a few legitimate uses, but those uses are beyond the scope of this course.</a:t>
+            </a:r>
+          </a:p>
+        </p:txBody>
+      </p:sp>
+      <p:sp>
+        <p:nvSpPr>
+          <p:cNvPr id="4" name="Slide Number Placeholder 3">
+            <a:extLst>
+              <a:ext uri="{FF2B5EF4-FFF2-40B4-BE49-F238E27FC236}">
+                <a16:creationId xmlns:a16="http://schemas.microsoft.com/office/drawing/2014/main" id="{2F5ED402-9FD2-4157-AD30-2B1228E38017}"/>
+              </a:ext>
+            </a:extLst>
+          </p:cNvPr>
+          <p:cNvSpPr>
+            <a:spLocks noGrp="1"/>
+          </p:cNvSpPr>
+          <p:nvPr>
+            <p:ph type="sldNum" sz="quarter" idx="12"/>
+          </p:nvPr>
+        </p:nvSpPr>
+        <p:spPr/>
+        <p:txBody>
+          <a:bodyPr/>
+          <a:lstStyle/>
+          <a:p>
+            <a:fld id="{2AF3B5EA-18B6-4040-9F78-6052AF49C681}" type="slidenum">
+              <a:rPr lang="en-US" smtClean="0"/>
+              <a:t>13</a:t>
+            </a:fld>
+            <a:endParaRPr lang="en-US"/>
+          </a:p>
+        </p:txBody>
+      </p:sp>
+    </p:spTree>
+    <p:extLst>
+      <p:ext uri="{BB962C8B-B14F-4D97-AF65-F5344CB8AC3E}">
+        <p14:creationId xmlns:p14="http://schemas.microsoft.com/office/powerpoint/2010/main" val="2732176397"/>
+      </p:ext>
+    </p:extLst>
+  </p:cSld>
+  <p:clrMapOvr>
+    <a:masterClrMapping/>
+  </p:clrMapOvr>
+</p:sld>
+</file>
+
+<file path=ppt/slides/slide14.xml><?xml version="1.0" encoding="utf-8"?>
+<p:sld xmlns:a="http://schemas.openxmlformats.org/drawingml/2006/main" xmlns:r="http://schemas.openxmlformats.org/officeDocument/2006/relationships" xmlns:p="http://schemas.openxmlformats.org/presentationml/2006/main">
+  <p:cSld>
+    <p:spTree>
+      <p:nvGrpSpPr>
+        <p:cNvPr id="1" name=""/>
+        <p:cNvGrpSpPr/>
+        <p:nvPr/>
+      </p:nvGrpSpPr>
+      <p:grpSpPr>
+        <a:xfrm>
+          <a:off x="0" y="0"/>
+          <a:ext cx="0" cy="0"/>
+          <a:chOff x="0" y="0"/>
+          <a:chExt cx="0" cy="0"/>
+        </a:xfrm>
+      </p:grpSpPr>
+      <p:sp>
+        <p:nvSpPr>
+          <p:cNvPr id="2" name="Title 1">
+            <a:extLst>
+              <a:ext uri="{FF2B5EF4-FFF2-40B4-BE49-F238E27FC236}">
+                <a16:creationId xmlns:a16="http://schemas.microsoft.com/office/drawing/2014/main" id="{70E640DF-138D-46C8-BD17-F55597CB094F}"/>
+              </a:ext>
+            </a:extLst>
+          </p:cNvPr>
+          <p:cNvSpPr>
+            <a:spLocks noGrp="1"/>
+          </p:cNvSpPr>
+          <p:nvPr>
+            <p:ph type="title"/>
+          </p:nvPr>
+        </p:nvSpPr>
+        <p:spPr/>
+        <p:txBody>
+          <a:bodyPr/>
+          <a:lstStyle/>
+          <a:p>
+            <a:r>
+              <a:rPr lang="en-US" dirty="0"/>
+              <a:t>Coding Standards, Part 2</a:t>
+            </a:r>
+          </a:p>
+        </p:txBody>
+      </p:sp>
+      <p:sp>
+        <p:nvSpPr>
+          <p:cNvPr id="3" name="Content Placeholder 2">
+            <a:extLst>
+              <a:ext uri="{FF2B5EF4-FFF2-40B4-BE49-F238E27FC236}">
+                <a16:creationId xmlns:a16="http://schemas.microsoft.com/office/drawing/2014/main" id="{3D74B21F-580B-4C38-9506-FE7644D54EF1}"/>
+              </a:ext>
+            </a:extLst>
+          </p:cNvPr>
+          <p:cNvSpPr>
+            <a:spLocks noGrp="1"/>
+          </p:cNvSpPr>
+          <p:nvPr>
+            <p:ph idx="1"/>
+          </p:nvPr>
+        </p:nvSpPr>
+        <p:spPr/>
+        <p:txBody>
+          <a:bodyPr>
+            <a:normAutofit fontScale="77500" lnSpcReduction="20000"/>
+          </a:bodyPr>
+          <a:lstStyle/>
+          <a:p>
+            <a:r>
+              <a:rPr lang="en-US" dirty="0"/>
+              <a:t>Interface and class names begin with a capital letter. Instead of using a hyphen to separate words in the name of a type or class, use Camel Case, as in </a:t>
+            </a:r>
+            <a:r>
+              <a:rPr lang="en-US" b="1" dirty="0" err="1"/>
+              <a:t>StupidRobot</a:t>
+            </a:r>
+            <a:r>
+              <a:rPr lang="en-US" dirty="0"/>
+              <a:t>.</a:t>
+            </a:r>
+          </a:p>
+          <a:p>
+            <a:r>
+              <a:rPr lang="en-US" dirty="0"/>
+              <a:t>Variable and method names begin with a lower-case letter. Instead of using a hyphen to separate words in a variable or method name, use Camel Case: </a:t>
+            </a:r>
+            <a:r>
+              <a:rPr lang="en-US" b="1" dirty="0" err="1"/>
+              <a:t>addToScene</a:t>
+            </a:r>
+            <a:r>
+              <a:rPr lang="en-US" dirty="0"/>
+              <a:t> instead of </a:t>
+            </a:r>
+            <a:r>
+              <a:rPr lang="en-US" b="1" dirty="0"/>
+              <a:t>add-to-scene</a:t>
+            </a:r>
+            <a:r>
+              <a:rPr lang="en-US" dirty="0"/>
+              <a:t>.</a:t>
+            </a:r>
+          </a:p>
+          <a:p>
+            <a:r>
+              <a:rPr lang="en-US" dirty="0"/>
+              <a:t>Constant names are entirely in upper case, using underscores instead of hyphens to separate words in a constant's name: </a:t>
+            </a:r>
+            <a:r>
+              <a:rPr lang="en-US" b="1" dirty="0"/>
+              <a:t>BOMB_IMAGE </a:t>
+            </a:r>
+            <a:r>
+              <a:rPr lang="en-US" dirty="0"/>
+              <a:t>instead of </a:t>
+            </a:r>
+            <a:r>
+              <a:rPr lang="en-US" b="1" dirty="0"/>
+              <a:t>BOMB-IMAGE</a:t>
+            </a:r>
+            <a:r>
+              <a:rPr lang="en-US" dirty="0"/>
+              <a:t>.</a:t>
+            </a:r>
+          </a:p>
+          <a:p>
+            <a:pPr lvl="1"/>
+            <a:r>
+              <a:rPr lang="en-US" dirty="0"/>
+              <a:t>In Java, the definition of a constant begins with </a:t>
+            </a:r>
+            <a:r>
+              <a:rPr lang="en-US" b="1" dirty="0"/>
+              <a:t>static final</a:t>
+            </a:r>
+            <a:r>
+              <a:rPr lang="en-US" dirty="0"/>
+              <a:t>.</a:t>
+            </a:r>
+          </a:p>
+        </p:txBody>
+      </p:sp>
+      <p:sp>
+        <p:nvSpPr>
+          <p:cNvPr id="4" name="Slide Number Placeholder 3">
+            <a:extLst>
+              <a:ext uri="{FF2B5EF4-FFF2-40B4-BE49-F238E27FC236}">
+                <a16:creationId xmlns:a16="http://schemas.microsoft.com/office/drawing/2014/main" id="{6D61E70B-62A0-47F2-9615-6D0FB3C8F955}"/>
+              </a:ext>
+            </a:extLst>
+          </p:cNvPr>
+          <p:cNvSpPr>
+            <a:spLocks noGrp="1"/>
+          </p:cNvSpPr>
+          <p:nvPr>
+            <p:ph type="sldNum" sz="quarter" idx="12"/>
+          </p:nvPr>
+        </p:nvSpPr>
+        <p:spPr/>
+        <p:txBody>
+          <a:bodyPr/>
+          <a:lstStyle/>
+          <a:p>
+            <a:fld id="{2AF3B5EA-18B6-4040-9F78-6052AF49C681}" type="slidenum">
+              <a:rPr lang="en-US" smtClean="0"/>
+              <a:t>14</a:t>
+            </a:fld>
+            <a:endParaRPr lang="en-US"/>
+          </a:p>
+        </p:txBody>
+      </p:sp>
+    </p:spTree>
+    <p:extLst>
+      <p:ext uri="{BB962C8B-B14F-4D97-AF65-F5344CB8AC3E}">
+        <p14:creationId xmlns:p14="http://schemas.microsoft.com/office/powerpoint/2010/main" val="240954208"/>
+      </p:ext>
+    </p:extLst>
+  </p:cSld>
+  <p:clrMapOvr>
+    <a:masterClrMapping/>
+  </p:clrMapOvr>
+</p:sld>
+</file>
+
+<file path=ppt/slides/slide15.xml><?xml version="1.0" encoding="utf-8"?>
+<p:sld xmlns:a="http://schemas.openxmlformats.org/drawingml/2006/main" xmlns:r="http://schemas.openxmlformats.org/officeDocument/2006/relationships" xmlns:p="http://schemas.openxmlformats.org/presentationml/2006/main">
+  <p:cSld>
+    <p:spTree>
+      <p:nvGrpSpPr>
+        <p:cNvPr id="1" name=""/>
+        <p:cNvGrpSpPr/>
+        <p:nvPr/>
+      </p:nvGrpSpPr>
+      <p:grpSpPr>
+        <a:xfrm>
+          <a:off x="0" y="0"/>
+          <a:ext cx="0" cy="0"/>
+          <a:chOff x="0" y="0"/>
+          <a:chExt cx="0" cy="0"/>
+        </a:xfrm>
+      </p:grpSpPr>
+      <p:sp>
+        <p:nvSpPr>
           <p:cNvPr id="5" name="Title 4"/>
           <p:cNvSpPr>
             <a:spLocks noGrp="1"/>
@@ -5342,7 +6285,7 @@
         </p:spPr>
         <p:txBody>
           <a:bodyPr>
-            <a:normAutofit fontScale="32500" lnSpcReduction="20000"/>
+            <a:normAutofit fontScale="70000" lnSpcReduction="20000"/>
           </a:bodyPr>
           <a:lstStyle/>
           <a:p>
@@ -5652,7 +6595,7 @@
           <a:p>
             <a:fld id="{2AF3B5EA-18B6-4040-9F78-6052AF49C681}" type="slidenum">
               <a:rPr lang="en-US" smtClean="0"/>
-              <a:t>12</a:t>
+              <a:t>15</a:t>
             </a:fld>
             <a:endParaRPr lang="en-US"/>
           </a:p>
@@ -6350,6 +7293,48 @@
           </a:fontRef>
         </p:style>
       </p:cxnSp>
+      <p:sp>
+        <p:nvSpPr>
+          <p:cNvPr id="2" name="TextBox 1">
+            <a:extLst>
+              <a:ext uri="{FF2B5EF4-FFF2-40B4-BE49-F238E27FC236}">
+                <a16:creationId xmlns:a16="http://schemas.microsoft.com/office/drawing/2014/main" id="{E7CAD883-1B4F-4103-BFA8-9D54517BEE06}"/>
+              </a:ext>
+            </a:extLst>
+          </p:cNvPr>
+          <p:cNvSpPr txBox="1"/>
+          <p:nvPr/>
+        </p:nvSpPr>
+        <p:spPr>
+          <a:xfrm>
+            <a:off x="4632960" y="6274220"/>
+            <a:ext cx="3429000" cy="369332"/>
+          </a:xfrm>
+          <a:prstGeom prst="rect">
+            <a:avLst/>
+          </a:prstGeom>
+          <a:solidFill>
+            <a:srgbClr val="FFFF00"/>
+          </a:solidFill>
+          <a:ln>
+            <a:solidFill>
+              <a:srgbClr val="FFFF00"/>
+            </a:solidFill>
+          </a:ln>
+        </p:spPr>
+        <p:txBody>
+          <a:bodyPr wrap="square" rtlCol="0">
+            <a:spAutoFit/>
+          </a:bodyPr>
+          <a:lstStyle/>
+          <a:p>
+            <a:r>
+              <a:rPr lang="en-US" dirty="0"/>
+              <a:t>See ooCodingStandards3.html</a:t>
+            </a:r>
+          </a:p>
+        </p:txBody>
+      </p:sp>
     </p:spTree>
     <p:extLst>
       <p:ext uri="{BB962C8B-B14F-4D97-AF65-F5344CB8AC3E}">
@@ -6363,7 +7348,7 @@
 </p:sld>
 </file>
 
-<file path=ppt/slides/slide13.xml><?xml version="1.0" encoding="utf-8"?>
+<file path=ppt/slides/slide16.xml><?xml version="1.0" encoding="utf-8"?>
 <p:sld xmlns:a="http://schemas.openxmlformats.org/drawingml/2006/main" xmlns:r="http://schemas.openxmlformats.org/officeDocument/2006/relationships" xmlns:p="http://schemas.openxmlformats.org/presentationml/2006/main">
   <p:cSld>
     <p:spTree>
@@ -6414,41 +7399,55 @@
             <p:ph idx="1"/>
           </p:nvPr>
         </p:nvSpPr>
-        <p:spPr/>
+        <p:spPr>
+          <a:xfrm>
+            <a:off x="457200" y="1624012"/>
+            <a:ext cx="8229600" cy="4525963"/>
+          </a:xfrm>
+        </p:spPr>
         <p:txBody>
           <a:bodyPr>
-            <a:normAutofit fontScale="92500" lnSpcReduction="20000"/>
+            <a:normAutofit fontScale="70000" lnSpcReduction="20000"/>
           </a:bodyPr>
           <a:lstStyle/>
           <a:p>
             <a:r>
               <a:rPr lang="en-US" dirty="0"/>
-              <a:t>Each method definition should have a contract that is the same as the contract in the interface.</a:t>
-            </a:r>
-          </a:p>
-          <a:p>
-            <a:r>
-              <a:rPr lang="en-US" dirty="0"/>
-              <a:t>A method may have a purpose statement that specializes the purpose statement in the interface to the current class.</a:t>
-            </a:r>
-          </a:p>
-          <a:p>
-            <a:r>
-              <a:rPr lang="en-US" dirty="0"/>
-              <a:t>Each method should have examples if needed  to clarify the purpose statement.</a:t>
-            </a:r>
-          </a:p>
-          <a:p>
-            <a:r>
-              <a:rPr lang="en-US" dirty="0"/>
-              <a:t>Each method should have associated tests.  These will occur later in the file, with the unit tests.</a:t>
-            </a:r>
-          </a:p>
-          <a:p>
-            <a:r>
-              <a:rPr lang="en-US" dirty="0"/>
-              <a:t>Document your method with a strategy if needed for explanation.</a:t>
-            </a:r>
+              <a:t>Each method definition should have a contract that is the same as the contract in the interface. (In Java, the compiler enforces this.)</a:t>
+            </a:r>
+          </a:p>
+          <a:p>
+            <a:r>
+              <a:rPr lang="en-US" dirty="0"/>
+              <a:t>A method should have a purpose statement if that would be helpful to a reader. A public method's purpose statement may specialize the purpose statement given in an interface by adding details that explain how that purpose is achieved in this particular class.</a:t>
+            </a:r>
+          </a:p>
+          <a:p>
+            <a:r>
+              <a:rPr lang="en-US" dirty="0"/>
+              <a:t>Methods should have examples as needed to clarify the purpose statement.</a:t>
+            </a:r>
+          </a:p>
+          <a:p>
+            <a:r>
+              <a:rPr lang="en-US" dirty="0"/>
+              <a:t>Each method should have tests associated with it.</a:t>
+            </a:r>
+          </a:p>
+          <a:p>
+            <a:r>
+              <a:rPr lang="en-US" dirty="0"/>
+              <a:t>A method should have a design strategy if that would help readers to understand its definition.</a:t>
+            </a:r>
+          </a:p>
+          <a:p>
+            <a:r>
+              <a:rPr lang="en-US" dirty="0"/>
+              <a:t>A recursive method should have a halting measure if that would help readers to understand why it terminates.</a:t>
+            </a:r>
+          </a:p>
+          <a:p>
+            <a:endParaRPr lang="en-US" dirty="0"/>
           </a:p>
         </p:txBody>
       </p:sp>
@@ -6470,7 +7469,7 @@
             <a:fld id="{B6F15528-21DE-4FAA-801E-634DDDAF4B2B}" type="slidenum">
               <a:rPr lang="en-US" smtClean="0"/>
               <a:pPr/>
-              <a:t>13</a:t>
+              <a:t>16</a:t>
             </a:fld>
             <a:endParaRPr lang="en-US"/>
           </a:p>
@@ -6484,7 +7483,7 @@
         </p:nvSpPr>
         <p:spPr>
           <a:xfrm>
-            <a:off x="4343400" y="5784057"/>
+            <a:off x="4991100" y="5562600"/>
             <a:ext cx="3124200" cy="914400"/>
           </a:xfrm>
           <a:prstGeom prst="rect">
@@ -6538,7 +7537,7 @@
     </p:spTree>
     <p:extLst>
       <p:ext uri="{BB962C8B-B14F-4D97-AF65-F5344CB8AC3E}">
-        <p14:creationId xmlns:p14="http://schemas.microsoft.com/office/powerpoint/2010/main" val="2445508227"/>
+        <p14:creationId xmlns:p14="http://schemas.microsoft.com/office/powerpoint/2010/main" val="1098499758"/>
       </p:ext>
     </p:extLst>
   </p:cSld>
@@ -6548,7 +7547,7 @@
 </p:sld>
 </file>
 
-<file path=ppt/slides/slide14.xml><?xml version="1.0" encoding="utf-8"?>
+<file path=ppt/slides/slide17.xml><?xml version="1.0" encoding="utf-8"?>
 <p:sld xmlns:a="http://schemas.openxmlformats.org/drawingml/2006/main" xmlns:r="http://schemas.openxmlformats.org/officeDocument/2006/relationships" xmlns:p="http://schemas.openxmlformats.org/presentationml/2006/main">
   <p:cSld>
     <p:spTree>
@@ -6685,7 +7684,7 @@
             <a:fld id="{B6F15528-21DE-4FAA-801E-634DDDAF4B2B}" type="slidenum">
               <a:rPr lang="en-US" smtClean="0"/>
               <a:pPr/>
-              <a:t>14</a:t>
+              <a:t>17</a:t>
             </a:fld>
             <a:endParaRPr lang="en-US"/>
           </a:p>
@@ -6975,359 +7974,47 @@
           </a:p>
         </p:txBody>
       </p:sp>
+      <p:sp>
+        <p:nvSpPr>
+          <p:cNvPr id="6" name="TextBox 5">
+            <a:extLst>
+              <a:ext uri="{FF2B5EF4-FFF2-40B4-BE49-F238E27FC236}">
+                <a16:creationId xmlns:a16="http://schemas.microsoft.com/office/drawing/2014/main" id="{F2C2B88E-B791-42D4-A913-7EF77E913F5A}"/>
+              </a:ext>
+            </a:extLst>
+          </p:cNvPr>
+          <p:cNvSpPr txBox="1"/>
+          <p:nvPr/>
+        </p:nvSpPr>
+        <p:spPr>
+          <a:xfrm>
+            <a:off x="1066800" y="1676400"/>
+            <a:ext cx="3352800" cy="369332"/>
+          </a:xfrm>
+          <a:prstGeom prst="rect">
+            <a:avLst/>
+          </a:prstGeom>
+          <a:solidFill>
+            <a:srgbClr val="FFFF00"/>
+          </a:solidFill>
+        </p:spPr>
+        <p:txBody>
+          <a:bodyPr wrap="square" rtlCol="0">
+            <a:spAutoFit/>
+          </a:bodyPr>
+          <a:lstStyle/>
+          <a:p>
+            <a:r>
+              <a:rPr lang="en-US" dirty="0"/>
+              <a:t>See methodDesign2.html</a:t>
+            </a:r>
+          </a:p>
+        </p:txBody>
+      </p:sp>
     </p:spTree>
     <p:extLst>
       <p:ext uri="{BB962C8B-B14F-4D97-AF65-F5344CB8AC3E}">
         <p14:creationId xmlns:p14="http://schemas.microsoft.com/office/powerpoint/2010/main" val="2892780531"/>
-      </p:ext>
-    </p:extLst>
-  </p:cSld>
-  <p:clrMapOvr>
-    <a:masterClrMapping/>
-  </p:clrMapOvr>
-</p:sld>
-</file>
-
-<file path=ppt/slides/slide15.xml><?xml version="1.0" encoding="utf-8"?>
-<p:sld xmlns:a="http://schemas.openxmlformats.org/drawingml/2006/main" xmlns:r="http://schemas.openxmlformats.org/officeDocument/2006/relationships" xmlns:p="http://schemas.openxmlformats.org/presentationml/2006/main">
-  <p:cSld>
-    <p:spTree>
-      <p:nvGrpSpPr>
-        <p:cNvPr id="1" name=""/>
-        <p:cNvGrpSpPr/>
-        <p:nvPr/>
-      </p:nvGrpSpPr>
-      <p:grpSpPr>
-        <a:xfrm>
-          <a:off x="0" y="0"/>
-          <a:ext cx="0" cy="0"/>
-          <a:chOff x="0" y="0"/>
-          <a:chExt cx="0" cy="0"/>
-        </a:xfrm>
-      </p:grpSpPr>
-      <p:sp>
-        <p:nvSpPr>
-          <p:cNvPr id="2" name="Title 1"/>
-          <p:cNvSpPr>
-            <a:spLocks noGrp="1"/>
-          </p:cNvSpPr>
-          <p:nvPr>
-            <p:ph type="title"/>
-          </p:nvPr>
-        </p:nvSpPr>
-        <p:spPr/>
-        <p:txBody>
-          <a:bodyPr/>
-          <a:lstStyle/>
-          <a:p>
-            <a:r>
-              <a:rPr lang="en-US" dirty="0"/>
-              <a:t>Examples and Tests</a:t>
-            </a:r>
-          </a:p>
-        </p:txBody>
-      </p:sp>
-      <p:sp>
-        <p:nvSpPr>
-          <p:cNvPr id="3" name="Content Placeholder 2"/>
-          <p:cNvSpPr>
-            <a:spLocks noGrp="1"/>
-          </p:cNvSpPr>
-          <p:nvPr>
-            <p:ph idx="1"/>
-          </p:nvPr>
-        </p:nvSpPr>
-        <p:spPr/>
-        <p:txBody>
-          <a:bodyPr/>
-          <a:lstStyle/>
-          <a:p>
-            <a:r>
-              <a:rPr lang="en-US" dirty="0"/>
-              <a:t>Examples and tests will generally be different.</a:t>
-            </a:r>
-          </a:p>
-          <a:p>
-            <a:r>
-              <a:rPr lang="en-US" dirty="0"/>
-              <a:t>Put examples with the method.</a:t>
-            </a:r>
-          </a:p>
-          <a:p>
-            <a:r>
-              <a:rPr lang="en-US" dirty="0"/>
-              <a:t>Phrase examples in terms of information (not data) whenever possible.</a:t>
-            </a:r>
-          </a:p>
-          <a:p>
-            <a:r>
-              <a:rPr lang="en-US" dirty="0"/>
-              <a:t>Use meaningful names, etc., just as before.</a:t>
-            </a:r>
-          </a:p>
-        </p:txBody>
-      </p:sp>
-      <p:sp>
-        <p:nvSpPr>
-          <p:cNvPr id="4" name="Slide Number Placeholder 3"/>
-          <p:cNvSpPr>
-            <a:spLocks noGrp="1"/>
-          </p:cNvSpPr>
-          <p:nvPr>
-            <p:ph type="sldNum" sz="quarter" idx="12"/>
-          </p:nvPr>
-        </p:nvSpPr>
-        <p:spPr/>
-        <p:txBody>
-          <a:bodyPr/>
-          <a:lstStyle/>
-          <a:p>
-            <a:fld id="{B6F15528-21DE-4FAA-801E-634DDDAF4B2B}" type="slidenum">
-              <a:rPr lang="en-US" smtClean="0"/>
-              <a:pPr/>
-              <a:t>15</a:t>
-            </a:fld>
-            <a:endParaRPr lang="en-US"/>
-          </a:p>
-        </p:txBody>
-      </p:sp>
-    </p:spTree>
-    <p:extLst>
-      <p:ext uri="{BB962C8B-B14F-4D97-AF65-F5344CB8AC3E}">
-        <p14:creationId xmlns:p14="http://schemas.microsoft.com/office/powerpoint/2010/main" val="478726159"/>
-      </p:ext>
-    </p:extLst>
-  </p:cSld>
-  <p:clrMapOvr>
-    <a:masterClrMapping/>
-  </p:clrMapOvr>
-</p:sld>
-</file>
-
-<file path=ppt/slides/slide16.xml><?xml version="1.0" encoding="utf-8"?>
-<p:sld xmlns:a="http://schemas.openxmlformats.org/drawingml/2006/main" xmlns:r="http://schemas.openxmlformats.org/officeDocument/2006/relationships" xmlns:p="http://schemas.openxmlformats.org/presentationml/2006/main">
-  <p:cSld>
-    <p:spTree>
-      <p:nvGrpSpPr>
-        <p:cNvPr id="1" name=""/>
-        <p:cNvGrpSpPr/>
-        <p:nvPr/>
-      </p:nvGrpSpPr>
-      <p:grpSpPr>
-        <a:xfrm>
-          <a:off x="0" y="0"/>
-          <a:ext cx="0" cy="0"/>
-          <a:chOff x="0" y="0"/>
-          <a:chExt cx="0" cy="0"/>
-        </a:xfrm>
-      </p:grpSpPr>
-      <p:sp>
-        <p:nvSpPr>
-          <p:cNvPr id="2" name="Title 1"/>
-          <p:cNvSpPr>
-            <a:spLocks noGrp="1"/>
-          </p:cNvSpPr>
-          <p:nvPr>
-            <p:ph type="title"/>
-          </p:nvPr>
-        </p:nvSpPr>
-        <p:spPr/>
-        <p:txBody>
-          <a:bodyPr/>
-          <a:lstStyle/>
-          <a:p>
-            <a:r>
-              <a:rPr lang="en-US" dirty="0"/>
-              <a:t>Step 4: Unit Tests</a:t>
-            </a:r>
-          </a:p>
-        </p:txBody>
-      </p:sp>
-      <p:sp>
-        <p:nvSpPr>
-          <p:cNvPr id="3" name="Content Placeholder 2"/>
-          <p:cNvSpPr>
-            <a:spLocks noGrp="1"/>
-          </p:cNvSpPr>
-          <p:nvPr>
-            <p:ph idx="1"/>
-          </p:nvPr>
-        </p:nvSpPr>
-        <p:spPr/>
-        <p:txBody>
-          <a:bodyPr>
-            <a:normAutofit fontScale="92500" lnSpcReduction="10000"/>
-          </a:bodyPr>
-          <a:lstStyle/>
-          <a:p>
-            <a:r>
-              <a:rPr lang="en-US" dirty="0"/>
-              <a:t>Write tests for a class after each class, or at the end of your file, whichever is clearer.</a:t>
-            </a:r>
-          </a:p>
-          <a:p>
-            <a:r>
-              <a:rPr lang="en-US" dirty="0"/>
-              <a:t>Don’t use </a:t>
-            </a:r>
-            <a:r>
-              <a:rPr lang="en-US" b="1" dirty="0"/>
-              <a:t>equal? </a:t>
-            </a:r>
-            <a:r>
-              <a:rPr lang="en-US" dirty="0"/>
-              <a:t>on objects.  Test observable behavior instead, as we did in the preceding lesson.</a:t>
-            </a:r>
-          </a:p>
-          <a:p>
-            <a:r>
-              <a:rPr lang="en-US" dirty="0"/>
-              <a:t>Construct testing scenarios and check to see that your objects have the right observable values afterwards.</a:t>
-            </a:r>
-          </a:p>
-          <a:p>
-            <a:r>
-              <a:rPr lang="en-US" dirty="0"/>
-              <a:t>We still want 100% expression coverage, except for calls to </a:t>
-            </a:r>
-            <a:r>
-              <a:rPr lang="en-US" b="1" dirty="0"/>
-              <a:t>big-bang</a:t>
-            </a:r>
-            <a:r>
-              <a:rPr lang="en-US" dirty="0"/>
-              <a:t>.</a:t>
-            </a:r>
-          </a:p>
-        </p:txBody>
-      </p:sp>
-      <p:sp>
-        <p:nvSpPr>
-          <p:cNvPr id="4" name="Slide Number Placeholder 3"/>
-          <p:cNvSpPr>
-            <a:spLocks noGrp="1"/>
-          </p:cNvSpPr>
-          <p:nvPr>
-            <p:ph type="sldNum" sz="quarter" idx="12"/>
-          </p:nvPr>
-        </p:nvSpPr>
-        <p:spPr/>
-        <p:txBody>
-          <a:bodyPr/>
-          <a:lstStyle/>
-          <a:p>
-            <a:fld id="{B6F15528-21DE-4FAA-801E-634DDDAF4B2B}" type="slidenum">
-              <a:rPr lang="en-US" smtClean="0"/>
-              <a:pPr/>
-              <a:t>16</a:t>
-            </a:fld>
-            <a:endParaRPr lang="en-US"/>
-          </a:p>
-        </p:txBody>
-      </p:sp>
-    </p:spTree>
-  </p:cSld>
-  <p:clrMapOvr>
-    <a:masterClrMapping/>
-  </p:clrMapOvr>
-</p:sld>
-</file>
-
-<file path=ppt/slides/slide17.xml><?xml version="1.0" encoding="utf-8"?>
-<p:sld xmlns:a="http://schemas.openxmlformats.org/drawingml/2006/main" xmlns:r="http://schemas.openxmlformats.org/officeDocument/2006/relationships" xmlns:p="http://schemas.openxmlformats.org/presentationml/2006/main">
-  <p:cSld>
-    <p:spTree>
-      <p:nvGrpSpPr>
-        <p:cNvPr id="1" name=""/>
-        <p:cNvGrpSpPr/>
-        <p:nvPr/>
-      </p:nvGrpSpPr>
-      <p:grpSpPr>
-        <a:xfrm>
-          <a:off x="0" y="0"/>
-          <a:ext cx="0" cy="0"/>
-          <a:chOff x="0" y="0"/>
-          <a:chExt cx="0" cy="0"/>
-        </a:xfrm>
-      </p:grpSpPr>
-      <p:sp>
-        <p:nvSpPr>
-          <p:cNvPr id="2" name="Title 1"/>
-          <p:cNvSpPr>
-            <a:spLocks noGrp="1"/>
-          </p:cNvSpPr>
-          <p:nvPr>
-            <p:ph type="title"/>
-          </p:nvPr>
-        </p:nvSpPr>
-        <p:spPr/>
-        <p:txBody>
-          <a:bodyPr/>
-          <a:lstStyle/>
-          <a:p>
-            <a:r>
-              <a:rPr lang="en-US" dirty="0"/>
-              <a:t>What happened to the strategy?</a:t>
-            </a:r>
-          </a:p>
-        </p:txBody>
-      </p:sp>
-      <p:sp>
-        <p:nvSpPr>
-          <p:cNvPr id="3" name="Content Placeholder 2"/>
-          <p:cNvSpPr>
-            <a:spLocks noGrp="1"/>
-          </p:cNvSpPr>
-          <p:nvPr>
-            <p:ph idx="1"/>
-          </p:nvPr>
-        </p:nvSpPr>
-        <p:spPr/>
-        <p:txBody>
-          <a:bodyPr/>
-          <a:lstStyle/>
-          <a:p>
-            <a:r>
-              <a:rPr lang="en-US" dirty="0"/>
-              <a:t>In the interests of keeping your workload down, we will not require you to write down design strategies for most methods.</a:t>
-            </a:r>
-          </a:p>
-          <a:p>
-            <a:r>
-              <a:rPr lang="en-US" dirty="0"/>
-              <a:t>Write down strategies only when they’re helpful.</a:t>
-            </a:r>
-          </a:p>
-        </p:txBody>
-      </p:sp>
-      <p:sp>
-        <p:nvSpPr>
-          <p:cNvPr id="4" name="Slide Number Placeholder 3"/>
-          <p:cNvSpPr>
-            <a:spLocks noGrp="1"/>
-          </p:cNvSpPr>
-          <p:nvPr>
-            <p:ph type="sldNum" sz="quarter" idx="12"/>
-          </p:nvPr>
-        </p:nvSpPr>
-        <p:spPr/>
-        <p:txBody>
-          <a:bodyPr/>
-          <a:lstStyle/>
-          <a:p>
-            <a:fld id="{B6F15528-21DE-4FAA-801E-634DDDAF4B2B}" type="slidenum">
-              <a:rPr lang="en-US" smtClean="0"/>
-              <a:pPr/>
-              <a:t>17</a:t>
-            </a:fld>
-            <a:endParaRPr lang="en-US"/>
-          </a:p>
-        </p:txBody>
-      </p:sp>
-    </p:spTree>
-    <p:extLst>
-      <p:ext uri="{BB962C8B-B14F-4D97-AF65-F5344CB8AC3E}">
-        <p14:creationId xmlns:p14="http://schemas.microsoft.com/office/powerpoint/2010/main" val="1864815552"/>
       </p:ext>
     </p:extLst>
   </p:cSld>
@@ -7366,14 +8053,12 @@
         </p:nvSpPr>
         <p:spPr/>
         <p:txBody>
-          <a:bodyPr>
-            <a:normAutofit fontScale="90000"/>
-          </a:bodyPr>
-          <a:lstStyle/>
-          <a:p>
-            <a:r>
-              <a:rPr lang="en-US" dirty="0"/>
-              <a:t>Simple method definitions don't need design strategies</a:t>
+          <a:bodyPr/>
+          <a:lstStyle/>
+          <a:p>
+            <a:r>
+              <a:rPr lang="en-US" dirty="0"/>
+              <a:t>Examples and Tests</a:t>
             </a:r>
           </a:p>
         </p:txBody>
@@ -7390,90 +8075,37 @@
         </p:nvSpPr>
         <p:spPr/>
         <p:txBody>
-          <a:bodyPr>
-            <a:normAutofit/>
-          </a:bodyPr>
-          <a:lstStyle/>
-          <a:p>
-            <a:pPr>
-              <a:buNone/>
-            </a:pPr>
-            <a:endParaRPr lang="en-US" sz="2400" b="1" dirty="0">
-              <a:latin typeface="Consolas" pitchFamily="49" charset="0"/>
-              <a:cs typeface="Consolas" pitchFamily="49" charset="0"/>
-            </a:endParaRPr>
-          </a:p>
-          <a:p>
-            <a:pPr>
-              <a:buNone/>
-            </a:pPr>
-            <a:r>
-              <a:rPr lang="en-US" sz="2400" b="1" dirty="0">
-                <a:latin typeface="Consolas" pitchFamily="49" charset="0"/>
-                <a:cs typeface="Consolas" pitchFamily="49" charset="0"/>
-              </a:rPr>
-              <a:t>(define/public (weight) (* l l))</a:t>
-            </a:r>
-          </a:p>
-          <a:p>
-            <a:pPr>
-              <a:buNone/>
-            </a:pPr>
-            <a:endParaRPr lang="en-US" sz="2400" b="1" dirty="0">
-              <a:latin typeface="Consolas" pitchFamily="49" charset="0"/>
-              <a:cs typeface="Consolas" pitchFamily="49" charset="0"/>
-            </a:endParaRPr>
-          </a:p>
-          <a:p>
-            <a:pPr>
-              <a:buNone/>
-            </a:pPr>
-            <a:r>
-              <a:rPr lang="en-US" sz="2400" b="1" dirty="0">
-                <a:latin typeface="Consolas" pitchFamily="49" charset="0"/>
-                <a:cs typeface="Consolas" pitchFamily="49" charset="0"/>
-              </a:rPr>
-              <a:t>(define/public (volume)</a:t>
-            </a:r>
-          </a:p>
-          <a:p>
-            <a:pPr>
-              <a:buNone/>
-            </a:pPr>
-            <a:r>
-              <a:rPr lang="en-US" sz="2400" b="1" dirty="0">
-                <a:latin typeface="Consolas" pitchFamily="49" charset="0"/>
-                <a:cs typeface="Consolas" pitchFamily="49" charset="0"/>
-              </a:rPr>
-              <a:t>  (* (send this height)</a:t>
-            </a:r>
-          </a:p>
-          <a:p>
-            <a:pPr>
-              <a:buNone/>
-            </a:pPr>
-            <a:r>
-              <a:rPr lang="en-US" sz="2400" b="1" dirty="0">
-                <a:latin typeface="Consolas" pitchFamily="49" charset="0"/>
-                <a:cs typeface="Consolas" pitchFamily="49" charset="0"/>
-              </a:rPr>
-              <a:t>     (send this area)))</a:t>
-            </a:r>
-          </a:p>
-          <a:p>
-            <a:pPr>
-              <a:buNone/>
-            </a:pPr>
-            <a:endParaRPr lang="en-US" sz="2400" b="1" dirty="0">
-              <a:latin typeface="Consolas" pitchFamily="49" charset="0"/>
-              <a:cs typeface="Consolas" pitchFamily="49" charset="0"/>
-            </a:endParaRPr>
-          </a:p>
-        </p:txBody>
-      </p:sp>
-      <p:sp>
-        <p:nvSpPr>
-          <p:cNvPr id="6" name="Slide Number Placeholder 5"/>
+          <a:bodyPr/>
+          <a:lstStyle/>
+          <a:p>
+            <a:r>
+              <a:rPr lang="en-US" dirty="0"/>
+              <a:t>Examples and tests will generally be different.</a:t>
+            </a:r>
+          </a:p>
+          <a:p>
+            <a:r>
+              <a:rPr lang="en-US" dirty="0"/>
+              <a:t>Put examples with the method.</a:t>
+            </a:r>
+          </a:p>
+          <a:p>
+            <a:r>
+              <a:rPr lang="en-US" dirty="0"/>
+              <a:t>Phrase examples in terms of information (not data) whenever possible.</a:t>
+            </a:r>
+          </a:p>
+          <a:p>
+            <a:r>
+              <a:rPr lang="en-US" dirty="0"/>
+              <a:t>Use meaningful names, etc., just as before.</a:t>
+            </a:r>
+          </a:p>
+        </p:txBody>
+      </p:sp>
+      <p:sp>
+        <p:nvSpPr>
+          <p:cNvPr id="4" name="Slide Number Placeholder 3"/>
           <p:cNvSpPr>
             <a:spLocks noGrp="1"/>
           </p:cNvSpPr>
@@ -7496,6 +8128,11 @@
         </p:txBody>
       </p:sp>
     </p:spTree>
+    <p:extLst>
+      <p:ext uri="{BB962C8B-B14F-4D97-AF65-F5344CB8AC3E}">
+        <p14:creationId xmlns:p14="http://schemas.microsoft.com/office/powerpoint/2010/main" val="478726159"/>
+      </p:ext>
+    </p:extLst>
   </p:cSld>
   <p:clrMapOvr>
     <a:masterClrMapping/>
@@ -7532,6 +8169,587 @@
         </p:nvSpPr>
         <p:spPr/>
         <p:txBody>
+          <a:bodyPr/>
+          <a:lstStyle/>
+          <a:p>
+            <a:r>
+              <a:rPr lang="en-US" dirty="0"/>
+              <a:t>Step 4: Unit Tests</a:t>
+            </a:r>
+          </a:p>
+        </p:txBody>
+      </p:sp>
+      <p:sp>
+        <p:nvSpPr>
+          <p:cNvPr id="3" name="Content Placeholder 2"/>
+          <p:cNvSpPr>
+            <a:spLocks noGrp="1"/>
+          </p:cNvSpPr>
+          <p:nvPr>
+            <p:ph idx="1"/>
+          </p:nvPr>
+        </p:nvSpPr>
+        <p:spPr/>
+        <p:txBody>
+          <a:bodyPr>
+            <a:normAutofit fontScale="77500" lnSpcReduction="20000"/>
+          </a:bodyPr>
+          <a:lstStyle/>
+          <a:p>
+            <a:r>
+              <a:rPr lang="en-US" dirty="0"/>
+              <a:t>Your programming language, testing framework, and organizational standards will influence where you put your unit tests.</a:t>
+            </a:r>
+          </a:p>
+          <a:p>
+            <a:r>
+              <a:rPr lang="en-US" dirty="0"/>
+              <a:t>In Java, you can put your unit tests for a class at the end of the class, following the non-public help methods, or you can put them in a separate class within the same file or in a separate file.</a:t>
+            </a:r>
+          </a:p>
+          <a:p>
+            <a:r>
+              <a:rPr lang="en-US" dirty="0"/>
+              <a:t>Regardless of where you put unit your tests for a class, it is convenient to define a public static </a:t>
+            </a:r>
+            <a:r>
+              <a:rPr lang="en-US" b="1" dirty="0"/>
+              <a:t>main</a:t>
+            </a:r>
+            <a:r>
+              <a:rPr lang="en-US" dirty="0"/>
+              <a:t> method that runs all of the unit tests for that one class independently of the unit tests for other classes. That main method can then be called by the </a:t>
+            </a:r>
+            <a:r>
+              <a:rPr lang="en-US" b="1" dirty="0"/>
+              <a:t>main</a:t>
+            </a:r>
+            <a:r>
+              <a:rPr lang="en-US" dirty="0"/>
+              <a:t> method that runs all of the tests for your entire program.</a:t>
+            </a:r>
+          </a:p>
+        </p:txBody>
+      </p:sp>
+      <p:sp>
+        <p:nvSpPr>
+          <p:cNvPr id="4" name="Slide Number Placeholder 3"/>
+          <p:cNvSpPr>
+            <a:spLocks noGrp="1"/>
+          </p:cNvSpPr>
+          <p:nvPr>
+            <p:ph type="sldNum" sz="quarter" idx="12"/>
+          </p:nvPr>
+        </p:nvSpPr>
+        <p:spPr/>
+        <p:txBody>
+          <a:bodyPr/>
+          <a:lstStyle/>
+          <a:p>
+            <a:fld id="{B6F15528-21DE-4FAA-801E-634DDDAF4B2B}" type="slidenum">
+              <a:rPr lang="en-US" smtClean="0"/>
+              <a:pPr/>
+              <a:t>19</a:t>
+            </a:fld>
+            <a:endParaRPr lang="en-US"/>
+          </a:p>
+        </p:txBody>
+      </p:sp>
+    </p:spTree>
+  </p:cSld>
+  <p:clrMapOvr>
+    <a:masterClrMapping/>
+  </p:clrMapOvr>
+</p:sld>
+</file>
+
+<file path=ppt/slides/slide2.xml><?xml version="1.0" encoding="utf-8"?>
+<p:sld xmlns:a="http://schemas.openxmlformats.org/drawingml/2006/main" xmlns:r="http://schemas.openxmlformats.org/officeDocument/2006/relationships" xmlns:p="http://schemas.openxmlformats.org/presentationml/2006/main">
+  <p:cSld>
+    <p:spTree>
+      <p:nvGrpSpPr>
+        <p:cNvPr id="1" name=""/>
+        <p:cNvGrpSpPr/>
+        <p:nvPr/>
+      </p:nvGrpSpPr>
+      <p:grpSpPr>
+        <a:xfrm>
+          <a:off x="0" y="0"/>
+          <a:ext cx="0" cy="0"/>
+          <a:chOff x="0" y="0"/>
+          <a:chExt cx="0" cy="0"/>
+        </a:xfrm>
+      </p:grpSpPr>
+      <p:sp>
+        <p:nvSpPr>
+          <p:cNvPr id="2" name="Title 1"/>
+          <p:cNvSpPr>
+            <a:spLocks noGrp="1"/>
+          </p:cNvSpPr>
+          <p:nvPr>
+            <p:ph type="title"/>
+          </p:nvPr>
+        </p:nvSpPr>
+        <p:spPr/>
+        <p:txBody>
+          <a:bodyPr/>
+          <a:lstStyle/>
+          <a:p>
+            <a:r>
+              <a:rPr lang="en-US" dirty="0"/>
+              <a:t>Goals of this lesson</a:t>
+            </a:r>
+          </a:p>
+        </p:txBody>
+      </p:sp>
+      <p:sp>
+        <p:nvSpPr>
+          <p:cNvPr id="3" name="Content Placeholder 2"/>
+          <p:cNvSpPr>
+            <a:spLocks noGrp="1"/>
+          </p:cNvSpPr>
+          <p:nvPr>
+            <p:ph idx="1"/>
+          </p:nvPr>
+        </p:nvSpPr>
+        <p:spPr/>
+        <p:txBody>
+          <a:bodyPr/>
+          <a:lstStyle/>
+          <a:p>
+            <a:r>
+              <a:rPr lang="en-US" dirty="0"/>
+              <a:t>See how the design recipe and its deliverables should appear in an object-oriented system</a:t>
+            </a:r>
+          </a:p>
+          <a:p>
+            <a:r>
+              <a:rPr lang="en-US" dirty="0"/>
+              <a:t>Note:  this is about OUR coding standards.  Your workplace may have different standards.</a:t>
+            </a:r>
+          </a:p>
+        </p:txBody>
+      </p:sp>
+      <p:sp>
+        <p:nvSpPr>
+          <p:cNvPr id="4" name="Slide Number Placeholder 3"/>
+          <p:cNvSpPr>
+            <a:spLocks noGrp="1"/>
+          </p:cNvSpPr>
+          <p:nvPr>
+            <p:ph type="sldNum" sz="quarter" idx="12"/>
+          </p:nvPr>
+        </p:nvSpPr>
+        <p:spPr/>
+        <p:txBody>
+          <a:bodyPr/>
+          <a:lstStyle/>
+          <a:p>
+            <a:fld id="{B6F15528-21DE-4FAA-801E-634DDDAF4B2B}" type="slidenum">
+              <a:rPr lang="en-US" smtClean="0"/>
+              <a:pPr/>
+              <a:t>2</a:t>
+            </a:fld>
+            <a:endParaRPr lang="en-US"/>
+          </a:p>
+        </p:txBody>
+      </p:sp>
+    </p:spTree>
+  </p:cSld>
+  <p:clrMapOvr>
+    <a:masterClrMapping/>
+  </p:clrMapOvr>
+</p:sld>
+</file>
+
+<file path=ppt/slides/slide20.xml><?xml version="1.0" encoding="utf-8"?>
+<p:sld xmlns:a="http://schemas.openxmlformats.org/drawingml/2006/main" xmlns:r="http://schemas.openxmlformats.org/officeDocument/2006/relationships" xmlns:p="http://schemas.openxmlformats.org/presentationml/2006/main">
+  <p:cSld>
+    <p:spTree>
+      <p:nvGrpSpPr>
+        <p:cNvPr id="1" name=""/>
+        <p:cNvGrpSpPr/>
+        <p:nvPr/>
+      </p:nvGrpSpPr>
+      <p:grpSpPr>
+        <a:xfrm>
+          <a:off x="0" y="0"/>
+          <a:ext cx="0" cy="0"/>
+          <a:chOff x="0" y="0"/>
+          <a:chExt cx="0" cy="0"/>
+        </a:xfrm>
+      </p:grpSpPr>
+      <p:sp>
+        <p:nvSpPr>
+          <p:cNvPr id="2" name="Title 1">
+            <a:extLst>
+              <a:ext uri="{FF2B5EF4-FFF2-40B4-BE49-F238E27FC236}">
+                <a16:creationId xmlns:a16="http://schemas.microsoft.com/office/drawing/2014/main" id="{C9A8A8A1-72F5-4908-AE41-C69319CA8E7C}"/>
+              </a:ext>
+            </a:extLst>
+          </p:cNvPr>
+          <p:cNvSpPr>
+            <a:spLocks noGrp="1"/>
+          </p:cNvSpPr>
+          <p:nvPr>
+            <p:ph type="title"/>
+          </p:nvPr>
+        </p:nvSpPr>
+        <p:spPr/>
+        <p:txBody>
+          <a:bodyPr/>
+          <a:lstStyle/>
+          <a:p>
+            <a:r>
+              <a:rPr lang="en-US" dirty="0"/>
+              <a:t>Step 4: Unit Tests, part 2</a:t>
+            </a:r>
+          </a:p>
+        </p:txBody>
+      </p:sp>
+      <p:sp>
+        <p:nvSpPr>
+          <p:cNvPr id="3" name="Content Placeholder 2">
+            <a:extLst>
+              <a:ext uri="{FF2B5EF4-FFF2-40B4-BE49-F238E27FC236}">
+                <a16:creationId xmlns:a16="http://schemas.microsoft.com/office/drawing/2014/main" id="{0B0DBD7A-618A-4633-93D2-E9409280ED34}"/>
+              </a:ext>
+            </a:extLst>
+          </p:cNvPr>
+          <p:cNvSpPr>
+            <a:spLocks noGrp="1"/>
+          </p:cNvSpPr>
+          <p:nvPr>
+            <p:ph idx="1"/>
+          </p:nvPr>
+        </p:nvSpPr>
+        <p:spPr/>
+        <p:txBody>
+          <a:bodyPr>
+            <a:normAutofit fontScale="62500" lnSpcReduction="20000"/>
+          </a:bodyPr>
+          <a:lstStyle/>
+          <a:p>
+            <a:r>
+              <a:rPr lang="en-US" dirty="0"/>
+              <a:t>We still want 100% test coverage.</a:t>
+            </a:r>
+          </a:p>
+          <a:p>
+            <a:r>
+              <a:rPr lang="en-US" dirty="0"/>
+              <a:t>Test observable behavior, as in the previous lesson.</a:t>
+            </a:r>
+          </a:p>
+          <a:p>
+            <a:r>
+              <a:rPr lang="en-US" dirty="0"/>
+              <a:t>Don't assume the </a:t>
+            </a:r>
+            <a:r>
+              <a:rPr lang="en-US" b="1" dirty="0"/>
+              <a:t>equals</a:t>
+            </a:r>
+            <a:r>
+              <a:rPr lang="en-US" dirty="0"/>
+              <a:t> method can be used to compare objects.</a:t>
+            </a:r>
+          </a:p>
+          <a:p>
+            <a:pPr lvl="1"/>
+            <a:r>
+              <a:rPr lang="en-US" dirty="0"/>
+              <a:t>The next module will discuss the </a:t>
+            </a:r>
+            <a:r>
+              <a:rPr lang="en-US" b="1" dirty="0"/>
+              <a:t>equals</a:t>
+            </a:r>
+            <a:r>
+              <a:rPr lang="en-US" dirty="0"/>
+              <a:t> method in more detail. We are talking about it here to help you avoid mistakes we often see in unit tests.</a:t>
+            </a:r>
+          </a:p>
+          <a:p>
+            <a:r>
+              <a:rPr lang="en-US" dirty="0"/>
+              <a:t>In Java, the </a:t>
+            </a:r>
+            <a:r>
+              <a:rPr lang="en-US" b="1" dirty="0"/>
+              <a:t>equals</a:t>
+            </a:r>
+            <a:r>
+              <a:rPr lang="en-US" dirty="0"/>
+              <a:t> method might test all and only the observable behavior of objects it is comparing. If so, you can use it to compare objects. Sometimes, however, the </a:t>
+            </a:r>
+            <a:r>
+              <a:rPr lang="en-US" b="1" dirty="0"/>
+              <a:t>equals</a:t>
+            </a:r>
+            <a:r>
+              <a:rPr lang="en-US" dirty="0"/>
+              <a:t> method defines some notion of equality that does not correspond to identity of observable behavior.</a:t>
+            </a:r>
+          </a:p>
+          <a:p>
+            <a:r>
+              <a:rPr lang="en-US" dirty="0"/>
+              <a:t>In Java, all objects have an equals method. and </a:t>
+            </a:r>
+            <a:r>
+              <a:rPr lang="en-US" b="1" dirty="0" err="1"/>
+              <a:t>x.equals</a:t>
+            </a:r>
+            <a:r>
+              <a:rPr lang="en-US" b="1" dirty="0"/>
+              <a:t>(x)</a:t>
+            </a:r>
+            <a:r>
+              <a:rPr lang="en-US" dirty="0"/>
+              <a:t> is true, so a false value for </a:t>
+            </a:r>
+            <a:r>
+              <a:rPr lang="en-US" b="1" dirty="0" err="1"/>
+              <a:t>x.equals</a:t>
+            </a:r>
+            <a:r>
+              <a:rPr lang="en-US" b="1" dirty="0"/>
+              <a:t>(y) </a:t>
+            </a:r>
+            <a:r>
+              <a:rPr lang="en-US" dirty="0"/>
+              <a:t>counts as an observable difference between </a:t>
+            </a:r>
+            <a:r>
+              <a:rPr lang="en-US" b="1" dirty="0"/>
+              <a:t>x</a:t>
+            </a:r>
+            <a:r>
+              <a:rPr lang="en-US" dirty="0"/>
+              <a:t> and </a:t>
+            </a:r>
+            <a:r>
+              <a:rPr lang="en-US" b="1" dirty="0"/>
+              <a:t>y</a:t>
+            </a:r>
+            <a:r>
+              <a:rPr lang="en-US" dirty="0"/>
+              <a:t>. On the other hand, a true value for </a:t>
+            </a:r>
+            <a:r>
+              <a:rPr lang="en-US" b="1" dirty="0" err="1"/>
+              <a:t>x.equals</a:t>
+            </a:r>
+            <a:r>
+              <a:rPr lang="en-US" b="1" dirty="0"/>
+              <a:t>(y) </a:t>
+            </a:r>
+            <a:r>
+              <a:rPr lang="en-US" dirty="0"/>
+              <a:t>does not necessarily mean there are no observable differences between x and y. The behavior of the equals method becomes even harder to relate to observable behavior when the objects being compared are mutable: </a:t>
+            </a:r>
+            <a:r>
+              <a:rPr lang="en-US" b="1" dirty="0" err="1"/>
+              <a:t>x.equals</a:t>
+            </a:r>
+            <a:r>
+              <a:rPr lang="en-US" b="1" dirty="0"/>
+              <a:t>(y) </a:t>
+            </a:r>
+            <a:r>
+              <a:rPr lang="en-US" dirty="0"/>
+              <a:t>may be true at one moment and false a moment later.</a:t>
+            </a:r>
+          </a:p>
+        </p:txBody>
+      </p:sp>
+      <p:sp>
+        <p:nvSpPr>
+          <p:cNvPr id="4" name="Slide Number Placeholder 3">
+            <a:extLst>
+              <a:ext uri="{FF2B5EF4-FFF2-40B4-BE49-F238E27FC236}">
+                <a16:creationId xmlns:a16="http://schemas.microsoft.com/office/drawing/2014/main" id="{555CE900-A949-42A4-8FB3-1065AE4EDD85}"/>
+              </a:ext>
+            </a:extLst>
+          </p:cNvPr>
+          <p:cNvSpPr>
+            <a:spLocks noGrp="1"/>
+          </p:cNvSpPr>
+          <p:nvPr>
+            <p:ph type="sldNum" sz="quarter" idx="12"/>
+          </p:nvPr>
+        </p:nvSpPr>
+        <p:spPr/>
+        <p:txBody>
+          <a:bodyPr/>
+          <a:lstStyle/>
+          <a:p>
+            <a:fld id="{2AF3B5EA-18B6-4040-9F78-6052AF49C681}" type="slidenum">
+              <a:rPr lang="en-US" smtClean="0"/>
+              <a:t>20</a:t>
+            </a:fld>
+            <a:endParaRPr lang="en-US"/>
+          </a:p>
+        </p:txBody>
+      </p:sp>
+    </p:spTree>
+    <p:extLst>
+      <p:ext uri="{BB962C8B-B14F-4D97-AF65-F5344CB8AC3E}">
+        <p14:creationId xmlns:p14="http://schemas.microsoft.com/office/powerpoint/2010/main" val="3179113746"/>
+      </p:ext>
+    </p:extLst>
+  </p:cSld>
+  <p:clrMapOvr>
+    <a:masterClrMapping/>
+  </p:clrMapOvr>
+</p:sld>
+</file>
+
+<file path=ppt/slides/slide21.xml><?xml version="1.0" encoding="utf-8"?>
+<p:sld xmlns:a="http://schemas.openxmlformats.org/drawingml/2006/main" xmlns:r="http://schemas.openxmlformats.org/officeDocument/2006/relationships" xmlns:p="http://schemas.openxmlformats.org/presentationml/2006/main">
+  <p:cSld>
+    <p:spTree>
+      <p:nvGrpSpPr>
+        <p:cNvPr id="1" name=""/>
+        <p:cNvGrpSpPr/>
+        <p:nvPr/>
+      </p:nvGrpSpPr>
+      <p:grpSpPr>
+        <a:xfrm>
+          <a:off x="0" y="0"/>
+          <a:ext cx="0" cy="0"/>
+          <a:chOff x="0" y="0"/>
+          <a:chExt cx="0" cy="0"/>
+        </a:xfrm>
+      </p:grpSpPr>
+      <p:sp>
+        <p:nvSpPr>
+          <p:cNvPr id="2" name="Title 1"/>
+          <p:cNvSpPr>
+            <a:spLocks noGrp="1"/>
+          </p:cNvSpPr>
+          <p:nvPr>
+            <p:ph type="title"/>
+          </p:nvPr>
+        </p:nvSpPr>
+        <p:spPr/>
+        <p:txBody>
+          <a:bodyPr/>
+          <a:lstStyle/>
+          <a:p>
+            <a:r>
+              <a:rPr lang="en-US" dirty="0"/>
+              <a:t>What happened to the strategy?</a:t>
+            </a:r>
+          </a:p>
+        </p:txBody>
+      </p:sp>
+      <p:sp>
+        <p:nvSpPr>
+          <p:cNvPr id="3" name="Content Placeholder 2"/>
+          <p:cNvSpPr>
+            <a:spLocks noGrp="1"/>
+          </p:cNvSpPr>
+          <p:nvPr>
+            <p:ph idx="1"/>
+          </p:nvPr>
+        </p:nvSpPr>
+        <p:spPr/>
+        <p:txBody>
+          <a:bodyPr>
+            <a:normAutofit fontScale="92500" lnSpcReduction="20000"/>
+          </a:bodyPr>
+          <a:lstStyle/>
+          <a:p>
+            <a:r>
+              <a:rPr lang="en-US" dirty="0"/>
+              <a:t>We no longer require you to state a design strategy for every function and method.</a:t>
+            </a:r>
+          </a:p>
+          <a:p>
+            <a:r>
+              <a:rPr lang="en-US" dirty="0"/>
+              <a:t>Early in the course, the design strategies you stated helped us to understand what you were trying to do even if your definition was completely wrong. As your programming skills have improved, that should happen less often now.</a:t>
+            </a:r>
+          </a:p>
+          <a:p>
+            <a:r>
+              <a:rPr lang="en-US" dirty="0"/>
+              <a:t>You should still state a design strategy if you think it would help readers to understand your definition.</a:t>
+            </a:r>
+          </a:p>
+          <a:p>
+            <a:endParaRPr lang="en-US" dirty="0"/>
+          </a:p>
+        </p:txBody>
+      </p:sp>
+      <p:sp>
+        <p:nvSpPr>
+          <p:cNvPr id="4" name="Slide Number Placeholder 3"/>
+          <p:cNvSpPr>
+            <a:spLocks noGrp="1"/>
+          </p:cNvSpPr>
+          <p:nvPr>
+            <p:ph type="sldNum" sz="quarter" idx="12"/>
+          </p:nvPr>
+        </p:nvSpPr>
+        <p:spPr/>
+        <p:txBody>
+          <a:bodyPr/>
+          <a:lstStyle/>
+          <a:p>
+            <a:fld id="{B6F15528-21DE-4FAA-801E-634DDDAF4B2B}" type="slidenum">
+              <a:rPr lang="en-US" smtClean="0"/>
+              <a:pPr/>
+              <a:t>21</a:t>
+            </a:fld>
+            <a:endParaRPr lang="en-US"/>
+          </a:p>
+        </p:txBody>
+      </p:sp>
+    </p:spTree>
+    <p:extLst>
+      <p:ext uri="{BB962C8B-B14F-4D97-AF65-F5344CB8AC3E}">
+        <p14:creationId xmlns:p14="http://schemas.microsoft.com/office/powerpoint/2010/main" val="1864815552"/>
+      </p:ext>
+    </p:extLst>
+  </p:cSld>
+  <p:clrMapOvr>
+    <a:masterClrMapping/>
+  </p:clrMapOvr>
+</p:sld>
+</file>
+
+<file path=ppt/slides/slide22.xml><?xml version="1.0" encoding="utf-8"?>
+<p:sld xmlns:a="http://schemas.openxmlformats.org/drawingml/2006/main" xmlns:r="http://schemas.openxmlformats.org/officeDocument/2006/relationships" xmlns:p="http://schemas.openxmlformats.org/presentationml/2006/main">
+  <p:cSld>
+    <p:spTree>
+      <p:nvGrpSpPr>
+        <p:cNvPr id="1" name=""/>
+        <p:cNvGrpSpPr/>
+        <p:nvPr/>
+      </p:nvGrpSpPr>
+      <p:grpSpPr>
+        <a:xfrm>
+          <a:off x="0" y="0"/>
+          <a:ext cx="0" cy="0"/>
+          <a:chOff x="0" y="0"/>
+          <a:chExt cx="0" cy="0"/>
+        </a:xfrm>
+      </p:grpSpPr>
+      <p:sp>
+        <p:nvSpPr>
+          <p:cNvPr id="2" name="Title 1"/>
+          <p:cNvSpPr>
+            <a:spLocks noGrp="1"/>
+          </p:cNvSpPr>
+          <p:nvPr>
+            <p:ph type="title"/>
+          </p:nvPr>
+        </p:nvSpPr>
+        <p:spPr/>
+        <p:txBody>
           <a:bodyPr>
             <a:normAutofit fontScale="90000"/>
           </a:bodyPr>
@@ -7539,7 +8757,7 @@
           <a:p>
             <a:r>
               <a:rPr lang="en-US" dirty="0"/>
-              <a:t>Method definitions that don't need design strategies (2)</a:t>
+              <a:t>Simple method definitions don't need design strategies</a:t>
             </a:r>
           </a:p>
         </p:txBody>
@@ -7578,31 +8796,7 @@
                 <a:latin typeface="Consolas" pitchFamily="49" charset="0"/>
                 <a:cs typeface="Consolas" pitchFamily="49" charset="0"/>
               </a:rPr>
-              <a:t>(define/public (weight) </a:t>
-            </a:r>
-          </a:p>
-          <a:p>
-            <a:pPr>
-              <a:buNone/>
-            </a:pPr>
-            <a:r>
-              <a:rPr lang="en-US" sz="2400" b="1" dirty="0">
-                <a:latin typeface="Consolas" pitchFamily="49" charset="0"/>
-                <a:cs typeface="Consolas" pitchFamily="49" charset="0"/>
-              </a:rPr>
-              <a:t>   (+ (send front weight)</a:t>
-            </a:r>
-          </a:p>
-          <a:p>
-            <a:pPr>
-              <a:buNone/>
-            </a:pPr>
-            <a:r>
-              <a:rPr lang="en-US" sz="2400" b="1" dirty="0">
-                <a:latin typeface="Consolas" pitchFamily="49" charset="0"/>
-                <a:cs typeface="Consolas" pitchFamily="49" charset="0"/>
-              </a:rPr>
-              <a:t>      (send back weight)))</a:t>
+              <a:t>(define/public (weight) (* l l))</a:t>
             </a:r>
           </a:p>
           <a:p>
@@ -7618,35 +8812,24 @@
             <a:pPr>
               <a:buNone/>
             </a:pPr>
-            <a:endParaRPr lang="en-US" sz="2400" b="1" dirty="0">
-              <a:latin typeface="Consolas" pitchFamily="49" charset="0"/>
-              <a:cs typeface="Consolas" pitchFamily="49" charset="0"/>
-            </a:endParaRPr>
-          </a:p>
-          <a:p>
-            <a:pPr>
-              <a:buNone/>
-            </a:pPr>
             <a:r>
               <a:rPr lang="en-US" sz="2400" b="1" dirty="0">
                 <a:latin typeface="Consolas" pitchFamily="49" charset="0"/>
                 <a:cs typeface="Consolas" pitchFamily="49" charset="0"/>
               </a:rPr>
-              <a:t>(define/public (volume other-</a:t>
-            </a:r>
-            <a:r>
-              <a:rPr lang="en-US" sz="2400" b="1" dirty="0" err="1">
-                <a:latin typeface="Consolas" pitchFamily="49" charset="0"/>
-                <a:cs typeface="Consolas" pitchFamily="49" charset="0"/>
-              </a:rPr>
-              <a:t>obj</a:t>
-            </a:r>
+              <a:t>(define/public (volume)</a:t>
+            </a:r>
+          </a:p>
+          <a:p>
+            <a:pPr>
+              <a:buNone/>
+            </a:pPr>
             <a:r>
               <a:rPr lang="en-US" sz="2400" b="1" dirty="0">
                 <a:latin typeface="Consolas" pitchFamily="49" charset="0"/>
                 <a:cs typeface="Consolas" pitchFamily="49" charset="0"/>
               </a:rPr>
-              <a:t>) </a:t>
+              <a:t>  (* (send this height)</a:t>
             </a:r>
           </a:p>
           <a:p>
@@ -7658,47 +8841,7 @@
                 <a:latin typeface="Consolas" pitchFamily="49" charset="0"/>
                 <a:cs typeface="Consolas" pitchFamily="49" charset="0"/>
               </a:rPr>
-              <a:t>   (* (send other-</a:t>
-            </a:r>
-            <a:r>
-              <a:rPr lang="en-US" sz="2400" b="1" dirty="0" err="1">
-                <a:latin typeface="Consolas" pitchFamily="49" charset="0"/>
-                <a:cs typeface="Consolas" pitchFamily="49" charset="0"/>
-              </a:rPr>
-              <a:t>obj</a:t>
-            </a:r>
-            <a:r>
-              <a:rPr lang="en-US" sz="2400" b="1" dirty="0">
-                <a:latin typeface="Consolas" pitchFamily="49" charset="0"/>
-                <a:cs typeface="Consolas" pitchFamily="49" charset="0"/>
-              </a:rPr>
-              <a:t> area)</a:t>
-            </a:r>
-          </a:p>
-          <a:p>
-            <a:pPr>
-              <a:buNone/>
-            </a:pPr>
-            <a:r>
-              <a:rPr lang="en-US" sz="2400" b="1" dirty="0">
-                <a:latin typeface="Consolas" pitchFamily="49" charset="0"/>
-                <a:cs typeface="Consolas" pitchFamily="49" charset="0"/>
-              </a:rPr>
-              <a:t>      (send other-</a:t>
-            </a:r>
-            <a:r>
-              <a:rPr lang="en-US" sz="2400" b="1" dirty="0" err="1">
-                <a:latin typeface="Consolas" pitchFamily="49" charset="0"/>
-                <a:cs typeface="Consolas" pitchFamily="49" charset="0"/>
-              </a:rPr>
-              <a:t>obj</a:t>
-            </a:r>
-            <a:r>
-              <a:rPr lang="en-US" sz="2400" b="1" dirty="0">
-                <a:latin typeface="Consolas" pitchFamily="49" charset="0"/>
-                <a:cs typeface="Consolas" pitchFamily="49" charset="0"/>
-              </a:rPr>
-              <a:t> height)))</a:t>
+              <a:t>     (send this area)))</a:t>
             </a:r>
           </a:p>
           <a:p>
@@ -7714,7 +8857,7 @@
       </p:sp>
       <p:sp>
         <p:nvSpPr>
-          <p:cNvPr id="4" name="Slide Number Placeholder 3"/>
+          <p:cNvPr id="6" name="Slide Number Placeholder 5"/>
           <p:cNvSpPr>
             <a:spLocks noGrp="1"/>
           </p:cNvSpPr>
@@ -7730,7 +8873,248 @@
             <a:fld id="{B6F15528-21DE-4FAA-801E-634DDDAF4B2B}" type="slidenum">
               <a:rPr lang="en-US" smtClean="0"/>
               <a:pPr/>
-              <a:t>19</a:t>
+              <a:t>22</a:t>
+            </a:fld>
+            <a:endParaRPr lang="en-US"/>
+          </a:p>
+        </p:txBody>
+      </p:sp>
+    </p:spTree>
+  </p:cSld>
+  <p:clrMapOvr>
+    <a:masterClrMapping/>
+  </p:clrMapOvr>
+</p:sld>
+</file>
+
+<file path=ppt/slides/slide23.xml><?xml version="1.0" encoding="utf-8"?>
+<p:sld xmlns:a="http://schemas.openxmlformats.org/drawingml/2006/main" xmlns:r="http://schemas.openxmlformats.org/officeDocument/2006/relationships" xmlns:p="http://schemas.openxmlformats.org/presentationml/2006/main">
+  <p:cSld>
+    <p:spTree>
+      <p:nvGrpSpPr>
+        <p:cNvPr id="1" name=""/>
+        <p:cNvGrpSpPr/>
+        <p:nvPr/>
+      </p:nvGrpSpPr>
+      <p:grpSpPr>
+        <a:xfrm>
+          <a:off x="0" y="0"/>
+          <a:ext cx="0" cy="0"/>
+          <a:chOff x="0" y="0"/>
+          <a:chExt cx="0" cy="0"/>
+        </a:xfrm>
+      </p:grpSpPr>
+      <p:sp>
+        <p:nvSpPr>
+          <p:cNvPr id="2" name="Title 1"/>
+          <p:cNvSpPr>
+            <a:spLocks noGrp="1"/>
+          </p:cNvSpPr>
+          <p:nvPr>
+            <p:ph type="title"/>
+          </p:nvPr>
+        </p:nvSpPr>
+        <p:spPr/>
+        <p:txBody>
+          <a:bodyPr>
+            <a:normAutofit fontScale="90000"/>
+          </a:bodyPr>
+          <a:lstStyle/>
+          <a:p>
+            <a:r>
+              <a:rPr lang="en-US" dirty="0"/>
+              <a:t>Method definitions that don't need design strategies (2)</a:t>
+            </a:r>
+          </a:p>
+        </p:txBody>
+      </p:sp>
+      <p:sp>
+        <p:nvSpPr>
+          <p:cNvPr id="3" name="Content Placeholder 2"/>
+          <p:cNvSpPr>
+            <a:spLocks noGrp="1"/>
+          </p:cNvSpPr>
+          <p:nvPr>
+            <p:ph idx="1"/>
+          </p:nvPr>
+        </p:nvSpPr>
+        <p:spPr/>
+        <p:txBody>
+          <a:bodyPr>
+            <a:normAutofit/>
+          </a:bodyPr>
+          <a:lstStyle/>
+          <a:p>
+            <a:pPr>
+              <a:buNone/>
+            </a:pPr>
+            <a:endParaRPr lang="en-US" sz="2400" b="1" dirty="0">
+              <a:latin typeface="Consolas" pitchFamily="49" charset="0"/>
+              <a:cs typeface="Consolas" pitchFamily="49" charset="0"/>
+            </a:endParaRPr>
+          </a:p>
+          <a:p>
+            <a:pPr>
+              <a:buNone/>
+            </a:pPr>
+            <a:r>
+              <a:rPr lang="en-US" sz="2400" b="1" dirty="0">
+                <a:latin typeface="Consolas" pitchFamily="49" charset="0"/>
+                <a:cs typeface="Consolas" pitchFamily="49" charset="0"/>
+              </a:rPr>
+              <a:t>(define/public (weight) </a:t>
+            </a:r>
+          </a:p>
+          <a:p>
+            <a:pPr>
+              <a:buNone/>
+            </a:pPr>
+            <a:r>
+              <a:rPr lang="en-US" sz="2400" b="1" dirty="0">
+                <a:latin typeface="Consolas" pitchFamily="49" charset="0"/>
+                <a:cs typeface="Consolas" pitchFamily="49" charset="0"/>
+              </a:rPr>
+              <a:t>   (+ (send front weight)</a:t>
+            </a:r>
+          </a:p>
+          <a:p>
+            <a:pPr>
+              <a:buNone/>
+            </a:pPr>
+            <a:r>
+              <a:rPr lang="en-US" sz="2400" b="1" dirty="0">
+                <a:latin typeface="Consolas" pitchFamily="49" charset="0"/>
+                <a:cs typeface="Consolas" pitchFamily="49" charset="0"/>
+              </a:rPr>
+              <a:t>      (send back weight)))</a:t>
+            </a:r>
+          </a:p>
+          <a:p>
+            <a:pPr>
+              <a:buNone/>
+            </a:pPr>
+            <a:endParaRPr lang="en-US" sz="2400" b="1" dirty="0">
+              <a:latin typeface="Consolas" pitchFamily="49" charset="0"/>
+              <a:cs typeface="Consolas" pitchFamily="49" charset="0"/>
+            </a:endParaRPr>
+          </a:p>
+          <a:p>
+            <a:pPr>
+              <a:buNone/>
+            </a:pPr>
+            <a:endParaRPr lang="en-US" sz="2400" b="1" dirty="0">
+              <a:latin typeface="Consolas" pitchFamily="49" charset="0"/>
+              <a:cs typeface="Consolas" pitchFamily="49" charset="0"/>
+            </a:endParaRPr>
+          </a:p>
+          <a:p>
+            <a:pPr>
+              <a:buNone/>
+            </a:pPr>
+            <a:r>
+              <a:rPr lang="en-US" sz="2400" b="1" dirty="0">
+                <a:latin typeface="Consolas" pitchFamily="49" charset="0"/>
+                <a:cs typeface="Consolas" pitchFamily="49" charset="0"/>
+              </a:rPr>
+              <a:t>(define/public (volume other-</a:t>
+            </a:r>
+            <a:r>
+              <a:rPr lang="en-US" sz="2400" b="1" dirty="0" err="1">
+                <a:latin typeface="Consolas" pitchFamily="49" charset="0"/>
+                <a:cs typeface="Consolas" pitchFamily="49" charset="0"/>
+              </a:rPr>
+              <a:t>obj</a:t>
+            </a:r>
+            <a:r>
+              <a:rPr lang="en-US" sz="2400" b="1" dirty="0">
+                <a:latin typeface="Consolas" pitchFamily="49" charset="0"/>
+                <a:cs typeface="Consolas" pitchFamily="49" charset="0"/>
+              </a:rPr>
+              <a:t>) </a:t>
+            </a:r>
+          </a:p>
+          <a:p>
+            <a:pPr>
+              <a:buNone/>
+            </a:pPr>
+            <a:r>
+              <a:rPr lang="en-US" sz="2400" b="1" dirty="0">
+                <a:latin typeface="Consolas" pitchFamily="49" charset="0"/>
+                <a:cs typeface="Consolas" pitchFamily="49" charset="0"/>
+              </a:rPr>
+              <a:t>   (* (send other-</a:t>
+            </a:r>
+            <a:r>
+              <a:rPr lang="en-US" sz="2400" b="1" dirty="0" err="1">
+                <a:latin typeface="Consolas" pitchFamily="49" charset="0"/>
+                <a:cs typeface="Consolas" pitchFamily="49" charset="0"/>
+              </a:rPr>
+              <a:t>obj</a:t>
+            </a:r>
+            <a:r>
+              <a:rPr lang="en-US" sz="2400" b="1" dirty="0">
+                <a:latin typeface="Consolas" pitchFamily="49" charset="0"/>
+                <a:cs typeface="Consolas" pitchFamily="49" charset="0"/>
+              </a:rPr>
+              <a:t> area)</a:t>
+            </a:r>
+          </a:p>
+          <a:p>
+            <a:pPr>
+              <a:buNone/>
+            </a:pPr>
+            <a:r>
+              <a:rPr lang="en-US" sz="2400" b="1" dirty="0">
+                <a:latin typeface="Consolas" pitchFamily="49" charset="0"/>
+                <a:cs typeface="Consolas" pitchFamily="49" charset="0"/>
+              </a:rPr>
+              <a:t>      (send other-</a:t>
+            </a:r>
+            <a:r>
+              <a:rPr lang="en-US" sz="2400" b="1" dirty="0" err="1">
+                <a:latin typeface="Consolas" pitchFamily="49" charset="0"/>
+                <a:cs typeface="Consolas" pitchFamily="49" charset="0"/>
+              </a:rPr>
+              <a:t>obj</a:t>
+            </a:r>
+            <a:r>
+              <a:rPr lang="en-US" sz="2400" b="1" dirty="0">
+                <a:latin typeface="Consolas" pitchFamily="49" charset="0"/>
+                <a:cs typeface="Consolas" pitchFamily="49" charset="0"/>
+              </a:rPr>
+              <a:t> height)))</a:t>
+            </a:r>
+          </a:p>
+          <a:p>
+            <a:pPr>
+              <a:buNone/>
+            </a:pPr>
+            <a:endParaRPr lang="en-US" sz="2400" b="1" dirty="0">
+              <a:latin typeface="Consolas" pitchFamily="49" charset="0"/>
+              <a:cs typeface="Consolas" pitchFamily="49" charset="0"/>
+            </a:endParaRPr>
+          </a:p>
+        </p:txBody>
+      </p:sp>
+      <p:sp>
+        <p:nvSpPr>
+          <p:cNvPr id="4" name="Slide Number Placeholder 3"/>
+          <p:cNvSpPr>
+            <a:spLocks noGrp="1"/>
+          </p:cNvSpPr>
+          <p:nvPr>
+            <p:ph type="sldNum" sz="quarter" idx="12"/>
+          </p:nvPr>
+        </p:nvSpPr>
+        <p:spPr/>
+        <p:txBody>
+          <a:bodyPr/>
+          <a:lstStyle/>
+          <a:p>
+            <a:fld id="{B6F15528-21DE-4FAA-801E-634DDDAF4B2B}" type="slidenum">
+              <a:rPr lang="en-US" smtClean="0"/>
+              <a:pPr/>
+              <a:t>23</a:t>
             </a:fld>
             <a:endParaRPr lang="en-US"/>
           </a:p>
@@ -7874,7 +9258,7 @@
 </p:sld>
 </file>
 
-<file path=ppt/slides/slide2.xml><?xml version="1.0" encoding="utf-8"?>
+<file path=ppt/slides/slide24.xml><?xml version="1.0" encoding="utf-8"?>
 <p:sld xmlns:a="http://schemas.openxmlformats.org/drawingml/2006/main" xmlns:r="http://schemas.openxmlformats.org/officeDocument/2006/relationships" xmlns:p="http://schemas.openxmlformats.org/presentationml/2006/main">
   <p:cSld>
     <p:spTree>
@@ -7903,12 +9287,14 @@
         </p:nvSpPr>
         <p:spPr/>
         <p:txBody>
-          <a:bodyPr/>
-          <a:lstStyle/>
-          <a:p>
-            <a:r>
-              <a:rPr lang="en-US" dirty="0"/>
-              <a:t>Goals of this lesson</a:t>
+          <a:bodyPr>
+            <a:normAutofit fontScale="90000"/>
+          </a:bodyPr>
+          <a:lstStyle/>
+          <a:p>
+            <a:r>
+              <a:rPr lang="en-US" dirty="0"/>
+              <a:t>This also doesn't need a design strategy, but it might help</a:t>
             </a:r>
           </a:p>
         </p:txBody>
@@ -7923,20 +9309,146 @@
             <p:ph idx="1"/>
           </p:nvPr>
         </p:nvSpPr>
-        <p:spPr/>
-        <p:txBody>
-          <a:bodyPr/>
-          <a:lstStyle/>
-          <a:p>
-            <a:r>
-              <a:rPr lang="en-US" dirty="0"/>
-              <a:t>See how the design recipe and its deliverables should appear in an object-oriented system</a:t>
-            </a:r>
-          </a:p>
-          <a:p>
-            <a:r>
-              <a:rPr lang="en-US" dirty="0"/>
-              <a:t>Note:  this is about OUR coding standards.  Your workplace may have different standards.</a:t>
+        <p:spPr>
+          <a:xfrm>
+            <a:off x="228600" y="1600200"/>
+            <a:ext cx="8686800" cy="4525963"/>
+          </a:xfrm>
+        </p:spPr>
+        <p:txBody>
+          <a:bodyPr>
+            <a:normAutofit/>
+          </a:bodyPr>
+          <a:lstStyle/>
+          <a:p>
+            <a:pPr>
+              <a:spcBef>
+                <a:spcPts val="0"/>
+              </a:spcBef>
+              <a:buNone/>
+            </a:pPr>
+            <a:r>
+              <a:rPr lang="en-US" sz="2000" b="1" dirty="0">
+                <a:latin typeface="Consolas" pitchFamily="49" charset="0"/>
+                <a:cs typeface="Consolas" pitchFamily="49" charset="0"/>
+              </a:rPr>
+              <a:t>;; STRATEGY: Use HOF map to send after-tick to each of the</a:t>
+            </a:r>
+          </a:p>
+          <a:p>
+            <a:pPr>
+              <a:spcBef>
+                <a:spcPts val="0"/>
+              </a:spcBef>
+              <a:buNone/>
+            </a:pPr>
+            <a:r>
+              <a:rPr lang="en-US" sz="2000" b="1" dirty="0">
+                <a:latin typeface="Consolas" pitchFamily="49" charset="0"/>
+                <a:cs typeface="Consolas" pitchFamily="49" charset="0"/>
+              </a:rPr>
+              <a:t>;;  widgets</a:t>
+            </a:r>
+          </a:p>
+          <a:p>
+            <a:pPr>
+              <a:spcBef>
+                <a:spcPts val="0"/>
+              </a:spcBef>
+              <a:buNone/>
+            </a:pPr>
+            <a:endParaRPr lang="en-US" sz="2000" b="1" dirty="0">
+              <a:latin typeface="Consolas" pitchFamily="49" charset="0"/>
+              <a:cs typeface="Consolas" pitchFamily="49" charset="0"/>
+            </a:endParaRPr>
+          </a:p>
+          <a:p>
+            <a:pPr>
+              <a:spcBef>
+                <a:spcPts val="0"/>
+              </a:spcBef>
+              <a:buNone/>
+            </a:pPr>
+            <a:r>
+              <a:rPr lang="en-US" sz="2000" b="1" dirty="0">
+                <a:latin typeface="Consolas" pitchFamily="49" charset="0"/>
+                <a:cs typeface="Consolas" pitchFamily="49" charset="0"/>
+              </a:rPr>
+              <a:t>(define/public (after-tick)</a:t>
+            </a:r>
+          </a:p>
+          <a:p>
+            <a:pPr>
+              <a:spcBef>
+                <a:spcPts val="0"/>
+              </a:spcBef>
+              <a:buNone/>
+            </a:pPr>
+            <a:r>
+              <a:rPr lang="en-US" sz="2000" b="1" dirty="0">
+                <a:latin typeface="Consolas" pitchFamily="49" charset="0"/>
+                <a:cs typeface="Consolas" pitchFamily="49" charset="0"/>
+              </a:rPr>
+              <a:t>  (new World%</a:t>
+            </a:r>
+          </a:p>
+          <a:p>
+            <a:pPr>
+              <a:spcBef>
+                <a:spcPts val="0"/>
+              </a:spcBef>
+              <a:buNone/>
+            </a:pPr>
+            <a:r>
+              <a:rPr lang="en-US" sz="2000" b="1" dirty="0">
+                <a:latin typeface="Consolas" pitchFamily="49" charset="0"/>
+                <a:cs typeface="Consolas" pitchFamily="49" charset="0"/>
+              </a:rPr>
+              <a:t>    [widgets (map</a:t>
+            </a:r>
+          </a:p>
+          <a:p>
+            <a:pPr>
+              <a:spcBef>
+                <a:spcPts val="0"/>
+              </a:spcBef>
+              <a:buNone/>
+            </a:pPr>
+            <a:r>
+              <a:rPr lang="en-US" sz="2000" b="1" dirty="0">
+                <a:latin typeface="Consolas" pitchFamily="49" charset="0"/>
+                <a:cs typeface="Consolas" pitchFamily="49" charset="0"/>
+              </a:rPr>
+              <a:t>              (lambda (widget</a:t>
+            </a:r>
+            <a:r>
+              <a:rPr lang="en-US" sz="2000" b="1">
+                <a:latin typeface="Consolas" pitchFamily="49" charset="0"/>
+                <a:cs typeface="Consolas" pitchFamily="49" charset="0"/>
+              </a:rPr>
+              <a:t>) (</a:t>
+            </a:r>
+            <a:r>
+              <a:rPr lang="en-US" sz="2000" b="1" dirty="0">
+                <a:latin typeface="Consolas" pitchFamily="49" charset="0"/>
+                <a:cs typeface="Consolas" pitchFamily="49" charset="0"/>
+              </a:rPr>
+              <a:t>send widget after-tick))</a:t>
+            </a:r>
+          </a:p>
+          <a:p>
+            <a:pPr>
+              <a:spcBef>
+                <a:spcPts val="0"/>
+              </a:spcBef>
+              <a:buNone/>
+            </a:pPr>
+            <a:r>
+              <a:rPr lang="en-US" sz="2000" b="1" dirty="0">
+                <a:latin typeface="Consolas" pitchFamily="49" charset="0"/>
+                <a:cs typeface="Consolas" pitchFamily="49" charset="0"/>
+              </a:rPr>
+              <a:t>              widgets)]))</a:t>
             </a:r>
           </a:p>
         </p:txBody>
@@ -7959,7 +9471,7 @@
             <a:fld id="{B6F15528-21DE-4FAA-801E-634DDDAF4B2B}" type="slidenum">
               <a:rPr lang="en-US" smtClean="0"/>
               <a:pPr/>
-              <a:t>2</a:t>
+              <a:t>24</a:t>
             </a:fld>
             <a:endParaRPr lang="en-US"/>
           </a:p>
@@ -7973,7 +9485,7 @@
 </p:sld>
 </file>
 
-<file path=ppt/slides/slide20.xml><?xml version="1.0" encoding="utf-8"?>
+<file path=ppt/slides/slide25.xml><?xml version="1.0" encoding="utf-8"?>
 <p:sld xmlns:a="http://schemas.openxmlformats.org/drawingml/2006/main" xmlns:r="http://schemas.openxmlformats.org/officeDocument/2006/relationships" xmlns:p="http://schemas.openxmlformats.org/presentationml/2006/main">
   <p:cSld>
     <p:spTree>
@@ -8009,7 +9521,7 @@
           <a:p>
             <a:r>
               <a:rPr lang="en-US" dirty="0"/>
-              <a:t>This also doesn't need a design strategy, but it might help</a:t>
+              <a:t>Another method  where the design strategy is optional</a:t>
             </a:r>
           </a:p>
         </p:txBody>
@@ -8024,12 +9536,7 @@
             <p:ph idx="1"/>
           </p:nvPr>
         </p:nvSpPr>
-        <p:spPr>
-          <a:xfrm>
-            <a:off x="228600" y="1600200"/>
-            <a:ext cx="8686800" cy="4525963"/>
-          </a:xfrm>
-        </p:spPr>
+        <p:spPr/>
         <p:txBody>
           <a:bodyPr>
             <a:normAutofit/>
@@ -8043,12 +9550,37 @@
               <a:buNone/>
             </a:pPr>
             <a:r>
-              <a:rPr lang="en-US" sz="2000" b="1" dirty="0">
+              <a:rPr lang="en-US" sz="2400" b="1" dirty="0">
                 <a:latin typeface="Consolas" pitchFamily="49" charset="0"/>
                 <a:cs typeface="Consolas" pitchFamily="49" charset="0"/>
               </a:rPr>
-              <a:t>;; STRATEGY: Use HOF map to send after-tick to each of the</a:t>
-            </a:r>
+              <a:t>;; STRATEGY: Cases on </a:t>
+            </a:r>
+            <a:r>
+              <a:rPr lang="en-US" sz="2400" b="1" dirty="0" err="1">
+                <a:latin typeface="Consolas" pitchFamily="49" charset="0"/>
+                <a:cs typeface="Consolas" pitchFamily="49" charset="0"/>
+              </a:rPr>
+              <a:t>MouseEvent</a:t>
+            </a:r>
+            <a:r>
+              <a:rPr lang="en-US" sz="2400" b="1" dirty="0">
+                <a:latin typeface="Consolas" pitchFamily="49" charset="0"/>
+                <a:cs typeface="Consolas" pitchFamily="49" charset="0"/>
+              </a:rPr>
+              <a:t> </a:t>
+            </a:r>
+            <a:r>
+              <a:rPr lang="en-US" sz="2400" b="1" dirty="0" err="1">
+                <a:latin typeface="Consolas" pitchFamily="49" charset="0"/>
+                <a:cs typeface="Consolas" pitchFamily="49" charset="0"/>
+              </a:rPr>
+              <a:t>mev</a:t>
+            </a:r>
+            <a:endParaRPr lang="en-US" sz="2400" b="1" dirty="0">
+              <a:latin typeface="Consolas" pitchFamily="49" charset="0"/>
+              <a:cs typeface="Consolas" pitchFamily="49" charset="0"/>
+            </a:endParaRPr>
           </a:p>
           <a:p>
             <a:pPr>
@@ -8057,13 +9589,10 @@
               </a:spcBef>
               <a:buNone/>
             </a:pPr>
-            <a:r>
-              <a:rPr lang="en-US" sz="2000" b="1" dirty="0">
-                <a:latin typeface="Consolas" pitchFamily="49" charset="0"/>
-                <a:cs typeface="Consolas" pitchFamily="49" charset="0"/>
-              </a:rPr>
-              <a:t>;;  widgets</a:t>
-            </a:r>
+            <a:endParaRPr lang="en-US" sz="2400" b="1" dirty="0">
+              <a:latin typeface="Consolas" pitchFamily="49" charset="0"/>
+              <a:cs typeface="Consolas" pitchFamily="49" charset="0"/>
+            </a:endParaRPr>
           </a:p>
           <a:p>
             <a:pPr>
@@ -8072,10 +9601,27 @@
               </a:spcBef>
               <a:buNone/>
             </a:pPr>
-            <a:endParaRPr lang="en-US" sz="2000" b="1" dirty="0">
-              <a:latin typeface="Consolas" pitchFamily="49" charset="0"/>
-              <a:cs typeface="Consolas" pitchFamily="49" charset="0"/>
-            </a:endParaRPr>
+            <a:r>
+              <a:rPr lang="en-US" sz="2400" b="1" dirty="0">
+                <a:latin typeface="Consolas" pitchFamily="49" charset="0"/>
+                <a:cs typeface="Consolas" pitchFamily="49" charset="0"/>
+              </a:rPr>
+              <a:t>(define/public (after-mouse-event mx my </a:t>
+            </a:r>
+            <a:r>
+              <a:rPr lang="en-US" sz="2400" b="1" dirty="0" err="1">
+                <a:latin typeface="Consolas" pitchFamily="49" charset="0"/>
+                <a:cs typeface="Consolas" pitchFamily="49" charset="0"/>
+              </a:rPr>
+              <a:t>mev</a:t>
+            </a:r>
+            <a:r>
+              <a:rPr lang="en-US" sz="2400" b="1" dirty="0">
+                <a:latin typeface="Consolas" pitchFamily="49" charset="0"/>
+                <a:cs typeface="Consolas" pitchFamily="49" charset="0"/>
+              </a:rPr>
+              <a:t>)</a:t>
+            </a:r>
           </a:p>
           <a:p>
             <a:pPr>
@@ -8085,12 +9631,23 @@
               <a:buNone/>
             </a:pPr>
             <a:r>
-              <a:rPr lang="en-US" sz="2000" b="1" dirty="0">
+              <a:rPr lang="en-US" sz="2400" b="1" dirty="0">
                 <a:latin typeface="Consolas" pitchFamily="49" charset="0"/>
                 <a:cs typeface="Consolas" pitchFamily="49" charset="0"/>
               </a:rPr>
-              <a:t>(define/public (after-tick)</a:t>
-            </a:r>
+              <a:t>  (</a:t>
+            </a:r>
+            <a:r>
+              <a:rPr lang="en-US" sz="2400" b="1" dirty="0" err="1">
+                <a:latin typeface="Consolas" pitchFamily="49" charset="0"/>
+                <a:cs typeface="Consolas" pitchFamily="49" charset="0"/>
+              </a:rPr>
+              <a:t>cond</a:t>
+            </a:r>
+            <a:endParaRPr lang="en-US" sz="2400" b="1" dirty="0">
+              <a:latin typeface="Consolas" pitchFamily="49" charset="0"/>
+              <a:cs typeface="Consolas" pitchFamily="49" charset="0"/>
+            </a:endParaRPr>
           </a:p>
           <a:p>
             <a:pPr>
@@ -8100,11 +9657,25 @@
               <a:buNone/>
             </a:pPr>
             <a:r>
-              <a:rPr lang="en-US" sz="2000" b="1" dirty="0">
+              <a:rPr lang="en-US" sz="2400" b="1" dirty="0">
                 <a:latin typeface="Consolas" pitchFamily="49" charset="0"/>
                 <a:cs typeface="Consolas" pitchFamily="49" charset="0"/>
               </a:rPr>
-              <a:t>  (new World%</a:t>
+              <a:t>    [(mouse=? </a:t>
+            </a:r>
+            <a:r>
+              <a:rPr lang="en-US" sz="2400" b="1" dirty="0" err="1">
+                <a:latin typeface="Consolas" pitchFamily="49" charset="0"/>
+                <a:cs typeface="Consolas" pitchFamily="49" charset="0"/>
+              </a:rPr>
+              <a:t>mev</a:t>
+            </a:r>
+            <a:r>
+              <a:rPr lang="en-US" sz="2400" b="1" dirty="0">
+                <a:latin typeface="Consolas" pitchFamily="49" charset="0"/>
+                <a:cs typeface="Consolas" pitchFamily="49" charset="0"/>
+              </a:rPr>
+              <a:t> "button-down") ...]</a:t>
             </a:r>
           </a:p>
           <a:p>
@@ -8115,11 +9686,25 @@
               <a:buNone/>
             </a:pPr>
             <a:r>
-              <a:rPr lang="en-US" sz="2000" b="1" dirty="0">
+              <a:rPr lang="en-US" sz="2400" b="1" dirty="0">
                 <a:latin typeface="Consolas" pitchFamily="49" charset="0"/>
                 <a:cs typeface="Consolas" pitchFamily="49" charset="0"/>
               </a:rPr>
-              <a:t>    [widgets (map</a:t>
+              <a:t>    [(mouse=? </a:t>
+            </a:r>
+            <a:r>
+              <a:rPr lang="en-US" sz="2400" b="1" dirty="0" err="1">
+                <a:latin typeface="Consolas" pitchFamily="49" charset="0"/>
+                <a:cs typeface="Consolas" pitchFamily="49" charset="0"/>
+              </a:rPr>
+              <a:t>mev</a:t>
+            </a:r>
+            <a:r>
+              <a:rPr lang="en-US" sz="2400" b="1" dirty="0">
+                <a:latin typeface="Consolas" pitchFamily="49" charset="0"/>
+                <a:cs typeface="Consolas" pitchFamily="49" charset="0"/>
+              </a:rPr>
+              <a:t> "drag") ...]</a:t>
             </a:r>
           </a:p>
           <a:p>
@@ -8130,25 +9715,25 @@
               <a:buNone/>
             </a:pPr>
             <a:r>
-              <a:rPr lang="en-US" sz="2000" b="1" dirty="0">
+              <a:rPr lang="en-US" sz="2400" b="1" dirty="0">
                 <a:latin typeface="Consolas" pitchFamily="49" charset="0"/>
                 <a:cs typeface="Consolas" pitchFamily="49" charset="0"/>
               </a:rPr>
-              <a:t>              (lambda (widget</a:t>
-            </a:r>
-            <a:r>
-              <a:rPr lang="en-US" sz="2000" b="1">
+              <a:t>    [(mouse=? </a:t>
+            </a:r>
+            <a:r>
+              <a:rPr lang="en-US" sz="2400" b="1" dirty="0" err="1">
                 <a:latin typeface="Consolas" pitchFamily="49" charset="0"/>
                 <a:cs typeface="Consolas" pitchFamily="49" charset="0"/>
               </a:rPr>
-              <a:t>) (</a:t>
-            </a:r>
-            <a:r>
-              <a:rPr lang="en-US" sz="2000" b="1" dirty="0">
+              <a:t>mev</a:t>
+            </a:r>
+            <a:r>
+              <a:rPr lang="en-US" sz="2400" b="1" dirty="0">
                 <a:latin typeface="Consolas" pitchFamily="49" charset="0"/>
                 <a:cs typeface="Consolas" pitchFamily="49" charset="0"/>
               </a:rPr>
-              <a:t>send widget after-tick))</a:t>
+              <a:t> "button-up") ...]</a:t>
             </a:r>
           </a:p>
           <a:p>
@@ -8159,18 +9744,18 @@
               <a:buNone/>
             </a:pPr>
             <a:r>
-              <a:rPr lang="en-US" sz="2000" b="1" dirty="0">
+              <a:rPr lang="en-US" sz="2400" b="1" dirty="0">
                 <a:latin typeface="Consolas" pitchFamily="49" charset="0"/>
                 <a:cs typeface="Consolas" pitchFamily="49" charset="0"/>
               </a:rPr>
-              <a:t>              widgets)]))</a:t>
-            </a:r>
-          </a:p>
-        </p:txBody>
-      </p:sp>
-      <p:sp>
-        <p:nvSpPr>
-          <p:cNvPr id="4" name="Slide Number Placeholder 3"/>
+              <a:t>    [else ...]))</a:t>
+            </a:r>
+          </a:p>
+        </p:txBody>
+      </p:sp>
+      <p:sp>
+        <p:nvSpPr>
+          <p:cNvPr id="5" name="Slide Number Placeholder 4"/>
           <p:cNvSpPr>
             <a:spLocks noGrp="1"/>
           </p:cNvSpPr>
@@ -8186,7 +9771,7 @@
             <a:fld id="{B6F15528-21DE-4FAA-801E-634DDDAF4B2B}" type="slidenum">
               <a:rPr lang="en-US" smtClean="0"/>
               <a:pPr/>
-              <a:t>20</a:t>
+              <a:t>25</a:t>
             </a:fld>
             <a:endParaRPr lang="en-US"/>
           </a:p>
@@ -8200,7 +9785,7 @@
 </p:sld>
 </file>
 
-<file path=ppt/slides/slide21.xml><?xml version="1.0" encoding="utf-8"?>
+<file path=ppt/slides/slide26.xml><?xml version="1.0" encoding="utf-8"?>
 <p:sld xmlns:a="http://schemas.openxmlformats.org/drawingml/2006/main" xmlns:r="http://schemas.openxmlformats.org/officeDocument/2006/relationships" xmlns:p="http://schemas.openxmlformats.org/presentationml/2006/main">
   <p:cSld>
     <p:spTree>
@@ -8236,7 +9821,7 @@
           <a:p>
             <a:r>
               <a:rPr lang="en-US" dirty="0"/>
-              <a:t>Another method  where the design strategy is optional</a:t>
+              <a:t>Complicated things need strategies to  document them</a:t>
             </a:r>
           </a:p>
         </p:txBody>
@@ -8254,7 +9839,7 @@
         <p:spPr/>
         <p:txBody>
           <a:bodyPr>
-            <a:normAutofit/>
+            <a:noAutofit/>
           </a:bodyPr>
           <a:lstStyle/>
           <a:p>
@@ -8265,37 +9850,9 @@
               <a:buNone/>
             </a:pPr>
             <a:r>
-              <a:rPr lang="en-US" sz="2400" b="1" dirty="0">
-                <a:latin typeface="Consolas" pitchFamily="49" charset="0"/>
-                <a:cs typeface="Consolas" pitchFamily="49" charset="0"/>
-              </a:rPr>
-              <a:t>;; STRATEGY: Cases on </a:t>
-            </a:r>
-            <a:r>
-              <a:rPr lang="en-US" sz="2400" b="1" dirty="0" err="1">
-                <a:latin typeface="Consolas" pitchFamily="49" charset="0"/>
-                <a:cs typeface="Consolas" pitchFamily="49" charset="0"/>
-              </a:rPr>
-              <a:t>MouseEvent</a:t>
-            </a:r>
-            <a:r>
-              <a:rPr lang="en-US" sz="2400" b="1" dirty="0">
-                <a:latin typeface="Consolas" pitchFamily="49" charset="0"/>
-                <a:cs typeface="Consolas" pitchFamily="49" charset="0"/>
-              </a:rPr>
-              <a:t> </a:t>
-            </a:r>
-            <a:r>
-              <a:rPr lang="en-US" sz="2400" b="1" dirty="0" err="1">
-                <a:latin typeface="Consolas" pitchFamily="49" charset="0"/>
-                <a:cs typeface="Consolas" pitchFamily="49" charset="0"/>
-              </a:rPr>
-              <a:t>mev</a:t>
-            </a:r>
-            <a:endParaRPr lang="en-US" sz="2400" b="1" dirty="0">
-              <a:latin typeface="Consolas" pitchFamily="49" charset="0"/>
-              <a:cs typeface="Consolas" pitchFamily="49" charset="0"/>
-            </a:endParaRPr>
+              <a:rPr lang="en-US" sz="1300" b="1" dirty="0"/>
+              <a:t>(define Graph%</a:t>
+            </a:r>
           </a:p>
           <a:p>
             <a:pPr>
@@ -8304,10 +9861,10 @@
               </a:spcBef>
               <a:buNone/>
             </a:pPr>
-            <a:endParaRPr lang="en-US" sz="2400" b="1" dirty="0">
-              <a:latin typeface="Consolas" pitchFamily="49" charset="0"/>
-              <a:cs typeface="Consolas" pitchFamily="49" charset="0"/>
-            </a:endParaRPr>
+            <a:r>
+              <a:rPr lang="en-US" sz="1300" b="1" dirty="0"/>
+              <a:t> (class* object% ()</a:t>
+            </a:r>
           </a:p>
           <a:p>
             <a:pPr>
@@ -8317,25 +9874,8 @@
               <a:buNone/>
             </a:pPr>
             <a:r>
-              <a:rPr lang="en-US" sz="2400" b="1" dirty="0">
-                <a:latin typeface="Consolas" pitchFamily="49" charset="0"/>
-                <a:cs typeface="Consolas" pitchFamily="49" charset="0"/>
-              </a:rPr>
-              <a:t>(define/public (after-mouse-event mx my </a:t>
-            </a:r>
-            <a:r>
-              <a:rPr lang="en-US" sz="2400" b="1" dirty="0" err="1">
-                <a:latin typeface="Consolas" pitchFamily="49" charset="0"/>
-                <a:cs typeface="Consolas" pitchFamily="49" charset="0"/>
-              </a:rPr>
-              <a:t>mev</a:t>
-            </a:r>
-            <a:r>
-              <a:rPr lang="en-US" sz="2400" b="1" dirty="0">
-                <a:latin typeface="Consolas" pitchFamily="49" charset="0"/>
-                <a:cs typeface="Consolas" pitchFamily="49" charset="0"/>
-              </a:rPr>
-              <a:t>)</a:t>
+              <a:rPr lang="en-US" sz="1300" b="1" dirty="0"/>
+              <a:t>     ...</a:t>
             </a:r>
           </a:p>
           <a:p>
@@ -8346,261 +9886,6 @@
               <a:buNone/>
             </a:pPr>
             <a:r>
-              <a:rPr lang="en-US" sz="2400" b="1" dirty="0">
-                <a:latin typeface="Consolas" pitchFamily="49" charset="0"/>
-                <a:cs typeface="Consolas" pitchFamily="49" charset="0"/>
-              </a:rPr>
-              <a:t>  (</a:t>
-            </a:r>
-            <a:r>
-              <a:rPr lang="en-US" sz="2400" b="1" dirty="0" err="1">
-                <a:latin typeface="Consolas" pitchFamily="49" charset="0"/>
-                <a:cs typeface="Consolas" pitchFamily="49" charset="0"/>
-              </a:rPr>
-              <a:t>cond</a:t>
-            </a:r>
-            <a:endParaRPr lang="en-US" sz="2400" b="1" dirty="0">
-              <a:latin typeface="Consolas" pitchFamily="49" charset="0"/>
-              <a:cs typeface="Consolas" pitchFamily="49" charset="0"/>
-            </a:endParaRPr>
-          </a:p>
-          <a:p>
-            <a:pPr>
-              <a:spcBef>
-                <a:spcPts val="0"/>
-              </a:spcBef>
-              <a:buNone/>
-            </a:pPr>
-            <a:r>
-              <a:rPr lang="en-US" sz="2400" b="1" dirty="0">
-                <a:latin typeface="Consolas" pitchFamily="49" charset="0"/>
-                <a:cs typeface="Consolas" pitchFamily="49" charset="0"/>
-              </a:rPr>
-              <a:t>    [(mouse=? </a:t>
-            </a:r>
-            <a:r>
-              <a:rPr lang="en-US" sz="2400" b="1" dirty="0" err="1">
-                <a:latin typeface="Consolas" pitchFamily="49" charset="0"/>
-                <a:cs typeface="Consolas" pitchFamily="49" charset="0"/>
-              </a:rPr>
-              <a:t>mev</a:t>
-            </a:r>
-            <a:r>
-              <a:rPr lang="en-US" sz="2400" b="1" dirty="0">
-                <a:latin typeface="Consolas" pitchFamily="49" charset="0"/>
-                <a:cs typeface="Consolas" pitchFamily="49" charset="0"/>
-              </a:rPr>
-              <a:t> "button-down") ...]</a:t>
-            </a:r>
-          </a:p>
-          <a:p>
-            <a:pPr>
-              <a:spcBef>
-                <a:spcPts val="0"/>
-              </a:spcBef>
-              <a:buNone/>
-            </a:pPr>
-            <a:r>
-              <a:rPr lang="en-US" sz="2400" b="1" dirty="0">
-                <a:latin typeface="Consolas" pitchFamily="49" charset="0"/>
-                <a:cs typeface="Consolas" pitchFamily="49" charset="0"/>
-              </a:rPr>
-              <a:t>    [(mouse=? </a:t>
-            </a:r>
-            <a:r>
-              <a:rPr lang="en-US" sz="2400" b="1" dirty="0" err="1">
-                <a:latin typeface="Consolas" pitchFamily="49" charset="0"/>
-                <a:cs typeface="Consolas" pitchFamily="49" charset="0"/>
-              </a:rPr>
-              <a:t>mev</a:t>
-            </a:r>
-            <a:r>
-              <a:rPr lang="en-US" sz="2400" b="1" dirty="0">
-                <a:latin typeface="Consolas" pitchFamily="49" charset="0"/>
-                <a:cs typeface="Consolas" pitchFamily="49" charset="0"/>
-              </a:rPr>
-              <a:t> "drag") ...]</a:t>
-            </a:r>
-          </a:p>
-          <a:p>
-            <a:pPr>
-              <a:spcBef>
-                <a:spcPts val="0"/>
-              </a:spcBef>
-              <a:buNone/>
-            </a:pPr>
-            <a:r>
-              <a:rPr lang="en-US" sz="2400" b="1" dirty="0">
-                <a:latin typeface="Consolas" pitchFamily="49" charset="0"/>
-                <a:cs typeface="Consolas" pitchFamily="49" charset="0"/>
-              </a:rPr>
-              <a:t>    [(mouse=? </a:t>
-            </a:r>
-            <a:r>
-              <a:rPr lang="en-US" sz="2400" b="1" dirty="0" err="1">
-                <a:latin typeface="Consolas" pitchFamily="49" charset="0"/>
-                <a:cs typeface="Consolas" pitchFamily="49" charset="0"/>
-              </a:rPr>
-              <a:t>mev</a:t>
-            </a:r>
-            <a:r>
-              <a:rPr lang="en-US" sz="2400" b="1" dirty="0">
-                <a:latin typeface="Consolas" pitchFamily="49" charset="0"/>
-                <a:cs typeface="Consolas" pitchFamily="49" charset="0"/>
-              </a:rPr>
-              <a:t> "button-up") ...]</a:t>
-            </a:r>
-          </a:p>
-          <a:p>
-            <a:pPr>
-              <a:spcBef>
-                <a:spcPts val="0"/>
-              </a:spcBef>
-              <a:buNone/>
-            </a:pPr>
-            <a:r>
-              <a:rPr lang="en-US" sz="2400" b="1" dirty="0">
-                <a:latin typeface="Consolas" pitchFamily="49" charset="0"/>
-                <a:cs typeface="Consolas" pitchFamily="49" charset="0"/>
-              </a:rPr>
-              <a:t>    [else ...]))</a:t>
-            </a:r>
-          </a:p>
-        </p:txBody>
-      </p:sp>
-      <p:sp>
-        <p:nvSpPr>
-          <p:cNvPr id="5" name="Slide Number Placeholder 4"/>
-          <p:cNvSpPr>
-            <a:spLocks noGrp="1"/>
-          </p:cNvSpPr>
-          <p:nvPr>
-            <p:ph type="sldNum" sz="quarter" idx="12"/>
-          </p:nvPr>
-        </p:nvSpPr>
-        <p:spPr/>
-        <p:txBody>
-          <a:bodyPr/>
-          <a:lstStyle/>
-          <a:p>
-            <a:fld id="{B6F15528-21DE-4FAA-801E-634DDDAF4B2B}" type="slidenum">
-              <a:rPr lang="en-US" smtClean="0"/>
-              <a:pPr/>
-              <a:t>21</a:t>
-            </a:fld>
-            <a:endParaRPr lang="en-US"/>
-          </a:p>
-        </p:txBody>
-      </p:sp>
-    </p:spTree>
-  </p:cSld>
-  <p:clrMapOvr>
-    <a:masterClrMapping/>
-  </p:clrMapOvr>
-</p:sld>
-</file>
-
-<file path=ppt/slides/slide22.xml><?xml version="1.0" encoding="utf-8"?>
-<p:sld xmlns:a="http://schemas.openxmlformats.org/drawingml/2006/main" xmlns:r="http://schemas.openxmlformats.org/officeDocument/2006/relationships" xmlns:p="http://schemas.openxmlformats.org/presentationml/2006/main">
-  <p:cSld>
-    <p:spTree>
-      <p:nvGrpSpPr>
-        <p:cNvPr id="1" name=""/>
-        <p:cNvGrpSpPr/>
-        <p:nvPr/>
-      </p:nvGrpSpPr>
-      <p:grpSpPr>
-        <a:xfrm>
-          <a:off x="0" y="0"/>
-          <a:ext cx="0" cy="0"/>
-          <a:chOff x="0" y="0"/>
-          <a:chExt cx="0" cy="0"/>
-        </a:xfrm>
-      </p:grpSpPr>
-      <p:sp>
-        <p:nvSpPr>
-          <p:cNvPr id="2" name="Title 1"/>
-          <p:cNvSpPr>
-            <a:spLocks noGrp="1"/>
-          </p:cNvSpPr>
-          <p:nvPr>
-            <p:ph type="title"/>
-          </p:nvPr>
-        </p:nvSpPr>
-        <p:spPr/>
-        <p:txBody>
-          <a:bodyPr>
-            <a:normAutofit fontScale="90000"/>
-          </a:bodyPr>
-          <a:lstStyle/>
-          <a:p>
-            <a:r>
-              <a:rPr lang="en-US" dirty="0"/>
-              <a:t>Complicated things need strategies to  document them</a:t>
-            </a:r>
-          </a:p>
-        </p:txBody>
-      </p:sp>
-      <p:sp>
-        <p:nvSpPr>
-          <p:cNvPr id="3" name="Content Placeholder 2"/>
-          <p:cNvSpPr>
-            <a:spLocks noGrp="1"/>
-          </p:cNvSpPr>
-          <p:nvPr>
-            <p:ph idx="1"/>
-          </p:nvPr>
-        </p:nvSpPr>
-        <p:spPr/>
-        <p:txBody>
-          <a:bodyPr>
-            <a:noAutofit/>
-          </a:bodyPr>
-          <a:lstStyle/>
-          <a:p>
-            <a:pPr>
-              <a:spcBef>
-                <a:spcPts val="0"/>
-              </a:spcBef>
-              <a:buNone/>
-            </a:pPr>
-            <a:r>
-              <a:rPr lang="en-US" sz="1300" b="1" dirty="0"/>
-              <a:t>(define Graph%</a:t>
-            </a:r>
-          </a:p>
-          <a:p>
-            <a:pPr>
-              <a:spcBef>
-                <a:spcPts val="0"/>
-              </a:spcBef>
-              <a:buNone/>
-            </a:pPr>
-            <a:r>
-              <a:rPr lang="en-US" sz="1300" b="1" dirty="0"/>
-              <a:t> (class* object% ()</a:t>
-            </a:r>
-          </a:p>
-          <a:p>
-            <a:pPr>
-              <a:spcBef>
-                <a:spcPts val="0"/>
-              </a:spcBef>
-              <a:buNone/>
-            </a:pPr>
-            <a:r>
-              <a:rPr lang="en-US" sz="1300" b="1" dirty="0"/>
-              <a:t>     ...</a:t>
-            </a:r>
-          </a:p>
-          <a:p>
-            <a:pPr>
-              <a:spcBef>
-                <a:spcPts val="0"/>
-              </a:spcBef>
-              <a:buNone/>
-            </a:pPr>
-            <a:r>
               <a:rPr lang="en-US" sz="1300" b="1" dirty="0"/>
               <a:t> </a:t>
             </a:r>
@@ -8947,7 +10232,7 @@
             <a:fld id="{B6F15528-21DE-4FAA-801E-634DDDAF4B2B}" type="slidenum">
               <a:rPr lang="en-US" smtClean="0"/>
               <a:pPr/>
-              <a:t>22</a:t>
+              <a:t>26</a:t>
             </a:fld>
             <a:endParaRPr lang="en-US"/>
           </a:p>
@@ -9249,7 +10534,7 @@
 </p:sld>
 </file>
 
-<file path=ppt/slides/slide23.xml><?xml version="1.0" encoding="utf-8"?>
+<file path=ppt/slides/slide27.xml><?xml version="1.0" encoding="utf-8"?>
 <p:sld xmlns:a="http://schemas.openxmlformats.org/drawingml/2006/main" xmlns:r="http://schemas.openxmlformats.org/officeDocument/2006/relationships" xmlns:p="http://schemas.openxmlformats.org/presentationml/2006/main">
   <p:cSld>
     <p:spTree>
@@ -9709,7 +10994,7 @@
             <a:fld id="{B6F15528-21DE-4FAA-801E-634DDDAF4B2B}" type="slidenum">
               <a:rPr lang="en-US" smtClean="0"/>
               <a:pPr/>
-              <a:t>23</a:t>
+              <a:t>27</a:t>
             </a:fld>
             <a:endParaRPr lang="en-US"/>
           </a:p>
@@ -10222,7 +11507,7 @@
 </p:sld>
 </file>
 
-<file path=ppt/slides/slide24.xml><?xml version="1.0" encoding="utf-8"?>
+<file path=ppt/slides/slide28.xml><?xml version="1.0" encoding="utf-8"?>
 <p:sld xmlns:a="http://schemas.openxmlformats.org/drawingml/2006/main" xmlns:r="http://schemas.openxmlformats.org/officeDocument/2006/relationships" xmlns:p="http://schemas.openxmlformats.org/presentationml/2006/main">
   <p:cSld>
     <p:spTree>
@@ -10280,7 +11565,9 @@
         </p:nvSpPr>
         <p:spPr/>
         <p:txBody>
-          <a:bodyPr/>
+          <a:bodyPr>
+            <a:normAutofit/>
+          </a:bodyPr>
           <a:lstStyle/>
           <a:p>
             <a:r>
@@ -10321,7 +11608,7 @@
               <a:rPr lang="en-US" dirty="0">
                 <a:sym typeface="Wingdings" pitchFamily="2" charset="2"/>
               </a:rPr>
-              <a:t>container pattern (we'll use this shortly)</a:t>
+              <a:t>functional visitor pattern</a:t>
             </a:r>
           </a:p>
           <a:p>
@@ -10330,7 +11617,49 @@
               <a:rPr lang="en-US" dirty="0">
                 <a:sym typeface="Wingdings" pitchFamily="2" charset="2"/>
               </a:rPr>
-              <a:t>template-and-hook pattern (later)</a:t>
+              <a:t>MapReduce pattern</a:t>
+            </a:r>
+          </a:p>
+          <a:p>
+            <a:pPr lvl="1"/>
+            <a:r>
+              <a:rPr lang="en-US" dirty="0">
+                <a:sym typeface="Wingdings" pitchFamily="2" charset="2"/>
+              </a:rPr>
+              <a:t>static factory method pattern</a:t>
+            </a:r>
+          </a:p>
+          <a:p>
+            <a:pPr lvl="1"/>
+            <a:r>
+              <a:rPr lang="en-US" dirty="0">
+                <a:sym typeface="Wingdings" pitchFamily="2" charset="2"/>
+              </a:rPr>
+              <a:t>strategy pattern (</a:t>
+            </a:r>
+            <a:r>
+              <a:rPr lang="en-US" dirty="0" err="1">
+                <a:sym typeface="Wingdings" pitchFamily="2" charset="2"/>
+              </a:rPr>
+              <a:t>eg</a:t>
+            </a:r>
+            <a:r>
+              <a:rPr lang="en-US" dirty="0">
+                <a:sym typeface="Wingdings" pitchFamily="2" charset="2"/>
+              </a:rPr>
+              <a:t>, next week’s </a:t>
+            </a:r>
+            <a:r>
+              <a:rPr lang="en-US" b="1" dirty="0" err="1">
+                <a:sym typeface="Wingdings" pitchFamily="2" charset="2"/>
+              </a:rPr>
+              <a:t>Fmap</a:t>
+            </a:r>
+            <a:r>
+              <a:rPr lang="en-US" dirty="0">
+                <a:sym typeface="Wingdings" pitchFamily="2" charset="2"/>
+              </a:rPr>
+              <a:t> example)</a:t>
             </a:r>
             <a:endParaRPr lang="en-US" dirty="0"/>
           </a:p>
@@ -10354,7 +11683,7 @@
             <a:fld id="{B6F15528-21DE-4FAA-801E-634DDDAF4B2B}" type="slidenum">
               <a:rPr lang="en-US" smtClean="0"/>
               <a:pPr/>
-              <a:t>24</a:t>
+              <a:t>28</a:t>
             </a:fld>
             <a:endParaRPr lang="en-US"/>
           </a:p>
@@ -10368,7 +11697,7 @@
 </p:sld>
 </file>
 
-<file path=ppt/slides/slide25.xml><?xml version="1.0" encoding="utf-8"?>
+<file path=ppt/slides/slide29.xml><?xml version="1.0" encoding="utf-8"?>
 <p:sld xmlns:a="http://schemas.openxmlformats.org/drawingml/2006/main" xmlns:r="http://schemas.openxmlformats.org/officeDocument/2006/relationships" xmlns:p="http://schemas.openxmlformats.org/presentationml/2006/main">
   <p:cSld>
     <p:spTree>
@@ -10387,7 +11716,13 @@
       </p:grpSpPr>
       <p:sp>
         <p:nvSpPr>
-          <p:cNvPr id="2" name="Title 1"/>
+          <p:cNvPr id="2" name="Title 1">
+            <a:extLst>
+              <a:ext uri="{FF2B5EF4-FFF2-40B4-BE49-F238E27FC236}">
+                <a16:creationId xmlns:a16="http://schemas.microsoft.com/office/drawing/2014/main" id="{024C1161-54EC-4AD6-9C8F-90BEF79A8488}"/>
+              </a:ext>
+            </a:extLst>
+          </p:cNvPr>
           <p:cNvSpPr>
             <a:spLocks noGrp="1"/>
           </p:cNvSpPr>
@@ -10402,14 +11737,20 @@
           <a:p>
             <a:r>
               <a:rPr lang="en-US" dirty="0"/>
-              <a:t>Properties of a good OO design</a:t>
-            </a:r>
-          </a:p>
-        </p:txBody>
-      </p:sp>
-      <p:sp>
-        <p:nvSpPr>
-          <p:cNvPr id="3" name="Content Placeholder 2"/>
+              <a:t>Remember:</a:t>
+            </a:r>
+          </a:p>
+        </p:txBody>
+      </p:sp>
+      <p:sp>
+        <p:nvSpPr>
+          <p:cNvPr id="3" name="Content Placeholder 2">
+            <a:extLst>
+              <a:ext uri="{FF2B5EF4-FFF2-40B4-BE49-F238E27FC236}">
+                <a16:creationId xmlns:a16="http://schemas.microsoft.com/office/drawing/2014/main" id="{07BC52C3-17AA-4D8B-8001-5AD23358035D}"/>
+              </a:ext>
+            </a:extLst>
+          </p:cNvPr>
           <p:cNvSpPr>
             <a:spLocks noGrp="1"/>
           </p:cNvSpPr>
@@ -10419,104 +11760,25 @@
         </p:nvSpPr>
         <p:spPr/>
         <p:txBody>
-          <a:bodyPr>
-            <a:normAutofit fontScale="77500" lnSpcReduction="20000"/>
-          </a:bodyPr>
-          <a:lstStyle/>
-          <a:p>
-            <a:r>
-              <a:rPr lang="en-US" dirty="0"/>
-              <a:t>One bundle of operations = one interface</a:t>
-            </a:r>
-          </a:p>
-          <a:p>
-            <a:pPr lvl="1"/>
-            <a:r>
-              <a:rPr lang="en-US" dirty="0"/>
-              <a:t>If the interface consists of two kinds of things, working on disjoint pieces of data, consider splitting it.</a:t>
-            </a:r>
-          </a:p>
-          <a:p>
-            <a:r>
-              <a:rPr lang="en-US" dirty="0"/>
-              <a:t>One </a:t>
-            </a:r>
-            <a:r>
-              <a:rPr lang="en-US" dirty="0" err="1"/>
-              <a:t>struct</a:t>
-            </a:r>
-            <a:r>
-              <a:rPr lang="en-US" dirty="0"/>
-              <a:t> = one class</a:t>
-            </a:r>
-          </a:p>
-          <a:p>
-            <a:r>
-              <a:rPr lang="en-US" dirty="0"/>
-              <a:t>Keep the interface as small as possible</a:t>
-            </a:r>
-          </a:p>
-          <a:p>
-            <a:r>
-              <a:rPr lang="en-US" dirty="0"/>
-              <a:t>Keep the operations near the data</a:t>
-            </a:r>
-          </a:p>
-          <a:p>
-            <a:r>
-              <a:rPr lang="en-US" dirty="0"/>
-              <a:t>Keep values local whenever possible</a:t>
-            </a:r>
-          </a:p>
-          <a:p>
-            <a:pPr lvl="1"/>
-            <a:r>
-              <a:rPr lang="en-US" dirty="0"/>
-              <a:t>use fields instead of </a:t>
-            </a:r>
-            <a:r>
-              <a:rPr lang="en-US" dirty="0" err="1"/>
-              <a:t>globals</a:t>
-            </a:r>
-            <a:r>
-              <a:rPr lang="en-US" dirty="0"/>
-              <a:t> when possible</a:t>
-            </a:r>
-          </a:p>
-          <a:p>
-            <a:r>
-              <a:rPr lang="en-US" dirty="0"/>
-              <a:t>All the other criteria of a good data design still hold</a:t>
-            </a:r>
-          </a:p>
-          <a:p>
-            <a:pPr lvl="1"/>
-            <a:r>
-              <a:rPr lang="en-US" dirty="0"/>
-              <a:t>need good contracts, purpose statements, and invariants</a:t>
-            </a:r>
-          </a:p>
-          <a:p>
-            <a:pPr lvl="1"/>
-            <a:r>
-              <a:rPr lang="en-US" dirty="0"/>
-              <a:t>If not every combination of values is meaningful, must write an invariant to document this.</a:t>
-            </a:r>
-          </a:p>
-          <a:p>
-            <a:endParaRPr lang="en-US" dirty="0"/>
-          </a:p>
-          <a:p>
-            <a:endParaRPr lang="en-US" dirty="0"/>
-          </a:p>
-          <a:p>
-            <a:endParaRPr lang="en-US" dirty="0"/>
-          </a:p>
-        </p:txBody>
-      </p:sp>
-      <p:sp>
-        <p:nvSpPr>
-          <p:cNvPr id="4" name="Slide Number Placeholder 3"/>
+          <a:bodyPr/>
+          <a:lstStyle/>
+          <a:p>
+            <a:r>
+              <a:rPr lang="en-US" dirty="0"/>
+              <a:t>The design recipe is a process, not just a list of deliverables.</a:t>
+            </a:r>
+          </a:p>
+        </p:txBody>
+      </p:sp>
+      <p:sp>
+        <p:nvSpPr>
+          <p:cNvPr id="4" name="Slide Number Placeholder 3">
+            <a:extLst>
+              <a:ext uri="{FF2B5EF4-FFF2-40B4-BE49-F238E27FC236}">
+                <a16:creationId xmlns:a16="http://schemas.microsoft.com/office/drawing/2014/main" id="{29EF32CA-0086-46BB-86C7-07BB7912CE26}"/>
+              </a:ext>
+            </a:extLst>
+          </p:cNvPr>
           <p:cNvSpPr>
             <a:spLocks noGrp="1"/>
           </p:cNvSpPr>
@@ -10531,7 +11793,444 @@
           <a:p>
             <a:fld id="{2AF3B5EA-18B6-4040-9F78-6052AF49C681}" type="slidenum">
               <a:rPr lang="en-US" smtClean="0"/>
-              <a:t>25</a:t>
+              <a:t>29</a:t>
+            </a:fld>
+            <a:endParaRPr lang="en-US"/>
+          </a:p>
+        </p:txBody>
+      </p:sp>
+    </p:spTree>
+    <p:extLst>
+      <p:ext uri="{BB962C8B-B14F-4D97-AF65-F5344CB8AC3E}">
+        <p14:creationId xmlns:p14="http://schemas.microsoft.com/office/powerpoint/2010/main" val="1182208655"/>
+      </p:ext>
+    </p:extLst>
+  </p:cSld>
+  <p:clrMapOvr>
+    <a:masterClrMapping/>
+  </p:clrMapOvr>
+</p:sld>
+</file>
+
+<file path=ppt/slides/slide3.xml><?xml version="1.0" encoding="utf-8"?>
+<p:sld xmlns:a="http://schemas.openxmlformats.org/drawingml/2006/main" xmlns:r="http://schemas.openxmlformats.org/officeDocument/2006/relationships" xmlns:p="http://schemas.openxmlformats.org/presentationml/2006/main">
+  <p:cSld>
+    <p:spTree>
+      <p:nvGrpSpPr>
+        <p:cNvPr id="1" name=""/>
+        <p:cNvGrpSpPr/>
+        <p:nvPr/>
+      </p:nvGrpSpPr>
+      <p:grpSpPr>
+        <a:xfrm>
+          <a:off x="0" y="0"/>
+          <a:ext cx="0" cy="0"/>
+          <a:chOff x="0" y="0"/>
+          <a:chExt cx="0" cy="0"/>
+        </a:xfrm>
+      </p:grpSpPr>
+      <p:sp>
+        <p:nvSpPr>
+          <p:cNvPr id="2" name="Title 1"/>
+          <p:cNvSpPr>
+            <a:spLocks noGrp="1"/>
+          </p:cNvSpPr>
+          <p:nvPr>
+            <p:ph type="title"/>
+          </p:nvPr>
+        </p:nvSpPr>
+        <p:spPr/>
+        <p:txBody>
+          <a:bodyPr/>
+          <a:lstStyle/>
+          <a:p>
+            <a:r>
+              <a:rPr lang="en-US" dirty="0"/>
+              <a:t>Let's review the Design Recipe</a:t>
+            </a:r>
+          </a:p>
+        </p:txBody>
+      </p:sp>
+      <p:sp>
+        <p:nvSpPr>
+          <p:cNvPr id="5" name="Content Placeholder 4"/>
+          <p:cNvSpPr>
+            <a:spLocks noGrp="1"/>
+          </p:cNvSpPr>
+          <p:nvPr>
+            <p:ph idx="1"/>
+          </p:nvPr>
+        </p:nvSpPr>
+        <p:spPr/>
+        <p:txBody>
+          <a:bodyPr/>
+          <a:lstStyle/>
+          <a:p>
+            <a:endParaRPr lang="en-US"/>
+          </a:p>
+        </p:txBody>
+      </p:sp>
+      <p:sp>
+        <p:nvSpPr>
+          <p:cNvPr id="3" name="Slide Number Placeholder 2"/>
+          <p:cNvSpPr>
+            <a:spLocks noGrp="1"/>
+          </p:cNvSpPr>
+          <p:nvPr>
+            <p:ph type="sldNum" sz="quarter" idx="12"/>
+          </p:nvPr>
+        </p:nvSpPr>
+        <p:spPr/>
+        <p:txBody>
+          <a:bodyPr/>
+          <a:lstStyle/>
+          <a:p>
+            <a:fld id="{B6F15528-21DE-4FAA-801E-634DDDAF4B2B}" type="slidenum">
+              <a:rPr lang="en-US" smtClean="0"/>
+              <a:pPr/>
+              <a:t>3</a:t>
+            </a:fld>
+            <a:endParaRPr lang="en-US"/>
+          </a:p>
+        </p:txBody>
+      </p:sp>
+      <p:graphicFrame>
+        <p:nvGraphicFramePr>
+          <p:cNvPr id="6" name="Content Placeholder 3"/>
+          <p:cNvGraphicFramePr>
+            <a:graphicFrameLocks/>
+          </p:cNvGraphicFramePr>
+          <p:nvPr>
+            <p:extLst>
+              <p:ext uri="{D42A27DB-BD31-4B8C-83A1-F6EECF244321}">
+                <p14:modId xmlns:p14="http://schemas.microsoft.com/office/powerpoint/2010/main" val="3062039539"/>
+              </p:ext>
+            </p:extLst>
+          </p:nvPr>
+        </p:nvGraphicFramePr>
+        <p:xfrm>
+          <a:off x="457200" y="1600200"/>
+          <a:ext cx="8229600" cy="4053840"/>
+        </p:xfrm>
+        <a:graphic>
+          <a:graphicData uri="http://schemas.openxmlformats.org/drawingml/2006/table">
+            <a:tbl>
+              <a:tblPr firstRow="1" bandRow="1">
+                <a:tableStyleId>{5C22544A-7EE6-4342-B048-85BDC9FD1C3A}</a:tableStyleId>
+              </a:tblPr>
+              <a:tblGrid>
+                <a:gridCol w="8229600">
+                  <a:extLst>
+                    <a:ext uri="{9D8B030D-6E8A-4147-A177-3AD203B41FA5}">
+                      <a16:colId xmlns:a16="http://schemas.microsoft.com/office/drawing/2014/main" val="20000"/>
+                    </a:ext>
+                  </a:extLst>
+                </a:gridCol>
+              </a:tblGrid>
+              <a:tr h="370840">
+                <a:tc>
+                  <a:txBody>
+                    <a:bodyPr/>
+                    <a:lstStyle/>
+                    <a:p>
+                      <a:pPr algn="ctr"/>
+                      <a:r>
+                        <a:rPr lang="en-US" sz="3200" dirty="0"/>
+                        <a:t>The Function Design Recipe</a:t>
+                      </a:r>
+                    </a:p>
+                  </a:txBody>
+                  <a:tcPr/>
+                </a:tc>
+                <a:extLst>
+                  <a:ext uri="{0D108BD9-81ED-4DB2-BD59-A6C34878D82A}">
+                    <a16:rowId xmlns:a16="http://schemas.microsoft.com/office/drawing/2014/main" val="10000"/>
+                  </a:ext>
+                </a:extLst>
+              </a:tr>
+              <a:tr h="370840">
+                <a:tc>
+                  <a:txBody>
+                    <a:bodyPr/>
+                    <a:lstStyle/>
+                    <a:p>
+                      <a:r>
+                        <a:rPr lang="en-US" sz="3200" dirty="0"/>
+                        <a:t>1. Data Design</a:t>
+                      </a:r>
+                    </a:p>
+                  </a:txBody>
+                  <a:tcPr/>
+                </a:tc>
+                <a:extLst>
+                  <a:ext uri="{0D108BD9-81ED-4DB2-BD59-A6C34878D82A}">
+                    <a16:rowId xmlns:a16="http://schemas.microsoft.com/office/drawing/2014/main" val="10001"/>
+                  </a:ext>
+                </a:extLst>
+              </a:tr>
+              <a:tr h="370840">
+                <a:tc>
+                  <a:txBody>
+                    <a:bodyPr/>
+                    <a:lstStyle/>
+                    <a:p>
+                      <a:r>
+                        <a:rPr lang="en-US" sz="3200" dirty="0"/>
+                        <a:t>2. Contract and Purpose Statement</a:t>
+                      </a:r>
+                    </a:p>
+                  </a:txBody>
+                  <a:tcPr/>
+                </a:tc>
+                <a:extLst>
+                  <a:ext uri="{0D108BD9-81ED-4DB2-BD59-A6C34878D82A}">
+                    <a16:rowId xmlns:a16="http://schemas.microsoft.com/office/drawing/2014/main" val="10002"/>
+                  </a:ext>
+                </a:extLst>
+              </a:tr>
+              <a:tr h="370840">
+                <a:tc>
+                  <a:txBody>
+                    <a:bodyPr/>
+                    <a:lstStyle/>
+                    <a:p>
+                      <a:r>
+                        <a:rPr lang="en-US" sz="3200" dirty="0"/>
+                        <a:t>3.</a:t>
+                      </a:r>
+                      <a:r>
+                        <a:rPr lang="en-US" sz="3200" baseline="0" dirty="0"/>
+                        <a:t> Examples and Tests</a:t>
+                      </a:r>
+                      <a:endParaRPr lang="en-US" sz="3200" dirty="0"/>
+                    </a:p>
+                  </a:txBody>
+                  <a:tcPr/>
+                </a:tc>
+                <a:extLst>
+                  <a:ext uri="{0D108BD9-81ED-4DB2-BD59-A6C34878D82A}">
+                    <a16:rowId xmlns:a16="http://schemas.microsoft.com/office/drawing/2014/main" val="10003"/>
+                  </a:ext>
+                </a:extLst>
+              </a:tr>
+              <a:tr h="370840">
+                <a:tc>
+                  <a:txBody>
+                    <a:bodyPr/>
+                    <a:lstStyle/>
+                    <a:p>
+                      <a:r>
+                        <a:rPr lang="en-US" sz="3200" dirty="0"/>
+                        <a:t>4. Design Strategy</a:t>
+                      </a:r>
+                    </a:p>
+                  </a:txBody>
+                  <a:tcPr/>
+                </a:tc>
+                <a:extLst>
+                  <a:ext uri="{0D108BD9-81ED-4DB2-BD59-A6C34878D82A}">
+                    <a16:rowId xmlns:a16="http://schemas.microsoft.com/office/drawing/2014/main" val="10004"/>
+                  </a:ext>
+                </a:extLst>
+              </a:tr>
+              <a:tr h="370840">
+                <a:tc>
+                  <a:txBody>
+                    <a:bodyPr/>
+                    <a:lstStyle/>
+                    <a:p>
+                      <a:r>
+                        <a:rPr lang="en-US" sz="3200" dirty="0"/>
+                        <a:t>5. Function Definition</a:t>
+                      </a:r>
+                    </a:p>
+                  </a:txBody>
+                  <a:tcPr/>
+                </a:tc>
+                <a:extLst>
+                  <a:ext uri="{0D108BD9-81ED-4DB2-BD59-A6C34878D82A}">
+                    <a16:rowId xmlns:a16="http://schemas.microsoft.com/office/drawing/2014/main" val="10005"/>
+                  </a:ext>
+                </a:extLst>
+              </a:tr>
+              <a:tr h="370840">
+                <a:tc>
+                  <a:txBody>
+                    <a:bodyPr/>
+                    <a:lstStyle/>
+                    <a:p>
+                      <a:r>
+                        <a:rPr lang="en-US" sz="3200" dirty="0"/>
+                        <a:t>6. Program</a:t>
+                      </a:r>
+                      <a:r>
+                        <a:rPr lang="en-US" sz="3200" baseline="0" dirty="0"/>
+                        <a:t> Review</a:t>
+                      </a:r>
+                      <a:endParaRPr lang="en-US" sz="3200" dirty="0"/>
+                    </a:p>
+                  </a:txBody>
+                  <a:tcPr/>
+                </a:tc>
+                <a:extLst>
+                  <a:ext uri="{0D108BD9-81ED-4DB2-BD59-A6C34878D82A}">
+                    <a16:rowId xmlns:a16="http://schemas.microsoft.com/office/drawing/2014/main" val="10006"/>
+                  </a:ext>
+                </a:extLst>
+              </a:tr>
+            </a:tbl>
+          </a:graphicData>
+        </a:graphic>
+      </p:graphicFrame>
+    </p:spTree>
+  </p:cSld>
+  <p:clrMapOvr>
+    <a:masterClrMapping/>
+  </p:clrMapOvr>
+</p:sld>
+</file>
+
+<file path=ppt/slides/slide30.xml><?xml version="1.0" encoding="utf-8"?>
+<p:sld xmlns:a="http://schemas.openxmlformats.org/drawingml/2006/main" xmlns:r="http://schemas.openxmlformats.org/officeDocument/2006/relationships" xmlns:p="http://schemas.openxmlformats.org/presentationml/2006/main">
+  <p:cSld>
+    <p:spTree>
+      <p:nvGrpSpPr>
+        <p:cNvPr id="1" name=""/>
+        <p:cNvGrpSpPr/>
+        <p:nvPr/>
+      </p:nvGrpSpPr>
+      <p:grpSpPr>
+        <a:xfrm>
+          <a:off x="0" y="0"/>
+          <a:ext cx="0" cy="0"/>
+          <a:chOff x="0" y="0"/>
+          <a:chExt cx="0" cy="0"/>
+        </a:xfrm>
+      </p:grpSpPr>
+      <p:sp>
+        <p:nvSpPr>
+          <p:cNvPr id="2" name="Title 1"/>
+          <p:cNvSpPr>
+            <a:spLocks noGrp="1"/>
+          </p:cNvSpPr>
+          <p:nvPr>
+            <p:ph type="title"/>
+          </p:nvPr>
+        </p:nvSpPr>
+        <p:spPr/>
+        <p:txBody>
+          <a:bodyPr/>
+          <a:lstStyle/>
+          <a:p>
+            <a:r>
+              <a:rPr lang="en-US" dirty="0"/>
+              <a:t>Properties of a good OO design</a:t>
+            </a:r>
+          </a:p>
+        </p:txBody>
+      </p:sp>
+      <p:sp>
+        <p:nvSpPr>
+          <p:cNvPr id="3" name="Content Placeholder 2"/>
+          <p:cNvSpPr>
+            <a:spLocks noGrp="1"/>
+          </p:cNvSpPr>
+          <p:nvPr>
+            <p:ph idx="1"/>
+          </p:nvPr>
+        </p:nvSpPr>
+        <p:spPr/>
+        <p:txBody>
+          <a:bodyPr>
+            <a:normAutofit fontScale="85000" lnSpcReduction="20000"/>
+          </a:bodyPr>
+          <a:lstStyle/>
+          <a:p>
+            <a:r>
+              <a:rPr lang="en-US" dirty="0"/>
+              <a:t>One bundle of operations = one interface</a:t>
+            </a:r>
+          </a:p>
+          <a:p>
+            <a:pPr lvl="1"/>
+            <a:r>
+              <a:rPr lang="en-US" dirty="0"/>
+              <a:t>If the interface consists of two kinds of things, working on disjoint pieces of data, consider splitting it.</a:t>
+            </a:r>
+          </a:p>
+          <a:p>
+            <a:r>
+              <a:rPr lang="en-US" dirty="0"/>
+              <a:t>One structure = one class</a:t>
+            </a:r>
+          </a:p>
+          <a:p>
+            <a:r>
+              <a:rPr lang="en-US" dirty="0"/>
+              <a:t>Keep the interface as small as possible</a:t>
+            </a:r>
+          </a:p>
+          <a:p>
+            <a:r>
+              <a:rPr lang="en-US" dirty="0"/>
+              <a:t>Keep the operations near the data</a:t>
+            </a:r>
+          </a:p>
+          <a:p>
+            <a:r>
+              <a:rPr lang="en-US" dirty="0"/>
+              <a:t>Keep values local whenever possible</a:t>
+            </a:r>
+          </a:p>
+          <a:p>
+            <a:r>
+              <a:rPr lang="en-US" dirty="0"/>
+              <a:t>All the other criteria of a good data design still hold</a:t>
+            </a:r>
+          </a:p>
+          <a:p>
+            <a:pPr lvl="1"/>
+            <a:r>
+              <a:rPr lang="en-US" dirty="0"/>
+              <a:t>need good contracts, purpose statements, and invariants</a:t>
+            </a:r>
+          </a:p>
+          <a:p>
+            <a:pPr lvl="1"/>
+            <a:r>
+              <a:rPr lang="en-US" dirty="0"/>
+              <a:t>If not every combination of values is meaningful, write an invariant (precondition) to document this.</a:t>
+            </a:r>
+          </a:p>
+          <a:p>
+            <a:endParaRPr lang="en-US" dirty="0"/>
+          </a:p>
+          <a:p>
+            <a:endParaRPr lang="en-US" dirty="0"/>
+          </a:p>
+          <a:p>
+            <a:endParaRPr lang="en-US" dirty="0"/>
+          </a:p>
+        </p:txBody>
+      </p:sp>
+      <p:sp>
+        <p:nvSpPr>
+          <p:cNvPr id="4" name="Slide Number Placeholder 3"/>
+          <p:cNvSpPr>
+            <a:spLocks noGrp="1"/>
+          </p:cNvSpPr>
+          <p:nvPr>
+            <p:ph type="sldNum" sz="quarter" idx="12"/>
+          </p:nvPr>
+        </p:nvSpPr>
+        <p:spPr/>
+        <p:txBody>
+          <a:bodyPr/>
+          <a:lstStyle/>
+          <a:p>
+            <a:fld id="{2AF3B5EA-18B6-4040-9F78-6052AF49C681}" type="slidenum">
+              <a:rPr lang="en-US" smtClean="0"/>
+              <a:t>30</a:t>
             </a:fld>
             <a:endParaRPr lang="en-US"/>
           </a:p>
@@ -10605,7 +12304,7 @@
 </p:sld>
 </file>
 
-<file path=ppt/slides/slide26.xml><?xml version="1.0" encoding="utf-8"?>
+<file path=ppt/slides/slide31.xml><?xml version="1.0" encoding="utf-8"?>
 <p:sld xmlns:a="http://schemas.openxmlformats.org/drawingml/2006/main" xmlns:r="http://schemas.openxmlformats.org/officeDocument/2006/relationships" xmlns:p="http://schemas.openxmlformats.org/presentationml/2006/main">
   <p:cSld>
     <p:spTree>
@@ -10695,7 +12394,7 @@
             <a:fld id="{B6F15528-21DE-4FAA-801E-634DDDAF4B2B}" type="slidenum">
               <a:rPr lang="en-US" smtClean="0"/>
               <a:pPr/>
-              <a:t>26</a:t>
+              <a:t>31</a:t>
             </a:fld>
             <a:endParaRPr lang="en-US"/>
           </a:p>
@@ -10909,7 +12608,7 @@
 </p:sld>
 </file>
 
-<file path=ppt/slides/slide27.xml><?xml version="1.0" encoding="utf-8"?>
+<file path=ppt/slides/slide32.xml><?xml version="1.0" encoding="utf-8"?>
 <p:sld xmlns:a="http://schemas.openxmlformats.org/drawingml/2006/main" xmlns:r="http://schemas.openxmlformats.org/officeDocument/2006/relationships" xmlns:p="http://schemas.openxmlformats.org/presentationml/2006/main">
   <p:cSld>
     <p:spTree>
@@ -10965,13 +12664,19 @@
           <a:p>
             <a:r>
               <a:rPr lang="en-US" dirty="0"/>
-              <a:t>The Design Recipe is still there, but the deliverables are in different places</a:t>
-            </a:r>
-          </a:p>
-          <a:p>
-            <a:r>
-              <a:rPr lang="en-US" dirty="0"/>
-              <a:t>You should now be able to identify where each of the deliverables go in an object-oriented program</a:t>
+              <a:t>The Design Recipe is still there, but has been adapted to the object-oriented paradigm.</a:t>
+            </a:r>
+          </a:p>
+          <a:p>
+            <a:r>
+              <a:rPr lang="en-US" dirty="0"/>
+              <a:t>The deliverables are in different places</a:t>
+            </a:r>
+          </a:p>
+          <a:p>
+            <a:r>
+              <a:rPr lang="en-US" dirty="0"/>
+              <a:t>You should be able to follow the OO design recipe, putting the deliverables where they should go in your object-oriented programs.</a:t>
             </a:r>
           </a:p>
           <a:p>
@@ -10997,7 +12702,7 @@
             <a:fld id="{B6F15528-21DE-4FAA-801E-634DDDAF4B2B}" type="slidenum">
               <a:rPr lang="en-US" smtClean="0"/>
               <a:pPr/>
-              <a:t>27</a:t>
+              <a:t>32</a:t>
             </a:fld>
             <a:endParaRPr lang="en-US"/>
           </a:p>
@@ -11011,7 +12716,7 @@
 </p:sld>
 </file>
 
-<file path=ppt/slides/slide28.xml><?xml version="1.0" encoding="utf-8"?>
+<file path=ppt/slides/slide33.xml><?xml version="1.0" encoding="utf-8"?>
 <p:sld xmlns:a="http://schemas.openxmlformats.org/drawingml/2006/main" xmlns:r="http://schemas.openxmlformats.org/officeDocument/2006/relationships" xmlns:p="http://schemas.openxmlformats.org/presentationml/2006/main">
   <p:cSld>
     <p:spTree>
@@ -11100,7 +12805,7 @@
           <a:p>
             <a:fld id="{2AF3B5EA-18B6-4040-9F78-6052AF49C681}" type="slidenum">
               <a:rPr lang="en-US" smtClean="0"/>
-              <a:t>28</a:t>
+              <a:t>33</a:t>
             </a:fld>
             <a:endParaRPr lang="en-US"/>
           </a:p>
@@ -11112,284 +12817,6 @@
         <p14:creationId xmlns:p14="http://schemas.microsoft.com/office/powerpoint/2010/main" val="495566538"/>
       </p:ext>
     </p:extLst>
-  </p:cSld>
-  <p:clrMapOvr>
-    <a:masterClrMapping/>
-  </p:clrMapOvr>
-</p:sld>
-</file>
-
-<file path=ppt/slides/slide3.xml><?xml version="1.0" encoding="utf-8"?>
-<p:sld xmlns:a="http://schemas.openxmlformats.org/drawingml/2006/main" xmlns:r="http://schemas.openxmlformats.org/officeDocument/2006/relationships" xmlns:p="http://schemas.openxmlformats.org/presentationml/2006/main">
-  <p:cSld>
-    <p:spTree>
-      <p:nvGrpSpPr>
-        <p:cNvPr id="1" name=""/>
-        <p:cNvGrpSpPr/>
-        <p:nvPr/>
-      </p:nvGrpSpPr>
-      <p:grpSpPr>
-        <a:xfrm>
-          <a:off x="0" y="0"/>
-          <a:ext cx="0" cy="0"/>
-          <a:chOff x="0" y="0"/>
-          <a:chExt cx="0" cy="0"/>
-        </a:xfrm>
-      </p:grpSpPr>
-      <p:sp>
-        <p:nvSpPr>
-          <p:cNvPr id="2" name="Title 1"/>
-          <p:cNvSpPr>
-            <a:spLocks noGrp="1"/>
-          </p:cNvSpPr>
-          <p:nvPr>
-            <p:ph type="title"/>
-          </p:nvPr>
-        </p:nvSpPr>
-        <p:spPr/>
-        <p:txBody>
-          <a:bodyPr/>
-          <a:lstStyle/>
-          <a:p>
-            <a:r>
-              <a:rPr lang="en-US" dirty="0"/>
-              <a:t>Let's review the Design Recipe</a:t>
-            </a:r>
-          </a:p>
-        </p:txBody>
-      </p:sp>
-      <p:sp>
-        <p:nvSpPr>
-          <p:cNvPr id="5" name="Content Placeholder 4"/>
-          <p:cNvSpPr>
-            <a:spLocks noGrp="1"/>
-          </p:cNvSpPr>
-          <p:nvPr>
-            <p:ph idx="1"/>
-          </p:nvPr>
-        </p:nvSpPr>
-        <p:spPr/>
-        <p:txBody>
-          <a:bodyPr/>
-          <a:lstStyle/>
-          <a:p>
-            <a:endParaRPr lang="en-US"/>
-          </a:p>
-        </p:txBody>
-      </p:sp>
-      <p:sp>
-        <p:nvSpPr>
-          <p:cNvPr id="3" name="Slide Number Placeholder 2"/>
-          <p:cNvSpPr>
-            <a:spLocks noGrp="1"/>
-          </p:cNvSpPr>
-          <p:nvPr>
-            <p:ph type="sldNum" sz="quarter" idx="12"/>
-          </p:nvPr>
-        </p:nvSpPr>
-        <p:spPr/>
-        <p:txBody>
-          <a:bodyPr/>
-          <a:lstStyle/>
-          <a:p>
-            <a:fld id="{B6F15528-21DE-4FAA-801E-634DDDAF4B2B}" type="slidenum">
-              <a:rPr lang="en-US" smtClean="0"/>
-              <a:pPr/>
-              <a:t>3</a:t>
-            </a:fld>
-            <a:endParaRPr lang="en-US"/>
-          </a:p>
-        </p:txBody>
-      </p:sp>
-      <p:graphicFrame>
-        <p:nvGraphicFramePr>
-          <p:cNvPr id="6" name="Content Placeholder 3"/>
-          <p:cNvGraphicFramePr>
-            <a:graphicFrameLocks/>
-          </p:cNvGraphicFramePr>
-          <p:nvPr>
-            <p:extLst>
-              <p:ext uri="{D42A27DB-BD31-4B8C-83A1-F6EECF244321}">
-                <p14:modId xmlns:p14="http://schemas.microsoft.com/office/powerpoint/2010/main" val="3062039539"/>
-              </p:ext>
-            </p:extLst>
-          </p:nvPr>
-        </p:nvGraphicFramePr>
-        <p:xfrm>
-          <a:off x="457200" y="1600200"/>
-          <a:ext cx="8229600" cy="4053840"/>
-        </p:xfrm>
-        <a:graphic>
-          <a:graphicData uri="http://schemas.openxmlformats.org/drawingml/2006/table">
-            <a:tbl>
-              <a:tblPr firstRow="1" bandRow="1">
-                <a:tableStyleId>{5C22544A-7EE6-4342-B048-85BDC9FD1C3A}</a:tableStyleId>
-              </a:tblPr>
-              <a:tblGrid>
-                <a:gridCol w="8229600">
-                  <a:extLst>
-                    <a:ext uri="{9D8B030D-6E8A-4147-A177-3AD203B41FA5}">
-                      <a16:colId xmlns:a16="http://schemas.microsoft.com/office/drawing/2014/main" val="20000"/>
-                    </a:ext>
-                  </a:extLst>
-                </a:gridCol>
-              </a:tblGrid>
-              <a:tr h="370840">
-                <a:tc>
-                  <a:txBody>
-                    <a:bodyPr/>
-                    <a:lstStyle/>
-                    <a:p>
-                      <a:pPr algn="ctr"/>
-                      <a:r>
-                        <a:rPr lang="en-US" sz="3200" dirty="0"/>
-                        <a:t>The Function Design Recipe</a:t>
-                      </a:r>
-                    </a:p>
-                  </a:txBody>
-                  <a:tcPr/>
-                </a:tc>
-                <a:extLst>
-                  <a:ext uri="{0D108BD9-81ED-4DB2-BD59-A6C34878D82A}">
-                    <a16:rowId xmlns:a16="http://schemas.microsoft.com/office/drawing/2014/main" val="10000"/>
-                  </a:ext>
-                </a:extLst>
-              </a:tr>
-              <a:tr h="370840">
-                <a:tc>
-                  <a:txBody>
-                    <a:bodyPr/>
-                    <a:lstStyle/>
-                    <a:p>
-                      <a:r>
-                        <a:rPr lang="en-US" sz="3200" dirty="0"/>
-                        <a:t>1. Data Design</a:t>
-                      </a:r>
-                    </a:p>
-                  </a:txBody>
-                  <a:tcPr/>
-                </a:tc>
-                <a:extLst>
-                  <a:ext uri="{0D108BD9-81ED-4DB2-BD59-A6C34878D82A}">
-                    <a16:rowId xmlns:a16="http://schemas.microsoft.com/office/drawing/2014/main" val="10001"/>
-                  </a:ext>
-                </a:extLst>
-              </a:tr>
-              <a:tr h="370840">
-                <a:tc>
-                  <a:txBody>
-                    <a:bodyPr/>
-                    <a:lstStyle/>
-                    <a:p>
-                      <a:r>
-                        <a:rPr lang="en-US" sz="3200" dirty="0"/>
-                        <a:t>2. Contract and Purpose Statement</a:t>
-                      </a:r>
-                    </a:p>
-                  </a:txBody>
-                  <a:tcPr/>
-                </a:tc>
-                <a:extLst>
-                  <a:ext uri="{0D108BD9-81ED-4DB2-BD59-A6C34878D82A}">
-                    <a16:rowId xmlns:a16="http://schemas.microsoft.com/office/drawing/2014/main" val="10002"/>
-                  </a:ext>
-                </a:extLst>
-              </a:tr>
-              <a:tr h="370840">
-                <a:tc>
-                  <a:txBody>
-                    <a:bodyPr/>
-                    <a:lstStyle/>
-                    <a:p>
-                      <a:r>
-                        <a:rPr lang="en-US" sz="3200" dirty="0"/>
-                        <a:t>3.</a:t>
-                      </a:r>
-                      <a:r>
-                        <a:rPr lang="en-US" sz="3200" baseline="0" dirty="0"/>
-                        <a:t> Examples and Tests</a:t>
-                      </a:r>
-                      <a:endParaRPr lang="en-US" sz="3200" dirty="0"/>
-                    </a:p>
-                  </a:txBody>
-                  <a:tcPr/>
-                </a:tc>
-                <a:extLst>
-                  <a:ext uri="{0D108BD9-81ED-4DB2-BD59-A6C34878D82A}">
-                    <a16:rowId xmlns:a16="http://schemas.microsoft.com/office/drawing/2014/main" val="10003"/>
-                  </a:ext>
-                </a:extLst>
-              </a:tr>
-              <a:tr h="370840">
-                <a:tc>
-                  <a:txBody>
-                    <a:bodyPr/>
-                    <a:lstStyle/>
-                    <a:p>
-                      <a:r>
-                        <a:rPr lang="en-US" sz="3200" dirty="0"/>
-                        <a:t>4. Design Strategy</a:t>
-                      </a:r>
-                    </a:p>
-                  </a:txBody>
-                  <a:tcPr/>
-                </a:tc>
-                <a:extLst>
-                  <a:ext uri="{0D108BD9-81ED-4DB2-BD59-A6C34878D82A}">
-                    <a16:rowId xmlns:a16="http://schemas.microsoft.com/office/drawing/2014/main" val="10004"/>
-                  </a:ext>
-                </a:extLst>
-              </a:tr>
-              <a:tr h="370840">
-                <a:tc>
-                  <a:txBody>
-                    <a:bodyPr/>
-                    <a:lstStyle/>
-                    <a:p>
-                      <a:r>
-                        <a:rPr lang="en-US" sz="3200" dirty="0"/>
-                        <a:t>5. Function Definition</a:t>
-                      </a:r>
-                    </a:p>
-                  </a:txBody>
-                  <a:tcPr/>
-                </a:tc>
-                <a:extLst>
-                  <a:ext uri="{0D108BD9-81ED-4DB2-BD59-A6C34878D82A}">
-                    <a16:rowId xmlns:a16="http://schemas.microsoft.com/office/drawing/2014/main" val="10005"/>
-                  </a:ext>
-                </a:extLst>
-              </a:tr>
-              <a:tr h="370840">
-                <a:tc>
-                  <a:txBody>
-                    <a:bodyPr/>
-                    <a:lstStyle/>
-                    <a:p>
-                      <a:r>
-                        <a:rPr lang="en-US" sz="3200" dirty="0"/>
-                        <a:t>6. Program</a:t>
-                      </a:r>
-                      <a:r>
-                        <a:rPr lang="en-US" sz="3200" baseline="0" dirty="0"/>
-                        <a:t> Review</a:t>
-                      </a:r>
-                      <a:endParaRPr lang="en-US" sz="3200" dirty="0"/>
-                    </a:p>
-                  </a:txBody>
-                  <a:tcPr/>
-                </a:tc>
-                <a:extLst>
-                  <a:ext uri="{0D108BD9-81ED-4DB2-BD59-A6C34878D82A}">
-                    <a16:rowId xmlns:a16="http://schemas.microsoft.com/office/drawing/2014/main" val="10006"/>
-                  </a:ext>
-                </a:extLst>
-              </a:tr>
-            </a:tbl>
-          </a:graphicData>
-        </a:graphic>
-      </p:graphicFrame>
-    </p:spTree>
   </p:cSld>
   <p:clrMapOvr>
     <a:masterClrMapping/>
@@ -11791,7 +13218,13 @@
       </p:grpSpPr>
       <p:sp>
         <p:nvSpPr>
-          <p:cNvPr id="2" name="Title 1"/>
+          <p:cNvPr id="2" name="Title 1">
+            <a:extLst>
+              <a:ext uri="{FF2B5EF4-FFF2-40B4-BE49-F238E27FC236}">
+                <a16:creationId xmlns:a16="http://schemas.microsoft.com/office/drawing/2014/main" id="{C3DBF8C2-32B8-4E13-A005-A8F5763845F4}"/>
+              </a:ext>
+            </a:extLst>
+          </p:cNvPr>
           <p:cNvSpPr>
             <a:spLocks noGrp="1"/>
           </p:cNvSpPr>
@@ -11806,14 +13239,20 @@
           <a:p>
             <a:r>
               <a:rPr lang="en-US" dirty="0"/>
-              <a:t>Step 1:  Interface Design</a:t>
-            </a:r>
-          </a:p>
-        </p:txBody>
-      </p:sp>
-      <p:sp>
-        <p:nvSpPr>
-          <p:cNvPr id="3" name="Content Placeholder 2"/>
+              <a:t>Some differences</a:t>
+            </a:r>
+          </a:p>
+        </p:txBody>
+      </p:sp>
+      <p:sp>
+        <p:nvSpPr>
+          <p:cNvPr id="3" name="Content Placeholder 2">
+            <a:extLst>
+              <a:ext uri="{FF2B5EF4-FFF2-40B4-BE49-F238E27FC236}">
+                <a16:creationId xmlns:a16="http://schemas.microsoft.com/office/drawing/2014/main" id="{9B60A5F4-05BD-4155-A795-3914E34DB204}"/>
+              </a:ext>
+            </a:extLst>
+          </p:cNvPr>
           <p:cNvSpPr>
             <a:spLocks noGrp="1"/>
           </p:cNvSpPr>
@@ -11823,55 +13262,45 @@
         </p:nvSpPr>
         <p:spPr/>
         <p:txBody>
-          <a:bodyPr/>
-          <a:lstStyle/>
-          <a:p>
-            <a:r>
-              <a:rPr lang="en-US" dirty="0"/>
-              <a:t>What kinds of things will exist in your system?</a:t>
-            </a:r>
-          </a:p>
-          <a:p>
-            <a:r>
-              <a:rPr lang="en-US" dirty="0"/>
-              <a:t>What  messages will they need to respond to?</a:t>
-            </a:r>
-          </a:p>
-          <a:p>
-            <a:r>
-              <a:rPr lang="en-US" dirty="0"/>
-              <a:t>List the messages (methods) in each interface</a:t>
-            </a:r>
-          </a:p>
-          <a:p>
-            <a:r>
-              <a:rPr lang="en-US" dirty="0"/>
-              <a:t>Write a purpose statement for the interface</a:t>
-            </a:r>
-          </a:p>
-          <a:p>
-            <a:r>
-              <a:rPr lang="en-US" dirty="0"/>
-              <a:t>For each method in the interface, write a contract and purpose statement.</a:t>
-            </a:r>
-          </a:p>
-          <a:p>
-            <a:r>
-              <a:rPr lang="en-US" dirty="0"/>
-              <a:t>Write the contracts in terms of data types and interfaces (never classes).</a:t>
-            </a:r>
-          </a:p>
-          <a:p>
-            <a:endParaRPr lang="en-US" dirty="0"/>
-          </a:p>
-          <a:p>
-            <a:endParaRPr lang="en-US" dirty="0"/>
-          </a:p>
-        </p:txBody>
-      </p:sp>
-      <p:sp>
-        <p:nvSpPr>
-          <p:cNvPr id="4" name="Slide Number Placeholder 3"/>
+          <a:bodyPr>
+            <a:normAutofit fontScale="70000" lnSpcReduction="20000"/>
+          </a:bodyPr>
+          <a:lstStyle/>
+          <a:p>
+            <a:r>
+              <a:rPr lang="en-US" dirty="0"/>
+              <a:t>"Design Strategy" has been dropped as a separate step, but you should still describe a design strategy if you think it would help readers to understand your code. Most of the time, your methods will be so simple you probably won't need to describe a design strategy.</a:t>
+            </a:r>
+          </a:p>
+          <a:p>
+            <a:r>
+              <a:rPr lang="en-US" dirty="0"/>
+              <a:t>"Halting Measure" has been dropped as a deliverable, but you should still describe a halting measure for methods that might be involved in a recursion, unless the halting measure is obvious.</a:t>
+            </a:r>
+          </a:p>
+          <a:p>
+            <a:r>
+              <a:rPr lang="en-US" dirty="0"/>
+              <a:t>"Contract and Purpose Statement" is now part of the "Interface Design" and "Class Design" steps.</a:t>
+            </a:r>
+          </a:p>
+          <a:p>
+            <a:r>
+              <a:rPr lang="en-US" dirty="0"/>
+              <a:t>Unit tests are shown as the fourth step, after method definitions, but it is still a good idea to write at least some tests for each method after you write the contracts for the method and before you actually define the method.</a:t>
+            </a:r>
+          </a:p>
+        </p:txBody>
+      </p:sp>
+      <p:sp>
+        <p:nvSpPr>
+          <p:cNvPr id="4" name="Slide Number Placeholder 3">
+            <a:extLst>
+              <a:ext uri="{FF2B5EF4-FFF2-40B4-BE49-F238E27FC236}">
+                <a16:creationId xmlns:a16="http://schemas.microsoft.com/office/drawing/2014/main" id="{1A6C9AD0-38B3-4035-8010-ED20FD69BAAE}"/>
+              </a:ext>
+            </a:extLst>
+          </p:cNvPr>
           <p:cNvSpPr>
             <a:spLocks noGrp="1"/>
           </p:cNvSpPr>
@@ -11895,7 +13324,7 @@
     </p:spTree>
     <p:extLst>
       <p:ext uri="{BB962C8B-B14F-4D97-AF65-F5344CB8AC3E}">
-        <p14:creationId xmlns:p14="http://schemas.microsoft.com/office/powerpoint/2010/main" val="3343465080"/>
+        <p14:creationId xmlns:p14="http://schemas.microsoft.com/office/powerpoint/2010/main" val="419944792"/>
       </p:ext>
     </p:extLst>
   </p:cSld>
@@ -11924,7 +13353,7 @@
       </p:grpSpPr>
       <p:sp>
         <p:nvSpPr>
-          <p:cNvPr id="4" name="Title 3"/>
+          <p:cNvPr id="2" name="Title 1"/>
           <p:cNvSpPr>
             <a:spLocks noGrp="1"/>
           </p:cNvSpPr>
@@ -11934,29 +13363,19 @@
         </p:nvSpPr>
         <p:spPr/>
         <p:txBody>
-          <a:bodyPr>
-            <a:normAutofit/>
-          </a:bodyPr>
-          <a:lstStyle/>
-          <a:p>
-            <a:r>
-              <a:rPr lang="en-US" dirty="0"/>
-              <a:t>Example 1: </a:t>
-            </a:r>
-            <a:r>
-              <a:rPr lang="en-US" dirty="0" err="1"/>
-              <a:t>StupidRobot</a:t>
-            </a:r>
-            <a:r>
-              <a:rPr lang="en-US" dirty="0"/>
-              <a:t>&lt;%&gt;</a:t>
-            </a:r>
-          </a:p>
-        </p:txBody>
-      </p:sp>
-      <p:sp>
-        <p:nvSpPr>
-          <p:cNvPr id="5" name="Content Placeholder 4"/>
+          <a:bodyPr/>
+          <a:lstStyle/>
+          <a:p>
+            <a:r>
+              <a:rPr lang="en-US" dirty="0"/>
+              <a:t>Step 1:  Interface Design</a:t>
+            </a:r>
+          </a:p>
+        </p:txBody>
+      </p:sp>
+      <p:sp>
+        <p:nvSpPr>
+          <p:cNvPr id="3" name="Content Placeholder 2"/>
           <p:cNvSpPr>
             <a:spLocks noGrp="1"/>
           </p:cNvSpPr>
@@ -11966,271 +13385,79 @@
         </p:nvSpPr>
         <p:spPr/>
         <p:txBody>
-          <a:bodyPr>
-            <a:normAutofit fontScale="40000" lnSpcReduction="20000"/>
-          </a:bodyPr>
-          <a:lstStyle/>
-          <a:p>
-            <a:r>
-              <a:rPr lang="en-US" dirty="0"/>
-              <a:t>;; A </a:t>
-            </a:r>
-            <a:r>
-              <a:rPr lang="en-US" dirty="0" err="1"/>
-              <a:t>StupidRobot</a:t>
-            </a:r>
-            <a:r>
-              <a:rPr lang="en-US" dirty="0"/>
-              <a:t> is an object of any class that implements</a:t>
-            </a:r>
-          </a:p>
-          <a:p>
-            <a:r>
-              <a:rPr lang="en-US" dirty="0"/>
-              <a:t>;; </a:t>
-            </a:r>
-            <a:r>
-              <a:rPr lang="en-US" dirty="0" err="1"/>
-              <a:t>StupidRobot</a:t>
-            </a:r>
-            <a:r>
-              <a:rPr lang="en-US" dirty="0"/>
-              <a:t>&lt;%&gt;</a:t>
+          <a:bodyPr/>
+          <a:lstStyle/>
+          <a:p>
+            <a:r>
+              <a:rPr lang="en-US" dirty="0"/>
+              <a:t>What kinds of things will exist in your system?</a:t>
+            </a:r>
+          </a:p>
+          <a:p>
+            <a:r>
+              <a:rPr lang="en-US" dirty="0"/>
+              <a:t>What  messages will they need to respond to?</a:t>
+            </a:r>
+          </a:p>
+          <a:p>
+            <a:r>
+              <a:rPr lang="en-US" dirty="0"/>
+              <a:t>List the messages (methods) in each interface</a:t>
+            </a:r>
+          </a:p>
+          <a:p>
+            <a:r>
+              <a:rPr lang="en-US" dirty="0"/>
+              <a:t>Write a purpose statement for the interface</a:t>
+            </a:r>
+          </a:p>
+          <a:p>
+            <a:r>
+              <a:rPr lang="en-US" dirty="0"/>
+              <a:t>For each method in the interface, write a contract and purpose statement.</a:t>
+            </a:r>
+          </a:p>
+          <a:p>
+            <a:r>
+              <a:rPr lang="en-US" dirty="0"/>
+              <a:t>Write the contracts in terms of data types and interfaces (never classes).</a:t>
             </a:r>
           </a:p>
           <a:p>
             <a:endParaRPr lang="en-US" dirty="0"/>
           </a:p>
           <a:p>
-            <a:r>
-              <a:rPr lang="en-US" dirty="0"/>
-              <a:t>;; Interpretation: A </a:t>
-            </a:r>
-            <a:r>
-              <a:rPr lang="en-US" dirty="0" err="1"/>
-              <a:t>StupidRobot</a:t>
-            </a:r>
-            <a:r>
-              <a:rPr lang="en-US" dirty="0"/>
-              <a:t> represents a robot moving along a</a:t>
-            </a:r>
-          </a:p>
-          <a:p>
-            <a:r>
-              <a:rPr lang="en-US" dirty="0"/>
-              <a:t>;; one-dimensional line, starting at position 0.</a:t>
-            </a:r>
-          </a:p>
-          <a:p>
             <a:endParaRPr lang="en-US" dirty="0"/>
           </a:p>
-          <a:p>
-            <a:r>
-              <a:rPr lang="en-US" dirty="0"/>
-              <a:t>(define </a:t>
-            </a:r>
-            <a:r>
-              <a:rPr lang="en-US" dirty="0" err="1"/>
-              <a:t>StupidRobot</a:t>
-            </a:r>
-            <a:r>
-              <a:rPr lang="en-US" dirty="0"/>
-              <a:t>&lt;%&gt;</a:t>
-            </a:r>
-          </a:p>
-          <a:p>
-            <a:r>
-              <a:rPr lang="en-US" dirty="0"/>
-              <a:t>  (interface ()</a:t>
-            </a:r>
-          </a:p>
-          <a:p>
-            <a:endParaRPr lang="en-US" dirty="0"/>
-          </a:p>
-          <a:p>
-            <a:r>
-              <a:rPr lang="en-US" dirty="0"/>
-              <a:t>    ;; a new </a:t>
-            </a:r>
-            <a:r>
-              <a:rPr lang="en-US" dirty="0" err="1"/>
-              <a:t>StupidRobot</a:t>
-            </a:r>
-            <a:r>
-              <a:rPr lang="en-US" dirty="0"/>
-              <a:t>&lt;%&gt; is required to start at position 0</a:t>
-            </a:r>
-          </a:p>
-          <a:p>
-            <a:r>
-              <a:rPr lang="en-US" dirty="0"/>
-              <a:t>    </a:t>
-            </a:r>
-          </a:p>
-          <a:p>
-            <a:r>
-              <a:rPr lang="en-US" dirty="0"/>
-              <a:t>    ;; -&gt; </a:t>
-            </a:r>
-            <a:r>
-              <a:rPr lang="en-US" dirty="0" err="1"/>
-              <a:t>StupidRobot</a:t>
-            </a:r>
-            <a:endParaRPr lang="en-US" dirty="0"/>
-          </a:p>
-          <a:p>
-            <a:r>
-              <a:rPr lang="en-US" dirty="0"/>
-              <a:t>    ;; RETURNS: a Robot just like this one, except moved one </a:t>
-            </a:r>
-          </a:p>
-          <a:p>
-            <a:r>
-              <a:rPr lang="en-US" dirty="0"/>
-              <a:t>    ;; position to the right</a:t>
-            </a:r>
-          </a:p>
-          <a:p>
-            <a:r>
-              <a:rPr lang="en-US" dirty="0"/>
-              <a:t>    move-right</a:t>
-            </a:r>
-          </a:p>
-          <a:p>
-            <a:endParaRPr lang="en-US" dirty="0"/>
-          </a:p>
-          <a:p>
-            <a:r>
-              <a:rPr lang="en-US" dirty="0"/>
-              <a:t>    ;; -&gt; Integer</a:t>
-            </a:r>
-          </a:p>
-          <a:p>
-            <a:r>
-              <a:rPr lang="en-US" dirty="0"/>
-              <a:t>    ;; RETURNS: the current x-position of this robot</a:t>
-            </a:r>
-          </a:p>
-          <a:p>
-            <a:r>
-              <a:rPr lang="en-US" dirty="0"/>
-              <a:t>    get-</a:t>
-            </a:r>
-            <a:r>
-              <a:rPr lang="en-US" dirty="0" err="1"/>
-              <a:t>pos</a:t>
-            </a:r>
-            <a:endParaRPr lang="en-US" dirty="0"/>
-          </a:p>
-          <a:p>
-            <a:endParaRPr lang="en-US" dirty="0"/>
-          </a:p>
-          <a:p>
-            <a:r>
-              <a:rPr lang="en-US" dirty="0"/>
-              <a:t>    ))</a:t>
-            </a:r>
-          </a:p>
-        </p:txBody>
-      </p:sp>
-      <p:sp>
-        <p:nvSpPr>
-          <p:cNvPr id="3" name="Rectangle 2"/>
-          <p:cNvSpPr/>
-          <p:nvPr/>
-        </p:nvSpPr>
-        <p:spPr>
-          <a:xfrm>
-            <a:off x="6477000" y="2819400"/>
-            <a:ext cx="2209800" cy="914400"/>
-          </a:xfrm>
-          <a:prstGeom prst="rect">
-            <a:avLst/>
-          </a:prstGeom>
-          <a:solidFill>
-            <a:schemeClr val="accent1">
-              <a:lumMod val="20000"/>
-              <a:lumOff val="80000"/>
-            </a:schemeClr>
-          </a:solidFill>
-          <a:ln>
-            <a:noFill/>
-          </a:ln>
-        </p:spPr>
-        <p:style>
-          <a:lnRef idx="2">
-            <a:schemeClr val="accent1"/>
-          </a:lnRef>
-          <a:fillRef idx="1">
-            <a:schemeClr val="lt1"/>
-          </a:fillRef>
-          <a:effectRef idx="0">
-            <a:schemeClr val="accent1"/>
-          </a:effectRef>
-          <a:fontRef idx="minor">
-            <a:schemeClr val="dk1"/>
-          </a:fontRef>
-        </p:style>
-        <p:txBody>
-          <a:bodyPr rot="0" spcFirstLastPara="0" vertOverflow="overflow" horzOverflow="overflow" vert="horz" wrap="square" lIns="91440" tIns="45720" rIns="91440" bIns="45720" numCol="1" spcCol="0" rtlCol="0" fromWordArt="0" anchor="ctr" anchorCtr="0" forceAA="0" compatLnSpc="1">
-            <a:prstTxWarp prst="textNoShape">
-              <a:avLst/>
-            </a:prstTxWarp>
-            <a:noAutofit/>
-          </a:bodyPr>
-          <a:lstStyle/>
-          <a:p>
-            <a:pPr algn="ctr"/>
-            <a:r>
-              <a:rPr lang="en-US" dirty="0">
-                <a:solidFill>
-                  <a:schemeClr val="tx1"/>
-                </a:solidFill>
-              </a:rPr>
-              <a:t>Purpose statement for the interface</a:t>
-            </a:r>
-          </a:p>
-        </p:txBody>
-      </p:sp>
-      <p:cxnSp>
-        <p:nvCxnSpPr>
-          <p:cNvPr id="7" name="Straight Arrow Connector 6"/>
-          <p:cNvCxnSpPr>
-            <a:stCxn id="3" idx="1"/>
-          </p:cNvCxnSpPr>
-          <p:nvPr/>
-        </p:nvCxnSpPr>
-        <p:spPr>
-          <a:xfrm flipH="1" flipV="1">
-            <a:off x="4343400" y="2636838"/>
-            <a:ext cx="2133600" cy="639762"/>
-          </a:xfrm>
-          <a:prstGeom prst="straightConnector1">
-            <a:avLst/>
-          </a:prstGeom>
-          <a:ln>
-            <a:tailEnd type="triangle"/>
-          </a:ln>
-        </p:spPr>
-        <p:style>
-          <a:lnRef idx="1">
-            <a:schemeClr val="accent1"/>
-          </a:lnRef>
-          <a:fillRef idx="0">
-            <a:schemeClr val="accent1"/>
-          </a:fillRef>
-          <a:effectRef idx="0">
-            <a:schemeClr val="accent1"/>
-          </a:effectRef>
-          <a:fontRef idx="minor">
-            <a:schemeClr val="tx1"/>
-          </a:fontRef>
-        </p:style>
-      </p:cxnSp>
+        </p:txBody>
+      </p:sp>
+      <p:sp>
+        <p:nvSpPr>
+          <p:cNvPr id="4" name="Slide Number Placeholder 3"/>
+          <p:cNvSpPr>
+            <a:spLocks noGrp="1"/>
+          </p:cNvSpPr>
+          <p:nvPr>
+            <p:ph type="sldNum" sz="quarter" idx="12"/>
+          </p:nvPr>
+        </p:nvSpPr>
+        <p:spPr/>
+        <p:txBody>
+          <a:bodyPr/>
+          <a:lstStyle/>
+          <a:p>
+            <a:fld id="{2AF3B5EA-18B6-4040-9F78-6052AF49C681}" type="slidenum">
+              <a:rPr lang="en-US" smtClean="0"/>
+              <a:t>6</a:t>
+            </a:fld>
+            <a:endParaRPr lang="en-US"/>
+          </a:p>
+        </p:txBody>
+      </p:sp>
     </p:spTree>
     <p:extLst>
       <p:ext uri="{BB962C8B-B14F-4D97-AF65-F5344CB8AC3E}">
-        <p14:creationId xmlns:p14="http://schemas.microsoft.com/office/powerpoint/2010/main" val="482356299"/>
+        <p14:creationId xmlns:p14="http://schemas.microsoft.com/office/powerpoint/2010/main" val="3343465080"/>
       </p:ext>
     </p:extLst>
   </p:cSld>
@@ -12259,6 +13486,260 @@
       </p:grpSpPr>
       <p:sp>
         <p:nvSpPr>
+          <p:cNvPr id="4" name="Title 3"/>
+          <p:cNvSpPr>
+            <a:spLocks noGrp="1"/>
+          </p:cNvSpPr>
+          <p:nvPr>
+            <p:ph type="title"/>
+          </p:nvPr>
+        </p:nvSpPr>
+        <p:spPr/>
+        <p:txBody>
+          <a:bodyPr>
+            <a:normAutofit/>
+          </a:bodyPr>
+          <a:lstStyle/>
+          <a:p>
+            <a:r>
+              <a:rPr lang="en-US" dirty="0"/>
+              <a:t>Example 1: </a:t>
+            </a:r>
+            <a:r>
+              <a:rPr lang="en-US" dirty="0" err="1"/>
+              <a:t>StupidRobot</a:t>
+            </a:r>
+            <a:endParaRPr lang="en-US" dirty="0"/>
+          </a:p>
+        </p:txBody>
+      </p:sp>
+      <p:sp>
+        <p:nvSpPr>
+          <p:cNvPr id="5" name="Content Placeholder 4"/>
+          <p:cNvSpPr>
+            <a:spLocks noGrp="1"/>
+          </p:cNvSpPr>
+          <p:nvPr>
+            <p:ph idx="1"/>
+          </p:nvPr>
+        </p:nvSpPr>
+        <p:spPr/>
+        <p:txBody>
+          <a:bodyPr>
+            <a:normAutofit fontScale="47500" lnSpcReduction="20000"/>
+          </a:bodyPr>
+          <a:lstStyle/>
+          <a:p>
+            <a:r>
+              <a:rPr lang="en-US" dirty="0"/>
+              <a:t> // A </a:t>
+            </a:r>
+            <a:r>
+              <a:rPr lang="en-US" dirty="0" err="1"/>
+              <a:t>StupidRobot</a:t>
+            </a:r>
+            <a:r>
+              <a:rPr lang="en-US" dirty="0"/>
+              <a:t> is an object of any class that implements </a:t>
+            </a:r>
+            <a:r>
+              <a:rPr lang="en-US" dirty="0" err="1"/>
+              <a:t>StupidRobot</a:t>
+            </a:r>
+            <a:endParaRPr lang="en-US" dirty="0"/>
+          </a:p>
+          <a:p>
+            <a:r>
+              <a:rPr lang="en-US" dirty="0"/>
+              <a:t>      //</a:t>
+            </a:r>
+          </a:p>
+          <a:p>
+            <a:r>
+              <a:rPr lang="en-US" dirty="0"/>
+              <a:t>      // Interpretation:  A </a:t>
+            </a:r>
+            <a:r>
+              <a:rPr lang="en-US" dirty="0" err="1"/>
+              <a:t>StupidRobot</a:t>
+            </a:r>
+            <a:r>
+              <a:rPr lang="en-US" dirty="0"/>
+              <a:t> represents a robot moving along</a:t>
+            </a:r>
+          </a:p>
+          <a:p>
+            <a:r>
+              <a:rPr lang="en-US" dirty="0"/>
+              <a:t>      //     a horizontal line starting at position 0.</a:t>
+            </a:r>
+          </a:p>
+          <a:p>
+            <a:r>
+              <a:rPr lang="en-US" dirty="0"/>
+              <a:t>      </a:t>
+            </a:r>
+          </a:p>
+          <a:p>
+            <a:r>
+              <a:rPr lang="en-US" dirty="0"/>
+              <a:t>      interface </a:t>
+            </a:r>
+            <a:r>
+              <a:rPr lang="en-US" dirty="0" err="1"/>
+              <a:t>StupidRobot</a:t>
+            </a:r>
+            <a:r>
+              <a:rPr lang="en-US" dirty="0"/>
+              <a:t> {</a:t>
+            </a:r>
+          </a:p>
+          <a:p>
+            <a:r>
+              <a:rPr lang="en-US" dirty="0"/>
+              <a:t>      </a:t>
+            </a:r>
+          </a:p>
+          <a:p>
+            <a:r>
+              <a:rPr lang="en-US" dirty="0"/>
+              <a:t>          // a new </a:t>
+            </a:r>
+            <a:r>
+              <a:rPr lang="en-US" dirty="0" err="1"/>
+              <a:t>StupidRobot</a:t>
+            </a:r>
+            <a:r>
+              <a:rPr lang="en-US" dirty="0"/>
+              <a:t> is required to start at position 0.</a:t>
+            </a:r>
+          </a:p>
+          <a:p>
+            <a:r>
+              <a:rPr lang="en-US" dirty="0"/>
+              <a:t>      </a:t>
+            </a:r>
+          </a:p>
+          <a:p>
+            <a:r>
+              <a:rPr lang="en-US" dirty="0"/>
+              <a:t>          // RETURNS: a robot just like this one, moved one position</a:t>
+            </a:r>
+          </a:p>
+          <a:p>
+            <a:r>
+              <a:rPr lang="en-US" dirty="0"/>
+              <a:t>          // to the right.</a:t>
+            </a:r>
+          </a:p>
+          <a:p>
+            <a:r>
+              <a:rPr lang="en-US" dirty="0"/>
+              <a:t>      </a:t>
+            </a:r>
+          </a:p>
+          <a:p>
+            <a:r>
+              <a:rPr lang="en-US" dirty="0"/>
+              <a:t>          </a:t>
+            </a:r>
+            <a:r>
+              <a:rPr lang="en-US" dirty="0" err="1"/>
+              <a:t>StupidRobot</a:t>
+            </a:r>
+            <a:r>
+              <a:rPr lang="en-US" dirty="0"/>
+              <a:t> </a:t>
+            </a:r>
+            <a:r>
+              <a:rPr lang="en-US" dirty="0" err="1"/>
+              <a:t>moveRight</a:t>
+            </a:r>
+            <a:r>
+              <a:rPr lang="en-US" dirty="0"/>
+              <a:t> ();</a:t>
+            </a:r>
+          </a:p>
+          <a:p>
+            <a:r>
+              <a:rPr lang="en-US" dirty="0"/>
+              <a:t>      </a:t>
+            </a:r>
+          </a:p>
+          <a:p>
+            <a:r>
+              <a:rPr lang="en-US" dirty="0"/>
+              <a:t>          // RETURNS: the current x-position of this robot</a:t>
+            </a:r>
+          </a:p>
+          <a:p>
+            <a:r>
+              <a:rPr lang="en-US" dirty="0"/>
+              <a:t>      </a:t>
+            </a:r>
+          </a:p>
+          <a:p>
+            <a:r>
+              <a:rPr lang="en-US" dirty="0"/>
+              <a:t>          </a:t>
+            </a:r>
+            <a:r>
+              <a:rPr lang="en-US" dirty="0" err="1"/>
+              <a:t>int</a:t>
+            </a:r>
+            <a:r>
+              <a:rPr lang="en-US" dirty="0"/>
+              <a:t> </a:t>
+            </a:r>
+            <a:r>
+              <a:rPr lang="en-US" dirty="0" err="1"/>
+              <a:t>getPos</a:t>
+            </a:r>
+            <a:r>
+              <a:rPr lang="en-US" dirty="0"/>
+              <a:t> ();</a:t>
+            </a:r>
+          </a:p>
+          <a:p>
+            <a:r>
+              <a:rPr lang="en-US" dirty="0"/>
+              <a:t>      }</a:t>
+            </a:r>
+          </a:p>
+        </p:txBody>
+      </p:sp>
+    </p:spTree>
+    <p:extLst>
+      <p:ext uri="{BB962C8B-B14F-4D97-AF65-F5344CB8AC3E}">
+        <p14:creationId xmlns:p14="http://schemas.microsoft.com/office/powerpoint/2010/main" val="482356299"/>
+      </p:ext>
+    </p:extLst>
+  </p:cSld>
+  <p:clrMapOvr>
+    <a:masterClrMapping/>
+  </p:clrMapOvr>
+</p:sld>
+</file>
+
+<file path=ppt/slides/slide8.xml><?xml version="1.0" encoding="utf-8"?>
+<p:sld xmlns:a="http://schemas.openxmlformats.org/drawingml/2006/main" xmlns:r="http://schemas.openxmlformats.org/officeDocument/2006/relationships" xmlns:p="http://schemas.openxmlformats.org/presentationml/2006/main">
+  <p:cSld>
+    <p:spTree>
+      <p:nvGrpSpPr>
+        <p:cNvPr id="1" name=""/>
+        <p:cNvGrpSpPr/>
+        <p:nvPr/>
+      </p:nvGrpSpPr>
+      <p:grpSpPr>
+        <a:xfrm>
+          <a:off x="0" y="0"/>
+          <a:ext cx="0" cy="0"/>
+          <a:chOff x="0" y="0"/>
+          <a:chExt cx="0" cy="0"/>
+        </a:xfrm>
+      </p:grpSpPr>
+      <p:sp>
+        <p:nvSpPr>
           <p:cNvPr id="2" name="Title 1"/>
           <p:cNvSpPr>
             <a:spLocks noGrp="1"/>
@@ -12274,7 +13755,7 @@
           <a:p>
             <a:r>
               <a:rPr lang="en-US" dirty="0"/>
-              <a:t>Example 2: Widget&lt;%&gt;</a:t>
+              <a:t>Example 2: Widget</a:t>
             </a:r>
           </a:p>
         </p:txBody>
@@ -12303,7 +13784,7 @@
             </a:pPr>
             <a:r>
               <a:rPr lang="en-US" sz="1000" dirty="0"/>
-              <a:t>;; Every object that lives in the world must implement the Widget&lt;%&gt;</a:t>
+              <a:t> // Every object that lives in the world must implement the</a:t>
             </a:r>
           </a:p>
           <a:p>
@@ -12314,7 +13795,7 @@
             </a:pPr>
             <a:r>
               <a:rPr lang="en-US" sz="1000" dirty="0"/>
-              <a:t>;; interface.</a:t>
+              <a:t> // Widget interface.</a:t>
             </a:r>
           </a:p>
           <a:p>
@@ -12323,7 +13804,10 @@
                 <a:spcPts val="0"/>
               </a:spcBef>
             </a:pPr>
-            <a:endParaRPr lang="en-US" sz="1000" dirty="0"/>
+            <a:r>
+              <a:rPr lang="en-US" sz="1000" dirty="0"/>
+              <a:t>      </a:t>
+            </a:r>
           </a:p>
           <a:p>
             <a:pPr>
@@ -12333,7 +13817,7 @@
             </a:pPr>
             <a:r>
               <a:rPr lang="en-US" sz="1000" dirty="0"/>
-              <a:t>(define Widget&lt;%&gt;</a:t>
+              <a:t>      interface Widget {</a:t>
             </a:r>
           </a:p>
           <a:p>
@@ -12344,7 +13828,7 @@
             </a:pPr>
             <a:r>
               <a:rPr lang="en-US" sz="1000" dirty="0"/>
-              <a:t>  (interface ()</a:t>
+              <a:t>      </a:t>
             </a:r>
           </a:p>
           <a:p>
@@ -12353,7 +13837,10 @@
                 <a:spcPts val="0"/>
               </a:spcBef>
             </a:pPr>
-            <a:endParaRPr lang="en-US" sz="1000" dirty="0"/>
+            <a:r>
+              <a:rPr lang="en-US" sz="1000" dirty="0"/>
+              <a:t>          // RETURNS: the state of this object that should follow</a:t>
+            </a:r>
           </a:p>
           <a:p>
             <a:pPr>
@@ -12363,7 +13850,7 @@
             </a:pPr>
             <a:r>
               <a:rPr lang="en-US" sz="1000" dirty="0"/>
-              <a:t>    ; -&gt; Widget</a:t>
+              <a:t>          //     the next tick</a:t>
             </a:r>
           </a:p>
           <a:p>
@@ -12374,7 +13861,7 @@
             </a:pPr>
             <a:r>
               <a:rPr lang="en-US" sz="1000" dirty="0"/>
-              <a:t>    ; GIVEN: no arguments</a:t>
+              <a:t>      </a:t>
             </a:r>
           </a:p>
           <a:p>
@@ -12385,7 +13872,15 @@
             </a:pPr>
             <a:r>
               <a:rPr lang="en-US" sz="1000" dirty="0"/>
-              <a:t>    ; RETURNS: the state of this object that should follow at time t+1.</a:t>
+              <a:t>          Widget </a:t>
+            </a:r>
+            <a:r>
+              <a:rPr lang="en-US" sz="1000" dirty="0" err="1"/>
+              <a:t>afterTick</a:t>
+            </a:r>
+            <a:r>
+              <a:rPr lang="en-US" sz="1000" dirty="0"/>
+              <a:t> ();</a:t>
             </a:r>
           </a:p>
           <a:p>
@@ -12396,7 +13891,7 @@
             </a:pPr>
             <a:r>
               <a:rPr lang="en-US" sz="1000" dirty="0"/>
-              <a:t>    after-tick          </a:t>
+              <a:t>      </a:t>
             </a:r>
           </a:p>
           <a:p>
@@ -12405,7 +13900,10 @@
                 <a:spcPts val="0"/>
               </a:spcBef>
             </a:pPr>
-            <a:endParaRPr lang="en-US" sz="1000" dirty="0"/>
+            <a:r>
+              <a:rPr lang="en-US" sz="1000" dirty="0"/>
+              <a:t>          // GIVEN: coordinates of a location</a:t>
+            </a:r>
           </a:p>
           <a:p>
             <a:pPr>
@@ -12415,15 +13913,7 @@
             </a:pPr>
             <a:r>
               <a:rPr lang="en-US" sz="1000" dirty="0"/>
-              <a:t>    ; Integer </a:t>
-            </a:r>
-            <a:r>
-              <a:rPr lang="en-US" sz="1000" dirty="0" err="1"/>
-              <a:t>Integer</a:t>
-            </a:r>
-            <a:r>
-              <a:rPr lang="en-US" sz="1000" dirty="0"/>
-              <a:t> -&gt; Widget</a:t>
+              <a:t>          // RETURNS: the state of this object that should follow</a:t>
             </a:r>
           </a:p>
           <a:p>
@@ -12434,7 +13924,7 @@
             </a:pPr>
             <a:r>
               <a:rPr lang="en-US" sz="1000" dirty="0"/>
-              <a:t>    ; GIVEN: a location</a:t>
+              <a:t>          //     the specified mouse event at the given location</a:t>
             </a:r>
           </a:p>
           <a:p>
@@ -12445,7 +13935,7 @@
             </a:pPr>
             <a:r>
               <a:rPr lang="en-US" sz="1000" dirty="0"/>
-              <a:t>    ; RETURNS: the state of this object that should follow the</a:t>
+              <a:t>      </a:t>
             </a:r>
           </a:p>
           <a:p>
@@ -12456,7 +13946,31 @@
             </a:pPr>
             <a:r>
               <a:rPr lang="en-US" sz="1000" dirty="0"/>
-              <a:t>    ; specified mouse event at the given location.</a:t>
+              <a:t>          Widget </a:t>
+            </a:r>
+            <a:r>
+              <a:rPr lang="en-US" sz="1000" dirty="0" err="1"/>
+              <a:t>afterButtonDown</a:t>
+            </a:r>
+            <a:r>
+              <a:rPr lang="en-US" sz="1000" dirty="0"/>
+              <a:t> (</a:t>
+            </a:r>
+            <a:r>
+              <a:rPr lang="en-US" sz="1000" dirty="0" err="1"/>
+              <a:t>int</a:t>
+            </a:r>
+            <a:r>
+              <a:rPr lang="en-US" sz="1000" dirty="0"/>
+              <a:t> mx, </a:t>
+            </a:r>
+            <a:r>
+              <a:rPr lang="en-US" sz="1000" dirty="0" err="1"/>
+              <a:t>int</a:t>
+            </a:r>
+            <a:r>
+              <a:rPr lang="en-US" sz="1000" dirty="0"/>
+              <a:t> my);</a:t>
             </a:r>
           </a:p>
           <a:p>
@@ -12467,7 +13981,31 @@
             </a:pPr>
             <a:r>
               <a:rPr lang="en-US" sz="1000" dirty="0"/>
-              <a:t>    after-button-down</a:t>
+              <a:t>          Widget </a:t>
+            </a:r>
+            <a:r>
+              <a:rPr lang="en-US" sz="1000" dirty="0" err="1"/>
+              <a:t>afterButtonUp</a:t>
+            </a:r>
+            <a:r>
+              <a:rPr lang="en-US" sz="1000" dirty="0"/>
+              <a:t> (</a:t>
+            </a:r>
+            <a:r>
+              <a:rPr lang="en-US" sz="1000" dirty="0" err="1"/>
+              <a:t>int</a:t>
+            </a:r>
+            <a:r>
+              <a:rPr lang="en-US" sz="1000" dirty="0"/>
+              <a:t> mx, </a:t>
+            </a:r>
+            <a:r>
+              <a:rPr lang="en-US" sz="1000" dirty="0" err="1"/>
+              <a:t>int</a:t>
+            </a:r>
+            <a:r>
+              <a:rPr lang="en-US" sz="1000" dirty="0"/>
+              <a:t> my);</a:t>
             </a:r>
           </a:p>
           <a:p>
@@ -12478,7 +14016,31 @@
             </a:pPr>
             <a:r>
               <a:rPr lang="en-US" sz="1000" dirty="0"/>
-              <a:t>    after-button-up</a:t>
+              <a:t>          Widget </a:t>
+            </a:r>
+            <a:r>
+              <a:rPr lang="en-US" sz="1000" dirty="0" err="1"/>
+              <a:t>afterDrag</a:t>
+            </a:r>
+            <a:r>
+              <a:rPr lang="en-US" sz="1000" dirty="0"/>
+              <a:t> (</a:t>
+            </a:r>
+            <a:r>
+              <a:rPr lang="en-US" sz="1000" dirty="0" err="1"/>
+              <a:t>int</a:t>
+            </a:r>
+            <a:r>
+              <a:rPr lang="en-US" sz="1000" dirty="0"/>
+              <a:t> mx, </a:t>
+            </a:r>
+            <a:r>
+              <a:rPr lang="en-US" sz="1000" dirty="0" err="1"/>
+              <a:t>int</a:t>
+            </a:r>
+            <a:r>
+              <a:rPr lang="en-US" sz="1000" dirty="0"/>
+              <a:t> my);</a:t>
             </a:r>
           </a:p>
           <a:p>
@@ -12489,7 +14051,7 @@
             </a:pPr>
             <a:r>
               <a:rPr lang="en-US" sz="1000" dirty="0"/>
-              <a:t>    after-drag</a:t>
+              <a:t>      </a:t>
             </a:r>
           </a:p>
           <a:p>
@@ -12498,7 +14060,10 @@
                 <a:spcPts val="0"/>
               </a:spcBef>
             </a:pPr>
-            <a:endParaRPr lang="en-US" sz="1000" dirty="0"/>
+            <a:r>
+              <a:rPr lang="en-US" sz="1000" dirty="0"/>
+              <a:t>          // GIVEN: a key event</a:t>
+            </a:r>
           </a:p>
           <a:p>
             <a:pPr>
@@ -12508,15 +14073,7 @@
             </a:pPr>
             <a:r>
               <a:rPr lang="en-US" sz="1000" dirty="0"/>
-              <a:t>    ; </a:t>
-            </a:r>
-            <a:r>
-              <a:rPr lang="en-US" sz="1000" dirty="0" err="1"/>
-              <a:t>KeyEvent</a:t>
-            </a:r>
-            <a:r>
-              <a:rPr lang="en-US" sz="1000" dirty="0"/>
-              <a:t> -&gt; Widget</a:t>
+              <a:t>          // RETURNS: the state of this object that should follow</a:t>
             </a:r>
           </a:p>
           <a:p>
@@ -12527,7 +14084,7 @@
             </a:pPr>
             <a:r>
               <a:rPr lang="en-US" sz="1000" dirty="0"/>
-              <a:t>    ; GIVEN: a key event</a:t>
+              <a:t>          //     the given key event</a:t>
             </a:r>
           </a:p>
           <a:p>
@@ -12538,7 +14095,7 @@
             </a:pPr>
             <a:r>
               <a:rPr lang="en-US" sz="1000" dirty="0"/>
-              <a:t>    ; RETURNS: the state of this object that should follow the</a:t>
+              <a:t>      </a:t>
             </a:r>
           </a:p>
           <a:p>
@@ -12549,7 +14106,31 @@
             </a:pPr>
             <a:r>
               <a:rPr lang="en-US" sz="1000" dirty="0"/>
-              <a:t>    ; given key event</a:t>
+              <a:t>          Widget </a:t>
+            </a:r>
+            <a:r>
+              <a:rPr lang="en-US" sz="1000" dirty="0" err="1"/>
+              <a:t>afterKeyEvent</a:t>
+            </a:r>
+            <a:r>
+              <a:rPr lang="en-US" sz="1000" dirty="0"/>
+              <a:t> (</a:t>
+            </a:r>
+            <a:r>
+              <a:rPr lang="en-US" sz="1000" dirty="0" err="1"/>
+              <a:t>KeyEvent</a:t>
+            </a:r>
+            <a:r>
+              <a:rPr lang="en-US" sz="1000" dirty="0"/>
+              <a:t> </a:t>
+            </a:r>
+            <a:r>
+              <a:rPr lang="en-US" sz="1000" dirty="0" err="1"/>
+              <a:t>ke</a:t>
+            </a:r>
+            <a:r>
+              <a:rPr lang="en-US" sz="1000" dirty="0"/>
+              <a:t>);</a:t>
             </a:r>
           </a:p>
           <a:p>
@@ -12560,7 +14141,7 @@
             </a:pPr>
             <a:r>
               <a:rPr lang="en-US" sz="1000" dirty="0"/>
-              <a:t>    after-key-event     </a:t>
+              <a:t>      </a:t>
             </a:r>
           </a:p>
           <a:p>
@@ -12569,7 +14150,10 @@
                 <a:spcPts val="0"/>
               </a:spcBef>
             </a:pPr>
-            <a:endParaRPr lang="en-US" sz="1000" dirty="0"/>
+            <a:r>
+              <a:rPr lang="en-US" sz="1000" dirty="0"/>
+              <a:t>          // GIVEN: a scene</a:t>
+            </a:r>
           </a:p>
           <a:p>
             <a:pPr>
@@ -12579,7 +14163,7 @@
             </a:pPr>
             <a:r>
               <a:rPr lang="en-US" sz="1000" dirty="0"/>
-              <a:t>    ; Scene -&gt; Scene</a:t>
+              <a:t>          // RETURNS: a scene like the given one, but with this</a:t>
             </a:r>
           </a:p>
           <a:p>
@@ -12590,7 +14174,7 @@
             </a:pPr>
             <a:r>
               <a:rPr lang="en-US" sz="1000" dirty="0"/>
-              <a:t>    ; GIVEN: a scene</a:t>
+              <a:t>          //     object painted on it</a:t>
             </a:r>
           </a:p>
           <a:p>
@@ -12601,7 +14185,7 @@
             </a:pPr>
             <a:r>
               <a:rPr lang="en-US" sz="1000" dirty="0"/>
-              <a:t>    ; RETURNS: a scene like the given one, but with this object</a:t>
+              <a:t>      </a:t>
             </a:r>
           </a:p>
           <a:p>
@@ -12612,7 +14196,23 @@
             </a:pPr>
             <a:r>
               <a:rPr lang="en-US" sz="1000" dirty="0"/>
-              <a:t>    ; painted on it.</a:t>
+              <a:t>          Scene </a:t>
+            </a:r>
+            <a:r>
+              <a:rPr lang="en-US" sz="1000" dirty="0" err="1"/>
+              <a:t>addToScene</a:t>
+            </a:r>
+            <a:r>
+              <a:rPr lang="en-US" sz="1000" dirty="0"/>
+              <a:t> (Scene </a:t>
+            </a:r>
+            <a:r>
+              <a:rPr lang="en-US" sz="1000" dirty="0" err="1"/>
+              <a:t>sc</a:t>
+            </a:r>
+            <a:r>
+              <a:rPr lang="en-US" sz="1000" dirty="0"/>
+              <a:t>);</a:t>
             </a:r>
           </a:p>
           <a:p>
@@ -12623,18 +14223,7 @@
             </a:pPr>
             <a:r>
               <a:rPr lang="en-US" sz="1000" dirty="0"/>
-              <a:t>    add-to-scene</a:t>
-            </a:r>
-          </a:p>
-          <a:p>
-            <a:pPr>
-              <a:spcBef>
-                <a:spcPts val="0"/>
-              </a:spcBef>
-            </a:pPr>
-            <a:r>
-              <a:rPr lang="en-US" sz="1000" dirty="0"/>
-              <a:t>    ))</a:t>
+              <a:t>      }</a:t>
             </a:r>
           </a:p>
         </p:txBody>
@@ -12656,7 +14245,7 @@
           <a:p>
             <a:fld id="{2AF3B5EA-18B6-4040-9F78-6052AF49C681}" type="slidenum">
               <a:rPr lang="en-US" smtClean="0"/>
-              <a:t>7</a:t>
+              <a:t>8</a:t>
             </a:fld>
             <a:endParaRPr lang="en-US"/>
           </a:p>
@@ -12769,145 +14358,6 @@
 </p:sld>
 </file>
 
-<file path=ppt/slides/slide8.xml><?xml version="1.0" encoding="utf-8"?>
-<p:sld xmlns:a="http://schemas.openxmlformats.org/drawingml/2006/main" xmlns:r="http://schemas.openxmlformats.org/officeDocument/2006/relationships" xmlns:p="http://schemas.openxmlformats.org/presentationml/2006/main">
-  <p:cSld>
-    <p:spTree>
-      <p:nvGrpSpPr>
-        <p:cNvPr id="1" name=""/>
-        <p:cNvGrpSpPr/>
-        <p:nvPr/>
-      </p:nvGrpSpPr>
-      <p:grpSpPr>
-        <a:xfrm>
-          <a:off x="0" y="0"/>
-          <a:ext cx="0" cy="0"/>
-          <a:chOff x="0" y="0"/>
-          <a:chExt cx="0" cy="0"/>
-        </a:xfrm>
-      </p:grpSpPr>
-      <p:sp>
-        <p:nvSpPr>
-          <p:cNvPr id="5" name="Title 4"/>
-          <p:cNvSpPr>
-            <a:spLocks noGrp="1"/>
-          </p:cNvSpPr>
-          <p:nvPr>
-            <p:ph type="title"/>
-          </p:nvPr>
-        </p:nvSpPr>
-        <p:spPr/>
-        <p:txBody>
-          <a:bodyPr/>
-          <a:lstStyle/>
-          <a:p>
-            <a:r>
-              <a:rPr lang="en-US" dirty="0"/>
-              <a:t>Step 2: Class Design</a:t>
-            </a:r>
-          </a:p>
-        </p:txBody>
-      </p:sp>
-      <p:sp>
-        <p:nvSpPr>
-          <p:cNvPr id="6" name="Content Placeholder 5"/>
-          <p:cNvSpPr>
-            <a:spLocks noGrp="1"/>
-          </p:cNvSpPr>
-          <p:nvPr>
-            <p:ph idx="1"/>
-          </p:nvPr>
-        </p:nvSpPr>
-        <p:spPr/>
-        <p:txBody>
-          <a:bodyPr>
-            <a:normAutofit fontScale="92500" lnSpcReduction="10000"/>
-          </a:bodyPr>
-          <a:lstStyle/>
-          <a:p>
-            <a:r>
-              <a:rPr lang="en-US" dirty="0"/>
-              <a:t>For each interface, consider the different kinds of objects that will implement this interface.  Each kind becomes a class.</a:t>
-            </a:r>
-          </a:p>
-          <a:p>
-            <a:r>
-              <a:rPr lang="en-US" dirty="0"/>
-              <a:t>For each class, include a purpose statement that says what information is represented by objects of that class.</a:t>
-            </a:r>
-          </a:p>
-          <a:p>
-            <a:r>
-              <a:rPr lang="en-US" dirty="0"/>
-              <a:t>For each class, give a constructor  template showing how to build an object of that class.</a:t>
-            </a:r>
-          </a:p>
-          <a:p>
-            <a:r>
-              <a:rPr lang="en-US" dirty="0"/>
-              <a:t>Each </a:t>
-            </a:r>
-            <a:r>
-              <a:rPr lang="en-US" dirty="0">
-                <a:latin typeface="Calibri" panose="020F0502020204030204" pitchFamily="34" charset="0"/>
-                <a:cs typeface="Consolas" pitchFamily="49" charset="0"/>
-              </a:rPr>
-              <a:t>field</a:t>
-            </a:r>
-            <a:r>
-              <a:rPr lang="en-US" dirty="0"/>
-              <a:t> should have an interpretation, just as every field in a </a:t>
-            </a:r>
-            <a:r>
-              <a:rPr lang="en-US" b="1" dirty="0" err="1"/>
-              <a:t>struct</a:t>
-            </a:r>
-            <a:r>
-              <a:rPr lang="en-US" dirty="0"/>
-              <a:t> has an interpretation.</a:t>
-            </a:r>
-          </a:p>
-          <a:p>
-            <a:endParaRPr lang="en-US" dirty="0"/>
-          </a:p>
-        </p:txBody>
-      </p:sp>
-      <p:sp>
-        <p:nvSpPr>
-          <p:cNvPr id="4" name="Slide Number Placeholder 3"/>
-          <p:cNvSpPr>
-            <a:spLocks noGrp="1"/>
-          </p:cNvSpPr>
-          <p:nvPr>
-            <p:ph type="sldNum" sz="quarter" idx="12"/>
-          </p:nvPr>
-        </p:nvSpPr>
-        <p:spPr/>
-        <p:txBody>
-          <a:bodyPr/>
-          <a:lstStyle/>
-          <a:p>
-            <a:fld id="{2AF3B5EA-18B6-4040-9F78-6052AF49C681}" type="slidenum">
-              <a:rPr lang="en-US" smtClean="0"/>
-              <a:t>8</a:t>
-            </a:fld>
-            <a:endParaRPr lang="en-US"/>
-          </a:p>
-        </p:txBody>
-      </p:sp>
-    </p:spTree>
-    <p:extLst>
-      <p:ext uri="{BB962C8B-B14F-4D97-AF65-F5344CB8AC3E}">
-        <p14:creationId xmlns:p14="http://schemas.microsoft.com/office/powerpoint/2010/main" val="3933718465"/>
-      </p:ext>
-    </p:extLst>
-  </p:cSld>
-  <p:clrMapOvr>
-    <a:masterClrMapping/>
-  </p:clrMapOvr>
-</p:sld>
-</file>
-
 <file path=ppt/slides/slide9.xml><?xml version="1.0" encoding="utf-8"?>
 <p:sld xmlns:a="http://schemas.openxmlformats.org/drawingml/2006/main" xmlns:r="http://schemas.openxmlformats.org/officeDocument/2006/relationships" xmlns:p="http://schemas.openxmlformats.org/presentationml/2006/main">
   <p:cSld>
@@ -12927,7 +14377,7 @@
       </p:grpSpPr>
       <p:sp>
         <p:nvSpPr>
-          <p:cNvPr id="2" name="Title 1"/>
+          <p:cNvPr id="5" name="Title 4"/>
           <p:cNvSpPr>
             <a:spLocks noGrp="1"/>
           </p:cNvSpPr>
@@ -12942,14 +14392,14 @@
           <a:p>
             <a:r>
               <a:rPr lang="en-US" dirty="0"/>
-              <a:t>Example</a:t>
-            </a:r>
-          </a:p>
-        </p:txBody>
-      </p:sp>
-      <p:sp>
-        <p:nvSpPr>
-          <p:cNvPr id="4" name="Content Placeholder 3"/>
+              <a:t>Step 2: Class Design</a:t>
+            </a:r>
+          </a:p>
+        </p:txBody>
+      </p:sp>
+      <p:sp>
+        <p:nvSpPr>
+          <p:cNvPr id="6" name="Content Placeholder 5"/>
           <p:cNvSpPr>
             <a:spLocks noGrp="1"/>
           </p:cNvSpPr>
@@ -12957,189 +14407,63 @@
             <p:ph idx="1"/>
           </p:nvPr>
         </p:nvSpPr>
-        <p:spPr>
-          <a:xfrm>
-            <a:off x="457200" y="1600200"/>
-            <a:ext cx="8686800" cy="4525963"/>
-          </a:xfrm>
-        </p:spPr>
+        <p:spPr/>
         <p:txBody>
           <a:bodyPr>
             <a:normAutofit fontScale="92500" lnSpcReduction="10000"/>
           </a:bodyPr>
           <a:lstStyle/>
           <a:p>
-            <a:pPr marL="0" indent="0">
-              <a:buNone/>
-            </a:pPr>
-            <a:r>
-              <a:rPr lang="en-US" sz="2200" b="1" dirty="0">
-                <a:latin typeface="Consolas" pitchFamily="49" charset="0"/>
+            <a:r>
+              <a:rPr lang="en-US" dirty="0"/>
+              <a:t>For each interface, consider the different kinds of objects that will implement this interface.  Each kind becomes a class.</a:t>
+            </a:r>
+          </a:p>
+          <a:p>
+            <a:r>
+              <a:rPr lang="en-US" dirty="0"/>
+              <a:t>For each class, include a purpose statement that says what information is represented by objects of that class.</a:t>
+            </a:r>
+          </a:p>
+          <a:p>
+            <a:r>
+              <a:rPr lang="en-US" dirty="0"/>
+              <a:t>For each class, give a constructor  template showing how to build an object of that class.</a:t>
+            </a:r>
+          </a:p>
+          <a:p>
+            <a:r>
+              <a:rPr lang="en-US" dirty="0"/>
+              <a:t>Each </a:t>
+            </a:r>
+            <a:r>
+              <a:rPr lang="en-US" dirty="0">
+                <a:latin typeface="Calibri" panose="020F0502020204030204" pitchFamily="34" charset="0"/>
                 <a:cs typeface="Consolas" pitchFamily="49" charset="0"/>
               </a:rPr>
-              <a:t>;; Constructor Template for Bomb%:</a:t>
-            </a:r>
-          </a:p>
-          <a:p>
-            <a:pPr marL="0" indent="0">
-              <a:buNone/>
-            </a:pPr>
-            <a:r>
-              <a:rPr lang="en-US" sz="2200" b="1" dirty="0">
-                <a:latin typeface="Consolas" pitchFamily="49" charset="0"/>
-                <a:cs typeface="Consolas" pitchFamily="49" charset="0"/>
-              </a:rPr>
-              <a:t>;; (new Bomb% [x Integer][y Integer])</a:t>
-            </a:r>
-          </a:p>
-          <a:p>
-            <a:pPr marL="0" indent="0">
-              <a:buNone/>
-            </a:pPr>
-            <a:r>
-              <a:rPr lang="en-US" sz="2200" b="1" dirty="0">
-                <a:latin typeface="Consolas" pitchFamily="49" charset="0"/>
-                <a:cs typeface="Consolas" pitchFamily="49" charset="0"/>
-              </a:rPr>
-              <a:t>;; Interpretation: </a:t>
-            </a:r>
-          </a:p>
-          <a:p>
-            <a:pPr marL="0" indent="0">
-              <a:buNone/>
-            </a:pPr>
-            <a:r>
-              <a:rPr lang="en-US" sz="2200" b="1" dirty="0">
-                <a:latin typeface="Consolas" pitchFamily="49" charset="0"/>
-                <a:cs typeface="Consolas" pitchFamily="49" charset="0"/>
-              </a:rPr>
-              <a:t>;;  An object of class Bomb% represents a bomb.</a:t>
-            </a:r>
-          </a:p>
-          <a:p>
-            <a:pPr marL="0" indent="0">
-              <a:buNone/>
-            </a:pPr>
-            <a:endParaRPr lang="en-US" sz="2200" b="1" dirty="0">
-              <a:latin typeface="Consolas" pitchFamily="49" charset="0"/>
-              <a:cs typeface="Consolas" pitchFamily="49" charset="0"/>
-            </a:endParaRPr>
-          </a:p>
-          <a:p>
-            <a:pPr marL="0" indent="0">
-              <a:buNone/>
-            </a:pPr>
-            <a:r>
-              <a:rPr lang="en-US" sz="2200" b="1" dirty="0">
-                <a:latin typeface="Consolas" pitchFamily="49" charset="0"/>
-                <a:cs typeface="Consolas" pitchFamily="49" charset="0"/>
-              </a:rPr>
-              <a:t>(define Bomb%</a:t>
-            </a:r>
-          </a:p>
-          <a:p>
-            <a:pPr marL="0" indent="0">
-              <a:buNone/>
-            </a:pPr>
-            <a:r>
-              <a:rPr lang="en-US" sz="2200" b="1" dirty="0">
-                <a:latin typeface="Consolas" pitchFamily="49" charset="0"/>
-                <a:cs typeface="Consolas" pitchFamily="49" charset="0"/>
-              </a:rPr>
-              <a:t>  (class* object% (Widget&lt;%&gt;)</a:t>
-            </a:r>
-          </a:p>
-          <a:p>
-            <a:pPr marL="0" indent="0">
-              <a:buNone/>
-            </a:pPr>
-            <a:r>
-              <a:rPr lang="en-US" sz="2200" b="1" dirty="0">
-                <a:latin typeface="Consolas" pitchFamily="49" charset="0"/>
-                <a:cs typeface="Consolas" pitchFamily="49" charset="0"/>
-              </a:rPr>
-              <a:t>    (</a:t>
-            </a:r>
-            <a:r>
-              <a:rPr lang="en-US" sz="2200" b="1" dirty="0" err="1">
-                <a:latin typeface="Consolas" pitchFamily="49" charset="0"/>
-                <a:cs typeface="Consolas" pitchFamily="49" charset="0"/>
-              </a:rPr>
-              <a:t>init</a:t>
-            </a:r>
-            <a:r>
-              <a:rPr lang="en-US" sz="2200" b="1" dirty="0">
-                <a:latin typeface="Consolas" pitchFamily="49" charset="0"/>
-                <a:cs typeface="Consolas" pitchFamily="49" charset="0"/>
-              </a:rPr>
-              <a:t>-field x y)  ; the bomb's x and y position</a:t>
-            </a:r>
-          </a:p>
-          <a:p>
-            <a:pPr marL="0" indent="0">
-              <a:buNone/>
-            </a:pPr>
-            <a:r>
-              <a:rPr lang="en-US" sz="2200" b="1" dirty="0">
-                <a:latin typeface="Consolas" pitchFamily="49" charset="0"/>
-                <a:cs typeface="Consolas" pitchFamily="49" charset="0"/>
-              </a:rPr>
-              <a:t>    </a:t>
-            </a:r>
-          </a:p>
-          <a:p>
-            <a:pPr marL="0" indent="0">
-              <a:buNone/>
-            </a:pPr>
-            <a:r>
-              <a:rPr lang="en-US" sz="2200" b="1" dirty="0">
-                <a:latin typeface="Consolas" pitchFamily="49" charset="0"/>
-                <a:cs typeface="Consolas" pitchFamily="49" charset="0"/>
-              </a:rPr>
-              <a:t>    ;; image for displaying the bomb</a:t>
-            </a:r>
-          </a:p>
-          <a:p>
-            <a:pPr marL="0" indent="0">
-              <a:buNone/>
-            </a:pPr>
-            <a:r>
-              <a:rPr lang="en-US" sz="2200" b="1" dirty="0">
-                <a:latin typeface="Consolas" pitchFamily="49" charset="0"/>
-                <a:cs typeface="Consolas" pitchFamily="49" charset="0"/>
-              </a:rPr>
-              <a:t>    (field [BOMB-IMG (circle 10 "solid" "red")])</a:t>
-            </a:r>
-          </a:p>
-          <a:p>
-            <a:pPr marL="0" indent="0">
-              <a:buNone/>
-            </a:pPr>
-            <a:r>
-              <a:rPr lang="en-US" sz="2200" b="1" dirty="0">
-                <a:latin typeface="Consolas" pitchFamily="49" charset="0"/>
-                <a:cs typeface="Consolas" pitchFamily="49" charset="0"/>
-              </a:rPr>
-              <a:t>    ;; the bomb's speed, in pixels/tick</a:t>
-            </a:r>
-          </a:p>
-          <a:p>
-            <a:pPr marL="0" indent="0">
-              <a:buNone/>
-            </a:pPr>
-            <a:r>
-              <a:rPr lang="en-US" sz="2200" b="1" dirty="0">
-                <a:latin typeface="Consolas" pitchFamily="49" charset="0"/>
-                <a:cs typeface="Consolas" pitchFamily="49" charset="0"/>
-              </a:rPr>
-              <a:t>    (field [BOMB-SPEED 8])</a:t>
-            </a:r>
-          </a:p>
-        </p:txBody>
-      </p:sp>
-      <p:sp>
-        <p:nvSpPr>
-          <p:cNvPr id="3" name="Slide Number Placeholder 2"/>
+              <a:t>field</a:t>
+            </a:r>
+            <a:r>
+              <a:rPr lang="en-US" dirty="0"/>
+              <a:t> should have an interpretation, just as every field in a </a:t>
+            </a:r>
+            <a:r>
+              <a:rPr lang="en-US" b="1" dirty="0" err="1"/>
+              <a:t>struct</a:t>
+            </a:r>
+            <a:r>
+              <a:rPr lang="en-US" dirty="0"/>
+              <a:t> has an interpretation.</a:t>
+            </a:r>
+          </a:p>
+          <a:p>
+            <a:endParaRPr lang="en-US" dirty="0"/>
+          </a:p>
+        </p:txBody>
+      </p:sp>
+      <p:sp>
+        <p:nvSpPr>
+          <p:cNvPr id="4" name="Slide Number Placeholder 3"/>
           <p:cNvSpPr>
             <a:spLocks noGrp="1"/>
           </p:cNvSpPr>
@@ -13152,9 +14476,8 @@
           <a:bodyPr/>
           <a:lstStyle/>
           <a:p>
-            <a:fld id="{B6F15528-21DE-4FAA-801E-634DDDAF4B2B}" type="slidenum">
+            <a:fld id="{2AF3B5EA-18B6-4040-9F78-6052AF49C681}" type="slidenum">
               <a:rPr lang="en-US" smtClean="0"/>
-              <a:pPr/>
               <a:t>9</a:t>
             </a:fld>
             <a:endParaRPr lang="en-US"/>
@@ -13164,7 +14487,7 @@
     </p:spTree>
     <p:extLst>
       <p:ext uri="{BB962C8B-B14F-4D97-AF65-F5344CB8AC3E}">
-        <p14:creationId xmlns:p14="http://schemas.microsoft.com/office/powerpoint/2010/main" val="2254716004"/>
+        <p14:creationId xmlns:p14="http://schemas.microsoft.com/office/powerpoint/2010/main" val="3933718465"/>
       </p:ext>
     </p:extLst>
   </p:cSld>

--- a/Slides/Lesson 9.5 The Design Recipe Using Classes.pptx
+++ b/Slides/Lesson 9.5 The Design Recipe Using Classes.pptx
@@ -5,47 +5,42 @@
     <p:sldMasterId id="2147483661" r:id="rId1"/>
   </p:sldMasterIdLst>
   <p:notesMasterIdLst>
-    <p:notesMasterId r:id="rId35"/>
+    <p:notesMasterId r:id="rId30"/>
   </p:notesMasterIdLst>
   <p:sldIdLst>
     <p:sldId id="256" r:id="rId2"/>
-    <p:sldId id="267" r:id="rId3"/>
-    <p:sldId id="283" r:id="rId4"/>
-    <p:sldId id="319" r:id="rId5"/>
-    <p:sldId id="323" r:id="rId6"/>
-    <p:sldId id="315" r:id="rId7"/>
-    <p:sldId id="313" r:id="rId8"/>
-    <p:sldId id="316" r:id="rId9"/>
-    <p:sldId id="317" r:id="rId10"/>
-    <p:sldId id="301" r:id="rId11"/>
-    <p:sldId id="288" r:id="rId12"/>
-    <p:sldId id="328" r:id="rId13"/>
-    <p:sldId id="326" r:id="rId14"/>
-    <p:sldId id="327" r:id="rId15"/>
-    <p:sldId id="320" r:id="rId16"/>
-    <p:sldId id="329" r:id="rId17"/>
-    <p:sldId id="305" r:id="rId18"/>
-    <p:sldId id="306" r:id="rId19"/>
-    <p:sldId id="293" r:id="rId20"/>
-    <p:sldId id="330" r:id="rId21"/>
-    <p:sldId id="310" r:id="rId22"/>
-    <p:sldId id="289" r:id="rId23"/>
-    <p:sldId id="297" r:id="rId24"/>
-    <p:sldId id="291" r:id="rId25"/>
-    <p:sldId id="295" r:id="rId26"/>
-    <p:sldId id="292" r:id="rId27"/>
-    <p:sldId id="321" r:id="rId28"/>
-    <p:sldId id="294" r:id="rId29"/>
-    <p:sldId id="331" r:id="rId30"/>
-    <p:sldId id="322" r:id="rId31"/>
-    <p:sldId id="311" r:id="rId32"/>
-    <p:sldId id="272" r:id="rId33"/>
-    <p:sldId id="312" r:id="rId34"/>
+    <p:sldId id="332" r:id="rId3"/>
+    <p:sldId id="267" r:id="rId4"/>
+    <p:sldId id="283" r:id="rId5"/>
+    <p:sldId id="319" r:id="rId6"/>
+    <p:sldId id="323" r:id="rId7"/>
+    <p:sldId id="315" r:id="rId8"/>
+    <p:sldId id="313" r:id="rId9"/>
+    <p:sldId id="316" r:id="rId10"/>
+    <p:sldId id="317" r:id="rId11"/>
+    <p:sldId id="301" r:id="rId12"/>
+    <p:sldId id="288" r:id="rId13"/>
+    <p:sldId id="328" r:id="rId14"/>
+    <p:sldId id="326" r:id="rId15"/>
+    <p:sldId id="327" r:id="rId16"/>
+    <p:sldId id="320" r:id="rId17"/>
+    <p:sldId id="329" r:id="rId18"/>
+    <p:sldId id="305" r:id="rId19"/>
+    <p:sldId id="306" r:id="rId20"/>
+    <p:sldId id="293" r:id="rId21"/>
+    <p:sldId id="330" r:id="rId22"/>
+    <p:sldId id="310" r:id="rId23"/>
+    <p:sldId id="294" r:id="rId24"/>
+    <p:sldId id="331" r:id="rId25"/>
+    <p:sldId id="322" r:id="rId26"/>
+    <p:sldId id="311" r:id="rId27"/>
+    <p:sldId id="272" r:id="rId28"/>
+    <p:sldId id="312" r:id="rId29"/>
   </p:sldIdLst>
   <p:sldSz cx="9144000" cy="6858000" type="screen4x3"/>
   <p:notesSz cx="6858000" cy="9144000"/>
   <p:custDataLst>
-    <p:tags r:id="rId36"/>
+    <p:tags r:id="rId31"/>
   </p:custDataLst>
   <p:defaultTextStyle>
     <a:defPPr>
@@ -248,7 +243,7 @@
             <a:fld id="{23FDE9B3-31FB-4CEB-98C8-D7B6CFC76B62}" type="datetimeFigureOut">
               <a:rPr lang="en-US" smtClean="0"/>
               <a:pPr/>
-              <a:t>11/8/2017</a:t>
+              <a:t>11/9/2017</a:t>
             </a:fld>
             <a:endParaRPr lang="en-US"/>
           </a:p>
@@ -669,7 +664,7 @@
             <a:fld id="{3876E050-E992-427E-914D-D11B843CAC07}" type="slidenum">
               <a:rPr lang="en-US" smtClean="0"/>
               <a:pPr/>
-              <a:t>4</a:t>
+              <a:t>5</a:t>
             </a:fld>
             <a:endParaRPr lang="en-US"/>
           </a:p>
@@ -753,7 +748,7 @@
           <a:p>
             <a:fld id="{D3C86B6F-9679-C544-B86B-D18AA0460570}" type="slidenum">
               <a:rPr lang="en-US" smtClean="0"/>
-              <a:t>17</a:t>
+              <a:t>18</a:t>
             </a:fld>
             <a:endParaRPr lang="en-US"/>
           </a:p>
@@ -837,7 +832,7 @@
           <a:p>
             <a:fld id="{D3C86B6F-9679-C544-B86B-D18AA0460570}" type="slidenum">
               <a:rPr lang="en-US" smtClean="0"/>
-              <a:t>18</a:t>
+              <a:t>19</a:t>
             </a:fld>
             <a:endParaRPr lang="en-US"/>
           </a:p>
@@ -1035,7 +1030,7 @@
           <a:p>
             <a:fld id="{2F1F79F5-7BEC-496A-AFC7-876E38F64D71}" type="datetime1">
               <a:rPr lang="en-US" smtClean="0"/>
-              <a:t>11/8/2017</a:t>
+              <a:t>11/9/2017</a:t>
             </a:fld>
             <a:endParaRPr lang="en-US"/>
           </a:p>
@@ -1152,7 +1147,7 @@
           <a:p>
             <a:fld id="{2F7B77F5-1464-4F6B-92A8-64FC8A508293}" type="datetime1">
               <a:rPr lang="en-US" smtClean="0"/>
-              <a:t>11/8/2017</a:t>
+              <a:t>11/9/2017</a:t>
             </a:fld>
             <a:endParaRPr lang="en-US"/>
           </a:p>
@@ -1247,7 +1242,7 @@
           <a:p>
             <a:fld id="{0A05703A-7669-4FEA-9056-25299B4D29D4}" type="datetime1">
               <a:rPr lang="en-US" smtClean="0"/>
-              <a:t>11/8/2017</a:t>
+              <a:t>11/9/2017</a:t>
             </a:fld>
             <a:endParaRPr lang="en-US"/>
           </a:p>
@@ -1522,7 +1517,7 @@
           <a:p>
             <a:fld id="{6E5077B5-BB57-49DB-88CA-226A139E5C01}" type="datetime1">
               <a:rPr lang="en-US" smtClean="0"/>
-              <a:t>11/8/2017</a:t>
+              <a:t>11/9/2017</a:t>
             </a:fld>
             <a:endParaRPr lang="en-US"/>
           </a:p>
@@ -1774,7 +1769,7 @@
           <a:p>
             <a:fld id="{C48D9447-CBD6-49A1-89FD-8512A8CF8999}" type="datetime1">
               <a:rPr lang="en-US" smtClean="0"/>
-              <a:t>11/8/2017</a:t>
+              <a:t>11/9/2017</a:t>
             </a:fld>
             <a:endParaRPr lang="en-US"/>
           </a:p>
@@ -1942,7 +1937,7 @@
           <a:p>
             <a:fld id="{A3639A2A-823D-48B7-9ACE-7FAF42870BA9}" type="datetime1">
               <a:rPr lang="en-US" smtClean="0"/>
-              <a:t>11/8/2017</a:t>
+              <a:t>11/9/2017</a:t>
             </a:fld>
             <a:endParaRPr lang="en-US"/>
           </a:p>
@@ -2120,7 +2115,7 @@
           <a:p>
             <a:fld id="{ED1B6996-82E9-463C-972C-7B56056E426C}" type="datetime1">
               <a:rPr lang="en-US" smtClean="0"/>
-              <a:t>11/8/2017</a:t>
+              <a:t>11/9/2017</a:t>
             </a:fld>
             <a:endParaRPr lang="en-US"/>
           </a:p>
@@ -2294,7 +2289,7 @@
           <a:p>
             <a:fld id="{E22ED4DA-448D-4BB1-B935-CC112220207B}" type="datetime1">
               <a:rPr lang="en-US" smtClean="0"/>
-              <a:t>11/8/2017</a:t>
+              <a:t>11/9/2017</a:t>
             </a:fld>
             <a:endParaRPr lang="en-US"/>
           </a:p>
@@ -2467,7 +2462,7 @@
           <a:p>
             <a:fld id="{E22ED4DA-448D-4BB1-B935-CC112220207B}" type="datetime1">
               <a:rPr lang="en-US" smtClean="0"/>
-              <a:t>11/8/2017</a:t>
+              <a:t>11/9/2017</a:t>
             </a:fld>
             <a:endParaRPr lang="en-US"/>
           </a:p>
@@ -2727,7 +2722,7 @@
           <a:p>
             <a:fld id="{FF5D65A6-AB94-4435-B0B7-3743215FA46C}" type="datetime1">
               <a:rPr lang="en-US" smtClean="0"/>
-              <a:t>11/8/2017</a:t>
+              <a:t>11/9/2017</a:t>
             </a:fld>
             <a:endParaRPr lang="en-US"/>
           </a:p>
@@ -2903,7 +2898,7 @@
           <a:p>
             <a:fld id="{FF5D65A6-AB94-4435-B0B7-3743215FA46C}" type="datetime1">
               <a:rPr lang="en-US" smtClean="0"/>
-              <a:t>11/8/2017</a:t>
+              <a:t>11/9/2017</a:t>
             </a:fld>
             <a:endParaRPr lang="en-US"/>
           </a:p>
@@ -3197,7 +3192,7 @@
           <a:p>
             <a:fld id="{7C193DC4-6EF0-48C9-B29C-616106A645E1}" type="datetime1">
               <a:rPr lang="en-US" smtClean="0"/>
-              <a:t>11/8/2017</a:t>
+              <a:t>11/9/2017</a:t>
             </a:fld>
             <a:endParaRPr lang="en-US"/>
           </a:p>
@@ -3482,7 +3477,7 @@
           <a:p>
             <a:fld id="{5D1846AD-9252-4647-9435-4C2AC365653A}" type="datetime1">
               <a:rPr lang="en-US" smtClean="0"/>
-              <a:t>11/8/2017</a:t>
+              <a:t>11/9/2017</a:t>
             </a:fld>
             <a:endParaRPr lang="en-US"/>
           </a:p>
@@ -3775,7 +3770,7 @@
           <a:p>
             <a:fld id="{5D1846AD-9252-4647-9435-4C2AC365653A}" type="datetime1">
               <a:rPr lang="en-US" smtClean="0"/>
-              <a:t>11/8/2017</a:t>
+              <a:t>11/9/2017</a:t>
             </a:fld>
             <a:endParaRPr lang="en-US"/>
           </a:p>
@@ -4194,7 +4189,7 @@
           <a:p>
             <a:fld id="{CE56DC10-3561-4063-A6AF-C1CC7A41040A}" type="datetime1">
               <a:rPr lang="en-US" smtClean="0"/>
-              <a:t>11/8/2017</a:t>
+              <a:t>11/9/2017</a:t>
             </a:fld>
             <a:endParaRPr lang="en-US"/>
           </a:p>
@@ -4417,7 +4412,7 @@
           <a:p>
             <a:fld id="{02B3F677-983B-48DB-ADFD-63FE6CBC7FB2}" type="datetime1">
               <a:rPr lang="en-US" smtClean="0"/>
-              <a:t>11/8/2017</a:t>
+              <a:t>11/9/2017</a:t>
             </a:fld>
             <a:endParaRPr lang="en-US"/>
           </a:p>
@@ -5026,7 +5021,7 @@
       </p:grpSpPr>
       <p:sp>
         <p:nvSpPr>
-          <p:cNvPr id="2" name="Title 1"/>
+          <p:cNvPr id="5" name="Title 4"/>
           <p:cNvSpPr>
             <a:spLocks noGrp="1"/>
           </p:cNvSpPr>
@@ -5041,14 +5036,14 @@
           <a:p>
             <a:r>
               <a:rPr lang="en-US" dirty="0"/>
-              <a:t>Example</a:t>
-            </a:r>
-          </a:p>
-        </p:txBody>
-      </p:sp>
-      <p:sp>
-        <p:nvSpPr>
-          <p:cNvPr id="4" name="Content Placeholder 3"/>
+              <a:t>Step 2: Class Design</a:t>
+            </a:r>
+          </a:p>
+        </p:txBody>
+      </p:sp>
+      <p:sp>
+        <p:nvSpPr>
+          <p:cNvPr id="6" name="Content Placeholder 5"/>
           <p:cNvSpPr>
             <a:spLocks noGrp="1"/>
           </p:cNvSpPr>
@@ -5056,441 +5051,63 @@
             <p:ph idx="1"/>
           </p:nvPr>
         </p:nvSpPr>
-        <p:spPr>
-          <a:xfrm>
-            <a:off x="457200" y="1600200"/>
-            <a:ext cx="8686800" cy="4525963"/>
-          </a:xfrm>
-        </p:spPr>
+        <p:spPr/>
         <p:txBody>
           <a:bodyPr>
-            <a:normAutofit fontScale="40000" lnSpcReduction="20000"/>
+            <a:normAutofit fontScale="92500" lnSpcReduction="10000"/>
           </a:bodyPr>
           <a:lstStyle/>
           <a:p>
-            <a:pPr marL="0" indent="0">
-              <a:buNone/>
-            </a:pPr>
-            <a:r>
-              <a:rPr lang="en-US" sz="2200" b="1" dirty="0">
-                <a:latin typeface="Consolas" pitchFamily="49" charset="0"/>
+            <a:r>
+              <a:rPr lang="en-US" dirty="0"/>
+              <a:t>For each interface, consider the different kinds of objects that will implement this interface.  Each kind becomes a class.</a:t>
+            </a:r>
+          </a:p>
+          <a:p>
+            <a:r>
+              <a:rPr lang="en-US" dirty="0"/>
+              <a:t>For each class, include a purpose statement that says what information is represented by objects of that class.</a:t>
+            </a:r>
+          </a:p>
+          <a:p>
+            <a:r>
+              <a:rPr lang="en-US" dirty="0"/>
+              <a:t>For each class, give a constructor  template showing how to build an object of that class.</a:t>
+            </a:r>
+          </a:p>
+          <a:p>
+            <a:r>
+              <a:rPr lang="en-US" dirty="0"/>
+              <a:t>Each </a:t>
+            </a:r>
+            <a:r>
+              <a:rPr lang="en-US" dirty="0">
+                <a:latin typeface="Calibri" panose="020F0502020204030204" pitchFamily="34" charset="0"/>
                 <a:cs typeface="Consolas" pitchFamily="49" charset="0"/>
               </a:rPr>
-              <a:t>       </a:t>
-            </a:r>
-            <a:r>
-              <a:rPr lang="en-US" sz="2800" b="1" dirty="0">
-                <a:latin typeface="Consolas" pitchFamily="49" charset="0"/>
-                <a:cs typeface="Consolas" pitchFamily="49" charset="0"/>
-              </a:rPr>
-              <a:t>// Constructor template for Bomb:</a:t>
-            </a:r>
-          </a:p>
-          <a:p>
-            <a:pPr marL="0" indent="0">
-              <a:buNone/>
-            </a:pPr>
-            <a:r>
-              <a:rPr lang="en-US" sz="2800" b="1" dirty="0">
-                <a:latin typeface="Consolas" pitchFamily="49" charset="0"/>
-                <a:cs typeface="Consolas" pitchFamily="49" charset="0"/>
-              </a:rPr>
-              <a:t>      //     new Bomb(x, y)</a:t>
-            </a:r>
-          </a:p>
-          <a:p>
-            <a:pPr marL="0" indent="0">
-              <a:buNone/>
-            </a:pPr>
-            <a:r>
-              <a:rPr lang="en-US" sz="2800" b="1" dirty="0">
-                <a:latin typeface="Consolas" pitchFamily="49" charset="0"/>
-                <a:cs typeface="Consolas" pitchFamily="49" charset="0"/>
-              </a:rPr>
-              <a:t>      // Interpretation:</a:t>
-            </a:r>
-          </a:p>
-          <a:p>
-            <a:pPr marL="0" indent="0">
-              <a:buNone/>
-            </a:pPr>
-            <a:r>
-              <a:rPr lang="en-US" sz="2800" b="1" dirty="0">
-                <a:latin typeface="Consolas" pitchFamily="49" charset="0"/>
-                <a:cs typeface="Consolas" pitchFamily="49" charset="0"/>
-              </a:rPr>
-              <a:t>      //     x and y are the x and y coordinates for the center of this bomb</a:t>
-            </a:r>
-          </a:p>
-          <a:p>
-            <a:pPr marL="0" indent="0">
-              <a:buNone/>
-            </a:pPr>
-            <a:r>
-              <a:rPr lang="en-US" sz="2800" b="1" dirty="0">
-                <a:latin typeface="Consolas" pitchFamily="49" charset="0"/>
-                <a:cs typeface="Consolas" pitchFamily="49" charset="0"/>
-              </a:rPr>
-              <a:t>      </a:t>
-            </a:r>
-          </a:p>
-          <a:p>
-            <a:pPr marL="0" indent="0">
-              <a:buNone/>
-            </a:pPr>
-            <a:r>
-              <a:rPr lang="en-US" sz="2800" b="1" dirty="0">
-                <a:latin typeface="Consolas" pitchFamily="49" charset="0"/>
-                <a:cs typeface="Consolas" pitchFamily="49" charset="0"/>
-              </a:rPr>
-              <a:t>      class Bomb implements Widget {</a:t>
-            </a:r>
-          </a:p>
-          <a:p>
-            <a:pPr marL="0" indent="0">
-              <a:buNone/>
-            </a:pPr>
-            <a:r>
-              <a:rPr lang="en-US" sz="2800" b="1" dirty="0">
-                <a:latin typeface="Consolas" pitchFamily="49" charset="0"/>
-                <a:cs typeface="Consolas" pitchFamily="49" charset="0"/>
-              </a:rPr>
-              <a:t>      </a:t>
-            </a:r>
-          </a:p>
-          <a:p>
-            <a:pPr marL="0" indent="0">
-              <a:buNone/>
-            </a:pPr>
-            <a:r>
-              <a:rPr lang="en-US" sz="2800" b="1" dirty="0">
-                <a:latin typeface="Consolas" pitchFamily="49" charset="0"/>
-                <a:cs typeface="Consolas" pitchFamily="49" charset="0"/>
-              </a:rPr>
-              <a:t>          </a:t>
-            </a:r>
-            <a:r>
-              <a:rPr lang="en-US" sz="2800" b="1" dirty="0" err="1">
-                <a:latin typeface="Consolas" pitchFamily="49" charset="0"/>
-                <a:cs typeface="Consolas" pitchFamily="49" charset="0"/>
-              </a:rPr>
-              <a:t>int</a:t>
-            </a:r>
-            <a:r>
-              <a:rPr lang="en-US" sz="2800" b="1" dirty="0">
-                <a:latin typeface="Consolas" pitchFamily="49" charset="0"/>
-                <a:cs typeface="Consolas" pitchFamily="49" charset="0"/>
-              </a:rPr>
-              <a:t> x;                // x coordinate for this bomb's center</a:t>
-            </a:r>
-          </a:p>
-          <a:p>
-            <a:pPr marL="0" indent="0">
-              <a:buNone/>
-            </a:pPr>
-            <a:r>
-              <a:rPr lang="en-US" sz="2800" b="1" dirty="0">
-                <a:latin typeface="Consolas" pitchFamily="49" charset="0"/>
-                <a:cs typeface="Consolas" pitchFamily="49" charset="0"/>
-              </a:rPr>
-              <a:t>          </a:t>
-            </a:r>
-            <a:r>
-              <a:rPr lang="en-US" sz="2800" b="1" dirty="0" err="1">
-                <a:latin typeface="Consolas" pitchFamily="49" charset="0"/>
-                <a:cs typeface="Consolas" pitchFamily="49" charset="0"/>
-              </a:rPr>
-              <a:t>int</a:t>
-            </a:r>
-            <a:r>
-              <a:rPr lang="en-US" sz="2800" b="1" dirty="0">
-                <a:latin typeface="Consolas" pitchFamily="49" charset="0"/>
-                <a:cs typeface="Consolas" pitchFamily="49" charset="0"/>
-              </a:rPr>
-              <a:t> y;                // y coordinate for this bomb's center</a:t>
-            </a:r>
-          </a:p>
-          <a:p>
-            <a:pPr marL="0" indent="0">
-              <a:buNone/>
-            </a:pPr>
-            <a:r>
-              <a:rPr lang="en-US" sz="2800" b="1" dirty="0">
-                <a:latin typeface="Consolas" pitchFamily="49" charset="0"/>
-                <a:cs typeface="Consolas" pitchFamily="49" charset="0"/>
-              </a:rPr>
-              <a:t>      </a:t>
-            </a:r>
-          </a:p>
-          <a:p>
-            <a:pPr marL="0" indent="0">
-              <a:buNone/>
-            </a:pPr>
-            <a:r>
-              <a:rPr lang="en-US" sz="2800" b="1" dirty="0">
-                <a:latin typeface="Consolas" pitchFamily="49" charset="0"/>
-                <a:cs typeface="Consolas" pitchFamily="49" charset="0"/>
-              </a:rPr>
-              <a:t>          // image for displaying the bomb</a:t>
-            </a:r>
-          </a:p>
-          <a:p>
-            <a:pPr marL="0" indent="0">
-              <a:buNone/>
-            </a:pPr>
-            <a:r>
-              <a:rPr lang="en-US" sz="2800" b="1" dirty="0">
-                <a:latin typeface="Consolas" pitchFamily="49" charset="0"/>
-                <a:cs typeface="Consolas" pitchFamily="49" charset="0"/>
-              </a:rPr>
-              <a:t>          // (declared static to avoid creating a separate image</a:t>
-            </a:r>
-          </a:p>
-          <a:p>
-            <a:pPr marL="0" indent="0">
-              <a:buNone/>
-            </a:pPr>
-            <a:r>
-              <a:rPr lang="en-US" sz="2800" b="1" dirty="0">
-                <a:latin typeface="Consolas" pitchFamily="49" charset="0"/>
-                <a:cs typeface="Consolas" pitchFamily="49" charset="0"/>
-              </a:rPr>
-              <a:t>          // for every bomb we create)</a:t>
-            </a:r>
-          </a:p>
-          <a:p>
-            <a:pPr marL="0" indent="0">
-              <a:buNone/>
-            </a:pPr>
-            <a:r>
-              <a:rPr lang="en-US" sz="2800" b="1" dirty="0">
-                <a:latin typeface="Consolas" pitchFamily="49" charset="0"/>
-                <a:cs typeface="Consolas" pitchFamily="49" charset="0"/>
-              </a:rPr>
-              <a:t>      </a:t>
-            </a:r>
-          </a:p>
-          <a:p>
-            <a:pPr marL="0" indent="0">
-              <a:buNone/>
-            </a:pPr>
-            <a:r>
-              <a:rPr lang="en-US" sz="2800" b="1" dirty="0">
-                <a:latin typeface="Consolas" pitchFamily="49" charset="0"/>
-                <a:cs typeface="Consolas" pitchFamily="49" charset="0"/>
-              </a:rPr>
-              <a:t>          static Image BOMB_IMG = </a:t>
-            </a:r>
-            <a:r>
-              <a:rPr lang="en-US" sz="2800" b="1" dirty="0" err="1">
-                <a:latin typeface="Consolas" pitchFamily="49" charset="0"/>
-                <a:cs typeface="Consolas" pitchFamily="49" charset="0"/>
-              </a:rPr>
-              <a:t>Image.circle</a:t>
-            </a:r>
-            <a:r>
-              <a:rPr lang="en-US" sz="2800" b="1" dirty="0">
-                <a:latin typeface="Consolas" pitchFamily="49" charset="0"/>
-                <a:cs typeface="Consolas" pitchFamily="49" charset="0"/>
-              </a:rPr>
-              <a:t> (10, "solid", "red");</a:t>
-            </a:r>
-          </a:p>
-          <a:p>
-            <a:pPr marL="0" indent="0">
-              <a:buNone/>
-            </a:pPr>
-            <a:r>
-              <a:rPr lang="en-US" sz="2800" b="1" dirty="0">
-                <a:latin typeface="Consolas" pitchFamily="49" charset="0"/>
-                <a:cs typeface="Consolas" pitchFamily="49" charset="0"/>
-              </a:rPr>
-              <a:t>      </a:t>
-            </a:r>
-          </a:p>
-          <a:p>
-            <a:pPr marL="0" indent="0">
-              <a:buNone/>
-            </a:pPr>
-            <a:r>
-              <a:rPr lang="en-US" sz="2800" b="1" dirty="0">
-                <a:latin typeface="Consolas" pitchFamily="49" charset="0"/>
-                <a:cs typeface="Consolas" pitchFamily="49" charset="0"/>
-              </a:rPr>
-              <a:t>          static </a:t>
-            </a:r>
-            <a:r>
-              <a:rPr lang="en-US" sz="2800" b="1" dirty="0" err="1">
-                <a:latin typeface="Consolas" pitchFamily="49" charset="0"/>
-                <a:cs typeface="Consolas" pitchFamily="49" charset="0"/>
-              </a:rPr>
-              <a:t>int</a:t>
-            </a:r>
-            <a:r>
-              <a:rPr lang="en-US" sz="2800" b="1" dirty="0">
-                <a:latin typeface="Consolas" pitchFamily="49" charset="0"/>
-                <a:cs typeface="Consolas" pitchFamily="49" charset="0"/>
-              </a:rPr>
-              <a:t> SPEED = 8; // the bomb's speed, in pixels/tick</a:t>
-            </a:r>
-          </a:p>
-          <a:p>
-            <a:pPr marL="0" indent="0">
-              <a:buNone/>
-            </a:pPr>
-            <a:r>
-              <a:rPr lang="en-US" sz="2800" b="1" dirty="0">
-                <a:latin typeface="Consolas" pitchFamily="49" charset="0"/>
-                <a:cs typeface="Consolas" pitchFamily="49" charset="0"/>
-              </a:rPr>
-              <a:t>      </a:t>
-            </a:r>
-          </a:p>
-          <a:p>
-            <a:pPr marL="0" indent="0">
-              <a:buNone/>
-            </a:pPr>
-            <a:r>
-              <a:rPr lang="en-US" sz="2800" b="1" dirty="0">
-                <a:latin typeface="Consolas" pitchFamily="49" charset="0"/>
-                <a:cs typeface="Consolas" pitchFamily="49" charset="0"/>
-              </a:rPr>
-              <a:t>          Bomb (</a:t>
-            </a:r>
-            <a:r>
-              <a:rPr lang="en-US" sz="2800" b="1" dirty="0" err="1">
-                <a:latin typeface="Consolas" pitchFamily="49" charset="0"/>
-                <a:cs typeface="Consolas" pitchFamily="49" charset="0"/>
-              </a:rPr>
-              <a:t>int</a:t>
-            </a:r>
-            <a:r>
-              <a:rPr lang="en-US" sz="2800" b="1" dirty="0">
-                <a:latin typeface="Consolas" pitchFamily="49" charset="0"/>
-                <a:cs typeface="Consolas" pitchFamily="49" charset="0"/>
-              </a:rPr>
-              <a:t> x, </a:t>
-            </a:r>
-            <a:r>
-              <a:rPr lang="en-US" sz="2800" b="1" dirty="0" err="1">
-                <a:latin typeface="Consolas" pitchFamily="49" charset="0"/>
-                <a:cs typeface="Consolas" pitchFamily="49" charset="0"/>
-              </a:rPr>
-              <a:t>int</a:t>
-            </a:r>
-            <a:r>
-              <a:rPr lang="en-US" sz="2800" b="1" dirty="0">
-                <a:latin typeface="Consolas" pitchFamily="49" charset="0"/>
-                <a:cs typeface="Consolas" pitchFamily="49" charset="0"/>
-              </a:rPr>
-              <a:t> y) {</a:t>
-            </a:r>
-          </a:p>
-          <a:p>
-            <a:pPr marL="0" indent="0">
-              <a:buNone/>
-            </a:pPr>
-            <a:r>
-              <a:rPr lang="en-US" sz="2800" b="1" dirty="0">
-                <a:latin typeface="Consolas" pitchFamily="49" charset="0"/>
-                <a:cs typeface="Consolas" pitchFamily="49" charset="0"/>
-              </a:rPr>
-              <a:t>              </a:t>
-            </a:r>
-            <a:r>
-              <a:rPr lang="en-US" sz="2800" b="1" dirty="0" err="1">
-                <a:latin typeface="Consolas" pitchFamily="49" charset="0"/>
-                <a:cs typeface="Consolas" pitchFamily="49" charset="0"/>
-              </a:rPr>
-              <a:t>this.x</a:t>
-            </a:r>
-            <a:r>
-              <a:rPr lang="en-US" sz="2800" b="1" dirty="0">
-                <a:latin typeface="Consolas" pitchFamily="49" charset="0"/>
-                <a:cs typeface="Consolas" pitchFamily="49" charset="0"/>
-              </a:rPr>
-              <a:t> = x;</a:t>
-            </a:r>
-          </a:p>
-          <a:p>
-            <a:pPr marL="0" indent="0">
-              <a:buNone/>
-            </a:pPr>
-            <a:r>
-              <a:rPr lang="en-US" sz="2800" b="1" dirty="0">
-                <a:latin typeface="Consolas" pitchFamily="49" charset="0"/>
-                <a:cs typeface="Consolas" pitchFamily="49" charset="0"/>
-              </a:rPr>
-              <a:t>              </a:t>
-            </a:r>
-            <a:r>
-              <a:rPr lang="en-US" sz="2800" b="1" dirty="0" err="1">
-                <a:latin typeface="Consolas" pitchFamily="49" charset="0"/>
-                <a:cs typeface="Consolas" pitchFamily="49" charset="0"/>
-              </a:rPr>
-              <a:t>this.y</a:t>
-            </a:r>
-            <a:r>
-              <a:rPr lang="en-US" sz="2800" b="1" dirty="0">
-                <a:latin typeface="Consolas" pitchFamily="49" charset="0"/>
-                <a:cs typeface="Consolas" pitchFamily="49" charset="0"/>
-              </a:rPr>
-              <a:t> = y;</a:t>
-            </a:r>
-          </a:p>
-          <a:p>
-            <a:pPr marL="0" indent="0">
-              <a:buNone/>
-            </a:pPr>
-            <a:r>
-              <a:rPr lang="en-US" sz="2800" b="1" dirty="0">
-                <a:latin typeface="Consolas" pitchFamily="49" charset="0"/>
-                <a:cs typeface="Consolas" pitchFamily="49" charset="0"/>
-              </a:rPr>
-              <a:t>          }</a:t>
-            </a:r>
-          </a:p>
-          <a:p>
-            <a:pPr marL="0" indent="0">
-              <a:buNone/>
-            </a:pPr>
-            <a:r>
-              <a:rPr lang="en-US" sz="2800" b="1" dirty="0">
-                <a:latin typeface="Consolas" pitchFamily="49" charset="0"/>
-                <a:cs typeface="Consolas" pitchFamily="49" charset="0"/>
-              </a:rPr>
-              <a:t>      </a:t>
-            </a:r>
-          </a:p>
-          <a:p>
-            <a:pPr marL="0" indent="0">
-              <a:buNone/>
-            </a:pPr>
-            <a:r>
-              <a:rPr lang="en-US" sz="2800" b="1" dirty="0">
-                <a:latin typeface="Consolas" pitchFamily="49" charset="0"/>
-                <a:cs typeface="Consolas" pitchFamily="49" charset="0"/>
-              </a:rPr>
-              <a:t>          ...</a:t>
-            </a:r>
-          </a:p>
-          <a:p>
-            <a:pPr marL="0" indent="0">
-              <a:buNone/>
-            </a:pPr>
-            <a:r>
-              <a:rPr lang="en-US" sz="2800" b="1" dirty="0">
-                <a:latin typeface="Consolas" pitchFamily="49" charset="0"/>
-                <a:cs typeface="Consolas" pitchFamily="49" charset="0"/>
-              </a:rPr>
-              <a:t>      }</a:t>
-            </a:r>
-          </a:p>
-        </p:txBody>
-      </p:sp>
-      <p:sp>
-        <p:nvSpPr>
-          <p:cNvPr id="3" name="Slide Number Placeholder 2"/>
+              <a:t>field</a:t>
+            </a:r>
+            <a:r>
+              <a:rPr lang="en-US" dirty="0"/>
+              <a:t> should have an interpretation, just as every field in a </a:t>
+            </a:r>
+            <a:r>
+              <a:rPr lang="en-US" b="1" dirty="0" err="1"/>
+              <a:t>struct</a:t>
+            </a:r>
+            <a:r>
+              <a:rPr lang="en-US" dirty="0"/>
+              <a:t> has an interpretation.</a:t>
+            </a:r>
+          </a:p>
+          <a:p>
+            <a:endParaRPr lang="en-US" dirty="0"/>
+          </a:p>
+        </p:txBody>
+      </p:sp>
+      <p:sp>
+        <p:nvSpPr>
+          <p:cNvPr id="4" name="Slide Number Placeholder 3"/>
           <p:cNvSpPr>
             <a:spLocks noGrp="1"/>
           </p:cNvSpPr>
@@ -5503,9 +5120,8 @@
           <a:bodyPr/>
           <a:lstStyle/>
           <a:p>
-            <a:fld id="{B6F15528-21DE-4FAA-801E-634DDDAF4B2B}" type="slidenum">
+            <a:fld id="{2AF3B5EA-18B6-4040-9F78-6052AF49C681}" type="slidenum">
               <a:rPr lang="en-US" smtClean="0"/>
-              <a:pPr/>
               <a:t>10</a:t>
             </a:fld>
             <a:endParaRPr lang="en-US"/>
@@ -5515,7 +5131,7 @@
     </p:spTree>
     <p:extLst>
       <p:ext uri="{BB962C8B-B14F-4D97-AF65-F5344CB8AC3E}">
-        <p14:creationId xmlns:p14="http://schemas.microsoft.com/office/powerpoint/2010/main" val="2254716004"/>
+        <p14:creationId xmlns:p14="http://schemas.microsoft.com/office/powerpoint/2010/main" val="3933718465"/>
       </p:ext>
     </p:extLst>
   </p:cSld>
@@ -5554,105 +5170,461 @@
         </p:nvSpPr>
         <p:spPr/>
         <p:txBody>
+          <a:bodyPr/>
+          <a:lstStyle/>
+          <a:p>
+            <a:r>
+              <a:rPr lang="en-US" dirty="0"/>
+              <a:t>Example</a:t>
+            </a:r>
+          </a:p>
+        </p:txBody>
+      </p:sp>
+      <p:sp>
+        <p:nvSpPr>
+          <p:cNvPr id="4" name="Content Placeholder 3"/>
+          <p:cNvSpPr>
+            <a:spLocks noGrp="1"/>
+          </p:cNvSpPr>
+          <p:nvPr>
+            <p:ph idx="1"/>
+          </p:nvPr>
+        </p:nvSpPr>
+        <p:spPr>
+          <a:xfrm>
+            <a:off x="457200" y="1600200"/>
+            <a:ext cx="8686800" cy="4525963"/>
+          </a:xfrm>
+        </p:spPr>
+        <p:txBody>
           <a:bodyPr>
-            <a:normAutofit fontScale="90000"/>
+            <a:normAutofit fontScale="40000" lnSpcReduction="20000"/>
           </a:bodyPr>
           <a:lstStyle/>
           <a:p>
-            <a:r>
-              <a:rPr lang="en-US" dirty="0"/>
-              <a:t>What happened to the Observer Template?</a:t>
-            </a:r>
-          </a:p>
-        </p:txBody>
-      </p:sp>
-      <p:sp>
-        <p:nvSpPr>
-          <p:cNvPr id="3" name="Content Placeholder 2"/>
-          <p:cNvSpPr>
-            <a:spLocks noGrp="1"/>
-          </p:cNvSpPr>
-          <p:nvPr>
-            <p:ph idx="1"/>
-          </p:nvPr>
-        </p:nvSpPr>
-        <p:spPr/>
-        <p:txBody>
-          <a:bodyPr>
-            <a:normAutofit fontScale="92500" lnSpcReduction="10000"/>
-          </a:bodyPr>
-          <a:lstStyle/>
-          <a:p>
-            <a:r>
-              <a:rPr lang="en-US" dirty="0"/>
-              <a:t>An interface is implicitly itemization data</a:t>
-            </a:r>
-          </a:p>
-          <a:p>
-            <a:r>
-              <a:rPr lang="en-US" dirty="0"/>
-              <a:t>Each class that implements the interface is like an alternative of the itemization data.</a:t>
-            </a:r>
-          </a:p>
-          <a:p>
-            <a:r>
-              <a:rPr lang="en-US" dirty="0"/>
-              <a:t>The object system does all the </a:t>
-            </a:r>
-            <a:r>
-              <a:rPr lang="en-US" b="1" dirty="0" err="1"/>
-              <a:t>cond</a:t>
-            </a:r>
-            <a:r>
-              <a:rPr lang="en-US" dirty="0" err="1"/>
-              <a:t>'s</a:t>
-            </a:r>
-            <a:r>
-              <a:rPr lang="en-US" dirty="0"/>
-              <a:t> for you.</a:t>
-            </a:r>
-          </a:p>
-          <a:p>
-            <a:r>
-              <a:rPr lang="en-US" dirty="0"/>
-              <a:t>All that's left for you to do is to write the right-hand side of each </a:t>
-            </a:r>
-            <a:r>
-              <a:rPr lang="en-US" b="1" dirty="0" err="1"/>
-              <a:t>cond</a:t>
-            </a:r>
-            <a:r>
-              <a:rPr lang="en-US" dirty="0"/>
-              <a:t>-line.</a:t>
-            </a:r>
-          </a:p>
-          <a:p>
-            <a:pPr lvl="1"/>
-            <a:r>
-              <a:rPr lang="en-US" dirty="0"/>
-              <a:t>When referring to the fields of </a:t>
-            </a:r>
-            <a:r>
-              <a:rPr lang="en-US" b="1" dirty="0"/>
-              <a:t>this</a:t>
-            </a:r>
-            <a:r>
-              <a:rPr lang="en-US" dirty="0"/>
-              <a:t> object, you can use fields instead of selectors.</a:t>
-            </a:r>
-          </a:p>
-          <a:p>
-            <a:pPr lvl="1"/>
-            <a:r>
-              <a:rPr lang="en-US" dirty="0"/>
-              <a:t>So there's no need for a separate  observer template. (Yay!)  </a:t>
-            </a:r>
-          </a:p>
-        </p:txBody>
-      </p:sp>
-      <p:sp>
-        <p:nvSpPr>
-          <p:cNvPr id="4" name="Slide Number Placeholder 3"/>
+            <a:pPr marL="0" indent="0">
+              <a:buNone/>
+            </a:pPr>
+            <a:r>
+              <a:rPr lang="en-US" sz="2200" b="1" dirty="0">
+                <a:latin typeface="Consolas" pitchFamily="49" charset="0"/>
+                <a:cs typeface="Consolas" pitchFamily="49" charset="0"/>
+              </a:rPr>
+              <a:t>       </a:t>
+            </a:r>
+            <a:r>
+              <a:rPr lang="en-US" sz="2800" b="1" dirty="0">
+                <a:latin typeface="Consolas" pitchFamily="49" charset="0"/>
+                <a:cs typeface="Consolas" pitchFamily="49" charset="0"/>
+              </a:rPr>
+              <a:t>// Constructor template for Bomb:</a:t>
+            </a:r>
+          </a:p>
+          <a:p>
+            <a:pPr marL="0" indent="0">
+              <a:buNone/>
+            </a:pPr>
+            <a:r>
+              <a:rPr lang="en-US" sz="2800" b="1" dirty="0">
+                <a:latin typeface="Consolas" pitchFamily="49" charset="0"/>
+                <a:cs typeface="Consolas" pitchFamily="49" charset="0"/>
+              </a:rPr>
+              <a:t>      //     new Bomb(x, y)</a:t>
+            </a:r>
+          </a:p>
+          <a:p>
+            <a:pPr marL="0" indent="0">
+              <a:buNone/>
+            </a:pPr>
+            <a:r>
+              <a:rPr lang="en-US" sz="2800" b="1" dirty="0">
+                <a:latin typeface="Consolas" pitchFamily="49" charset="0"/>
+                <a:cs typeface="Consolas" pitchFamily="49" charset="0"/>
+              </a:rPr>
+              <a:t>      // Interpretation:</a:t>
+            </a:r>
+          </a:p>
+          <a:p>
+            <a:pPr marL="0" indent="0">
+              <a:buNone/>
+            </a:pPr>
+            <a:r>
+              <a:rPr lang="en-US" sz="2800" b="1" dirty="0">
+                <a:latin typeface="Consolas" pitchFamily="49" charset="0"/>
+                <a:cs typeface="Consolas" pitchFamily="49" charset="0"/>
+              </a:rPr>
+              <a:t>      //     x and y are the x and y coordinates for the center of this bomb</a:t>
+            </a:r>
+          </a:p>
+          <a:p>
+            <a:pPr marL="0" indent="0">
+              <a:buNone/>
+            </a:pPr>
+            <a:r>
+              <a:rPr lang="en-US" sz="2800" b="1" dirty="0">
+                <a:latin typeface="Consolas" pitchFamily="49" charset="0"/>
+                <a:cs typeface="Consolas" pitchFamily="49" charset="0"/>
+              </a:rPr>
+              <a:t>      </a:t>
+            </a:r>
+          </a:p>
+          <a:p>
+            <a:pPr marL="0" indent="0">
+              <a:buNone/>
+            </a:pPr>
+            <a:r>
+              <a:rPr lang="en-US" sz="2800" b="1" dirty="0">
+                <a:latin typeface="Consolas" pitchFamily="49" charset="0"/>
+                <a:cs typeface="Consolas" pitchFamily="49" charset="0"/>
+              </a:rPr>
+              <a:t>      class Bomb implements Widget {</a:t>
+            </a:r>
+          </a:p>
+          <a:p>
+            <a:pPr marL="0" indent="0">
+              <a:buNone/>
+            </a:pPr>
+            <a:r>
+              <a:rPr lang="en-US" sz="2800" b="1" dirty="0">
+                <a:latin typeface="Consolas" pitchFamily="49" charset="0"/>
+                <a:cs typeface="Consolas" pitchFamily="49" charset="0"/>
+              </a:rPr>
+              <a:t>      </a:t>
+            </a:r>
+          </a:p>
+          <a:p>
+            <a:pPr marL="0" indent="0">
+              <a:buNone/>
+            </a:pPr>
+            <a:r>
+              <a:rPr lang="en-US" sz="2800" b="1" dirty="0">
+                <a:latin typeface="Consolas" pitchFamily="49" charset="0"/>
+                <a:cs typeface="Consolas" pitchFamily="49" charset="0"/>
+              </a:rPr>
+              <a:t>          </a:t>
+            </a:r>
+            <a:r>
+              <a:rPr lang="en-US" sz="2800" b="1" dirty="0" err="1">
+                <a:latin typeface="Consolas" pitchFamily="49" charset="0"/>
+                <a:cs typeface="Consolas" pitchFamily="49" charset="0"/>
+              </a:rPr>
+              <a:t>int</a:t>
+            </a:r>
+            <a:r>
+              <a:rPr lang="en-US" sz="2800" b="1" dirty="0">
+                <a:latin typeface="Consolas" pitchFamily="49" charset="0"/>
+                <a:cs typeface="Consolas" pitchFamily="49" charset="0"/>
+              </a:rPr>
+              <a:t> x;                // x coordinate for this bomb's center</a:t>
+            </a:r>
+          </a:p>
+          <a:p>
+            <a:pPr marL="0" indent="0">
+              <a:buNone/>
+            </a:pPr>
+            <a:r>
+              <a:rPr lang="en-US" sz="2800" b="1" dirty="0">
+                <a:latin typeface="Consolas" pitchFamily="49" charset="0"/>
+                <a:cs typeface="Consolas" pitchFamily="49" charset="0"/>
+              </a:rPr>
+              <a:t>          </a:t>
+            </a:r>
+            <a:r>
+              <a:rPr lang="en-US" sz="2800" b="1" dirty="0" err="1">
+                <a:latin typeface="Consolas" pitchFamily="49" charset="0"/>
+                <a:cs typeface="Consolas" pitchFamily="49" charset="0"/>
+              </a:rPr>
+              <a:t>int</a:t>
+            </a:r>
+            <a:r>
+              <a:rPr lang="en-US" sz="2800" b="1" dirty="0">
+                <a:latin typeface="Consolas" pitchFamily="49" charset="0"/>
+                <a:cs typeface="Consolas" pitchFamily="49" charset="0"/>
+              </a:rPr>
+              <a:t> y;                // y coordinate for this bomb's center</a:t>
+            </a:r>
+          </a:p>
+          <a:p>
+            <a:pPr marL="0" indent="0">
+              <a:buNone/>
+            </a:pPr>
+            <a:r>
+              <a:rPr lang="en-US" sz="2800" b="1" dirty="0">
+                <a:latin typeface="Consolas" pitchFamily="49" charset="0"/>
+                <a:cs typeface="Consolas" pitchFamily="49" charset="0"/>
+              </a:rPr>
+              <a:t>      </a:t>
+            </a:r>
+          </a:p>
+          <a:p>
+            <a:pPr marL="0" indent="0">
+              <a:buNone/>
+            </a:pPr>
+            <a:r>
+              <a:rPr lang="en-US" sz="2800" b="1" dirty="0">
+                <a:latin typeface="Consolas" pitchFamily="49" charset="0"/>
+                <a:cs typeface="Consolas" pitchFamily="49" charset="0"/>
+              </a:rPr>
+              <a:t>          // image for displaying the bomb</a:t>
+            </a:r>
+          </a:p>
+          <a:p>
+            <a:pPr marL="0" indent="0">
+              <a:buNone/>
+            </a:pPr>
+            <a:r>
+              <a:rPr lang="en-US" sz="2800" b="1" dirty="0">
+                <a:latin typeface="Consolas" pitchFamily="49" charset="0"/>
+                <a:cs typeface="Consolas" pitchFamily="49" charset="0"/>
+              </a:rPr>
+              <a:t>          // (declared static to avoid creating a separate image</a:t>
+            </a:r>
+          </a:p>
+          <a:p>
+            <a:pPr marL="0" indent="0">
+              <a:buNone/>
+            </a:pPr>
+            <a:r>
+              <a:rPr lang="en-US" sz="2800" b="1" dirty="0">
+                <a:latin typeface="Consolas" pitchFamily="49" charset="0"/>
+                <a:cs typeface="Consolas" pitchFamily="49" charset="0"/>
+              </a:rPr>
+              <a:t>          // for every bomb we create)</a:t>
+            </a:r>
+          </a:p>
+          <a:p>
+            <a:pPr marL="0" indent="0">
+              <a:buNone/>
+            </a:pPr>
+            <a:r>
+              <a:rPr lang="en-US" sz="2800" b="1" dirty="0">
+                <a:latin typeface="Consolas" pitchFamily="49" charset="0"/>
+                <a:cs typeface="Consolas" pitchFamily="49" charset="0"/>
+              </a:rPr>
+              <a:t>      </a:t>
+            </a:r>
+          </a:p>
+          <a:p>
+            <a:pPr marL="0" indent="0">
+              <a:buNone/>
+            </a:pPr>
+            <a:r>
+              <a:rPr lang="en-US" sz="2800" b="1" dirty="0">
+                <a:latin typeface="Consolas" pitchFamily="49" charset="0"/>
+                <a:cs typeface="Consolas" pitchFamily="49" charset="0"/>
+              </a:rPr>
+              <a:t>          static Image BOMB_IMG = </a:t>
+            </a:r>
+            <a:r>
+              <a:rPr lang="en-US" sz="2800" b="1" dirty="0" err="1">
+                <a:latin typeface="Consolas" pitchFamily="49" charset="0"/>
+                <a:cs typeface="Consolas" pitchFamily="49" charset="0"/>
+              </a:rPr>
+              <a:t>Image.circle</a:t>
+            </a:r>
+            <a:r>
+              <a:rPr lang="en-US" sz="2800" b="1" dirty="0">
+                <a:latin typeface="Consolas" pitchFamily="49" charset="0"/>
+                <a:cs typeface="Consolas" pitchFamily="49" charset="0"/>
+              </a:rPr>
+              <a:t> (10, "solid", "red");</a:t>
+            </a:r>
+          </a:p>
+          <a:p>
+            <a:pPr marL="0" indent="0">
+              <a:buNone/>
+            </a:pPr>
+            <a:r>
+              <a:rPr lang="en-US" sz="2800" b="1" dirty="0">
+                <a:latin typeface="Consolas" pitchFamily="49" charset="0"/>
+                <a:cs typeface="Consolas" pitchFamily="49" charset="0"/>
+              </a:rPr>
+              <a:t>      </a:t>
+            </a:r>
+          </a:p>
+          <a:p>
+            <a:pPr marL="0" indent="0">
+              <a:buNone/>
+            </a:pPr>
+            <a:r>
+              <a:rPr lang="en-US" sz="2800" b="1" dirty="0">
+                <a:latin typeface="Consolas" pitchFamily="49" charset="0"/>
+                <a:cs typeface="Consolas" pitchFamily="49" charset="0"/>
+              </a:rPr>
+              <a:t>          static </a:t>
+            </a:r>
+            <a:r>
+              <a:rPr lang="en-US" sz="2800" b="1" dirty="0" err="1">
+                <a:latin typeface="Consolas" pitchFamily="49" charset="0"/>
+                <a:cs typeface="Consolas" pitchFamily="49" charset="0"/>
+              </a:rPr>
+              <a:t>int</a:t>
+            </a:r>
+            <a:r>
+              <a:rPr lang="en-US" sz="2800" b="1" dirty="0">
+                <a:latin typeface="Consolas" pitchFamily="49" charset="0"/>
+                <a:cs typeface="Consolas" pitchFamily="49" charset="0"/>
+              </a:rPr>
+              <a:t> SPEED = 8; // the bomb's speed, in pixels/tick</a:t>
+            </a:r>
+          </a:p>
+          <a:p>
+            <a:pPr marL="0" indent="0">
+              <a:buNone/>
+            </a:pPr>
+            <a:r>
+              <a:rPr lang="en-US" sz="2800" b="1" dirty="0">
+                <a:latin typeface="Consolas" pitchFamily="49" charset="0"/>
+                <a:cs typeface="Consolas" pitchFamily="49" charset="0"/>
+              </a:rPr>
+              <a:t>      </a:t>
+            </a:r>
+          </a:p>
+          <a:p>
+            <a:pPr marL="0" indent="0">
+              <a:buNone/>
+            </a:pPr>
+            <a:r>
+              <a:rPr lang="en-US" sz="2800" b="1" dirty="0">
+                <a:latin typeface="Consolas" pitchFamily="49" charset="0"/>
+                <a:cs typeface="Consolas" pitchFamily="49" charset="0"/>
+              </a:rPr>
+              <a:t>          Bomb (</a:t>
+            </a:r>
+            <a:r>
+              <a:rPr lang="en-US" sz="2800" b="1" dirty="0" err="1">
+                <a:latin typeface="Consolas" pitchFamily="49" charset="0"/>
+                <a:cs typeface="Consolas" pitchFamily="49" charset="0"/>
+              </a:rPr>
+              <a:t>int</a:t>
+            </a:r>
+            <a:r>
+              <a:rPr lang="en-US" sz="2800" b="1" dirty="0">
+                <a:latin typeface="Consolas" pitchFamily="49" charset="0"/>
+                <a:cs typeface="Consolas" pitchFamily="49" charset="0"/>
+              </a:rPr>
+              <a:t> x, </a:t>
+            </a:r>
+            <a:r>
+              <a:rPr lang="en-US" sz="2800" b="1" dirty="0" err="1">
+                <a:latin typeface="Consolas" pitchFamily="49" charset="0"/>
+                <a:cs typeface="Consolas" pitchFamily="49" charset="0"/>
+              </a:rPr>
+              <a:t>int</a:t>
+            </a:r>
+            <a:r>
+              <a:rPr lang="en-US" sz="2800" b="1" dirty="0">
+                <a:latin typeface="Consolas" pitchFamily="49" charset="0"/>
+                <a:cs typeface="Consolas" pitchFamily="49" charset="0"/>
+              </a:rPr>
+              <a:t> y) {</a:t>
+            </a:r>
+          </a:p>
+          <a:p>
+            <a:pPr marL="0" indent="0">
+              <a:buNone/>
+            </a:pPr>
+            <a:r>
+              <a:rPr lang="en-US" sz="2800" b="1" dirty="0">
+                <a:latin typeface="Consolas" pitchFamily="49" charset="0"/>
+                <a:cs typeface="Consolas" pitchFamily="49" charset="0"/>
+              </a:rPr>
+              <a:t>              </a:t>
+            </a:r>
+            <a:r>
+              <a:rPr lang="en-US" sz="2800" b="1" dirty="0" err="1">
+                <a:latin typeface="Consolas" pitchFamily="49" charset="0"/>
+                <a:cs typeface="Consolas" pitchFamily="49" charset="0"/>
+              </a:rPr>
+              <a:t>this.x</a:t>
+            </a:r>
+            <a:r>
+              <a:rPr lang="en-US" sz="2800" b="1" dirty="0">
+                <a:latin typeface="Consolas" pitchFamily="49" charset="0"/>
+                <a:cs typeface="Consolas" pitchFamily="49" charset="0"/>
+              </a:rPr>
+              <a:t> = x;</a:t>
+            </a:r>
+          </a:p>
+          <a:p>
+            <a:pPr marL="0" indent="0">
+              <a:buNone/>
+            </a:pPr>
+            <a:r>
+              <a:rPr lang="en-US" sz="2800" b="1" dirty="0">
+                <a:latin typeface="Consolas" pitchFamily="49" charset="0"/>
+                <a:cs typeface="Consolas" pitchFamily="49" charset="0"/>
+              </a:rPr>
+              <a:t>              </a:t>
+            </a:r>
+            <a:r>
+              <a:rPr lang="en-US" sz="2800" b="1" dirty="0" err="1">
+                <a:latin typeface="Consolas" pitchFamily="49" charset="0"/>
+                <a:cs typeface="Consolas" pitchFamily="49" charset="0"/>
+              </a:rPr>
+              <a:t>this.y</a:t>
+            </a:r>
+            <a:r>
+              <a:rPr lang="en-US" sz="2800" b="1" dirty="0">
+                <a:latin typeface="Consolas" pitchFamily="49" charset="0"/>
+                <a:cs typeface="Consolas" pitchFamily="49" charset="0"/>
+              </a:rPr>
+              <a:t> = y;</a:t>
+            </a:r>
+          </a:p>
+          <a:p>
+            <a:pPr marL="0" indent="0">
+              <a:buNone/>
+            </a:pPr>
+            <a:r>
+              <a:rPr lang="en-US" sz="2800" b="1" dirty="0">
+                <a:latin typeface="Consolas" pitchFamily="49" charset="0"/>
+                <a:cs typeface="Consolas" pitchFamily="49" charset="0"/>
+              </a:rPr>
+              <a:t>          }</a:t>
+            </a:r>
+          </a:p>
+          <a:p>
+            <a:pPr marL="0" indent="0">
+              <a:buNone/>
+            </a:pPr>
+            <a:r>
+              <a:rPr lang="en-US" sz="2800" b="1" dirty="0">
+                <a:latin typeface="Consolas" pitchFamily="49" charset="0"/>
+                <a:cs typeface="Consolas" pitchFamily="49" charset="0"/>
+              </a:rPr>
+              <a:t>      </a:t>
+            </a:r>
+          </a:p>
+          <a:p>
+            <a:pPr marL="0" indent="0">
+              <a:buNone/>
+            </a:pPr>
+            <a:r>
+              <a:rPr lang="en-US" sz="2800" b="1" dirty="0">
+                <a:latin typeface="Consolas" pitchFamily="49" charset="0"/>
+                <a:cs typeface="Consolas" pitchFamily="49" charset="0"/>
+              </a:rPr>
+              <a:t>          ...</a:t>
+            </a:r>
+          </a:p>
+          <a:p>
+            <a:pPr marL="0" indent="0">
+              <a:buNone/>
+            </a:pPr>
+            <a:r>
+              <a:rPr lang="en-US" sz="2800" b="1" dirty="0">
+                <a:latin typeface="Consolas" pitchFamily="49" charset="0"/>
+                <a:cs typeface="Consolas" pitchFamily="49" charset="0"/>
+              </a:rPr>
+              <a:t>      }</a:t>
+            </a:r>
+          </a:p>
+        </p:txBody>
+      </p:sp>
+      <p:sp>
+        <p:nvSpPr>
+          <p:cNvPr id="3" name="Slide Number Placeholder 2"/>
           <p:cNvSpPr>
             <a:spLocks noGrp="1"/>
           </p:cNvSpPr>
@@ -5675,6 +5647,11 @@
         </p:txBody>
       </p:sp>
     </p:spTree>
+    <p:extLst>
+      <p:ext uri="{BB962C8B-B14F-4D97-AF65-F5344CB8AC3E}">
+        <p14:creationId xmlns:p14="http://schemas.microsoft.com/office/powerpoint/2010/main" val="2254716004"/>
+      </p:ext>
+    </p:extLst>
   </p:cSld>
   <p:clrMapOvr>
     <a:masterClrMapping/>
@@ -5701,13 +5678,7 @@
       </p:grpSpPr>
       <p:sp>
         <p:nvSpPr>
-          <p:cNvPr id="2" name="Title 1">
-            <a:extLst>
-              <a:ext uri="{FF2B5EF4-FFF2-40B4-BE49-F238E27FC236}">
-                <a16:creationId xmlns:a16="http://schemas.microsoft.com/office/drawing/2014/main" id="{6FB6FA3F-8630-4A07-8984-5CDDEE9089BF}"/>
-              </a:ext>
-            </a:extLst>
-          </p:cNvPr>
+          <p:cNvPr id="2" name="Title 1"/>
           <p:cNvSpPr>
             <a:spLocks noGrp="1"/>
           </p:cNvSpPr>
@@ -5717,25 +5688,21 @@
         </p:nvSpPr>
         <p:spPr/>
         <p:txBody>
-          <a:bodyPr/>
-          <a:lstStyle/>
-          <a:p>
-            <a:r>
-              <a:rPr lang="en-US" dirty="0"/>
-              <a:t>Coding Standards, Part 1</a:t>
-            </a:r>
-          </a:p>
-        </p:txBody>
-      </p:sp>
-      <p:sp>
-        <p:nvSpPr>
-          <p:cNvPr id="3" name="Content Placeholder 2">
-            <a:extLst>
-              <a:ext uri="{FF2B5EF4-FFF2-40B4-BE49-F238E27FC236}">
-                <a16:creationId xmlns:a16="http://schemas.microsoft.com/office/drawing/2014/main" id="{876E1BCC-FCF3-442C-AA30-298925367D4F}"/>
-              </a:ext>
-            </a:extLst>
-          </p:cNvPr>
+          <a:bodyPr>
+            <a:normAutofit fontScale="90000"/>
+          </a:bodyPr>
+          <a:lstStyle/>
+          <a:p>
+            <a:r>
+              <a:rPr lang="en-US" dirty="0"/>
+              <a:t>What happened to the Observer Template?</a:t>
+            </a:r>
+          </a:p>
+        </p:txBody>
+      </p:sp>
+      <p:sp>
+        <p:nvSpPr>
+          <p:cNvPr id="3" name="Content Placeholder 2"/>
           <p:cNvSpPr>
             <a:spLocks noGrp="1"/>
           </p:cNvSpPr>
@@ -5746,148 +5713,80 @@
         <p:spPr/>
         <p:txBody>
           <a:bodyPr>
-            <a:normAutofit fontScale="62500" lnSpcReduction="20000"/>
+            <a:normAutofit fontScale="92500" lnSpcReduction="10000"/>
           </a:bodyPr>
           <a:lstStyle/>
           <a:p>
             <a:r>
               <a:rPr lang="en-US" dirty="0"/>
-              <a:t>A public method is a method whose definition begins with </a:t>
+              <a:t>An interface is implicitly itemization data</a:t>
+            </a:r>
+          </a:p>
+          <a:p>
+            <a:r>
+              <a:rPr lang="en-US" dirty="0"/>
+              <a:t>Each class that implements the interface is like an alternative of the itemization data.</a:t>
+            </a:r>
+          </a:p>
+          <a:p>
+            <a:r>
+              <a:rPr lang="en-US" dirty="0"/>
+              <a:t>The object system does all the </a:t>
+            </a:r>
+            <a:r>
+              <a:rPr lang="en-US" b="1" dirty="0" err="1"/>
+              <a:t>cond</a:t>
+            </a:r>
+            <a:r>
+              <a:rPr lang="en-US" dirty="0" err="1"/>
+              <a:t>'s</a:t>
+            </a:r>
+            <a:r>
+              <a:rPr lang="en-US" dirty="0"/>
+              <a:t> for you.</a:t>
+            </a:r>
+          </a:p>
+          <a:p>
+            <a:r>
+              <a:rPr lang="en-US" dirty="0"/>
+              <a:t>All that's left for you to do is to write the right-hand side of each </a:t>
+            </a:r>
+            <a:r>
+              <a:rPr lang="en-US" b="1" dirty="0" err="1"/>
+              <a:t>cond</a:t>
+            </a:r>
+            <a:r>
+              <a:rPr lang="en-US" dirty="0"/>
+              <a:t>-line.</a:t>
+            </a:r>
+          </a:p>
+          <a:p>
+            <a:pPr lvl="1"/>
+            <a:r>
+              <a:rPr lang="en-US" dirty="0"/>
+              <a:t>When referring to the fields of </a:t>
             </a:r>
             <a:r>
               <a:rPr lang="en-US" b="1" dirty="0"/>
-              <a:t>public</a:t>
-            </a:r>
-            <a:r>
-              <a:rPr lang="en-US" dirty="0"/>
-              <a:t>.</a:t>
+              <a:t>this</a:t>
+            </a:r>
+            <a:r>
+              <a:rPr lang="en-US" dirty="0"/>
+              <a:t> object, you can use fields instead of selectors.</a:t>
             </a:r>
           </a:p>
           <a:p>
             <a:pPr lvl="1"/>
             <a:r>
               <a:rPr lang="en-US" dirty="0"/>
-              <a:t>If a method is listed in an interface, its definition must be public. (The Java compiler enforces this.)</a:t>
-            </a:r>
-          </a:p>
-          <a:p>
-            <a:pPr lvl="1"/>
-            <a:r>
-              <a:rPr lang="en-US" dirty="0"/>
-              <a:t>If a method overrides a method inherited from </a:t>
-            </a:r>
-            <a:r>
-              <a:rPr lang="en-US" b="1" dirty="0"/>
-              <a:t>Object</a:t>
-            </a:r>
-            <a:r>
-              <a:rPr lang="en-US" dirty="0"/>
-              <a:t>, its definition must be public. (The Java compiler enforces this.)</a:t>
-            </a:r>
-          </a:p>
-          <a:p>
-            <a:pPr lvl="1"/>
-            <a:r>
-              <a:rPr lang="en-US" dirty="0"/>
-              <a:t>A static method (such as </a:t>
-            </a:r>
-            <a:r>
-              <a:rPr lang="en-US" b="1" dirty="0"/>
-              <a:t>main</a:t>
-            </a:r>
-            <a:r>
-              <a:rPr lang="en-US" dirty="0"/>
-              <a:t>) may be public.</a:t>
-            </a:r>
-          </a:p>
-          <a:p>
-            <a:r>
-              <a:rPr lang="en-US" dirty="0"/>
-              <a:t>Every public method of the class MUST</a:t>
-            </a:r>
-          </a:p>
-          <a:p>
-            <a:pPr lvl="1"/>
-            <a:r>
-              <a:rPr lang="en-US" dirty="0"/>
-              <a:t>be listed in an interface the class implements, or</a:t>
-            </a:r>
-          </a:p>
-          <a:p>
-            <a:pPr lvl="1"/>
-            <a:r>
-              <a:rPr lang="en-US" dirty="0"/>
-              <a:t>override a method inherited from </a:t>
-            </a:r>
-            <a:r>
-              <a:rPr lang="en-US" b="1" dirty="0"/>
-              <a:t>Object</a:t>
-            </a:r>
-            <a:r>
-              <a:rPr lang="en-US" dirty="0"/>
-              <a:t>, or</a:t>
-            </a:r>
-          </a:p>
-          <a:p>
-            <a:pPr lvl="1"/>
-            <a:r>
-              <a:rPr lang="en-US" dirty="0"/>
-              <a:t>be a static method (such as </a:t>
-            </a:r>
-            <a:r>
-              <a:rPr lang="en-US" b="1" dirty="0"/>
-              <a:t>main</a:t>
-            </a:r>
-            <a:r>
-              <a:rPr lang="en-US" dirty="0"/>
-              <a:t>).</a:t>
-            </a:r>
-          </a:p>
-          <a:p>
-            <a:r>
-              <a:rPr lang="en-US" dirty="0"/>
-              <a:t>Your class may also define non-public help methods. If a help method is called only from within the class, then it should be declared </a:t>
-            </a:r>
-            <a:r>
-              <a:rPr lang="en-US" b="1" dirty="0"/>
-              <a:t>private</a:t>
-            </a:r>
-            <a:r>
-              <a:rPr lang="en-US" dirty="0"/>
-              <a:t>.</a:t>
-            </a:r>
-          </a:p>
-          <a:p>
-            <a:r>
-              <a:rPr lang="en-US" dirty="0"/>
-              <a:t>Your non-public methods should come after all of the public methods.</a:t>
-            </a:r>
-          </a:p>
-          <a:p>
-            <a:r>
-              <a:rPr lang="en-US" dirty="0"/>
-              <a:t>You must not declare anything to be </a:t>
-            </a:r>
-            <a:r>
-              <a:rPr lang="en-US" b="1" dirty="0"/>
-              <a:t>protected</a:t>
-            </a:r>
-            <a:r>
-              <a:rPr lang="en-US" dirty="0"/>
-              <a:t>.</a:t>
-            </a:r>
-          </a:p>
-        </p:txBody>
-      </p:sp>
-      <p:sp>
-        <p:nvSpPr>
-          <p:cNvPr id="4" name="Slide Number Placeholder 3">
-            <a:extLst>
-              <a:ext uri="{FF2B5EF4-FFF2-40B4-BE49-F238E27FC236}">
-                <a16:creationId xmlns:a16="http://schemas.microsoft.com/office/drawing/2014/main" id="{2523D933-3BE1-43F0-A859-1B0A05401FF4}"/>
-              </a:ext>
-            </a:extLst>
-          </p:cNvPr>
+              <a:t>So there's no need for a separate  observer template. (Yay!)  </a:t>
+            </a:r>
+          </a:p>
+        </p:txBody>
+      </p:sp>
+      <p:sp>
+        <p:nvSpPr>
+          <p:cNvPr id="4" name="Slide Number Placeholder 3"/>
           <p:cNvSpPr>
             <a:spLocks noGrp="1"/>
           </p:cNvSpPr>
@@ -5900,8 +5799,9 @@
           <a:bodyPr/>
           <a:lstStyle/>
           <a:p>
-            <a:fld id="{2AF3B5EA-18B6-4040-9F78-6052AF49C681}" type="slidenum">
+            <a:fld id="{B6F15528-21DE-4FAA-801E-634DDDAF4B2B}" type="slidenum">
               <a:rPr lang="en-US" smtClean="0"/>
+              <a:pPr/>
               <a:t>12</a:t>
             </a:fld>
             <a:endParaRPr lang="en-US"/>
@@ -5909,11 +5809,6 @@
         </p:txBody>
       </p:sp>
     </p:spTree>
-    <p:extLst>
-      <p:ext uri="{BB962C8B-B14F-4D97-AF65-F5344CB8AC3E}">
-        <p14:creationId xmlns:p14="http://schemas.microsoft.com/office/powerpoint/2010/main" val="2011775058"/>
-      </p:ext>
-    </p:extLst>
   </p:cSld>
   <p:clrMapOvr>
     <a:masterClrMapping/>
@@ -5943,7 +5838,7 @@
           <p:cNvPr id="2" name="Title 1">
             <a:extLst>
               <a:ext uri="{FF2B5EF4-FFF2-40B4-BE49-F238E27FC236}">
-                <a16:creationId xmlns:a16="http://schemas.microsoft.com/office/drawing/2014/main" id="{93FAA8D4-AE71-4C9D-9A94-262A4C2D29E1}"/>
+                <a16:creationId xmlns:a16="http://schemas.microsoft.com/office/drawing/2014/main" id="{6FB6FA3F-8630-4A07-8984-5CDDEE9089BF}"/>
               </a:ext>
             </a:extLst>
           </p:cNvPr>
@@ -5961,15 +5856,7 @@
           <a:p>
             <a:r>
               <a:rPr lang="en-US" dirty="0"/>
-              <a:t>What happened to </a:t>
-            </a:r>
-            <a:r>
-              <a:rPr lang="en-US" b="1" dirty="0"/>
-              <a:t>protected</a:t>
-            </a:r>
-            <a:r>
-              <a:rPr lang="en-US" dirty="0"/>
-              <a:t>?</a:t>
+              <a:t>Coding Standards, Part 1</a:t>
             </a:r>
           </a:p>
         </p:txBody>
@@ -5979,7 +5866,7 @@
           <p:cNvPr id="3" name="Content Placeholder 2">
             <a:extLst>
               <a:ext uri="{FF2B5EF4-FFF2-40B4-BE49-F238E27FC236}">
-                <a16:creationId xmlns:a16="http://schemas.microsoft.com/office/drawing/2014/main" id="{E7C274CC-5AC9-4927-8428-F327BDAE2A73}"/>
+                <a16:creationId xmlns:a16="http://schemas.microsoft.com/office/drawing/2014/main" id="{876E1BCC-FCF3-442C-AA30-298925367D4F}"/>
               </a:ext>
             </a:extLst>
           </p:cNvPr>
@@ -5992,12 +5879,136 @@
         </p:nvSpPr>
         <p:spPr/>
         <p:txBody>
-          <a:bodyPr/>
-          <a:lstStyle/>
-          <a:p>
-            <a:r>
-              <a:rPr lang="en-US" dirty="0"/>
-              <a:t>In Java, declaring something to be protected makes it less protected, so programmers who are new to Java seldom use that keyword correctly. Java's protected keyword does have a few legitimate uses, but those uses are beyond the scope of this course.</a:t>
+          <a:bodyPr>
+            <a:normAutofit fontScale="62500" lnSpcReduction="20000"/>
+          </a:bodyPr>
+          <a:lstStyle/>
+          <a:p>
+            <a:r>
+              <a:rPr lang="en-US" dirty="0"/>
+              <a:t>A public method is a method whose definition begins with </a:t>
+            </a:r>
+            <a:r>
+              <a:rPr lang="en-US" b="1" dirty="0"/>
+              <a:t>public</a:t>
+            </a:r>
+            <a:r>
+              <a:rPr lang="en-US" dirty="0"/>
+              <a:t>.</a:t>
+            </a:r>
+          </a:p>
+          <a:p>
+            <a:pPr lvl="1"/>
+            <a:r>
+              <a:rPr lang="en-US" dirty="0"/>
+              <a:t>If a method is listed in an interface, its definition must be public. (The Java compiler enforces this.)</a:t>
+            </a:r>
+          </a:p>
+          <a:p>
+            <a:pPr lvl="1"/>
+            <a:r>
+              <a:rPr lang="en-US" dirty="0"/>
+              <a:t>If a method overrides a method inherited from </a:t>
+            </a:r>
+            <a:r>
+              <a:rPr lang="en-US" b="1" dirty="0"/>
+              <a:t>Object</a:t>
+            </a:r>
+            <a:r>
+              <a:rPr lang="en-US" dirty="0"/>
+              <a:t>, its definition must be public. (The Java compiler enforces this.)</a:t>
+            </a:r>
+          </a:p>
+          <a:p>
+            <a:pPr lvl="1"/>
+            <a:r>
+              <a:rPr lang="en-US" dirty="0"/>
+              <a:t>A static method (such as </a:t>
+            </a:r>
+            <a:r>
+              <a:rPr lang="en-US" b="1" dirty="0"/>
+              <a:t>main</a:t>
+            </a:r>
+            <a:r>
+              <a:rPr lang="en-US" dirty="0"/>
+              <a:t>) may be public.</a:t>
+            </a:r>
+          </a:p>
+          <a:p>
+            <a:r>
+              <a:rPr lang="en-US" dirty="0"/>
+              <a:t>Every public method of the class MUST</a:t>
+            </a:r>
+          </a:p>
+          <a:p>
+            <a:pPr lvl="1"/>
+            <a:r>
+              <a:rPr lang="en-US" dirty="0"/>
+              <a:t>be listed in an interface the class implements, or</a:t>
+            </a:r>
+          </a:p>
+          <a:p>
+            <a:pPr lvl="1"/>
+            <a:r>
+              <a:rPr lang="en-US" dirty="0"/>
+              <a:t>override a method inherited from </a:t>
+            </a:r>
+            <a:r>
+              <a:rPr lang="en-US" b="1" dirty="0"/>
+              <a:t>Object</a:t>
+            </a:r>
+            <a:r>
+              <a:rPr lang="en-US" dirty="0"/>
+              <a:t>, or</a:t>
+            </a:r>
+          </a:p>
+          <a:p>
+            <a:pPr lvl="1"/>
+            <a:r>
+              <a:rPr lang="en-US" dirty="0"/>
+              <a:t>be a static method (such as </a:t>
+            </a:r>
+            <a:r>
+              <a:rPr lang="en-US" b="1" dirty="0"/>
+              <a:t>main</a:t>
+            </a:r>
+            <a:r>
+              <a:rPr lang="en-US" dirty="0"/>
+              <a:t>).</a:t>
+            </a:r>
+          </a:p>
+          <a:p>
+            <a:r>
+              <a:rPr lang="en-US" dirty="0"/>
+              <a:t>Your class may also define non-public help methods. If a help method is called only from within the class, then it should be declared </a:t>
+            </a:r>
+            <a:r>
+              <a:rPr lang="en-US" b="1" dirty="0"/>
+              <a:t>private</a:t>
+            </a:r>
+            <a:r>
+              <a:rPr lang="en-US" dirty="0"/>
+              <a:t>.</a:t>
+            </a:r>
+          </a:p>
+          <a:p>
+            <a:r>
+              <a:rPr lang="en-US" dirty="0"/>
+              <a:t>Your non-public methods should come after all of the public methods.</a:t>
+            </a:r>
+          </a:p>
+          <a:p>
+            <a:r>
+              <a:rPr lang="en-US" dirty="0"/>
+              <a:t>You must not declare anything to be </a:t>
+            </a:r>
+            <a:r>
+              <a:rPr lang="en-US" b="1" dirty="0"/>
+              <a:t>protected</a:t>
+            </a:r>
+            <a:r>
+              <a:rPr lang="en-US" dirty="0"/>
+              <a:t>.</a:t>
             </a:r>
           </a:p>
         </p:txBody>
@@ -6007,7 +6018,7 @@
           <p:cNvPr id="4" name="Slide Number Placeholder 3">
             <a:extLst>
               <a:ext uri="{FF2B5EF4-FFF2-40B4-BE49-F238E27FC236}">
-                <a16:creationId xmlns:a16="http://schemas.microsoft.com/office/drawing/2014/main" id="{2F5ED402-9FD2-4157-AD30-2B1228E38017}"/>
+                <a16:creationId xmlns:a16="http://schemas.microsoft.com/office/drawing/2014/main" id="{2523D933-3BE1-43F0-A859-1B0A05401FF4}"/>
               </a:ext>
             </a:extLst>
           </p:cNvPr>
@@ -6034,7 +6045,7 @@
     </p:spTree>
     <p:extLst>
       <p:ext uri="{BB962C8B-B14F-4D97-AF65-F5344CB8AC3E}">
-        <p14:creationId xmlns:p14="http://schemas.microsoft.com/office/powerpoint/2010/main" val="2732176397"/>
+        <p14:creationId xmlns:p14="http://schemas.microsoft.com/office/powerpoint/2010/main" val="2011775058"/>
       </p:ext>
     </p:extLst>
   </p:cSld>
@@ -6066,7 +6077,7 @@
           <p:cNvPr id="2" name="Title 1">
             <a:extLst>
               <a:ext uri="{FF2B5EF4-FFF2-40B4-BE49-F238E27FC236}">
-                <a16:creationId xmlns:a16="http://schemas.microsoft.com/office/drawing/2014/main" id="{70E640DF-138D-46C8-BD17-F55597CB094F}"/>
+                <a16:creationId xmlns:a16="http://schemas.microsoft.com/office/drawing/2014/main" id="{93FAA8D4-AE71-4C9D-9A94-262A4C2D29E1}"/>
               </a:ext>
             </a:extLst>
           </p:cNvPr>
@@ -6084,7 +6095,15 @@
           <a:p>
             <a:r>
               <a:rPr lang="en-US" dirty="0"/>
-              <a:t>Coding Standards, Part 2</a:t>
+              <a:t>What happened to </a:t>
+            </a:r>
+            <a:r>
+              <a:rPr lang="en-US" b="1" dirty="0"/>
+              <a:t>protected</a:t>
+            </a:r>
+            <a:r>
+              <a:rPr lang="en-US" dirty="0"/>
+              <a:t>?</a:t>
             </a:r>
           </a:p>
         </p:txBody>
@@ -6094,7 +6113,7 @@
           <p:cNvPr id="3" name="Content Placeholder 2">
             <a:extLst>
               <a:ext uri="{FF2B5EF4-FFF2-40B4-BE49-F238E27FC236}">
-                <a16:creationId xmlns:a16="http://schemas.microsoft.com/office/drawing/2014/main" id="{3D74B21F-580B-4C38-9506-FE7644D54EF1}"/>
+                <a16:creationId xmlns:a16="http://schemas.microsoft.com/office/drawing/2014/main" id="{E7C274CC-5AC9-4927-8428-F327BDAE2A73}"/>
               </a:ext>
             </a:extLst>
           </p:cNvPr>
@@ -6107,81 +6126,12 @@
         </p:nvSpPr>
         <p:spPr/>
         <p:txBody>
-          <a:bodyPr>
-            <a:normAutofit fontScale="77500" lnSpcReduction="20000"/>
-          </a:bodyPr>
-          <a:lstStyle/>
-          <a:p>
-            <a:r>
-              <a:rPr lang="en-US" dirty="0"/>
-              <a:t>Interface and class names begin with a capital letter. Instead of using a hyphen to separate words in the name of a type or class, use Camel Case, as in </a:t>
-            </a:r>
-            <a:r>
-              <a:rPr lang="en-US" b="1" dirty="0" err="1"/>
-              <a:t>StupidRobot</a:t>
-            </a:r>
-            <a:r>
-              <a:rPr lang="en-US" dirty="0"/>
-              <a:t>.</a:t>
-            </a:r>
-          </a:p>
-          <a:p>
-            <a:r>
-              <a:rPr lang="en-US" dirty="0"/>
-              <a:t>Variable and method names begin with a lower-case letter. Instead of using a hyphen to separate words in a variable or method name, use Camel Case: </a:t>
-            </a:r>
-            <a:r>
-              <a:rPr lang="en-US" b="1" dirty="0" err="1"/>
-              <a:t>addToScene</a:t>
-            </a:r>
-            <a:r>
-              <a:rPr lang="en-US" dirty="0"/>
-              <a:t> instead of </a:t>
-            </a:r>
-            <a:r>
-              <a:rPr lang="en-US" b="1" dirty="0"/>
-              <a:t>add-to-scene</a:t>
-            </a:r>
-            <a:r>
-              <a:rPr lang="en-US" dirty="0"/>
-              <a:t>.</a:t>
-            </a:r>
-          </a:p>
-          <a:p>
-            <a:r>
-              <a:rPr lang="en-US" dirty="0"/>
-              <a:t>Constant names are entirely in upper case, using underscores instead of hyphens to separate words in a constant's name: </a:t>
-            </a:r>
-            <a:r>
-              <a:rPr lang="en-US" b="1" dirty="0"/>
-              <a:t>BOMB_IMAGE </a:t>
-            </a:r>
-            <a:r>
-              <a:rPr lang="en-US" dirty="0"/>
-              <a:t>instead of </a:t>
-            </a:r>
-            <a:r>
-              <a:rPr lang="en-US" b="1" dirty="0"/>
-              <a:t>BOMB-IMAGE</a:t>
-            </a:r>
-            <a:r>
-              <a:rPr lang="en-US" dirty="0"/>
-              <a:t>.</a:t>
-            </a:r>
-          </a:p>
-          <a:p>
-            <a:pPr lvl="1"/>
-            <a:r>
-              <a:rPr lang="en-US" dirty="0"/>
-              <a:t>In Java, the definition of a constant begins with </a:t>
-            </a:r>
-            <a:r>
-              <a:rPr lang="en-US" b="1" dirty="0"/>
-              <a:t>static final</a:t>
-            </a:r>
-            <a:r>
-              <a:rPr lang="en-US" dirty="0"/>
-              <a:t>.</a:t>
+          <a:bodyPr/>
+          <a:lstStyle/>
+          <a:p>
+            <a:r>
+              <a:rPr lang="en-US" dirty="0"/>
+              <a:t>In Java, declaring something to be protected makes it less protected, so programmers who are new to Java seldom use that keyword correctly. Java's protected keyword does have a few legitimate uses, but those uses are beyond the scope of this course.</a:t>
             </a:r>
           </a:p>
         </p:txBody>
@@ -6191,7 +6141,7 @@
           <p:cNvPr id="4" name="Slide Number Placeholder 3">
             <a:extLst>
               <a:ext uri="{FF2B5EF4-FFF2-40B4-BE49-F238E27FC236}">
-                <a16:creationId xmlns:a16="http://schemas.microsoft.com/office/drawing/2014/main" id="{6D61E70B-62A0-47F2-9615-6D0FB3C8F955}"/>
+                <a16:creationId xmlns:a16="http://schemas.microsoft.com/office/drawing/2014/main" id="{2F5ED402-9FD2-4157-AD30-2B1228E38017}"/>
               </a:ext>
             </a:extLst>
           </p:cNvPr>
@@ -6218,7 +6168,7 @@
     </p:spTree>
     <p:extLst>
       <p:ext uri="{BB962C8B-B14F-4D97-AF65-F5344CB8AC3E}">
-        <p14:creationId xmlns:p14="http://schemas.microsoft.com/office/powerpoint/2010/main" val="240954208"/>
+        <p14:creationId xmlns:p14="http://schemas.microsoft.com/office/powerpoint/2010/main" val="2732176397"/>
       </p:ext>
     </p:extLst>
   </p:cSld>
@@ -6247,6 +6197,190 @@
       </p:grpSpPr>
       <p:sp>
         <p:nvSpPr>
+          <p:cNvPr id="2" name="Title 1">
+            <a:extLst>
+              <a:ext uri="{FF2B5EF4-FFF2-40B4-BE49-F238E27FC236}">
+                <a16:creationId xmlns:a16="http://schemas.microsoft.com/office/drawing/2014/main" id="{70E640DF-138D-46C8-BD17-F55597CB094F}"/>
+              </a:ext>
+            </a:extLst>
+          </p:cNvPr>
+          <p:cNvSpPr>
+            <a:spLocks noGrp="1"/>
+          </p:cNvSpPr>
+          <p:nvPr>
+            <p:ph type="title"/>
+          </p:nvPr>
+        </p:nvSpPr>
+        <p:spPr/>
+        <p:txBody>
+          <a:bodyPr/>
+          <a:lstStyle/>
+          <a:p>
+            <a:r>
+              <a:rPr lang="en-US" dirty="0"/>
+              <a:t>Coding Standards, Part 2</a:t>
+            </a:r>
+          </a:p>
+        </p:txBody>
+      </p:sp>
+      <p:sp>
+        <p:nvSpPr>
+          <p:cNvPr id="3" name="Content Placeholder 2">
+            <a:extLst>
+              <a:ext uri="{FF2B5EF4-FFF2-40B4-BE49-F238E27FC236}">
+                <a16:creationId xmlns:a16="http://schemas.microsoft.com/office/drawing/2014/main" id="{3D74B21F-580B-4C38-9506-FE7644D54EF1}"/>
+              </a:ext>
+            </a:extLst>
+          </p:cNvPr>
+          <p:cNvSpPr>
+            <a:spLocks noGrp="1"/>
+          </p:cNvSpPr>
+          <p:nvPr>
+            <p:ph idx="1"/>
+          </p:nvPr>
+        </p:nvSpPr>
+        <p:spPr/>
+        <p:txBody>
+          <a:bodyPr>
+            <a:normAutofit fontScale="77500" lnSpcReduction="20000"/>
+          </a:bodyPr>
+          <a:lstStyle/>
+          <a:p>
+            <a:r>
+              <a:rPr lang="en-US" dirty="0"/>
+              <a:t>Interface and class names begin with a capital letter. Instead of using a hyphen to separate words in the name of a type or class, use Camel Case, as in </a:t>
+            </a:r>
+            <a:r>
+              <a:rPr lang="en-US" b="1" dirty="0" err="1"/>
+              <a:t>StupidRobot</a:t>
+            </a:r>
+            <a:r>
+              <a:rPr lang="en-US" dirty="0"/>
+              <a:t>.</a:t>
+            </a:r>
+          </a:p>
+          <a:p>
+            <a:r>
+              <a:rPr lang="en-US" dirty="0"/>
+              <a:t>Variable and method names begin with a lower-case letter. Instead of using a hyphen to separate words in a variable or method name, use Camel Case: </a:t>
+            </a:r>
+            <a:r>
+              <a:rPr lang="en-US" b="1" dirty="0" err="1"/>
+              <a:t>addToScene</a:t>
+            </a:r>
+            <a:r>
+              <a:rPr lang="en-US" dirty="0"/>
+              <a:t> instead of </a:t>
+            </a:r>
+            <a:r>
+              <a:rPr lang="en-US" b="1" dirty="0"/>
+              <a:t>add-to-scene</a:t>
+            </a:r>
+            <a:r>
+              <a:rPr lang="en-US" dirty="0"/>
+              <a:t>.</a:t>
+            </a:r>
+          </a:p>
+          <a:p>
+            <a:r>
+              <a:rPr lang="en-US" dirty="0"/>
+              <a:t>Constant names are entirely in upper case, using underscores instead of hyphens to separate words in a constant's name: </a:t>
+            </a:r>
+            <a:r>
+              <a:rPr lang="en-US" b="1" dirty="0"/>
+              <a:t>BOMB_IMAGE </a:t>
+            </a:r>
+            <a:r>
+              <a:rPr lang="en-US" dirty="0"/>
+              <a:t>instead of </a:t>
+            </a:r>
+            <a:r>
+              <a:rPr lang="en-US" b="1" dirty="0"/>
+              <a:t>BOMB-IMAGE</a:t>
+            </a:r>
+            <a:r>
+              <a:rPr lang="en-US" dirty="0"/>
+              <a:t>.</a:t>
+            </a:r>
+          </a:p>
+          <a:p>
+            <a:pPr lvl="1"/>
+            <a:r>
+              <a:rPr lang="en-US" dirty="0"/>
+              <a:t>In Java, the definition of a constant begins with </a:t>
+            </a:r>
+            <a:r>
+              <a:rPr lang="en-US" b="1" dirty="0"/>
+              <a:t>static final</a:t>
+            </a:r>
+            <a:r>
+              <a:rPr lang="en-US" dirty="0"/>
+              <a:t>.</a:t>
+            </a:r>
+          </a:p>
+        </p:txBody>
+      </p:sp>
+      <p:sp>
+        <p:nvSpPr>
+          <p:cNvPr id="4" name="Slide Number Placeholder 3">
+            <a:extLst>
+              <a:ext uri="{FF2B5EF4-FFF2-40B4-BE49-F238E27FC236}">
+                <a16:creationId xmlns:a16="http://schemas.microsoft.com/office/drawing/2014/main" id="{6D61E70B-62A0-47F2-9615-6D0FB3C8F955}"/>
+              </a:ext>
+            </a:extLst>
+          </p:cNvPr>
+          <p:cNvSpPr>
+            <a:spLocks noGrp="1"/>
+          </p:cNvSpPr>
+          <p:nvPr>
+            <p:ph type="sldNum" sz="quarter" idx="12"/>
+          </p:nvPr>
+        </p:nvSpPr>
+        <p:spPr/>
+        <p:txBody>
+          <a:bodyPr/>
+          <a:lstStyle/>
+          <a:p>
+            <a:fld id="{2AF3B5EA-18B6-4040-9F78-6052AF49C681}" type="slidenum">
+              <a:rPr lang="en-US" smtClean="0"/>
+              <a:t>15</a:t>
+            </a:fld>
+            <a:endParaRPr lang="en-US"/>
+          </a:p>
+        </p:txBody>
+      </p:sp>
+    </p:spTree>
+    <p:extLst>
+      <p:ext uri="{BB962C8B-B14F-4D97-AF65-F5344CB8AC3E}">
+        <p14:creationId xmlns:p14="http://schemas.microsoft.com/office/powerpoint/2010/main" val="240954208"/>
+      </p:ext>
+    </p:extLst>
+  </p:cSld>
+  <p:clrMapOvr>
+    <a:masterClrMapping/>
+  </p:clrMapOvr>
+</p:sld>
+</file>
+
+<file path=ppt/slides/slide16.xml><?xml version="1.0" encoding="utf-8"?>
+<p:sld xmlns:a="http://schemas.openxmlformats.org/drawingml/2006/main" xmlns:r="http://schemas.openxmlformats.org/officeDocument/2006/relationships" xmlns:p="http://schemas.openxmlformats.org/presentationml/2006/main">
+  <p:cSld>
+    <p:spTree>
+      <p:nvGrpSpPr>
+        <p:cNvPr id="1" name=""/>
+        <p:cNvGrpSpPr/>
+        <p:nvPr/>
+      </p:nvGrpSpPr>
+      <p:grpSpPr>
+        <a:xfrm>
+          <a:off x="0" y="0"/>
+          <a:ext cx="0" cy="0"/>
+          <a:chOff x="0" y="0"/>
+          <a:chExt cx="0" cy="0"/>
+        </a:xfrm>
+      </p:grpSpPr>
+      <p:sp>
+        <p:nvSpPr>
           <p:cNvPr id="5" name="Title 4"/>
           <p:cNvSpPr>
             <a:spLocks noGrp="1"/>
@@ -6595,7 +6729,7 @@
           <a:p>
             <a:fld id="{2AF3B5EA-18B6-4040-9F78-6052AF49C681}" type="slidenum">
               <a:rPr lang="en-US" smtClean="0"/>
-              <a:t>15</a:t>
+              <a:t>16</a:t>
             </a:fld>
             <a:endParaRPr lang="en-US"/>
           </a:p>
@@ -7307,8 +7441,8 @@
         </p:nvSpPr>
         <p:spPr>
           <a:xfrm>
-            <a:off x="4632960" y="6274220"/>
-            <a:ext cx="3429000" cy="369332"/>
+            <a:off x="1868805" y="1226074"/>
+            <a:ext cx="4720590" cy="523220"/>
           </a:xfrm>
           <a:prstGeom prst="rect">
             <a:avLst/>
@@ -7329,7 +7463,7 @@
           <a:lstStyle/>
           <a:p>
             <a:r>
-              <a:rPr lang="en-US" dirty="0"/>
+              <a:rPr lang="en-US" sz="2800" dirty="0"/>
               <a:t>See ooCodingStandards3.html</a:t>
             </a:r>
           </a:p>
@@ -7348,7 +7482,7 @@
 </p:sld>
 </file>
 
-<file path=ppt/slides/slide16.xml><?xml version="1.0" encoding="utf-8"?>
+<file path=ppt/slides/slide17.xml><?xml version="1.0" encoding="utf-8"?>
 <p:sld xmlns:a="http://schemas.openxmlformats.org/drawingml/2006/main" xmlns:r="http://schemas.openxmlformats.org/officeDocument/2006/relationships" xmlns:p="http://schemas.openxmlformats.org/presentationml/2006/main">
   <p:cSld>
     <p:spTree>
@@ -7469,7 +7603,7 @@
             <a:fld id="{B6F15528-21DE-4FAA-801E-634DDDAF4B2B}" type="slidenum">
               <a:rPr lang="en-US" smtClean="0"/>
               <a:pPr/>
-              <a:t>16</a:t>
+              <a:t>17</a:t>
             </a:fld>
             <a:endParaRPr lang="en-US"/>
           </a:p>
@@ -7547,7 +7681,7 @@
 </p:sld>
 </file>
 
-<file path=ppt/slides/slide17.xml><?xml version="1.0" encoding="utf-8"?>
+<file path=ppt/slides/slide18.xml><?xml version="1.0" encoding="utf-8"?>
 <p:sld xmlns:a="http://schemas.openxmlformats.org/drawingml/2006/main" xmlns:r="http://schemas.openxmlformats.org/officeDocument/2006/relationships" xmlns:p="http://schemas.openxmlformats.org/presentationml/2006/main">
   <p:cSld>
     <p:spTree>
@@ -7684,7 +7818,7 @@
             <a:fld id="{B6F15528-21DE-4FAA-801E-634DDDAF4B2B}" type="slidenum">
               <a:rPr lang="en-US" smtClean="0"/>
               <a:pPr/>
-              <a:t>17</a:t>
+              <a:t>18</a:t>
             </a:fld>
             <a:endParaRPr lang="en-US"/>
           </a:p>
@@ -7988,8 +8122,8 @@
         </p:nvSpPr>
         <p:spPr>
           <a:xfrm>
-            <a:off x="1066800" y="1676400"/>
-            <a:ext cx="3352800" cy="369332"/>
+            <a:off x="1752600" y="1492725"/>
+            <a:ext cx="4038600" cy="523220"/>
           </a:xfrm>
           <a:prstGeom prst="rect">
             <a:avLst/>
@@ -7997,12 +8131,24 @@
           <a:solidFill>
             <a:srgbClr val="FFFF00"/>
           </a:solidFill>
+          <a:ln>
+            <a:solidFill>
+              <a:srgbClr val="FFFF00"/>
+            </a:solidFill>
+          </a:ln>
         </p:spPr>
         <p:txBody>
           <a:bodyPr wrap="square" rtlCol="0">
             <a:spAutoFit/>
           </a:bodyPr>
-          <a:lstStyle/>
+          <a:lstStyle>
+            <a:defPPr>
+              <a:defRPr lang="en-US"/>
+            </a:defPPr>
+            <a:lvl1pPr>
+              <a:defRPr sz="2800"/>
+            </a:lvl1pPr>
+          </a:lstStyle>
           <a:p>
             <a:r>
               <a:rPr lang="en-US" dirty="0"/>
@@ -8015,122 +8161,6 @@
     <p:extLst>
       <p:ext uri="{BB962C8B-B14F-4D97-AF65-F5344CB8AC3E}">
         <p14:creationId xmlns:p14="http://schemas.microsoft.com/office/powerpoint/2010/main" val="2892780531"/>
-      </p:ext>
-    </p:extLst>
-  </p:cSld>
-  <p:clrMapOvr>
-    <a:masterClrMapping/>
-  </p:clrMapOvr>
-</p:sld>
-</file>
-
-<file path=ppt/slides/slide18.xml><?xml version="1.0" encoding="utf-8"?>
-<p:sld xmlns:a="http://schemas.openxmlformats.org/drawingml/2006/main" xmlns:r="http://schemas.openxmlformats.org/officeDocument/2006/relationships" xmlns:p="http://schemas.openxmlformats.org/presentationml/2006/main">
-  <p:cSld>
-    <p:spTree>
-      <p:nvGrpSpPr>
-        <p:cNvPr id="1" name=""/>
-        <p:cNvGrpSpPr/>
-        <p:nvPr/>
-      </p:nvGrpSpPr>
-      <p:grpSpPr>
-        <a:xfrm>
-          <a:off x="0" y="0"/>
-          <a:ext cx="0" cy="0"/>
-          <a:chOff x="0" y="0"/>
-          <a:chExt cx="0" cy="0"/>
-        </a:xfrm>
-      </p:grpSpPr>
-      <p:sp>
-        <p:nvSpPr>
-          <p:cNvPr id="2" name="Title 1"/>
-          <p:cNvSpPr>
-            <a:spLocks noGrp="1"/>
-          </p:cNvSpPr>
-          <p:nvPr>
-            <p:ph type="title"/>
-          </p:nvPr>
-        </p:nvSpPr>
-        <p:spPr/>
-        <p:txBody>
-          <a:bodyPr/>
-          <a:lstStyle/>
-          <a:p>
-            <a:r>
-              <a:rPr lang="en-US" dirty="0"/>
-              <a:t>Examples and Tests</a:t>
-            </a:r>
-          </a:p>
-        </p:txBody>
-      </p:sp>
-      <p:sp>
-        <p:nvSpPr>
-          <p:cNvPr id="3" name="Content Placeholder 2"/>
-          <p:cNvSpPr>
-            <a:spLocks noGrp="1"/>
-          </p:cNvSpPr>
-          <p:nvPr>
-            <p:ph idx="1"/>
-          </p:nvPr>
-        </p:nvSpPr>
-        <p:spPr/>
-        <p:txBody>
-          <a:bodyPr/>
-          <a:lstStyle/>
-          <a:p>
-            <a:r>
-              <a:rPr lang="en-US" dirty="0"/>
-              <a:t>Examples and tests will generally be different.</a:t>
-            </a:r>
-          </a:p>
-          <a:p>
-            <a:r>
-              <a:rPr lang="en-US" dirty="0"/>
-              <a:t>Put examples with the method.</a:t>
-            </a:r>
-          </a:p>
-          <a:p>
-            <a:r>
-              <a:rPr lang="en-US" dirty="0"/>
-              <a:t>Phrase examples in terms of information (not data) whenever possible.</a:t>
-            </a:r>
-          </a:p>
-          <a:p>
-            <a:r>
-              <a:rPr lang="en-US" dirty="0"/>
-              <a:t>Use meaningful names, etc., just as before.</a:t>
-            </a:r>
-          </a:p>
-        </p:txBody>
-      </p:sp>
-      <p:sp>
-        <p:nvSpPr>
-          <p:cNvPr id="4" name="Slide Number Placeholder 3"/>
-          <p:cNvSpPr>
-            <a:spLocks noGrp="1"/>
-          </p:cNvSpPr>
-          <p:nvPr>
-            <p:ph type="sldNum" sz="quarter" idx="12"/>
-          </p:nvPr>
-        </p:nvSpPr>
-        <p:spPr/>
-        <p:txBody>
-          <a:bodyPr/>
-          <a:lstStyle/>
-          <a:p>
-            <a:fld id="{B6F15528-21DE-4FAA-801E-634DDDAF4B2B}" type="slidenum">
-              <a:rPr lang="en-US" smtClean="0"/>
-              <a:pPr/>
-              <a:t>18</a:t>
-            </a:fld>
-            <a:endParaRPr lang="en-US"/>
-          </a:p>
-        </p:txBody>
-      </p:sp>
-    </p:spTree>
-    <p:extLst>
-      <p:ext uri="{BB962C8B-B14F-4D97-AF65-F5344CB8AC3E}">
-        <p14:creationId xmlns:p14="http://schemas.microsoft.com/office/powerpoint/2010/main" val="478726159"/>
       </p:ext>
     </p:extLst>
   </p:cSld>
@@ -8174,7 +8204,7 @@
           <a:p>
             <a:r>
               <a:rPr lang="en-US" dirty="0"/>
-              <a:t>Step 4: Unit Tests</a:t>
+              <a:t>Examples and Tests</a:t>
             </a:r>
           </a:p>
         </p:txBody>
@@ -8191,42 +8221,30 @@
         </p:nvSpPr>
         <p:spPr/>
         <p:txBody>
-          <a:bodyPr>
-            <a:normAutofit fontScale="77500" lnSpcReduction="20000"/>
-          </a:bodyPr>
-          <a:lstStyle/>
-          <a:p>
-            <a:r>
-              <a:rPr lang="en-US" dirty="0"/>
-              <a:t>Your programming language, testing framework, and organizational standards will influence where you put your unit tests.</a:t>
-            </a:r>
-          </a:p>
-          <a:p>
-            <a:r>
-              <a:rPr lang="en-US" dirty="0"/>
-              <a:t>In Java, you can put your unit tests for a class at the end of the class, following the non-public help methods, or you can put them in a separate class within the same file or in a separate file.</a:t>
-            </a:r>
-          </a:p>
-          <a:p>
-            <a:r>
-              <a:rPr lang="en-US" dirty="0"/>
-              <a:t>Regardless of where you put unit your tests for a class, it is convenient to define a public static </a:t>
-            </a:r>
-            <a:r>
-              <a:rPr lang="en-US" b="1" dirty="0"/>
-              <a:t>main</a:t>
-            </a:r>
-            <a:r>
-              <a:rPr lang="en-US" dirty="0"/>
-              <a:t> method that runs all of the unit tests for that one class independently of the unit tests for other classes. That main method can then be called by the </a:t>
-            </a:r>
-            <a:r>
-              <a:rPr lang="en-US" b="1" dirty="0"/>
-              <a:t>main</a:t>
-            </a:r>
-            <a:r>
-              <a:rPr lang="en-US" dirty="0"/>
-              <a:t> method that runs all of the tests for your entire program.</a:t>
+          <a:bodyPr/>
+          <a:lstStyle/>
+          <a:p>
+            <a:r>
+              <a:rPr lang="en-US" dirty="0"/>
+              <a:t>Examples and tests will generally be different.</a:t>
+            </a:r>
+          </a:p>
+          <a:p>
+            <a:r>
+              <a:rPr lang="en-US" dirty="0"/>
+              <a:t>Put examples with the method.</a:t>
+            </a:r>
+          </a:p>
+          <a:p>
+            <a:r>
+              <a:rPr lang="en-US" dirty="0"/>
+              <a:t>Phrase examples in terms of information (not data) whenever possible.</a:t>
+            </a:r>
+          </a:p>
+          <a:p>
+            <a:r>
+              <a:rPr lang="en-US" dirty="0"/>
+              <a:t>Use meaningful names, etc., just as before.</a:t>
             </a:r>
           </a:p>
         </p:txBody>
@@ -8256,6 +8274,11 @@
         </p:txBody>
       </p:sp>
     </p:spTree>
+    <p:extLst>
+      <p:ext uri="{BB962C8B-B14F-4D97-AF65-F5344CB8AC3E}">
+        <p14:creationId xmlns:p14="http://schemas.microsoft.com/office/powerpoint/2010/main" val="478726159"/>
+      </p:ext>
+    </p:extLst>
   </p:cSld>
   <p:clrMapOvr>
     <a:masterClrMapping/>
@@ -8282,7 +8305,13 @@
       </p:grpSpPr>
       <p:sp>
         <p:nvSpPr>
-          <p:cNvPr id="2" name="Title 1"/>
+          <p:cNvPr id="2" name="Title 1">
+            <a:extLst>
+              <a:ext uri="{FF2B5EF4-FFF2-40B4-BE49-F238E27FC236}">
+                <a16:creationId xmlns:a16="http://schemas.microsoft.com/office/drawing/2014/main" id="{0D13AC62-B83D-4602-A7E4-A0BB405AAF5E}"/>
+              </a:ext>
+            </a:extLst>
+          </p:cNvPr>
           <p:cNvSpPr>
             <a:spLocks noGrp="1"/>
           </p:cNvSpPr>
@@ -8290,21 +8319,31 @@
             <p:ph type="title"/>
           </p:nvPr>
         </p:nvSpPr>
-        <p:spPr/>
-        <p:txBody>
-          <a:bodyPr/>
-          <a:lstStyle/>
-          <a:p>
-            <a:r>
-              <a:rPr lang="en-US" dirty="0"/>
-              <a:t>Goals of this lesson</a:t>
-            </a:r>
-          </a:p>
-        </p:txBody>
-      </p:sp>
-      <p:sp>
-        <p:nvSpPr>
-          <p:cNvPr id="3" name="Content Placeholder 2"/>
+        <p:spPr>
+          <a:solidFill>
+            <a:srgbClr val="FFFF00"/>
+          </a:solidFill>
+        </p:spPr>
+        <p:txBody>
+          <a:bodyPr/>
+          <a:lstStyle/>
+          <a:p>
+            <a:r>
+              <a:rPr lang="en-US" dirty="0"/>
+              <a:t>Note to the reader</a:t>
+            </a:r>
+          </a:p>
+        </p:txBody>
+      </p:sp>
+      <p:sp>
+        <p:nvSpPr>
+          <p:cNvPr id="3" name="Content Placeholder 2">
+            <a:extLst>
+              <a:ext uri="{FF2B5EF4-FFF2-40B4-BE49-F238E27FC236}">
+                <a16:creationId xmlns:a16="http://schemas.microsoft.com/office/drawing/2014/main" id="{3178F42D-7722-47E0-8B50-6F93790C5277}"/>
+              </a:ext>
+            </a:extLst>
+          </p:cNvPr>
           <p:cNvSpPr>
             <a:spLocks noGrp="1"/>
           </p:cNvSpPr>
@@ -8314,25 +8353,61 @@
         </p:nvSpPr>
         <p:spPr/>
         <p:txBody>
-          <a:bodyPr/>
-          <a:lstStyle/>
-          <a:p>
-            <a:r>
-              <a:rPr lang="en-US" dirty="0"/>
-              <a:t>See how the design recipe and its deliverables should appear in an object-oriented system</a:t>
-            </a:r>
-          </a:p>
-          <a:p>
-            <a:r>
-              <a:rPr lang="en-US" dirty="0"/>
-              <a:t>Note:  this is about OUR coding standards.  Your workplace may have different standards.</a:t>
-            </a:r>
-          </a:p>
-        </p:txBody>
-      </p:sp>
-      <p:sp>
-        <p:nvSpPr>
-          <p:cNvPr id="4" name="Slide Number Placeholder 3"/>
+          <a:bodyPr>
+            <a:normAutofit fontScale="85000" lnSpcReduction="10000"/>
+          </a:bodyPr>
+          <a:lstStyle/>
+          <a:p>
+            <a:r>
+              <a:rPr lang="en-US" dirty="0"/>
+              <a:t>This PPT presentation is based on an earlier presentation that targeted the Racket object system.</a:t>
+            </a:r>
+          </a:p>
+          <a:p>
+            <a:r>
+              <a:rPr lang="en-US" dirty="0"/>
+              <a:t>I’ve gone through Professor Clinger’s HTML pages and imported the material back to PowerPoint, which some readers may find easier to use.</a:t>
+            </a:r>
+          </a:p>
+          <a:p>
+            <a:r>
+              <a:rPr lang="en-US" dirty="0"/>
+              <a:t>There are a few slides with examples that were too difficult to turn from Racket into Java.  Those are marked with bright yellow badges, and the filename for the corresponding page in the HTML (which you can </a:t>
+            </a:r>
+            <a:r>
+              <a:rPr lang="en-US" dirty="0" err="1"/>
+              <a:t>wget</a:t>
+            </a:r>
+            <a:r>
+              <a:rPr lang="en-US" dirty="0"/>
+              <a:t> or pull from </a:t>
+            </a:r>
+            <a:r>
+              <a:rPr lang="en-US" dirty="0" err="1"/>
+              <a:t>github</a:t>
+            </a:r>
+            <a:r>
+              <a:rPr lang="en-US" dirty="0"/>
+              <a:t>).</a:t>
+            </a:r>
+          </a:p>
+          <a:p>
+            <a:r>
+              <a:rPr lang="en-US" dirty="0"/>
+              <a:t>Sorry about that... </a:t>
+            </a:r>
+          </a:p>
+        </p:txBody>
+      </p:sp>
+      <p:sp>
+        <p:nvSpPr>
+          <p:cNvPr id="4" name="Slide Number Placeholder 3">
+            <a:extLst>
+              <a:ext uri="{FF2B5EF4-FFF2-40B4-BE49-F238E27FC236}">
+                <a16:creationId xmlns:a16="http://schemas.microsoft.com/office/drawing/2014/main" id="{1F757299-E344-4943-A41F-E8C3F94B9944}"/>
+              </a:ext>
+            </a:extLst>
+          </p:cNvPr>
           <p:cNvSpPr>
             <a:spLocks noGrp="1"/>
           </p:cNvSpPr>
@@ -8345,9 +8420,8 @@
           <a:bodyPr/>
           <a:lstStyle/>
           <a:p>
-            <a:fld id="{B6F15528-21DE-4FAA-801E-634DDDAF4B2B}" type="slidenum">
+            <a:fld id="{2AF3B5EA-18B6-4040-9F78-6052AF49C681}" type="slidenum">
               <a:rPr lang="en-US" smtClean="0"/>
-              <a:pPr/>
               <a:t>2</a:t>
             </a:fld>
             <a:endParaRPr lang="en-US"/>
@@ -8355,6 +8429,11 @@
         </p:txBody>
       </p:sp>
     </p:spTree>
+    <p:extLst>
+      <p:ext uri="{BB962C8B-B14F-4D97-AF65-F5344CB8AC3E}">
+        <p14:creationId xmlns:p14="http://schemas.microsoft.com/office/powerpoint/2010/main" val="258484960"/>
+      </p:ext>
+    </p:extLst>
   </p:cSld>
   <p:clrMapOvr>
     <a:masterClrMapping/>
@@ -8381,13 +8460,7 @@
       </p:grpSpPr>
       <p:sp>
         <p:nvSpPr>
-          <p:cNvPr id="2" name="Title 1">
-            <a:extLst>
-              <a:ext uri="{FF2B5EF4-FFF2-40B4-BE49-F238E27FC236}">
-                <a16:creationId xmlns:a16="http://schemas.microsoft.com/office/drawing/2014/main" id="{C9A8A8A1-72F5-4908-AE41-C69319CA8E7C}"/>
-              </a:ext>
-            </a:extLst>
-          </p:cNvPr>
+          <p:cNvPr id="2" name="Title 1"/>
           <p:cNvSpPr>
             <a:spLocks noGrp="1"/>
           </p:cNvSpPr>
@@ -8402,20 +8475,14 @@
           <a:p>
             <a:r>
               <a:rPr lang="en-US" dirty="0"/>
-              <a:t>Step 4: Unit Tests, part 2</a:t>
-            </a:r>
-          </a:p>
-        </p:txBody>
-      </p:sp>
-      <p:sp>
-        <p:nvSpPr>
-          <p:cNvPr id="3" name="Content Placeholder 2">
-            <a:extLst>
-              <a:ext uri="{FF2B5EF4-FFF2-40B4-BE49-F238E27FC236}">
-                <a16:creationId xmlns:a16="http://schemas.microsoft.com/office/drawing/2014/main" id="{0B0DBD7A-618A-4633-93D2-E9409280ED34}"/>
-              </a:ext>
-            </a:extLst>
-          </p:cNvPr>
+              <a:t>Step 4: Unit Tests</a:t>
+            </a:r>
+          </a:p>
+        </p:txBody>
+      </p:sp>
+      <p:sp>
+        <p:nvSpPr>
+          <p:cNvPr id="3" name="Content Placeholder 2"/>
           <p:cNvSpPr>
             <a:spLocks noGrp="1"/>
           </p:cNvSpPr>
@@ -8426,153 +8493,48 @@
         <p:spPr/>
         <p:txBody>
           <a:bodyPr>
-            <a:normAutofit fontScale="62500" lnSpcReduction="20000"/>
+            <a:normAutofit fontScale="77500" lnSpcReduction="20000"/>
           </a:bodyPr>
           <a:lstStyle/>
           <a:p>
             <a:r>
               <a:rPr lang="en-US" dirty="0"/>
-              <a:t>We still want 100% test coverage.</a:t>
-            </a:r>
-          </a:p>
-          <a:p>
-            <a:r>
-              <a:rPr lang="en-US" dirty="0"/>
-              <a:t>Test observable behavior, as in the previous lesson.</a:t>
-            </a:r>
-          </a:p>
-          <a:p>
-            <a:r>
-              <a:rPr lang="en-US" dirty="0"/>
-              <a:t>Don't assume the </a:t>
+              <a:t>Your programming language, testing framework, and organizational standards will influence where you put your unit tests.</a:t>
+            </a:r>
+          </a:p>
+          <a:p>
+            <a:r>
+              <a:rPr lang="en-US" dirty="0"/>
+              <a:t>In Java, you can put your unit tests for a class at the end of the class, following the non-public help methods, or you can put them in a separate class within the same file or in a separate file.</a:t>
+            </a:r>
+          </a:p>
+          <a:p>
+            <a:r>
+              <a:rPr lang="en-US" dirty="0"/>
+              <a:t>Regardless of where you put unit your tests for a class, it is convenient to define a public static </a:t>
             </a:r>
             <a:r>
               <a:rPr lang="en-US" b="1" dirty="0"/>
-              <a:t>equals</a:t>
-            </a:r>
-            <a:r>
-              <a:rPr lang="en-US" dirty="0"/>
-              <a:t> method can be used to compare objects.</a:t>
-            </a:r>
-          </a:p>
-          <a:p>
-            <a:pPr lvl="1"/>
-            <a:r>
-              <a:rPr lang="en-US" dirty="0"/>
-              <a:t>The next module will discuss the </a:t>
+              <a:t>main</a:t>
+            </a:r>
+            <a:r>
+              <a:rPr lang="en-US" dirty="0"/>
+              <a:t> method that runs all of the unit tests for that one class independently of the unit tests for other classes. That main method can then be called by the </a:t>
             </a:r>
             <a:r>
               <a:rPr lang="en-US" b="1" dirty="0"/>
-              <a:t>equals</a:t>
-            </a:r>
-            <a:r>
-              <a:rPr lang="en-US" dirty="0"/>
-              <a:t> method in more detail. We are talking about it here to help you avoid mistakes we often see in unit tests.</a:t>
-            </a:r>
-          </a:p>
-          <a:p>
-            <a:r>
-              <a:rPr lang="en-US" dirty="0"/>
-              <a:t>In Java, the </a:t>
-            </a:r>
-            <a:r>
-              <a:rPr lang="en-US" b="1" dirty="0"/>
-              <a:t>equals</a:t>
-            </a:r>
-            <a:r>
-              <a:rPr lang="en-US" dirty="0"/>
-              <a:t> method might test all and only the observable behavior of objects it is comparing. If so, you can use it to compare objects. Sometimes, however, the </a:t>
-            </a:r>
-            <a:r>
-              <a:rPr lang="en-US" b="1" dirty="0"/>
-              <a:t>equals</a:t>
-            </a:r>
-            <a:r>
-              <a:rPr lang="en-US" dirty="0"/>
-              <a:t> method defines some notion of equality that does not correspond to identity of observable behavior.</a:t>
-            </a:r>
-          </a:p>
-          <a:p>
-            <a:r>
-              <a:rPr lang="en-US" dirty="0"/>
-              <a:t>In Java, all objects have an equals method. and </a:t>
-            </a:r>
-            <a:r>
-              <a:rPr lang="en-US" b="1" dirty="0" err="1"/>
-              <a:t>x.equals</a:t>
-            </a:r>
-            <a:r>
-              <a:rPr lang="en-US" b="1" dirty="0"/>
-              <a:t>(x)</a:t>
-            </a:r>
-            <a:r>
-              <a:rPr lang="en-US" dirty="0"/>
-              <a:t> is true, so a false value for </a:t>
-            </a:r>
-            <a:r>
-              <a:rPr lang="en-US" b="1" dirty="0" err="1"/>
-              <a:t>x.equals</a:t>
-            </a:r>
-            <a:r>
-              <a:rPr lang="en-US" b="1" dirty="0"/>
-              <a:t>(y) </a:t>
-            </a:r>
-            <a:r>
-              <a:rPr lang="en-US" dirty="0"/>
-              <a:t>counts as an observable difference between </a:t>
-            </a:r>
-            <a:r>
-              <a:rPr lang="en-US" b="1" dirty="0"/>
-              <a:t>x</a:t>
-            </a:r>
-            <a:r>
-              <a:rPr lang="en-US" dirty="0"/>
-              <a:t> and </a:t>
-            </a:r>
-            <a:r>
-              <a:rPr lang="en-US" b="1" dirty="0"/>
-              <a:t>y</a:t>
-            </a:r>
-            <a:r>
-              <a:rPr lang="en-US" dirty="0"/>
-              <a:t>. On the other hand, a true value for </a:t>
-            </a:r>
-            <a:r>
-              <a:rPr lang="en-US" b="1" dirty="0" err="1"/>
-              <a:t>x.equals</a:t>
-            </a:r>
-            <a:r>
-              <a:rPr lang="en-US" b="1" dirty="0"/>
-              <a:t>(y) </a:t>
-            </a:r>
-            <a:r>
-              <a:rPr lang="en-US" dirty="0"/>
-              <a:t>does not necessarily mean there are no observable differences between x and y. The behavior of the equals method becomes even harder to relate to observable behavior when the objects being compared are mutable: </a:t>
-            </a:r>
-            <a:r>
-              <a:rPr lang="en-US" b="1" dirty="0" err="1"/>
-              <a:t>x.equals</a:t>
-            </a:r>
-            <a:r>
-              <a:rPr lang="en-US" b="1" dirty="0"/>
-              <a:t>(y) </a:t>
-            </a:r>
-            <a:r>
-              <a:rPr lang="en-US" dirty="0"/>
-              <a:t>may be true at one moment and false a moment later.</a:t>
-            </a:r>
-          </a:p>
-        </p:txBody>
-      </p:sp>
-      <p:sp>
-        <p:nvSpPr>
-          <p:cNvPr id="4" name="Slide Number Placeholder 3">
-            <a:extLst>
-              <a:ext uri="{FF2B5EF4-FFF2-40B4-BE49-F238E27FC236}">
-                <a16:creationId xmlns:a16="http://schemas.microsoft.com/office/drawing/2014/main" id="{555CE900-A949-42A4-8FB3-1065AE4EDD85}"/>
-              </a:ext>
-            </a:extLst>
-          </p:cNvPr>
+              <a:t>main</a:t>
+            </a:r>
+            <a:r>
+              <a:rPr lang="en-US" dirty="0"/>
+              <a:t> method that runs all of the tests for your entire program.</a:t>
+            </a:r>
+          </a:p>
+        </p:txBody>
+      </p:sp>
+      <p:sp>
+        <p:nvSpPr>
+          <p:cNvPr id="4" name="Slide Number Placeholder 3"/>
           <p:cNvSpPr>
             <a:spLocks noGrp="1"/>
           </p:cNvSpPr>
@@ -8585,8 +8547,9 @@
           <a:bodyPr/>
           <a:lstStyle/>
           <a:p>
-            <a:fld id="{2AF3B5EA-18B6-4040-9F78-6052AF49C681}" type="slidenum">
+            <a:fld id="{B6F15528-21DE-4FAA-801E-634DDDAF4B2B}" type="slidenum">
               <a:rPr lang="en-US" smtClean="0"/>
+              <a:pPr/>
               <a:t>20</a:t>
             </a:fld>
             <a:endParaRPr lang="en-US"/>
@@ -8594,11 +8557,6 @@
         </p:txBody>
       </p:sp>
     </p:spTree>
-    <p:extLst>
-      <p:ext uri="{BB962C8B-B14F-4D97-AF65-F5344CB8AC3E}">
-        <p14:creationId xmlns:p14="http://schemas.microsoft.com/office/powerpoint/2010/main" val="3179113746"/>
-      </p:ext>
-    </p:extLst>
   </p:cSld>
   <p:clrMapOvr>
     <a:masterClrMapping/>
@@ -8625,7 +8583,13 @@
       </p:grpSpPr>
       <p:sp>
         <p:nvSpPr>
-          <p:cNvPr id="2" name="Title 1"/>
+          <p:cNvPr id="2" name="Title 1">
+            <a:extLst>
+              <a:ext uri="{FF2B5EF4-FFF2-40B4-BE49-F238E27FC236}">
+                <a16:creationId xmlns:a16="http://schemas.microsoft.com/office/drawing/2014/main" id="{C9A8A8A1-72F5-4908-AE41-C69319CA8E7C}"/>
+              </a:ext>
+            </a:extLst>
+          </p:cNvPr>
           <p:cNvSpPr>
             <a:spLocks noGrp="1"/>
           </p:cNvSpPr>
@@ -8640,14 +8604,20 @@
           <a:p>
             <a:r>
               <a:rPr lang="en-US" dirty="0"/>
-              <a:t>What happened to the strategy?</a:t>
-            </a:r>
-          </a:p>
-        </p:txBody>
-      </p:sp>
-      <p:sp>
-        <p:nvSpPr>
-          <p:cNvPr id="3" name="Content Placeholder 2"/>
+              <a:t>Step 4: Unit Tests, part 2</a:t>
+            </a:r>
+          </a:p>
+        </p:txBody>
+      </p:sp>
+      <p:sp>
+        <p:nvSpPr>
+          <p:cNvPr id="3" name="Content Placeholder 2">
+            <a:extLst>
+              <a:ext uri="{FF2B5EF4-FFF2-40B4-BE49-F238E27FC236}">
+                <a16:creationId xmlns:a16="http://schemas.microsoft.com/office/drawing/2014/main" id="{0B0DBD7A-618A-4633-93D2-E9409280ED34}"/>
+              </a:ext>
+            </a:extLst>
+          </p:cNvPr>
           <p:cNvSpPr>
             <a:spLocks noGrp="1"/>
           </p:cNvSpPr>
@@ -8658,35 +8628,153 @@
         <p:spPr/>
         <p:txBody>
           <a:bodyPr>
-            <a:normAutofit fontScale="92500" lnSpcReduction="20000"/>
+            <a:normAutofit fontScale="62500" lnSpcReduction="20000"/>
           </a:bodyPr>
           <a:lstStyle/>
           <a:p>
             <a:r>
               <a:rPr lang="en-US" dirty="0"/>
-              <a:t>We no longer require you to state a design strategy for every function and method.</a:t>
-            </a:r>
-          </a:p>
-          <a:p>
-            <a:r>
-              <a:rPr lang="en-US" dirty="0"/>
-              <a:t>Early in the course, the design strategies you stated helped us to understand what you were trying to do even if your definition was completely wrong. As your programming skills have improved, that should happen less often now.</a:t>
-            </a:r>
-          </a:p>
-          <a:p>
-            <a:r>
-              <a:rPr lang="en-US" dirty="0"/>
-              <a:t>You should still state a design strategy if you think it would help readers to understand your definition.</a:t>
-            </a:r>
-          </a:p>
-          <a:p>
-            <a:endParaRPr lang="en-US" dirty="0"/>
-          </a:p>
-        </p:txBody>
-      </p:sp>
-      <p:sp>
-        <p:nvSpPr>
-          <p:cNvPr id="4" name="Slide Number Placeholder 3"/>
+              <a:t>We still want 100% test coverage.</a:t>
+            </a:r>
+          </a:p>
+          <a:p>
+            <a:r>
+              <a:rPr lang="en-US" dirty="0"/>
+              <a:t>Test observable behavior, as in the previous lesson.</a:t>
+            </a:r>
+          </a:p>
+          <a:p>
+            <a:r>
+              <a:rPr lang="en-US" dirty="0"/>
+              <a:t>Don't assume the </a:t>
+            </a:r>
+            <a:r>
+              <a:rPr lang="en-US" b="1" dirty="0"/>
+              <a:t>equals</a:t>
+            </a:r>
+            <a:r>
+              <a:rPr lang="en-US" dirty="0"/>
+              <a:t> method can be used to compare objects.</a:t>
+            </a:r>
+          </a:p>
+          <a:p>
+            <a:pPr lvl="1"/>
+            <a:r>
+              <a:rPr lang="en-US" dirty="0"/>
+              <a:t>The next module will discuss the </a:t>
+            </a:r>
+            <a:r>
+              <a:rPr lang="en-US" b="1" dirty="0"/>
+              <a:t>equals</a:t>
+            </a:r>
+            <a:r>
+              <a:rPr lang="en-US" dirty="0"/>
+              <a:t> method in more detail. We are talking about it here to help you avoid mistakes we often see in unit tests.</a:t>
+            </a:r>
+          </a:p>
+          <a:p>
+            <a:r>
+              <a:rPr lang="en-US" dirty="0"/>
+              <a:t>In Java, the </a:t>
+            </a:r>
+            <a:r>
+              <a:rPr lang="en-US" b="1" dirty="0"/>
+              <a:t>equals</a:t>
+            </a:r>
+            <a:r>
+              <a:rPr lang="en-US" dirty="0"/>
+              <a:t> method might test all and only the observable behavior of objects it is comparing. If so, you can use it to compare objects. Sometimes, however, the </a:t>
+            </a:r>
+            <a:r>
+              <a:rPr lang="en-US" b="1" dirty="0"/>
+              <a:t>equals</a:t>
+            </a:r>
+            <a:r>
+              <a:rPr lang="en-US" dirty="0"/>
+              <a:t> method defines some notion of equality that does not correspond to identity of observable behavior.</a:t>
+            </a:r>
+          </a:p>
+          <a:p>
+            <a:r>
+              <a:rPr lang="en-US" dirty="0"/>
+              <a:t>In Java, all objects have an equals method. and </a:t>
+            </a:r>
+            <a:r>
+              <a:rPr lang="en-US" b="1" dirty="0" err="1"/>
+              <a:t>x.equals</a:t>
+            </a:r>
+            <a:r>
+              <a:rPr lang="en-US" b="1" dirty="0"/>
+              <a:t>(x)</a:t>
+            </a:r>
+            <a:r>
+              <a:rPr lang="en-US" dirty="0"/>
+              <a:t> is true, so a false value for </a:t>
+            </a:r>
+            <a:r>
+              <a:rPr lang="en-US" b="1" dirty="0" err="1"/>
+              <a:t>x.equals</a:t>
+            </a:r>
+            <a:r>
+              <a:rPr lang="en-US" b="1" dirty="0"/>
+              <a:t>(y) </a:t>
+            </a:r>
+            <a:r>
+              <a:rPr lang="en-US" dirty="0"/>
+              <a:t>counts as an observable difference between </a:t>
+            </a:r>
+            <a:r>
+              <a:rPr lang="en-US" b="1" dirty="0"/>
+              <a:t>x</a:t>
+            </a:r>
+            <a:r>
+              <a:rPr lang="en-US" dirty="0"/>
+              <a:t> and </a:t>
+            </a:r>
+            <a:r>
+              <a:rPr lang="en-US" b="1" dirty="0"/>
+              <a:t>y</a:t>
+            </a:r>
+            <a:r>
+              <a:rPr lang="en-US" dirty="0"/>
+              <a:t>. On the other hand, a true value for </a:t>
+            </a:r>
+            <a:r>
+              <a:rPr lang="en-US" b="1" dirty="0" err="1"/>
+              <a:t>x.equals</a:t>
+            </a:r>
+            <a:r>
+              <a:rPr lang="en-US" b="1" dirty="0"/>
+              <a:t>(y) </a:t>
+            </a:r>
+            <a:r>
+              <a:rPr lang="en-US" dirty="0"/>
+              <a:t>does not necessarily mean there are no observable differences between x and y. The behavior of the equals method becomes even harder to relate to observable behavior when the objects being compared are mutable: </a:t>
+            </a:r>
+            <a:r>
+              <a:rPr lang="en-US" b="1" dirty="0" err="1"/>
+              <a:t>x.equals</a:t>
+            </a:r>
+            <a:r>
+              <a:rPr lang="en-US" b="1" dirty="0"/>
+              <a:t>(y) </a:t>
+            </a:r>
+            <a:r>
+              <a:rPr lang="en-US" dirty="0"/>
+              <a:t>may be true at one moment and false a moment later.</a:t>
+            </a:r>
+          </a:p>
+        </p:txBody>
+      </p:sp>
+      <p:sp>
+        <p:nvSpPr>
+          <p:cNvPr id="4" name="Slide Number Placeholder 3">
+            <a:extLst>
+              <a:ext uri="{FF2B5EF4-FFF2-40B4-BE49-F238E27FC236}">
+                <a16:creationId xmlns:a16="http://schemas.microsoft.com/office/drawing/2014/main" id="{555CE900-A949-42A4-8FB3-1065AE4EDD85}"/>
+              </a:ext>
+            </a:extLst>
+          </p:cNvPr>
           <p:cNvSpPr>
             <a:spLocks noGrp="1"/>
           </p:cNvSpPr>
@@ -8699,9 +8787,8 @@
           <a:bodyPr/>
           <a:lstStyle/>
           <a:p>
-            <a:fld id="{B6F15528-21DE-4FAA-801E-634DDDAF4B2B}" type="slidenum">
+            <a:fld id="{2AF3B5EA-18B6-4040-9F78-6052AF49C681}" type="slidenum">
               <a:rPr lang="en-US" smtClean="0"/>
-              <a:pPr/>
               <a:t>21</a:t>
             </a:fld>
             <a:endParaRPr lang="en-US"/>
@@ -8711,7 +8798,7 @@
     </p:spTree>
     <p:extLst>
       <p:ext uri="{BB962C8B-B14F-4D97-AF65-F5344CB8AC3E}">
-        <p14:creationId xmlns:p14="http://schemas.microsoft.com/office/powerpoint/2010/main" val="1864815552"/>
+        <p14:creationId xmlns:p14="http://schemas.microsoft.com/office/powerpoint/2010/main" val="3179113746"/>
       </p:ext>
     </p:extLst>
   </p:cSld>
@@ -8750,114 +8837,58 @@
         </p:nvSpPr>
         <p:spPr/>
         <p:txBody>
+          <a:bodyPr/>
+          <a:lstStyle/>
+          <a:p>
+            <a:r>
+              <a:rPr lang="en-US" dirty="0"/>
+              <a:t>What happened to the strategy?</a:t>
+            </a:r>
+          </a:p>
+        </p:txBody>
+      </p:sp>
+      <p:sp>
+        <p:nvSpPr>
+          <p:cNvPr id="3" name="Content Placeholder 2"/>
+          <p:cNvSpPr>
+            <a:spLocks noGrp="1"/>
+          </p:cNvSpPr>
+          <p:nvPr>
+            <p:ph idx="1"/>
+          </p:nvPr>
+        </p:nvSpPr>
+        <p:spPr/>
+        <p:txBody>
           <a:bodyPr>
-            <a:normAutofit fontScale="90000"/>
+            <a:normAutofit fontScale="92500" lnSpcReduction="20000"/>
           </a:bodyPr>
           <a:lstStyle/>
           <a:p>
             <a:r>
               <a:rPr lang="en-US" dirty="0"/>
-              <a:t>Simple method definitions don't need design strategies</a:t>
-            </a:r>
-          </a:p>
-        </p:txBody>
-      </p:sp>
-      <p:sp>
-        <p:nvSpPr>
-          <p:cNvPr id="3" name="Content Placeholder 2"/>
-          <p:cNvSpPr>
-            <a:spLocks noGrp="1"/>
-          </p:cNvSpPr>
-          <p:nvPr>
-            <p:ph idx="1"/>
-          </p:nvPr>
-        </p:nvSpPr>
-        <p:spPr/>
-        <p:txBody>
-          <a:bodyPr>
-            <a:normAutofit/>
-          </a:bodyPr>
-          <a:lstStyle/>
-          <a:p>
-            <a:pPr>
-              <a:buNone/>
-            </a:pPr>
-            <a:endParaRPr lang="en-US" sz="2400" b="1" dirty="0">
-              <a:latin typeface="Consolas" pitchFamily="49" charset="0"/>
-              <a:cs typeface="Consolas" pitchFamily="49" charset="0"/>
-            </a:endParaRPr>
-          </a:p>
-          <a:p>
-            <a:pPr>
-              <a:buNone/>
-            </a:pPr>
-            <a:r>
-              <a:rPr lang="en-US" sz="2400" b="1" dirty="0">
-                <a:latin typeface="Consolas" pitchFamily="49" charset="0"/>
-                <a:cs typeface="Consolas" pitchFamily="49" charset="0"/>
-              </a:rPr>
-              <a:t>(define/public (weight) (* l l))</a:t>
-            </a:r>
-          </a:p>
-          <a:p>
-            <a:pPr>
-              <a:buNone/>
-            </a:pPr>
-            <a:endParaRPr lang="en-US" sz="2400" b="1" dirty="0">
-              <a:latin typeface="Consolas" pitchFamily="49" charset="0"/>
-              <a:cs typeface="Consolas" pitchFamily="49" charset="0"/>
-            </a:endParaRPr>
-          </a:p>
-          <a:p>
-            <a:pPr>
-              <a:buNone/>
-            </a:pPr>
-            <a:r>
-              <a:rPr lang="en-US" sz="2400" b="1" dirty="0">
-                <a:latin typeface="Consolas" pitchFamily="49" charset="0"/>
-                <a:cs typeface="Consolas" pitchFamily="49" charset="0"/>
-              </a:rPr>
-              <a:t>(define/public (volume)</a:t>
-            </a:r>
-          </a:p>
-          <a:p>
-            <a:pPr>
-              <a:buNone/>
-            </a:pPr>
-            <a:r>
-              <a:rPr lang="en-US" sz="2400" b="1" dirty="0">
-                <a:latin typeface="Consolas" pitchFamily="49" charset="0"/>
-                <a:cs typeface="Consolas" pitchFamily="49" charset="0"/>
-              </a:rPr>
-              <a:t>  (* (send this height)</a:t>
-            </a:r>
-          </a:p>
-          <a:p>
-            <a:pPr>
-              <a:buNone/>
-            </a:pPr>
-            <a:r>
-              <a:rPr lang="en-US" sz="2400" b="1" dirty="0">
-                <a:latin typeface="Consolas" pitchFamily="49" charset="0"/>
-                <a:cs typeface="Consolas" pitchFamily="49" charset="0"/>
-              </a:rPr>
-              <a:t>     (send this area)))</a:t>
-            </a:r>
-          </a:p>
-          <a:p>
-            <a:pPr>
-              <a:buNone/>
-            </a:pPr>
-            <a:endParaRPr lang="en-US" sz="2400" b="1" dirty="0">
-              <a:latin typeface="Consolas" pitchFamily="49" charset="0"/>
-              <a:cs typeface="Consolas" pitchFamily="49" charset="0"/>
-            </a:endParaRPr>
-          </a:p>
-        </p:txBody>
-      </p:sp>
-      <p:sp>
-        <p:nvSpPr>
-          <p:cNvPr id="6" name="Slide Number Placeholder 5"/>
+              <a:t>We no longer require you to state a design strategy for every function and method.</a:t>
+            </a:r>
+          </a:p>
+          <a:p>
+            <a:r>
+              <a:rPr lang="en-US" dirty="0"/>
+              <a:t>Early in the course, the design strategies you stated helped us to understand what you were trying to do even if your definition was completely wrong. As your programming skills have improved, that should happen less often now.</a:t>
+            </a:r>
+          </a:p>
+          <a:p>
+            <a:r>
+              <a:rPr lang="en-US" dirty="0"/>
+              <a:t>You should still state a design strategy if you think it would help readers to understand your definition.</a:t>
+            </a:r>
+          </a:p>
+          <a:p>
+            <a:endParaRPr lang="en-US" dirty="0"/>
+          </a:p>
+        </p:txBody>
+      </p:sp>
+      <p:sp>
+        <p:nvSpPr>
+          <p:cNvPr id="4" name="Slide Number Placeholder 3"/>
           <p:cNvSpPr>
             <a:spLocks noGrp="1"/>
           </p:cNvSpPr>
@@ -8880,6 +8911,11 @@
         </p:txBody>
       </p:sp>
     </p:spTree>
+    <p:extLst>
+      <p:ext uri="{BB962C8B-B14F-4D97-AF65-F5344CB8AC3E}">
+        <p14:creationId xmlns:p14="http://schemas.microsoft.com/office/powerpoint/2010/main" val="1864815552"/>
+      </p:ext>
+    </p:extLst>
   </p:cSld>
   <p:clrMapOvr>
     <a:masterClrMapping/>
@@ -8923,8 +8959,15 @@
           <a:p>
             <a:r>
               <a:rPr lang="en-US" dirty="0"/>
-              <a:t>Method definitions that don't need design strategies (2)</a:t>
-            </a:r>
+              <a:t>The real OO Design Strategies are the </a:t>
+            </a:r>
+            <a:r>
+              <a:rPr lang="en-US" dirty="0">
+                <a:sym typeface="Wingdings" pitchFamily="2" charset="2"/>
+              </a:rPr>
+              <a:t>Patterns</a:t>
+            </a:r>
+            <a:endParaRPr lang="en-US" dirty="0"/>
           </a:p>
         </p:txBody>
       </p:sp>
@@ -8945,154 +8988,98 @@
           </a:bodyPr>
           <a:lstStyle/>
           <a:p>
-            <a:pPr>
-              <a:buNone/>
-            </a:pPr>
-            <a:endParaRPr lang="en-US" sz="2400" b="1" dirty="0">
-              <a:latin typeface="Consolas" pitchFamily="49" charset="0"/>
-              <a:cs typeface="Consolas" pitchFamily="49" charset="0"/>
-            </a:endParaRPr>
-          </a:p>
-          <a:p>
-            <a:pPr>
-              <a:buNone/>
-            </a:pPr>
-            <a:r>
-              <a:rPr lang="en-US" sz="2400" b="1" dirty="0">
-                <a:latin typeface="Consolas" pitchFamily="49" charset="0"/>
-                <a:cs typeface="Consolas" pitchFamily="49" charset="0"/>
+            <a:r>
+              <a:rPr lang="en-US" dirty="0"/>
+              <a:t>In OO world, the important design strategies are at the class level.</a:t>
+            </a:r>
+          </a:p>
+          <a:p>
+            <a:r>
+              <a:rPr lang="en-US" dirty="0"/>
+              <a:t>Examples:</a:t>
+            </a:r>
+          </a:p>
+          <a:p>
+            <a:pPr lvl="1"/>
+            <a:r>
+              <a:rPr lang="en-US" dirty="0">
+                <a:sym typeface="Wingdings" pitchFamily="2" charset="2"/>
               </a:rPr>
-              <a:t>(define/public (weight) </a:t>
-            </a:r>
-          </a:p>
-          <a:p>
-            <a:pPr>
-              <a:buNone/>
-            </a:pPr>
-            <a:r>
-              <a:rPr lang="en-US" sz="2400" b="1" dirty="0">
-                <a:latin typeface="Consolas" pitchFamily="49" charset="0"/>
-                <a:cs typeface="Consolas" pitchFamily="49" charset="0"/>
+              <a:t>composite pattern (</a:t>
+            </a:r>
+            <a:r>
+              <a:rPr lang="en-US" dirty="0" err="1">
+                <a:sym typeface="Wingdings" pitchFamily="2" charset="2"/>
               </a:rPr>
-              <a:t>   (+ (send front weight)</a:t>
-            </a:r>
-          </a:p>
-          <a:p>
-            <a:pPr>
-              <a:buNone/>
-            </a:pPr>
-            <a:r>
-              <a:rPr lang="en-US" sz="2400" b="1" dirty="0">
-                <a:latin typeface="Consolas" pitchFamily="49" charset="0"/>
-                <a:cs typeface="Consolas" pitchFamily="49" charset="0"/>
+              <a:t>eg</a:t>
+            </a:r>
+            <a:r>
+              <a:rPr lang="en-US" dirty="0">
+                <a:sym typeface="Wingdings" pitchFamily="2" charset="2"/>
               </a:rPr>
-              <a:t>      (send back weight)))</a:t>
-            </a:r>
-          </a:p>
-          <a:p>
-            <a:pPr>
-              <a:buNone/>
-            </a:pPr>
-            <a:endParaRPr lang="en-US" sz="2400" b="1" dirty="0">
-              <a:latin typeface="Consolas" pitchFamily="49" charset="0"/>
-              <a:cs typeface="Consolas" pitchFamily="49" charset="0"/>
-            </a:endParaRPr>
-          </a:p>
-          <a:p>
-            <a:pPr>
-              <a:buNone/>
-            </a:pPr>
-            <a:endParaRPr lang="en-US" sz="2400" b="1" dirty="0">
-              <a:latin typeface="Consolas" pitchFamily="49" charset="0"/>
-              <a:cs typeface="Consolas" pitchFamily="49" charset="0"/>
-            </a:endParaRPr>
-          </a:p>
-          <a:p>
-            <a:pPr>
-              <a:buNone/>
-            </a:pPr>
-            <a:r>
-              <a:rPr lang="en-US" sz="2400" b="1" dirty="0">
-                <a:latin typeface="Consolas" pitchFamily="49" charset="0"/>
-                <a:cs typeface="Consolas" pitchFamily="49" charset="0"/>
+              <a:t>, composite shapes)</a:t>
+            </a:r>
+          </a:p>
+          <a:p>
+            <a:pPr lvl="1"/>
+            <a:r>
+              <a:rPr lang="en-US" dirty="0">
+                <a:sym typeface="Wingdings" pitchFamily="2" charset="2"/>
               </a:rPr>
-              <a:t>(define/public (volume other-</a:t>
-            </a:r>
-            <a:r>
-              <a:rPr lang="en-US" sz="2400" b="1" dirty="0" err="1">
-                <a:latin typeface="Consolas" pitchFamily="49" charset="0"/>
-                <a:cs typeface="Consolas" pitchFamily="49" charset="0"/>
+              <a:t>functional visitor pattern</a:t>
+            </a:r>
+          </a:p>
+          <a:p>
+            <a:pPr lvl="1"/>
+            <a:r>
+              <a:rPr lang="en-US" dirty="0">
+                <a:sym typeface="Wingdings" pitchFamily="2" charset="2"/>
               </a:rPr>
-              <a:t>obj</a:t>
-            </a:r>
-            <a:r>
-              <a:rPr lang="en-US" sz="2400" b="1" dirty="0">
-                <a:latin typeface="Consolas" pitchFamily="49" charset="0"/>
-                <a:cs typeface="Consolas" pitchFamily="49" charset="0"/>
+              <a:t>MapReduce pattern</a:t>
+            </a:r>
+          </a:p>
+          <a:p>
+            <a:pPr lvl="1"/>
+            <a:r>
+              <a:rPr lang="en-US" dirty="0">
+                <a:sym typeface="Wingdings" pitchFamily="2" charset="2"/>
               </a:rPr>
-              <a:t>) </a:t>
-            </a:r>
-          </a:p>
-          <a:p>
-            <a:pPr>
-              <a:buNone/>
-            </a:pPr>
-            <a:r>
-              <a:rPr lang="en-US" sz="2400" b="1" dirty="0">
-                <a:latin typeface="Consolas" pitchFamily="49" charset="0"/>
-                <a:cs typeface="Consolas" pitchFamily="49" charset="0"/>
+              <a:t>static factory method pattern</a:t>
+            </a:r>
+          </a:p>
+          <a:p>
+            <a:pPr lvl="1"/>
+            <a:r>
+              <a:rPr lang="en-US" dirty="0">
+                <a:sym typeface="Wingdings" pitchFamily="2" charset="2"/>
               </a:rPr>
-              <a:t>   (* (send other-</a:t>
-            </a:r>
-            <a:r>
-              <a:rPr lang="en-US" sz="2400" b="1" dirty="0" err="1">
-                <a:latin typeface="Consolas" pitchFamily="49" charset="0"/>
-                <a:cs typeface="Consolas" pitchFamily="49" charset="0"/>
+              <a:t>strategy pattern (</a:t>
+            </a:r>
+            <a:r>
+              <a:rPr lang="en-US" dirty="0" err="1">
+                <a:sym typeface="Wingdings" pitchFamily="2" charset="2"/>
               </a:rPr>
-              <a:t>obj</a:t>
-            </a:r>
-            <a:r>
-              <a:rPr lang="en-US" sz="2400" b="1" dirty="0">
-                <a:latin typeface="Consolas" pitchFamily="49" charset="0"/>
-                <a:cs typeface="Consolas" pitchFamily="49" charset="0"/>
+              <a:t>eg</a:t>
+            </a:r>
+            <a:r>
+              <a:rPr lang="en-US" dirty="0">
+                <a:sym typeface="Wingdings" pitchFamily="2" charset="2"/>
               </a:rPr>
-              <a:t> area)</a:t>
-            </a:r>
-          </a:p>
-          <a:p>
-            <a:pPr>
-              <a:buNone/>
-            </a:pPr>
-            <a:r>
-              <a:rPr lang="en-US" sz="2400" b="1" dirty="0">
-                <a:latin typeface="Consolas" pitchFamily="49" charset="0"/>
-                <a:cs typeface="Consolas" pitchFamily="49" charset="0"/>
+              <a:t>, next week’s </a:t>
+            </a:r>
+            <a:r>
+              <a:rPr lang="en-US" b="1" dirty="0" err="1">
+                <a:sym typeface="Wingdings" pitchFamily="2" charset="2"/>
               </a:rPr>
-              <a:t>      (send other-</a:t>
-            </a:r>
-            <a:r>
-              <a:rPr lang="en-US" sz="2400" b="1" dirty="0" err="1">
-                <a:latin typeface="Consolas" pitchFamily="49" charset="0"/>
-                <a:cs typeface="Consolas" pitchFamily="49" charset="0"/>
+              <a:t>Fmap</a:t>
+            </a:r>
+            <a:r>
+              <a:rPr lang="en-US" dirty="0">
+                <a:sym typeface="Wingdings" pitchFamily="2" charset="2"/>
               </a:rPr>
-              <a:t>obj</a:t>
-            </a:r>
-            <a:r>
-              <a:rPr lang="en-US" sz="2400" b="1" dirty="0">
-                <a:latin typeface="Consolas" pitchFamily="49" charset="0"/>
-                <a:cs typeface="Consolas" pitchFamily="49" charset="0"/>
-              </a:rPr>
-              <a:t> height)))</a:t>
-            </a:r>
-          </a:p>
-          <a:p>
-            <a:pPr>
-              <a:buNone/>
-            </a:pPr>
-            <a:endParaRPr lang="en-US" sz="2400" b="1" dirty="0">
-              <a:latin typeface="Consolas" pitchFamily="49" charset="0"/>
-              <a:cs typeface="Consolas" pitchFamily="49" charset="0"/>
-            </a:endParaRPr>
+              <a:t> example)</a:t>
+            </a:r>
+            <a:endParaRPr lang="en-US" dirty="0"/>
           </a:p>
         </p:txBody>
       </p:sp>
@@ -9117,136 +9104,6 @@
               <a:t>23</a:t>
             </a:fld>
             <a:endParaRPr lang="en-US"/>
-          </a:p>
-        </p:txBody>
-      </p:sp>
-      <p:sp>
-        <p:nvSpPr>
-          <p:cNvPr id="5" name="Rectangle 4"/>
-          <p:cNvSpPr/>
-          <p:nvPr/>
-        </p:nvSpPr>
-        <p:spPr>
-          <a:xfrm>
-            <a:off x="5486400" y="2286000"/>
-            <a:ext cx="3169920" cy="685800"/>
-          </a:xfrm>
-          <a:prstGeom prst="rect">
-            <a:avLst/>
-          </a:prstGeom>
-          <a:solidFill>
-            <a:schemeClr val="accent1">
-              <a:lumMod val="20000"/>
-              <a:lumOff val="80000"/>
-            </a:schemeClr>
-          </a:solidFill>
-          <a:ln>
-            <a:noFill/>
-          </a:ln>
-        </p:spPr>
-        <p:style>
-          <a:lnRef idx="2">
-            <a:schemeClr val="accent3"/>
-          </a:lnRef>
-          <a:fillRef idx="1">
-            <a:schemeClr val="lt1"/>
-          </a:fillRef>
-          <a:effectRef idx="0">
-            <a:schemeClr val="accent3"/>
-          </a:effectRef>
-          <a:fontRef idx="minor">
-            <a:schemeClr val="dk1"/>
-          </a:fontRef>
-        </p:style>
-        <p:txBody>
-          <a:bodyPr rtlCol="0" anchor="ctr"/>
-          <a:lstStyle/>
-          <a:p>
-            <a:r>
-              <a:rPr lang="en-US" sz="1400" dirty="0">
-                <a:solidFill>
-                  <a:schemeClr val="tx1"/>
-                </a:solidFill>
-              </a:rPr>
-              <a:t>You could describe this as “recur on front and back” if you wanted, but you don’t have to.</a:t>
-            </a:r>
-          </a:p>
-        </p:txBody>
-      </p:sp>
-      <p:sp>
-        <p:nvSpPr>
-          <p:cNvPr id="6" name="Rectangle 5"/>
-          <p:cNvSpPr/>
-          <p:nvPr/>
-        </p:nvSpPr>
-        <p:spPr>
-          <a:xfrm>
-            <a:off x="5989320" y="4724400"/>
-            <a:ext cx="2667000" cy="685800"/>
-          </a:xfrm>
-          <a:prstGeom prst="rect">
-            <a:avLst/>
-          </a:prstGeom>
-          <a:solidFill>
-            <a:schemeClr val="accent1">
-              <a:lumMod val="20000"/>
-              <a:lumOff val="80000"/>
-            </a:schemeClr>
-          </a:solidFill>
-          <a:ln>
-            <a:noFill/>
-          </a:ln>
-        </p:spPr>
-        <p:style>
-          <a:lnRef idx="2">
-            <a:schemeClr val="accent3"/>
-          </a:lnRef>
-          <a:fillRef idx="1">
-            <a:schemeClr val="lt1"/>
-          </a:fillRef>
-          <a:effectRef idx="0">
-            <a:schemeClr val="accent3"/>
-          </a:effectRef>
-          <a:fontRef idx="minor">
-            <a:schemeClr val="dk1"/>
-          </a:fontRef>
-        </p:style>
-        <p:txBody>
-          <a:bodyPr rtlCol="0" anchor="ctr"/>
-          <a:lstStyle/>
-          <a:p>
-            <a:r>
-              <a:rPr lang="en-US" sz="1400" dirty="0">
-                <a:solidFill>
-                  <a:schemeClr val="tx1"/>
-                </a:solidFill>
-              </a:rPr>
-              <a:t>You could this as “get needed data from </a:t>
-            </a:r>
-            <a:r>
-              <a:rPr lang="en-US" sz="1400" b="1" dirty="0">
-                <a:solidFill>
-                  <a:schemeClr val="tx1"/>
-                </a:solidFill>
-              </a:rPr>
-              <a:t>other-</a:t>
-            </a:r>
-            <a:r>
-              <a:rPr lang="en-US" sz="1400" b="1" dirty="0" err="1">
-                <a:solidFill>
-                  <a:schemeClr val="tx1"/>
-                </a:solidFill>
-              </a:rPr>
-              <a:t>obj</a:t>
-            </a:r>
-            <a:r>
-              <a:rPr lang="en-US" sz="1400" dirty="0">
-                <a:solidFill>
-                  <a:schemeClr val="tx1"/>
-                </a:solidFill>
-              </a:rPr>
-              <a:t>” if you wanted, but you don’t have to.</a:t>
-            </a:r>
           </a:p>
         </p:txBody>
       </p:sp>
@@ -9277,7 +9134,13 @@
       </p:grpSpPr>
       <p:sp>
         <p:nvSpPr>
-          <p:cNvPr id="2" name="Title 1"/>
+          <p:cNvPr id="2" name="Title 1">
+            <a:extLst>
+              <a:ext uri="{FF2B5EF4-FFF2-40B4-BE49-F238E27FC236}">
+                <a16:creationId xmlns:a16="http://schemas.microsoft.com/office/drawing/2014/main" id="{024C1161-54EC-4AD6-9C8F-90BEF79A8488}"/>
+              </a:ext>
+            </a:extLst>
+          </p:cNvPr>
           <p:cNvSpPr>
             <a:spLocks noGrp="1"/>
           </p:cNvSpPr>
@@ -9287,21 +9150,25 @@
         </p:nvSpPr>
         <p:spPr/>
         <p:txBody>
-          <a:bodyPr>
-            <a:normAutofit fontScale="90000"/>
-          </a:bodyPr>
-          <a:lstStyle/>
-          <a:p>
-            <a:r>
-              <a:rPr lang="en-US" dirty="0"/>
-              <a:t>This also doesn't need a design strategy, but it might help</a:t>
-            </a:r>
-          </a:p>
-        </p:txBody>
-      </p:sp>
-      <p:sp>
-        <p:nvSpPr>
-          <p:cNvPr id="3" name="Content Placeholder 2"/>
+          <a:bodyPr/>
+          <a:lstStyle/>
+          <a:p>
+            <a:r>
+              <a:rPr lang="en-US" dirty="0"/>
+              <a:t>Remember:</a:t>
+            </a:r>
+          </a:p>
+        </p:txBody>
+      </p:sp>
+      <p:sp>
+        <p:nvSpPr>
+          <p:cNvPr id="3" name="Content Placeholder 2">
+            <a:extLst>
+              <a:ext uri="{FF2B5EF4-FFF2-40B4-BE49-F238E27FC236}">
+                <a16:creationId xmlns:a16="http://schemas.microsoft.com/office/drawing/2014/main" id="{07BC52C3-17AA-4D8B-8001-5AD23358035D}"/>
+              </a:ext>
+            </a:extLst>
+          </p:cNvPr>
           <p:cNvSpPr>
             <a:spLocks noGrp="1"/>
           </p:cNvSpPr>
@@ -9309,153 +9176,27 @@
             <p:ph idx="1"/>
           </p:nvPr>
         </p:nvSpPr>
-        <p:spPr>
-          <a:xfrm>
-            <a:off x="228600" y="1600200"/>
-            <a:ext cx="8686800" cy="4525963"/>
-          </a:xfrm>
-        </p:spPr>
-        <p:txBody>
-          <a:bodyPr>
-            <a:normAutofit/>
-          </a:bodyPr>
-          <a:lstStyle/>
-          <a:p>
-            <a:pPr>
-              <a:spcBef>
-                <a:spcPts val="0"/>
-              </a:spcBef>
-              <a:buNone/>
-            </a:pPr>
-            <a:r>
-              <a:rPr lang="en-US" sz="2000" b="1" dirty="0">
-                <a:latin typeface="Consolas" pitchFamily="49" charset="0"/>
-                <a:cs typeface="Consolas" pitchFamily="49" charset="0"/>
-              </a:rPr>
-              <a:t>;; STRATEGY: Use HOF map to send after-tick to each of the</a:t>
-            </a:r>
-          </a:p>
-          <a:p>
-            <a:pPr>
-              <a:spcBef>
-                <a:spcPts val="0"/>
-              </a:spcBef>
-              <a:buNone/>
-            </a:pPr>
-            <a:r>
-              <a:rPr lang="en-US" sz="2000" b="1" dirty="0">
-                <a:latin typeface="Consolas" pitchFamily="49" charset="0"/>
-                <a:cs typeface="Consolas" pitchFamily="49" charset="0"/>
-              </a:rPr>
-              <a:t>;;  widgets</a:t>
-            </a:r>
-          </a:p>
-          <a:p>
-            <a:pPr>
-              <a:spcBef>
-                <a:spcPts val="0"/>
-              </a:spcBef>
-              <a:buNone/>
-            </a:pPr>
-            <a:endParaRPr lang="en-US" sz="2000" b="1" dirty="0">
-              <a:latin typeface="Consolas" pitchFamily="49" charset="0"/>
-              <a:cs typeface="Consolas" pitchFamily="49" charset="0"/>
-            </a:endParaRPr>
-          </a:p>
-          <a:p>
-            <a:pPr>
-              <a:spcBef>
-                <a:spcPts val="0"/>
-              </a:spcBef>
-              <a:buNone/>
-            </a:pPr>
-            <a:r>
-              <a:rPr lang="en-US" sz="2000" b="1" dirty="0">
-                <a:latin typeface="Consolas" pitchFamily="49" charset="0"/>
-                <a:cs typeface="Consolas" pitchFamily="49" charset="0"/>
-              </a:rPr>
-              <a:t>(define/public (after-tick)</a:t>
-            </a:r>
-          </a:p>
-          <a:p>
-            <a:pPr>
-              <a:spcBef>
-                <a:spcPts val="0"/>
-              </a:spcBef>
-              <a:buNone/>
-            </a:pPr>
-            <a:r>
-              <a:rPr lang="en-US" sz="2000" b="1" dirty="0">
-                <a:latin typeface="Consolas" pitchFamily="49" charset="0"/>
-                <a:cs typeface="Consolas" pitchFamily="49" charset="0"/>
-              </a:rPr>
-              <a:t>  (new World%</a:t>
-            </a:r>
-          </a:p>
-          <a:p>
-            <a:pPr>
-              <a:spcBef>
-                <a:spcPts val="0"/>
-              </a:spcBef>
-              <a:buNone/>
-            </a:pPr>
-            <a:r>
-              <a:rPr lang="en-US" sz="2000" b="1" dirty="0">
-                <a:latin typeface="Consolas" pitchFamily="49" charset="0"/>
-                <a:cs typeface="Consolas" pitchFamily="49" charset="0"/>
-              </a:rPr>
-              <a:t>    [widgets (map</a:t>
-            </a:r>
-          </a:p>
-          <a:p>
-            <a:pPr>
-              <a:spcBef>
-                <a:spcPts val="0"/>
-              </a:spcBef>
-              <a:buNone/>
-            </a:pPr>
-            <a:r>
-              <a:rPr lang="en-US" sz="2000" b="1" dirty="0">
-                <a:latin typeface="Consolas" pitchFamily="49" charset="0"/>
-                <a:cs typeface="Consolas" pitchFamily="49" charset="0"/>
-              </a:rPr>
-              <a:t>              (lambda (widget</a:t>
-            </a:r>
-            <a:r>
-              <a:rPr lang="en-US" sz="2000" b="1">
-                <a:latin typeface="Consolas" pitchFamily="49" charset="0"/>
-                <a:cs typeface="Consolas" pitchFamily="49" charset="0"/>
-              </a:rPr>
-              <a:t>) (</a:t>
-            </a:r>
-            <a:r>
-              <a:rPr lang="en-US" sz="2000" b="1" dirty="0">
-                <a:latin typeface="Consolas" pitchFamily="49" charset="0"/>
-                <a:cs typeface="Consolas" pitchFamily="49" charset="0"/>
-              </a:rPr>
-              <a:t>send widget after-tick))</a:t>
-            </a:r>
-          </a:p>
-          <a:p>
-            <a:pPr>
-              <a:spcBef>
-                <a:spcPts val="0"/>
-              </a:spcBef>
-              <a:buNone/>
-            </a:pPr>
-            <a:r>
-              <a:rPr lang="en-US" sz="2000" b="1" dirty="0">
-                <a:latin typeface="Consolas" pitchFamily="49" charset="0"/>
-                <a:cs typeface="Consolas" pitchFamily="49" charset="0"/>
-              </a:rPr>
-              <a:t>              widgets)]))</a:t>
-            </a:r>
-          </a:p>
-        </p:txBody>
-      </p:sp>
-      <p:sp>
-        <p:nvSpPr>
-          <p:cNvPr id="4" name="Slide Number Placeholder 3"/>
+        <p:spPr/>
+        <p:txBody>
+          <a:bodyPr/>
+          <a:lstStyle/>
+          <a:p>
+            <a:r>
+              <a:rPr lang="en-US" dirty="0"/>
+              <a:t>The design recipe is a process, not just a list of deliverables.</a:t>
+            </a:r>
+          </a:p>
+        </p:txBody>
+      </p:sp>
+      <p:sp>
+        <p:nvSpPr>
+          <p:cNvPr id="4" name="Slide Number Placeholder 3">
+            <a:extLst>
+              <a:ext uri="{FF2B5EF4-FFF2-40B4-BE49-F238E27FC236}">
+                <a16:creationId xmlns:a16="http://schemas.microsoft.com/office/drawing/2014/main" id="{29EF32CA-0086-46BB-86C7-07BB7912CE26}"/>
+              </a:ext>
+            </a:extLst>
+          </p:cNvPr>
           <p:cNvSpPr>
             <a:spLocks noGrp="1"/>
           </p:cNvSpPr>
@@ -9468,9 +9209,8 @@
           <a:bodyPr/>
           <a:lstStyle/>
           <a:p>
-            <a:fld id="{B6F15528-21DE-4FAA-801E-634DDDAF4B2B}" type="slidenum">
+            <a:fld id="{2AF3B5EA-18B6-4040-9F78-6052AF49C681}" type="slidenum">
               <a:rPr lang="en-US" smtClean="0"/>
-              <a:pPr/>
               <a:t>24</a:t>
             </a:fld>
             <a:endParaRPr lang="en-US"/>
@@ -9478,6 +9218,11 @@
         </p:txBody>
       </p:sp>
     </p:spTree>
+    <p:extLst>
+      <p:ext uri="{BB962C8B-B14F-4D97-AF65-F5344CB8AC3E}">
+        <p14:creationId xmlns:p14="http://schemas.microsoft.com/office/powerpoint/2010/main" val="1182208655"/>
+      </p:ext>
+    </p:extLst>
   </p:cSld>
   <p:clrMapOvr>
     <a:masterClrMapping/>
@@ -9514,2611 +9259,6 @@
         </p:nvSpPr>
         <p:spPr/>
         <p:txBody>
-          <a:bodyPr>
-            <a:normAutofit fontScale="90000"/>
-          </a:bodyPr>
-          <a:lstStyle/>
-          <a:p>
-            <a:r>
-              <a:rPr lang="en-US" dirty="0"/>
-              <a:t>Another method  where the design strategy is optional</a:t>
-            </a:r>
-          </a:p>
-        </p:txBody>
-      </p:sp>
-      <p:sp>
-        <p:nvSpPr>
-          <p:cNvPr id="3" name="Content Placeholder 2"/>
-          <p:cNvSpPr>
-            <a:spLocks noGrp="1"/>
-          </p:cNvSpPr>
-          <p:nvPr>
-            <p:ph idx="1"/>
-          </p:nvPr>
-        </p:nvSpPr>
-        <p:spPr/>
-        <p:txBody>
-          <a:bodyPr>
-            <a:normAutofit/>
-          </a:bodyPr>
-          <a:lstStyle/>
-          <a:p>
-            <a:pPr>
-              <a:spcBef>
-                <a:spcPts val="0"/>
-              </a:spcBef>
-              <a:buNone/>
-            </a:pPr>
-            <a:r>
-              <a:rPr lang="en-US" sz="2400" b="1" dirty="0">
-                <a:latin typeface="Consolas" pitchFamily="49" charset="0"/>
-                <a:cs typeface="Consolas" pitchFamily="49" charset="0"/>
-              </a:rPr>
-              <a:t>;; STRATEGY: Cases on </a:t>
-            </a:r>
-            <a:r>
-              <a:rPr lang="en-US" sz="2400" b="1" dirty="0" err="1">
-                <a:latin typeface="Consolas" pitchFamily="49" charset="0"/>
-                <a:cs typeface="Consolas" pitchFamily="49" charset="0"/>
-              </a:rPr>
-              <a:t>MouseEvent</a:t>
-            </a:r>
-            <a:r>
-              <a:rPr lang="en-US" sz="2400" b="1" dirty="0">
-                <a:latin typeface="Consolas" pitchFamily="49" charset="0"/>
-                <a:cs typeface="Consolas" pitchFamily="49" charset="0"/>
-              </a:rPr>
-              <a:t> </a:t>
-            </a:r>
-            <a:r>
-              <a:rPr lang="en-US" sz="2400" b="1" dirty="0" err="1">
-                <a:latin typeface="Consolas" pitchFamily="49" charset="0"/>
-                <a:cs typeface="Consolas" pitchFamily="49" charset="0"/>
-              </a:rPr>
-              <a:t>mev</a:t>
-            </a:r>
-            <a:endParaRPr lang="en-US" sz="2400" b="1" dirty="0">
-              <a:latin typeface="Consolas" pitchFamily="49" charset="0"/>
-              <a:cs typeface="Consolas" pitchFamily="49" charset="0"/>
-            </a:endParaRPr>
-          </a:p>
-          <a:p>
-            <a:pPr>
-              <a:spcBef>
-                <a:spcPts val="0"/>
-              </a:spcBef>
-              <a:buNone/>
-            </a:pPr>
-            <a:endParaRPr lang="en-US" sz="2400" b="1" dirty="0">
-              <a:latin typeface="Consolas" pitchFamily="49" charset="0"/>
-              <a:cs typeface="Consolas" pitchFamily="49" charset="0"/>
-            </a:endParaRPr>
-          </a:p>
-          <a:p>
-            <a:pPr>
-              <a:spcBef>
-                <a:spcPts val="0"/>
-              </a:spcBef>
-              <a:buNone/>
-            </a:pPr>
-            <a:r>
-              <a:rPr lang="en-US" sz="2400" b="1" dirty="0">
-                <a:latin typeface="Consolas" pitchFamily="49" charset="0"/>
-                <a:cs typeface="Consolas" pitchFamily="49" charset="0"/>
-              </a:rPr>
-              <a:t>(define/public (after-mouse-event mx my </a:t>
-            </a:r>
-            <a:r>
-              <a:rPr lang="en-US" sz="2400" b="1" dirty="0" err="1">
-                <a:latin typeface="Consolas" pitchFamily="49" charset="0"/>
-                <a:cs typeface="Consolas" pitchFamily="49" charset="0"/>
-              </a:rPr>
-              <a:t>mev</a:t>
-            </a:r>
-            <a:r>
-              <a:rPr lang="en-US" sz="2400" b="1" dirty="0">
-                <a:latin typeface="Consolas" pitchFamily="49" charset="0"/>
-                <a:cs typeface="Consolas" pitchFamily="49" charset="0"/>
-              </a:rPr>
-              <a:t>)</a:t>
-            </a:r>
-          </a:p>
-          <a:p>
-            <a:pPr>
-              <a:spcBef>
-                <a:spcPts val="0"/>
-              </a:spcBef>
-              <a:buNone/>
-            </a:pPr>
-            <a:r>
-              <a:rPr lang="en-US" sz="2400" b="1" dirty="0">
-                <a:latin typeface="Consolas" pitchFamily="49" charset="0"/>
-                <a:cs typeface="Consolas" pitchFamily="49" charset="0"/>
-              </a:rPr>
-              <a:t>  (</a:t>
-            </a:r>
-            <a:r>
-              <a:rPr lang="en-US" sz="2400" b="1" dirty="0" err="1">
-                <a:latin typeface="Consolas" pitchFamily="49" charset="0"/>
-                <a:cs typeface="Consolas" pitchFamily="49" charset="0"/>
-              </a:rPr>
-              <a:t>cond</a:t>
-            </a:r>
-            <a:endParaRPr lang="en-US" sz="2400" b="1" dirty="0">
-              <a:latin typeface="Consolas" pitchFamily="49" charset="0"/>
-              <a:cs typeface="Consolas" pitchFamily="49" charset="0"/>
-            </a:endParaRPr>
-          </a:p>
-          <a:p>
-            <a:pPr>
-              <a:spcBef>
-                <a:spcPts val="0"/>
-              </a:spcBef>
-              <a:buNone/>
-            </a:pPr>
-            <a:r>
-              <a:rPr lang="en-US" sz="2400" b="1" dirty="0">
-                <a:latin typeface="Consolas" pitchFamily="49" charset="0"/>
-                <a:cs typeface="Consolas" pitchFamily="49" charset="0"/>
-              </a:rPr>
-              <a:t>    [(mouse=? </a:t>
-            </a:r>
-            <a:r>
-              <a:rPr lang="en-US" sz="2400" b="1" dirty="0" err="1">
-                <a:latin typeface="Consolas" pitchFamily="49" charset="0"/>
-                <a:cs typeface="Consolas" pitchFamily="49" charset="0"/>
-              </a:rPr>
-              <a:t>mev</a:t>
-            </a:r>
-            <a:r>
-              <a:rPr lang="en-US" sz="2400" b="1" dirty="0">
-                <a:latin typeface="Consolas" pitchFamily="49" charset="0"/>
-                <a:cs typeface="Consolas" pitchFamily="49" charset="0"/>
-              </a:rPr>
-              <a:t> "button-down") ...]</a:t>
-            </a:r>
-          </a:p>
-          <a:p>
-            <a:pPr>
-              <a:spcBef>
-                <a:spcPts val="0"/>
-              </a:spcBef>
-              <a:buNone/>
-            </a:pPr>
-            <a:r>
-              <a:rPr lang="en-US" sz="2400" b="1" dirty="0">
-                <a:latin typeface="Consolas" pitchFamily="49" charset="0"/>
-                <a:cs typeface="Consolas" pitchFamily="49" charset="0"/>
-              </a:rPr>
-              <a:t>    [(mouse=? </a:t>
-            </a:r>
-            <a:r>
-              <a:rPr lang="en-US" sz="2400" b="1" dirty="0" err="1">
-                <a:latin typeface="Consolas" pitchFamily="49" charset="0"/>
-                <a:cs typeface="Consolas" pitchFamily="49" charset="0"/>
-              </a:rPr>
-              <a:t>mev</a:t>
-            </a:r>
-            <a:r>
-              <a:rPr lang="en-US" sz="2400" b="1" dirty="0">
-                <a:latin typeface="Consolas" pitchFamily="49" charset="0"/>
-                <a:cs typeface="Consolas" pitchFamily="49" charset="0"/>
-              </a:rPr>
-              <a:t> "drag") ...]</a:t>
-            </a:r>
-          </a:p>
-          <a:p>
-            <a:pPr>
-              <a:spcBef>
-                <a:spcPts val="0"/>
-              </a:spcBef>
-              <a:buNone/>
-            </a:pPr>
-            <a:r>
-              <a:rPr lang="en-US" sz="2400" b="1" dirty="0">
-                <a:latin typeface="Consolas" pitchFamily="49" charset="0"/>
-                <a:cs typeface="Consolas" pitchFamily="49" charset="0"/>
-              </a:rPr>
-              <a:t>    [(mouse=? </a:t>
-            </a:r>
-            <a:r>
-              <a:rPr lang="en-US" sz="2400" b="1" dirty="0" err="1">
-                <a:latin typeface="Consolas" pitchFamily="49" charset="0"/>
-                <a:cs typeface="Consolas" pitchFamily="49" charset="0"/>
-              </a:rPr>
-              <a:t>mev</a:t>
-            </a:r>
-            <a:r>
-              <a:rPr lang="en-US" sz="2400" b="1" dirty="0">
-                <a:latin typeface="Consolas" pitchFamily="49" charset="0"/>
-                <a:cs typeface="Consolas" pitchFamily="49" charset="0"/>
-              </a:rPr>
-              <a:t> "button-up") ...]</a:t>
-            </a:r>
-          </a:p>
-          <a:p>
-            <a:pPr>
-              <a:spcBef>
-                <a:spcPts val="0"/>
-              </a:spcBef>
-              <a:buNone/>
-            </a:pPr>
-            <a:r>
-              <a:rPr lang="en-US" sz="2400" b="1" dirty="0">
-                <a:latin typeface="Consolas" pitchFamily="49" charset="0"/>
-                <a:cs typeface="Consolas" pitchFamily="49" charset="0"/>
-              </a:rPr>
-              <a:t>    [else ...]))</a:t>
-            </a:r>
-          </a:p>
-        </p:txBody>
-      </p:sp>
-      <p:sp>
-        <p:nvSpPr>
-          <p:cNvPr id="5" name="Slide Number Placeholder 4"/>
-          <p:cNvSpPr>
-            <a:spLocks noGrp="1"/>
-          </p:cNvSpPr>
-          <p:nvPr>
-            <p:ph type="sldNum" sz="quarter" idx="12"/>
-          </p:nvPr>
-        </p:nvSpPr>
-        <p:spPr/>
-        <p:txBody>
-          <a:bodyPr/>
-          <a:lstStyle/>
-          <a:p>
-            <a:fld id="{B6F15528-21DE-4FAA-801E-634DDDAF4B2B}" type="slidenum">
-              <a:rPr lang="en-US" smtClean="0"/>
-              <a:pPr/>
-              <a:t>25</a:t>
-            </a:fld>
-            <a:endParaRPr lang="en-US"/>
-          </a:p>
-        </p:txBody>
-      </p:sp>
-    </p:spTree>
-  </p:cSld>
-  <p:clrMapOvr>
-    <a:masterClrMapping/>
-  </p:clrMapOvr>
-</p:sld>
-</file>
-
-<file path=ppt/slides/slide26.xml><?xml version="1.0" encoding="utf-8"?>
-<p:sld xmlns:a="http://schemas.openxmlformats.org/drawingml/2006/main" xmlns:r="http://schemas.openxmlformats.org/officeDocument/2006/relationships" xmlns:p="http://schemas.openxmlformats.org/presentationml/2006/main">
-  <p:cSld>
-    <p:spTree>
-      <p:nvGrpSpPr>
-        <p:cNvPr id="1" name=""/>
-        <p:cNvGrpSpPr/>
-        <p:nvPr/>
-      </p:nvGrpSpPr>
-      <p:grpSpPr>
-        <a:xfrm>
-          <a:off x="0" y="0"/>
-          <a:ext cx="0" cy="0"/>
-          <a:chOff x="0" y="0"/>
-          <a:chExt cx="0" cy="0"/>
-        </a:xfrm>
-      </p:grpSpPr>
-      <p:sp>
-        <p:nvSpPr>
-          <p:cNvPr id="2" name="Title 1"/>
-          <p:cNvSpPr>
-            <a:spLocks noGrp="1"/>
-          </p:cNvSpPr>
-          <p:nvPr>
-            <p:ph type="title"/>
-          </p:nvPr>
-        </p:nvSpPr>
-        <p:spPr/>
-        <p:txBody>
-          <a:bodyPr>
-            <a:normAutofit fontScale="90000"/>
-          </a:bodyPr>
-          <a:lstStyle/>
-          <a:p>
-            <a:r>
-              <a:rPr lang="en-US" dirty="0"/>
-              <a:t>Complicated things need strategies to  document them</a:t>
-            </a:r>
-          </a:p>
-        </p:txBody>
-      </p:sp>
-      <p:sp>
-        <p:nvSpPr>
-          <p:cNvPr id="3" name="Content Placeholder 2"/>
-          <p:cNvSpPr>
-            <a:spLocks noGrp="1"/>
-          </p:cNvSpPr>
-          <p:nvPr>
-            <p:ph idx="1"/>
-          </p:nvPr>
-        </p:nvSpPr>
-        <p:spPr/>
-        <p:txBody>
-          <a:bodyPr>
-            <a:noAutofit/>
-          </a:bodyPr>
-          <a:lstStyle/>
-          <a:p>
-            <a:pPr>
-              <a:spcBef>
-                <a:spcPts val="0"/>
-              </a:spcBef>
-              <a:buNone/>
-            </a:pPr>
-            <a:r>
-              <a:rPr lang="en-US" sz="1300" b="1" dirty="0"/>
-              <a:t>(define Graph%</a:t>
-            </a:r>
-          </a:p>
-          <a:p>
-            <a:pPr>
-              <a:spcBef>
-                <a:spcPts val="0"/>
-              </a:spcBef>
-              <a:buNone/>
-            </a:pPr>
-            <a:r>
-              <a:rPr lang="en-US" sz="1300" b="1" dirty="0"/>
-              <a:t> (class* object% ()</a:t>
-            </a:r>
-          </a:p>
-          <a:p>
-            <a:pPr>
-              <a:spcBef>
-                <a:spcPts val="0"/>
-              </a:spcBef>
-              <a:buNone/>
-            </a:pPr>
-            <a:r>
-              <a:rPr lang="en-US" sz="1300" b="1" dirty="0"/>
-              <a:t>     ...</a:t>
-            </a:r>
-          </a:p>
-          <a:p>
-            <a:pPr>
-              <a:spcBef>
-                <a:spcPts val="0"/>
-              </a:spcBef>
-              <a:buNone/>
-            </a:pPr>
-            <a:r>
-              <a:rPr lang="en-US" sz="1300" b="1" dirty="0"/>
-              <a:t> </a:t>
-            </a:r>
-            <a:endParaRPr lang="en-US" sz="1300" b="1" dirty="0">
-              <a:solidFill>
-                <a:srgbClr val="FF0000"/>
-              </a:solidFill>
-            </a:endParaRPr>
-          </a:p>
-          <a:p>
-            <a:pPr>
-              <a:spcBef>
-                <a:spcPts val="0"/>
-              </a:spcBef>
-            </a:pPr>
-            <a:r>
-              <a:rPr lang="en-US" sz="1300" b="1" dirty="0"/>
-              <a:t> </a:t>
-            </a:r>
-            <a:r>
-              <a:rPr lang="en-US" sz="1300" dirty="0"/>
-              <a:t>(define/public (path? </a:t>
-            </a:r>
-            <a:r>
-              <a:rPr lang="en-US" sz="1300" dirty="0" err="1"/>
-              <a:t>src</a:t>
-            </a:r>
-            <a:r>
-              <a:rPr lang="en-US" sz="1300" dirty="0"/>
-              <a:t> </a:t>
-            </a:r>
-            <a:r>
-              <a:rPr lang="en-US" sz="1300" dirty="0" err="1"/>
-              <a:t>tgt</a:t>
-            </a:r>
-            <a:r>
-              <a:rPr lang="en-US" sz="1300" dirty="0"/>
-              <a:t>)</a:t>
-            </a:r>
-          </a:p>
-          <a:p>
-            <a:pPr>
-              <a:spcBef>
-                <a:spcPts val="0"/>
-              </a:spcBef>
-            </a:pPr>
-            <a:r>
-              <a:rPr lang="en-US" sz="1300" dirty="0"/>
-              <a:t>  (local</a:t>
-            </a:r>
-          </a:p>
-          <a:p>
-            <a:pPr>
-              <a:spcBef>
-                <a:spcPts val="0"/>
-              </a:spcBef>
-            </a:pPr>
-            <a:r>
-              <a:rPr lang="en-US" sz="1300" dirty="0"/>
-              <a:t>    ((define (reachable-from? recent nodes)</a:t>
-            </a:r>
-          </a:p>
-          <a:p>
-            <a:pPr>
-              <a:spcBef>
-                <a:spcPts val="0"/>
-              </a:spcBef>
-            </a:pPr>
-            <a:r>
-              <a:rPr lang="en-US" sz="1300" dirty="0"/>
-              <a:t>       ;; RETURNS: true </a:t>
-            </a:r>
-            <a:r>
-              <a:rPr lang="en-US" sz="1300" dirty="0" err="1"/>
-              <a:t>iff</a:t>
-            </a:r>
-            <a:r>
-              <a:rPr lang="en-US" sz="1300" dirty="0"/>
-              <a:t> there is a path from </a:t>
-            </a:r>
-            <a:r>
-              <a:rPr lang="en-US" sz="1300" dirty="0" err="1"/>
-              <a:t>src</a:t>
-            </a:r>
-            <a:r>
-              <a:rPr lang="en-US" sz="1300" dirty="0"/>
-              <a:t> to </a:t>
-            </a:r>
-            <a:r>
-              <a:rPr lang="en-US" sz="1300" dirty="0" err="1"/>
-              <a:t>tgt</a:t>
-            </a:r>
-            <a:r>
-              <a:rPr lang="en-US" sz="1300" dirty="0"/>
-              <a:t> in this graph</a:t>
-            </a:r>
-          </a:p>
-          <a:p>
-            <a:pPr>
-              <a:spcBef>
-                <a:spcPts val="0"/>
-              </a:spcBef>
-            </a:pPr>
-            <a:r>
-              <a:rPr lang="en-US" sz="1300" dirty="0"/>
-              <a:t>       ;; INVARIANT: recent is a subset of nodes</a:t>
-            </a:r>
-          </a:p>
-          <a:p>
-            <a:pPr>
-              <a:spcBef>
-                <a:spcPts val="0"/>
-              </a:spcBef>
-            </a:pPr>
-            <a:r>
-              <a:rPr lang="en-US" sz="1300" dirty="0"/>
-              <a:t>       ;; AND:</a:t>
-            </a:r>
-          </a:p>
-          <a:p>
-            <a:pPr>
-              <a:spcBef>
-                <a:spcPts val="0"/>
-              </a:spcBef>
-            </a:pPr>
-            <a:r>
-              <a:rPr lang="en-US" sz="1300" dirty="0"/>
-              <a:t>       ;;   (there is a path from </a:t>
-            </a:r>
-            <a:r>
-              <a:rPr lang="en-US" sz="1300" dirty="0" err="1"/>
-              <a:t>src</a:t>
-            </a:r>
-            <a:r>
-              <a:rPr lang="en-US" sz="1300" dirty="0"/>
-              <a:t> to </a:t>
-            </a:r>
-            <a:r>
-              <a:rPr lang="en-US" sz="1300" dirty="0" err="1"/>
-              <a:t>tgt</a:t>
-            </a:r>
-            <a:r>
-              <a:rPr lang="en-US" sz="1300" dirty="0"/>
-              <a:t> in this graph)</a:t>
-            </a:r>
-          </a:p>
-          <a:p>
-            <a:pPr>
-              <a:spcBef>
-                <a:spcPts val="0"/>
-              </a:spcBef>
-            </a:pPr>
-            <a:r>
-              <a:rPr lang="en-US" sz="1300" dirty="0"/>
-              <a:t>       ;;   </a:t>
-            </a:r>
-            <a:r>
-              <a:rPr lang="en-US" sz="1300" dirty="0" err="1"/>
-              <a:t>iff</a:t>
-            </a:r>
-            <a:r>
-              <a:rPr lang="en-US" sz="1300" dirty="0"/>
-              <a:t> (there is a path from newest to </a:t>
-            </a:r>
-            <a:r>
-              <a:rPr lang="en-US" sz="1300" dirty="0" err="1"/>
-              <a:t>tgt</a:t>
-            </a:r>
-            <a:r>
-              <a:rPr lang="en-US" sz="1300" dirty="0"/>
-              <a:t>)</a:t>
-            </a:r>
-          </a:p>
-          <a:p>
-            <a:pPr>
-              <a:spcBef>
-                <a:spcPts val="0"/>
-              </a:spcBef>
-            </a:pPr>
-            <a:r>
-              <a:rPr lang="en-US" sz="1300" dirty="0"/>
-              <a:t>       ;; STRATEGY: recur on successors of newest; halt when </a:t>
-            </a:r>
-            <a:r>
-              <a:rPr lang="en-US" sz="1300" dirty="0" err="1"/>
-              <a:t>tgt</a:t>
-            </a:r>
-            <a:r>
-              <a:rPr lang="en-US" sz="1300" dirty="0"/>
-              <a:t> is</a:t>
-            </a:r>
-          </a:p>
-          <a:p>
-            <a:pPr>
-              <a:spcBef>
-                <a:spcPts val="0"/>
-              </a:spcBef>
-            </a:pPr>
-            <a:r>
-              <a:rPr lang="en-US" sz="1300" dirty="0"/>
-              <a:t>       ;; found. </a:t>
-            </a:r>
-          </a:p>
-          <a:p>
-            <a:pPr>
-              <a:spcBef>
-                <a:spcPts val="0"/>
-              </a:spcBef>
-            </a:pPr>
-            <a:r>
-              <a:rPr lang="en-US" sz="1300" dirty="0"/>
-              <a:t>       ;; HALTING MEASURE: the number of graph nodes _not_ in 'nodes'</a:t>
-            </a:r>
-          </a:p>
-          <a:p>
-            <a:pPr>
-              <a:spcBef>
-                <a:spcPts val="0"/>
-              </a:spcBef>
-            </a:pPr>
-            <a:r>
-              <a:rPr lang="en-US" sz="1300" dirty="0"/>
-              <a:t>       (</a:t>
-            </a:r>
-            <a:r>
-              <a:rPr lang="en-US" sz="1300" dirty="0" err="1"/>
-              <a:t>cond</a:t>
-            </a:r>
-            <a:endParaRPr lang="en-US" sz="1300" dirty="0"/>
-          </a:p>
-          <a:p>
-            <a:pPr>
-              <a:spcBef>
-                <a:spcPts val="0"/>
-              </a:spcBef>
-            </a:pPr>
-            <a:r>
-              <a:rPr lang="en-US" sz="1300" dirty="0"/>
-              <a:t>         [(member </a:t>
-            </a:r>
-            <a:r>
-              <a:rPr lang="en-US" sz="1300" dirty="0" err="1"/>
-              <a:t>tgt</a:t>
-            </a:r>
-            <a:r>
-              <a:rPr lang="en-US" sz="1300" dirty="0"/>
-              <a:t> newest) true]</a:t>
-            </a:r>
-          </a:p>
-          <a:p>
-            <a:pPr>
-              <a:spcBef>
-                <a:spcPts val="0"/>
-              </a:spcBef>
-            </a:pPr>
-            <a:r>
-              <a:rPr lang="en-US" sz="1300" dirty="0"/>
-              <a:t>         [else (local</a:t>
-            </a:r>
-          </a:p>
-          <a:p>
-            <a:pPr>
-              <a:spcBef>
-                <a:spcPts val="0"/>
-              </a:spcBef>
-            </a:pPr>
-            <a:r>
-              <a:rPr lang="en-US" sz="1300" dirty="0"/>
-              <a:t>                 ((define candidates (set-diff </a:t>
-            </a:r>
-          </a:p>
-          <a:p>
-            <a:pPr>
-              <a:spcBef>
-                <a:spcPts val="0"/>
-              </a:spcBef>
-            </a:pPr>
-            <a:r>
-              <a:rPr lang="en-US" sz="1300" dirty="0"/>
-              <a:t>                                       (send this all-successors newest)</a:t>
-            </a:r>
-          </a:p>
-          <a:p>
-            <a:pPr>
-              <a:spcBef>
-                <a:spcPts val="0"/>
-              </a:spcBef>
-            </a:pPr>
-            <a:r>
-              <a:rPr lang="en-US" sz="1300" dirty="0"/>
-              <a:t>                                       nodes)))</a:t>
-            </a:r>
-          </a:p>
-          <a:p>
-            <a:pPr>
-              <a:spcBef>
-                <a:spcPts val="0"/>
-              </a:spcBef>
-            </a:pPr>
-            <a:r>
-              <a:rPr lang="en-US" sz="1300" dirty="0"/>
-              <a:t>    </a:t>
-            </a:r>
-          </a:p>
-          <a:p>
-            <a:pPr>
-              <a:spcBef>
-                <a:spcPts val="0"/>
-              </a:spcBef>
-            </a:pPr>
-            <a:r>
-              <a:rPr lang="en-US" sz="1300" i="1" dirty="0"/>
-              <a:t>...etc...</a:t>
-            </a:r>
-          </a:p>
-          <a:p>
-            <a:pPr>
-              <a:spcBef>
-                <a:spcPts val="0"/>
-              </a:spcBef>
-            </a:pPr>
-            <a:r>
-              <a:rPr lang="en-US" sz="1300" dirty="0"/>
-              <a:t>                 </a:t>
-            </a:r>
-          </a:p>
-        </p:txBody>
-      </p:sp>
-      <p:sp>
-        <p:nvSpPr>
-          <p:cNvPr id="4" name="Slide Number Placeholder 3"/>
-          <p:cNvSpPr>
-            <a:spLocks noGrp="1"/>
-          </p:cNvSpPr>
-          <p:nvPr>
-            <p:ph type="sldNum" sz="quarter" idx="12"/>
-          </p:nvPr>
-        </p:nvSpPr>
-        <p:spPr/>
-        <p:txBody>
-          <a:bodyPr/>
-          <a:lstStyle/>
-          <a:p>
-            <a:fld id="{B6F15528-21DE-4FAA-801E-634DDDAF4B2B}" type="slidenum">
-              <a:rPr lang="en-US" smtClean="0"/>
-              <a:pPr/>
-              <a:t>26</a:t>
-            </a:fld>
-            <a:endParaRPr lang="en-US"/>
-          </a:p>
-        </p:txBody>
-      </p:sp>
-      <p:sp>
-        <p:nvSpPr>
-          <p:cNvPr id="5" name="Rectangle 4"/>
-          <p:cNvSpPr/>
-          <p:nvPr/>
-        </p:nvSpPr>
-        <p:spPr>
-          <a:xfrm>
-            <a:off x="4724400" y="1371600"/>
-            <a:ext cx="3886200" cy="1524000"/>
-          </a:xfrm>
-          <a:prstGeom prst="rect">
-            <a:avLst/>
-          </a:prstGeom>
-          <a:solidFill>
-            <a:schemeClr val="accent1">
-              <a:lumMod val="20000"/>
-              <a:lumOff val="80000"/>
-            </a:schemeClr>
-          </a:solidFill>
-          <a:ln>
-            <a:noFill/>
-          </a:ln>
-        </p:spPr>
-        <p:style>
-          <a:lnRef idx="2">
-            <a:schemeClr val="accent1"/>
-          </a:lnRef>
-          <a:fillRef idx="1">
-            <a:schemeClr val="lt1"/>
-          </a:fillRef>
-          <a:effectRef idx="0">
-            <a:schemeClr val="accent1"/>
-          </a:effectRef>
-          <a:fontRef idx="minor">
-            <a:schemeClr val="dk1"/>
-          </a:fontRef>
-        </p:style>
-        <p:txBody>
-          <a:bodyPr rot="0" spcFirstLastPara="0" vertOverflow="overflow" horzOverflow="overflow" vert="horz" wrap="square" lIns="91440" tIns="45720" rIns="91440" bIns="45720" numCol="1" spcCol="0" rtlCol="0" fromWordArt="0" anchor="t" anchorCtr="0" forceAA="0" compatLnSpc="1">
-            <a:prstTxWarp prst="textNoShape">
-              <a:avLst/>
-            </a:prstTxWarp>
-            <a:noAutofit/>
-          </a:bodyPr>
-          <a:lstStyle/>
-          <a:p>
-            <a:r>
-              <a:rPr lang="en-US" dirty="0"/>
-              <a:t>Here's </a:t>
-            </a:r>
-            <a:r>
-              <a:rPr lang="en-US" b="1" dirty="0"/>
-              <a:t>path?</a:t>
-            </a:r>
-            <a:r>
-              <a:rPr lang="en-US" dirty="0"/>
-              <a:t> as a method of a </a:t>
-            </a:r>
-            <a:r>
-              <a:rPr lang="en-US" b="1" dirty="0"/>
-              <a:t>Graph%</a:t>
-            </a:r>
-            <a:r>
-              <a:rPr lang="en-US" dirty="0"/>
-              <a:t> class.  It still uses general recursion, so we must document that fact, and also provide all the usual deliverables for general recursion.</a:t>
-            </a:r>
-          </a:p>
-        </p:txBody>
-      </p:sp>
-      <p:sp>
-        <p:nvSpPr>
-          <p:cNvPr id="6" name="Rectangle 5"/>
-          <p:cNvSpPr/>
-          <p:nvPr/>
-        </p:nvSpPr>
-        <p:spPr>
-          <a:xfrm>
-            <a:off x="6705600" y="3623214"/>
-            <a:ext cx="2209800" cy="738696"/>
-          </a:xfrm>
-          <a:prstGeom prst="rect">
-            <a:avLst/>
-          </a:prstGeom>
-          <a:solidFill>
-            <a:schemeClr val="accent1">
-              <a:lumMod val="20000"/>
-              <a:lumOff val="80000"/>
-            </a:schemeClr>
-          </a:solidFill>
-          <a:ln>
-            <a:noFill/>
-          </a:ln>
-        </p:spPr>
-        <p:style>
-          <a:lnRef idx="2">
-            <a:schemeClr val="accent1"/>
-          </a:lnRef>
-          <a:fillRef idx="1">
-            <a:schemeClr val="lt1"/>
-          </a:fillRef>
-          <a:effectRef idx="0">
-            <a:schemeClr val="accent1"/>
-          </a:effectRef>
-          <a:fontRef idx="minor">
-            <a:schemeClr val="dk1"/>
-          </a:fontRef>
-        </p:style>
-        <p:txBody>
-          <a:bodyPr rot="0" spcFirstLastPara="0" vertOverflow="overflow" horzOverflow="overflow" vert="horz" wrap="square" lIns="91440" tIns="45720" rIns="91440" bIns="45720" numCol="1" spcCol="0" rtlCol="0" fromWordArt="0" anchor="t" anchorCtr="0" forceAA="0" compatLnSpc="1">
-            <a:prstTxWarp prst="textNoShape">
-              <a:avLst/>
-            </a:prstTxWarp>
-            <a:noAutofit/>
-          </a:bodyPr>
-          <a:lstStyle/>
-          <a:p>
-            <a:pPr algn="ctr"/>
-            <a:r>
-              <a:rPr lang="en-US" sz="1400" dirty="0"/>
-              <a:t>We're talking about "this" graph– the one represented by this object</a:t>
-            </a:r>
-          </a:p>
-        </p:txBody>
-      </p:sp>
-      <p:cxnSp>
-        <p:nvCxnSpPr>
-          <p:cNvPr id="8" name="Straight Arrow Connector 7"/>
-          <p:cNvCxnSpPr>
-            <a:stCxn id="6" idx="0"/>
-          </p:cNvCxnSpPr>
-          <p:nvPr/>
-        </p:nvCxnSpPr>
-        <p:spPr>
-          <a:xfrm flipH="1" flipV="1">
-            <a:off x="6781800" y="3263360"/>
-            <a:ext cx="1028700" cy="359854"/>
-          </a:xfrm>
-          <a:prstGeom prst="straightConnector1">
-            <a:avLst/>
-          </a:prstGeom>
-          <a:ln w="12700">
-            <a:solidFill>
-              <a:schemeClr val="tx1"/>
-            </a:solidFill>
-            <a:tailEnd type="arrow"/>
-          </a:ln>
-        </p:spPr>
-        <p:style>
-          <a:lnRef idx="1">
-            <a:schemeClr val="accent1"/>
-          </a:lnRef>
-          <a:fillRef idx="0">
-            <a:schemeClr val="accent1"/>
-          </a:fillRef>
-          <a:effectRef idx="0">
-            <a:schemeClr val="accent1"/>
-          </a:effectRef>
-          <a:fontRef idx="minor">
-            <a:schemeClr val="tx1"/>
-          </a:fontRef>
-        </p:style>
-      </p:cxnSp>
-      <p:sp>
-        <p:nvSpPr>
-          <p:cNvPr id="10" name="Rectangle 9"/>
-          <p:cNvSpPr/>
-          <p:nvPr/>
-        </p:nvSpPr>
-        <p:spPr>
-          <a:xfrm>
-            <a:off x="4495800" y="6013450"/>
-            <a:ext cx="3810000" cy="685800"/>
-          </a:xfrm>
-          <a:prstGeom prst="rect">
-            <a:avLst/>
-          </a:prstGeom>
-          <a:solidFill>
-            <a:schemeClr val="accent1">
-              <a:lumMod val="20000"/>
-              <a:lumOff val="80000"/>
-            </a:schemeClr>
-          </a:solidFill>
-          <a:ln>
-            <a:noFill/>
-          </a:ln>
-        </p:spPr>
-        <p:style>
-          <a:lnRef idx="2">
-            <a:schemeClr val="accent1"/>
-          </a:lnRef>
-          <a:fillRef idx="1">
-            <a:schemeClr val="lt1"/>
-          </a:fillRef>
-          <a:effectRef idx="0">
-            <a:schemeClr val="accent1"/>
-          </a:effectRef>
-          <a:fontRef idx="minor">
-            <a:schemeClr val="dk1"/>
-          </a:fontRef>
-        </p:style>
-        <p:txBody>
-          <a:bodyPr rot="0" spcFirstLastPara="0" vertOverflow="overflow" horzOverflow="overflow" vert="horz" wrap="square" lIns="91440" tIns="45720" rIns="91440" bIns="45720" numCol="1" spcCol="0" rtlCol="0" fromWordArt="0" anchor="ctr" anchorCtr="0" forceAA="0" compatLnSpc="1">
-            <a:prstTxWarp prst="textNoShape">
-              <a:avLst/>
-            </a:prstTxWarp>
-            <a:noAutofit/>
-          </a:bodyPr>
-          <a:lstStyle/>
-          <a:p>
-            <a:pPr algn="ctr"/>
-            <a:r>
-              <a:rPr lang="en-US" sz="1400" dirty="0"/>
-              <a:t>Instead of saying </a:t>
-            </a:r>
-            <a:r>
-              <a:rPr lang="en-US" sz="1400" b="1" dirty="0"/>
-              <a:t>(all-successors newest graph) </a:t>
-            </a:r>
-            <a:r>
-              <a:rPr lang="en-US" sz="1400" dirty="0"/>
-              <a:t>, we made </a:t>
-            </a:r>
-            <a:r>
-              <a:rPr lang="en-US" sz="1400" b="1" dirty="0"/>
-              <a:t>all-successors</a:t>
-            </a:r>
-            <a:r>
-              <a:rPr lang="en-US" sz="1400" dirty="0"/>
-              <a:t> a method of </a:t>
-            </a:r>
-            <a:r>
-              <a:rPr lang="en-US" sz="1400" b="1" dirty="0"/>
-              <a:t>Graph% </a:t>
-            </a:r>
-            <a:r>
-              <a:rPr lang="en-US" sz="1400" dirty="0"/>
-              <a:t>, and we asked it to work on </a:t>
-            </a:r>
-            <a:r>
-              <a:rPr lang="en-US" sz="1400" b="1" dirty="0"/>
-              <a:t>this</a:t>
-            </a:r>
-            <a:r>
-              <a:rPr lang="en-US" sz="1400" dirty="0"/>
-              <a:t> graph.</a:t>
-            </a:r>
-          </a:p>
-        </p:txBody>
-      </p:sp>
-      <p:cxnSp>
-        <p:nvCxnSpPr>
-          <p:cNvPr id="14" name="Straight Arrow Connector 13"/>
-          <p:cNvCxnSpPr>
-            <a:stCxn id="10" idx="0"/>
-          </p:cNvCxnSpPr>
-          <p:nvPr/>
-        </p:nvCxnSpPr>
-        <p:spPr>
-          <a:xfrm flipH="1" flipV="1">
-            <a:off x="5943600" y="5664200"/>
-            <a:ext cx="457200" cy="349250"/>
-          </a:xfrm>
-          <a:prstGeom prst="straightConnector1">
-            <a:avLst/>
-          </a:prstGeom>
-          <a:ln w="12700">
-            <a:solidFill>
-              <a:schemeClr val="tx1"/>
-            </a:solidFill>
-            <a:tailEnd type="arrow"/>
-          </a:ln>
-        </p:spPr>
-        <p:style>
-          <a:lnRef idx="1">
-            <a:schemeClr val="accent1"/>
-          </a:lnRef>
-          <a:fillRef idx="0">
-            <a:schemeClr val="accent1"/>
-          </a:fillRef>
-          <a:effectRef idx="0">
-            <a:schemeClr val="accent1"/>
-          </a:effectRef>
-          <a:fontRef idx="minor">
-            <a:schemeClr val="tx1"/>
-          </a:fontRef>
-        </p:style>
-      </p:cxnSp>
-    </p:spTree>
-  </p:cSld>
-  <p:clrMapOvr>
-    <a:masterClrMapping/>
-  </p:clrMapOvr>
-</p:sld>
-</file>
-
-<file path=ppt/slides/slide27.xml><?xml version="1.0" encoding="utf-8"?>
-<p:sld xmlns:a="http://schemas.openxmlformats.org/drawingml/2006/main" xmlns:r="http://schemas.openxmlformats.org/officeDocument/2006/relationships" xmlns:p="http://schemas.openxmlformats.org/presentationml/2006/main">
-  <p:cSld>
-    <p:spTree>
-      <p:nvGrpSpPr>
-        <p:cNvPr id="1" name=""/>
-        <p:cNvGrpSpPr/>
-        <p:nvPr/>
-      </p:nvGrpSpPr>
-      <p:grpSpPr>
-        <a:xfrm>
-          <a:off x="0" y="0"/>
-          <a:ext cx="0" cy="0"/>
-          <a:chOff x="0" y="0"/>
-          <a:chExt cx="0" cy="0"/>
-        </a:xfrm>
-      </p:grpSpPr>
-      <p:sp>
-        <p:nvSpPr>
-          <p:cNvPr id="2" name="Title 1"/>
-          <p:cNvSpPr>
-            <a:spLocks noGrp="1"/>
-          </p:cNvSpPr>
-          <p:nvPr>
-            <p:ph type="title"/>
-          </p:nvPr>
-        </p:nvSpPr>
-        <p:spPr/>
-        <p:txBody>
-          <a:bodyPr>
-            <a:normAutofit fontScale="90000"/>
-          </a:bodyPr>
-          <a:lstStyle/>
-          <a:p>
-            <a:r>
-              <a:rPr lang="en-US" dirty="0"/>
-              <a:t>Complicated things need strategies to  document them</a:t>
-            </a:r>
-          </a:p>
-        </p:txBody>
-      </p:sp>
-      <p:sp>
-        <p:nvSpPr>
-          <p:cNvPr id="3" name="Content Placeholder 2"/>
-          <p:cNvSpPr>
-            <a:spLocks noGrp="1"/>
-          </p:cNvSpPr>
-          <p:nvPr>
-            <p:ph idx="1"/>
-          </p:nvPr>
-        </p:nvSpPr>
-        <p:spPr/>
-        <p:txBody>
-          <a:bodyPr>
-            <a:noAutofit/>
-          </a:bodyPr>
-          <a:lstStyle/>
-          <a:p>
-            <a:pPr>
-              <a:spcBef>
-                <a:spcPts val="0"/>
-              </a:spcBef>
-              <a:buNone/>
-            </a:pPr>
-            <a:r>
-              <a:rPr lang="en-US" sz="1300" b="1" dirty="0"/>
-              <a:t>(define Graph%</a:t>
-            </a:r>
-          </a:p>
-          <a:p>
-            <a:pPr>
-              <a:spcBef>
-                <a:spcPts val="0"/>
-              </a:spcBef>
-              <a:buNone/>
-            </a:pPr>
-            <a:r>
-              <a:rPr lang="en-US" sz="1300" b="1" dirty="0"/>
-              <a:t> (class* object% ()</a:t>
-            </a:r>
-          </a:p>
-          <a:p>
-            <a:pPr>
-              <a:spcBef>
-                <a:spcPts val="0"/>
-              </a:spcBef>
-              <a:buNone/>
-            </a:pPr>
-            <a:r>
-              <a:rPr lang="en-US" sz="1300" b="1" dirty="0"/>
-              <a:t>     ... </a:t>
-            </a:r>
-            <a:endParaRPr lang="en-US" sz="1300" b="1" dirty="0">
-              <a:solidFill>
-                <a:srgbClr val="FF0000"/>
-              </a:solidFill>
-            </a:endParaRPr>
-          </a:p>
-          <a:p>
-            <a:pPr>
-              <a:spcBef>
-                <a:spcPts val="0"/>
-              </a:spcBef>
-            </a:pPr>
-            <a:r>
-              <a:rPr lang="en-US" sz="1300" dirty="0"/>
-              <a:t>    ;; reachable-from? : </a:t>
-            </a:r>
-            <a:r>
-              <a:rPr lang="en-US" sz="1300" dirty="0" err="1"/>
-              <a:t>SetOfNodes</a:t>
-            </a:r>
-            <a:r>
-              <a:rPr lang="en-US" sz="1300" dirty="0"/>
-              <a:t> </a:t>
-            </a:r>
-            <a:r>
-              <a:rPr lang="en-US" sz="1300" dirty="0" err="1"/>
-              <a:t>SetOfNodes</a:t>
-            </a:r>
-            <a:r>
-              <a:rPr lang="en-US" sz="1300" dirty="0"/>
-              <a:t> Node -&gt; Boolean</a:t>
-            </a:r>
-          </a:p>
-          <a:p>
-            <a:pPr>
-              <a:spcBef>
-                <a:spcPts val="0"/>
-              </a:spcBef>
-            </a:pPr>
-            <a:r>
-              <a:rPr lang="en-US" sz="1300" dirty="0"/>
-              <a:t>    ;; GIVEN: two sets of nodes and a target a node</a:t>
-            </a:r>
-          </a:p>
-          <a:p>
-            <a:pPr>
-              <a:spcBef>
-                <a:spcPts val="0"/>
-              </a:spcBef>
-            </a:pPr>
-            <a:r>
-              <a:rPr lang="en-US" sz="1300" dirty="0"/>
-              <a:t>    ;; WHERE:</a:t>
-            </a:r>
-          </a:p>
-          <a:p>
-            <a:pPr>
-              <a:spcBef>
-                <a:spcPts val="0"/>
-              </a:spcBef>
-            </a:pPr>
-            <a:r>
-              <a:rPr lang="en-US" sz="1300" dirty="0"/>
-              <a:t>    ;;  reached is the set of nodes reachable in this graph in fewer than n steps</a:t>
-            </a:r>
-          </a:p>
-          <a:p>
-            <a:pPr>
-              <a:spcBef>
-                <a:spcPts val="0"/>
-              </a:spcBef>
-            </a:pPr>
-            <a:r>
-              <a:rPr lang="en-US" sz="1300" dirty="0"/>
-              <a:t>    ;;        from some starting node '</a:t>
-            </a:r>
-            <a:r>
-              <a:rPr lang="en-US" sz="1300" dirty="0" err="1"/>
-              <a:t>src</a:t>
-            </a:r>
-            <a:r>
-              <a:rPr lang="en-US" sz="1300" dirty="0"/>
-              <a:t>', for some n</a:t>
-            </a:r>
-          </a:p>
-          <a:p>
-            <a:pPr>
-              <a:spcBef>
-                <a:spcPts val="0"/>
-              </a:spcBef>
-            </a:pPr>
-            <a:r>
-              <a:rPr lang="en-US" sz="1300" dirty="0"/>
-              <a:t>    ;;  recent is the set of nodes reachable from </a:t>
-            </a:r>
-            <a:r>
-              <a:rPr lang="en-US" sz="1300" dirty="0" err="1"/>
-              <a:t>src</a:t>
-            </a:r>
-            <a:r>
-              <a:rPr lang="en-US" sz="1300" dirty="0"/>
-              <a:t> in n steps but</a:t>
-            </a:r>
-          </a:p>
-          <a:p>
-            <a:pPr>
-              <a:spcBef>
-                <a:spcPts val="0"/>
-              </a:spcBef>
-            </a:pPr>
-            <a:r>
-              <a:rPr lang="en-US" sz="1300" dirty="0"/>
-              <a:t>    ;;         not in n-1 steps.</a:t>
-            </a:r>
-          </a:p>
-          <a:p>
-            <a:pPr>
-              <a:spcBef>
-                <a:spcPts val="0"/>
-              </a:spcBef>
-            </a:pPr>
-            <a:r>
-              <a:rPr lang="en-US" sz="1300" dirty="0"/>
-              <a:t>    ;; AND </a:t>
-            </a:r>
-            <a:r>
-              <a:rPr lang="en-US" sz="1300" dirty="0" err="1"/>
-              <a:t>tgt</a:t>
-            </a:r>
-            <a:r>
-              <a:rPr lang="en-US" sz="1300" dirty="0"/>
-              <a:t> is not in reached</a:t>
-            </a:r>
-          </a:p>
-          <a:p>
-            <a:pPr>
-              <a:spcBef>
-                <a:spcPts val="0"/>
-              </a:spcBef>
-            </a:pPr>
-            <a:r>
-              <a:rPr lang="en-US" sz="1300" dirty="0"/>
-              <a:t>    ;; RETURNS: true </a:t>
-            </a:r>
-            <a:r>
-              <a:rPr lang="en-US" sz="1300" dirty="0" err="1"/>
-              <a:t>iff</a:t>
-            </a:r>
-            <a:r>
-              <a:rPr lang="en-US" sz="1300" dirty="0"/>
-              <a:t> </a:t>
-            </a:r>
-            <a:r>
-              <a:rPr lang="en-US" sz="1300" dirty="0" err="1"/>
-              <a:t>tgt</a:t>
-            </a:r>
-            <a:r>
-              <a:rPr lang="en-US" sz="1300" dirty="0"/>
-              <a:t> is reachable from </a:t>
-            </a:r>
-            <a:r>
-              <a:rPr lang="en-US" sz="1300" dirty="0" err="1"/>
-              <a:t>src</a:t>
-            </a:r>
-            <a:r>
-              <a:rPr lang="en-US" sz="1300" dirty="0"/>
-              <a:t> in this graph.   </a:t>
-            </a:r>
-          </a:p>
-          <a:p>
-            <a:pPr>
-              <a:spcBef>
-                <a:spcPts val="0"/>
-              </a:spcBef>
-            </a:pPr>
-            <a:endParaRPr lang="en-US" sz="1300" b="1" dirty="0"/>
-          </a:p>
-          <a:p>
-            <a:pPr>
-              <a:spcBef>
-                <a:spcPts val="0"/>
-              </a:spcBef>
-            </a:pPr>
-            <a:r>
-              <a:rPr lang="en-US" sz="1300" b="1" dirty="0"/>
-              <a:t> </a:t>
-            </a:r>
-            <a:r>
-              <a:rPr lang="en-US" sz="1300" dirty="0"/>
-              <a:t>  (define/public (reachable-from? reached recent </a:t>
-            </a:r>
-            <a:r>
-              <a:rPr lang="en-US" sz="1300" dirty="0" err="1"/>
-              <a:t>tgt</a:t>
-            </a:r>
-            <a:r>
-              <a:rPr lang="en-US" sz="1300" dirty="0"/>
-              <a:t>)</a:t>
-            </a:r>
-          </a:p>
-          <a:p>
-            <a:pPr>
-              <a:spcBef>
-                <a:spcPts val="0"/>
-              </a:spcBef>
-            </a:pPr>
-            <a:r>
-              <a:rPr lang="en-US" sz="1300" dirty="0"/>
-              <a:t>     (cond</a:t>
-            </a:r>
-          </a:p>
-          <a:p>
-            <a:pPr>
-              <a:spcBef>
-                <a:spcPts val="0"/>
-              </a:spcBef>
-            </a:pPr>
-            <a:r>
-              <a:rPr lang="en-US" sz="1300" dirty="0"/>
-              <a:t>      [(member </a:t>
-            </a:r>
-            <a:r>
-              <a:rPr lang="en-US" sz="1300" dirty="0" err="1"/>
-              <a:t>tgt</a:t>
-            </a:r>
-            <a:r>
-              <a:rPr lang="en-US" sz="1300" dirty="0"/>
-              <a:t> recent) true]</a:t>
-            </a:r>
-          </a:p>
-          <a:p>
-            <a:pPr>
-              <a:spcBef>
-                <a:spcPts val="0"/>
-              </a:spcBef>
-            </a:pPr>
-            <a:r>
-              <a:rPr lang="en-US" sz="1300" dirty="0"/>
-              <a:t>      [(empty? recent) false]</a:t>
-            </a:r>
-          </a:p>
-          <a:p>
-            <a:pPr>
-              <a:spcBef>
-                <a:spcPts val="0"/>
-              </a:spcBef>
-            </a:pPr>
-            <a:r>
-              <a:rPr lang="en-US" sz="1300" dirty="0"/>
-              <a:t>      [else</a:t>
-            </a:r>
-          </a:p>
-          <a:p>
-            <a:pPr>
-              <a:spcBef>
-                <a:spcPts val="0"/>
-              </a:spcBef>
-            </a:pPr>
-            <a:r>
-              <a:rPr lang="en-US" sz="1300" dirty="0"/>
-              <a:t>       (local</a:t>
-            </a:r>
-          </a:p>
-          <a:p>
-            <a:pPr>
-              <a:spcBef>
-                <a:spcPts val="0"/>
-              </a:spcBef>
-            </a:pPr>
-            <a:r>
-              <a:rPr lang="en-US" sz="1300" dirty="0"/>
-              <a:t>           ((define next-reached (append recent reached))</a:t>
-            </a:r>
-          </a:p>
-          <a:p>
-            <a:pPr>
-              <a:spcBef>
-                <a:spcPts val="0"/>
-              </a:spcBef>
-            </a:pPr>
-            <a:r>
-              <a:rPr lang="en-US" sz="1300" dirty="0"/>
-              <a:t>            (define next-recent </a:t>
-            </a:r>
-          </a:p>
-          <a:p>
-            <a:pPr>
-              <a:spcBef>
-                <a:spcPts val="0"/>
-              </a:spcBef>
-            </a:pPr>
-            <a:r>
-              <a:rPr lang="en-US" sz="1300" dirty="0"/>
-              <a:t>              (set-diff (send this all-successors recent)</a:t>
-            </a:r>
-          </a:p>
-          <a:p>
-            <a:pPr>
-              <a:spcBef>
-                <a:spcPts val="0"/>
-              </a:spcBef>
-            </a:pPr>
-            <a:r>
-              <a:rPr lang="en-US" sz="1300" dirty="0"/>
-              <a:t>                        next-reached)))</a:t>
-            </a:r>
-          </a:p>
-          <a:p>
-            <a:pPr>
-              <a:spcBef>
-                <a:spcPts val="0"/>
-              </a:spcBef>
-            </a:pPr>
-            <a:r>
-              <a:rPr lang="en-US" sz="1300" dirty="0"/>
-              <a:t>         (reachable-from? next-reached next-recent </a:t>
-            </a:r>
-            <a:r>
-              <a:rPr lang="en-US" sz="1300" dirty="0" err="1"/>
-              <a:t>tgt</a:t>
-            </a:r>
-            <a:r>
-              <a:rPr lang="en-US" sz="1300" dirty="0"/>
-              <a:t> g))]))    </a:t>
-            </a:r>
-          </a:p>
-          <a:p>
-            <a:pPr>
-              <a:spcBef>
-                <a:spcPts val="0"/>
-              </a:spcBef>
-            </a:pPr>
-            <a:r>
-              <a:rPr lang="en-US" sz="1300" i="1" dirty="0"/>
-              <a:t>...etc...</a:t>
-            </a:r>
-          </a:p>
-          <a:p>
-            <a:pPr>
-              <a:spcBef>
-                <a:spcPts val="0"/>
-              </a:spcBef>
-            </a:pPr>
-            <a:r>
-              <a:rPr lang="en-US" sz="1300" dirty="0"/>
-              <a:t>                 </a:t>
-            </a:r>
-          </a:p>
-        </p:txBody>
-      </p:sp>
-      <p:sp>
-        <p:nvSpPr>
-          <p:cNvPr id="4" name="Slide Number Placeholder 3"/>
-          <p:cNvSpPr>
-            <a:spLocks noGrp="1"/>
-          </p:cNvSpPr>
-          <p:nvPr>
-            <p:ph type="sldNum" sz="quarter" idx="12"/>
-          </p:nvPr>
-        </p:nvSpPr>
-        <p:spPr/>
-        <p:txBody>
-          <a:bodyPr/>
-          <a:lstStyle/>
-          <a:p>
-            <a:fld id="{B6F15528-21DE-4FAA-801E-634DDDAF4B2B}" type="slidenum">
-              <a:rPr lang="en-US" smtClean="0"/>
-              <a:pPr/>
-              <a:t>27</a:t>
-            </a:fld>
-            <a:endParaRPr lang="en-US"/>
-          </a:p>
-        </p:txBody>
-      </p:sp>
-      <p:sp>
-        <p:nvSpPr>
-          <p:cNvPr id="5" name="Rectangle 4"/>
-          <p:cNvSpPr/>
-          <p:nvPr/>
-        </p:nvSpPr>
-        <p:spPr>
-          <a:xfrm>
-            <a:off x="5867400" y="4267200"/>
-            <a:ext cx="2895600" cy="2089150"/>
-          </a:xfrm>
-          <a:prstGeom prst="rect">
-            <a:avLst/>
-          </a:prstGeom>
-          <a:solidFill>
-            <a:schemeClr val="accent1">
-              <a:lumMod val="20000"/>
-              <a:lumOff val="80000"/>
-            </a:schemeClr>
-          </a:solidFill>
-          <a:ln>
-            <a:noFill/>
-          </a:ln>
-        </p:spPr>
-        <p:style>
-          <a:lnRef idx="2">
-            <a:schemeClr val="accent1"/>
-          </a:lnRef>
-          <a:fillRef idx="1">
-            <a:schemeClr val="lt1"/>
-          </a:fillRef>
-          <a:effectRef idx="0">
-            <a:schemeClr val="accent1"/>
-          </a:effectRef>
-          <a:fontRef idx="minor">
-            <a:schemeClr val="dk1"/>
-          </a:fontRef>
-        </p:style>
-        <p:txBody>
-          <a:bodyPr rot="0" spcFirstLastPara="0" vertOverflow="overflow" horzOverflow="overflow" vert="horz" wrap="square" lIns="91440" tIns="45720" rIns="91440" bIns="45720" numCol="1" spcCol="0" rtlCol="0" fromWordArt="0" anchor="t" anchorCtr="0" forceAA="0" compatLnSpc="1">
-            <a:prstTxWarp prst="textNoShape">
-              <a:avLst/>
-            </a:prstTxWarp>
-            <a:noAutofit/>
-          </a:bodyPr>
-          <a:lstStyle/>
-          <a:p>
-            <a:r>
-              <a:rPr lang="en-US" dirty="0"/>
-              <a:t>Here's </a:t>
-            </a:r>
-            <a:r>
-              <a:rPr lang="en-US" b="1" dirty="0"/>
-              <a:t>reachable-from? </a:t>
-            </a:r>
-            <a:r>
-              <a:rPr lang="en-US" dirty="0"/>
-              <a:t>as a method of a </a:t>
-            </a:r>
-            <a:r>
-              <a:rPr lang="en-US" b="1" dirty="0"/>
-              <a:t>Graph%</a:t>
-            </a:r>
-            <a:r>
-              <a:rPr lang="en-US" dirty="0"/>
-              <a:t> class.  It still uses general recursion, so we must document that fact, and also provide all the usual deliverables for general recursion.</a:t>
-            </a:r>
-          </a:p>
-        </p:txBody>
-      </p:sp>
-      <p:grpSp>
-        <p:nvGrpSpPr>
-          <p:cNvPr id="13" name="Group 12"/>
-          <p:cNvGrpSpPr/>
-          <p:nvPr/>
-        </p:nvGrpSpPr>
-        <p:grpSpPr>
-          <a:xfrm>
-            <a:off x="5410200" y="1778616"/>
-            <a:ext cx="3352800" cy="987117"/>
-            <a:chOff x="5410200" y="1778616"/>
-            <a:chExt cx="3352800" cy="987117"/>
-          </a:xfrm>
-        </p:grpSpPr>
-        <p:sp>
-          <p:nvSpPr>
-            <p:cNvPr id="6" name="Rectangle 5"/>
-            <p:cNvSpPr/>
-            <p:nvPr/>
-          </p:nvSpPr>
-          <p:spPr>
-            <a:xfrm>
-              <a:off x="6096000" y="1778616"/>
-              <a:ext cx="2667000" cy="400050"/>
-            </a:xfrm>
-            <a:prstGeom prst="rect">
-              <a:avLst/>
-            </a:prstGeom>
-            <a:solidFill>
-              <a:schemeClr val="accent1">
-                <a:lumMod val="20000"/>
-                <a:lumOff val="80000"/>
-              </a:schemeClr>
-            </a:solidFill>
-            <a:ln>
-              <a:noFill/>
-            </a:ln>
-          </p:spPr>
-          <p:style>
-            <a:lnRef idx="2">
-              <a:schemeClr val="accent1"/>
-            </a:lnRef>
-            <a:fillRef idx="1">
-              <a:schemeClr val="lt1"/>
-            </a:fillRef>
-            <a:effectRef idx="0">
-              <a:schemeClr val="accent1"/>
-            </a:effectRef>
-            <a:fontRef idx="minor">
-              <a:schemeClr val="dk1"/>
-            </a:fontRef>
-          </p:style>
-          <p:txBody>
-            <a:bodyPr rot="0" spcFirstLastPara="0" vertOverflow="overflow" horzOverflow="overflow" vert="horz" wrap="square" lIns="91440" tIns="45720" rIns="91440" bIns="45720" numCol="1" spcCol="0" rtlCol="0" fromWordArt="0" anchor="t" anchorCtr="0" forceAA="0" compatLnSpc="1">
-              <a:prstTxWarp prst="textNoShape">
-                <a:avLst/>
-              </a:prstTxWarp>
-              <a:noAutofit/>
-            </a:bodyPr>
-            <a:lstStyle/>
-            <a:p>
-              <a:pPr algn="ctr"/>
-              <a:r>
-                <a:rPr lang="en-US" sz="1400" dirty="0"/>
-                <a:t>We're talking about "this" graph</a:t>
-              </a:r>
-              <a:endParaRPr lang="en-US" dirty="0"/>
-            </a:p>
-          </p:txBody>
-        </p:sp>
-        <p:cxnSp>
-          <p:nvCxnSpPr>
-            <p:cNvPr id="8" name="Straight Arrow Connector 7"/>
-            <p:cNvCxnSpPr>
-              <a:stCxn id="6" idx="2"/>
-            </p:cNvCxnSpPr>
-            <p:nvPr/>
-          </p:nvCxnSpPr>
-          <p:spPr>
-            <a:xfrm flipH="1">
-              <a:off x="5410200" y="2178666"/>
-              <a:ext cx="2019300" cy="587067"/>
-            </a:xfrm>
-            <a:prstGeom prst="straightConnector1">
-              <a:avLst/>
-            </a:prstGeom>
-            <a:ln w="12700">
-              <a:solidFill>
-                <a:schemeClr val="tx1"/>
-              </a:solidFill>
-              <a:tailEnd type="arrow"/>
-            </a:ln>
-          </p:spPr>
-          <p:style>
-            <a:lnRef idx="1">
-              <a:schemeClr val="accent1"/>
-            </a:lnRef>
-            <a:fillRef idx="0">
-              <a:schemeClr val="accent1"/>
-            </a:fillRef>
-            <a:effectRef idx="0">
-              <a:schemeClr val="accent1"/>
-            </a:effectRef>
-            <a:fontRef idx="minor">
-              <a:schemeClr val="tx1"/>
-            </a:fontRef>
-          </p:style>
-        </p:cxnSp>
-      </p:grpSp>
-      <p:grpSp>
-        <p:nvGrpSpPr>
-          <p:cNvPr id="17" name="Group 16"/>
-          <p:cNvGrpSpPr/>
-          <p:nvPr/>
-        </p:nvGrpSpPr>
-        <p:grpSpPr>
-          <a:xfrm>
-            <a:off x="3581400" y="4469690"/>
-            <a:ext cx="5410200" cy="1347866"/>
-            <a:chOff x="1219200" y="4458043"/>
-            <a:chExt cx="5410200" cy="1347866"/>
-          </a:xfrm>
-        </p:grpSpPr>
-        <p:sp>
-          <p:nvSpPr>
-            <p:cNvPr id="10" name="Rectangle 9"/>
-            <p:cNvSpPr/>
-            <p:nvPr/>
-          </p:nvSpPr>
-          <p:spPr>
-            <a:xfrm>
-              <a:off x="2819400" y="4458043"/>
-              <a:ext cx="3810000" cy="913428"/>
-            </a:xfrm>
-            <a:prstGeom prst="rect">
-              <a:avLst/>
-            </a:prstGeom>
-            <a:solidFill>
-              <a:schemeClr val="accent1">
-                <a:lumMod val="20000"/>
-                <a:lumOff val="80000"/>
-              </a:schemeClr>
-            </a:solidFill>
-            <a:ln>
-              <a:noFill/>
-            </a:ln>
-          </p:spPr>
-          <p:style>
-            <a:lnRef idx="2">
-              <a:schemeClr val="accent1"/>
-            </a:lnRef>
-            <a:fillRef idx="1">
-              <a:schemeClr val="lt1"/>
-            </a:fillRef>
-            <a:effectRef idx="0">
-              <a:schemeClr val="accent1"/>
-            </a:effectRef>
-            <a:fontRef idx="minor">
-              <a:schemeClr val="dk1"/>
-            </a:fontRef>
-          </p:style>
-          <p:txBody>
-            <a:bodyPr rot="0" spcFirstLastPara="0" vertOverflow="overflow" horzOverflow="overflow" vert="horz" wrap="square" lIns="91440" tIns="45720" rIns="91440" bIns="45720" numCol="1" spcCol="0" rtlCol="0" fromWordArt="0" anchor="ctr" anchorCtr="0" forceAA="0" compatLnSpc="1">
-              <a:prstTxWarp prst="textNoShape">
-                <a:avLst/>
-              </a:prstTxWarp>
-              <a:noAutofit/>
-            </a:bodyPr>
-            <a:lstStyle/>
-            <a:p>
-              <a:pPr algn="ctr"/>
-              <a:r>
-                <a:rPr lang="en-US" sz="1400" dirty="0"/>
-                <a:t>Instead of saying </a:t>
-              </a:r>
-              <a:r>
-                <a:rPr lang="en-US" sz="1400" b="1" dirty="0"/>
-                <a:t>(all-successors recent graph) </a:t>
-              </a:r>
-              <a:r>
-                <a:rPr lang="en-US" sz="1400" dirty="0"/>
-                <a:t>, we made </a:t>
-              </a:r>
-              <a:r>
-                <a:rPr lang="en-US" sz="1400" b="1" dirty="0"/>
-                <a:t>all-successors</a:t>
-              </a:r>
-              <a:r>
-                <a:rPr lang="en-US" sz="1400" dirty="0"/>
-                <a:t> a method of </a:t>
-              </a:r>
-              <a:r>
-                <a:rPr lang="en-US" sz="1400" b="1" dirty="0"/>
-                <a:t>Graph% </a:t>
-              </a:r>
-              <a:r>
-                <a:rPr lang="en-US" sz="1400" dirty="0"/>
-                <a:t>, which will always work on “this” graph</a:t>
-              </a:r>
-            </a:p>
-          </p:txBody>
-        </p:sp>
-        <p:cxnSp>
-          <p:nvCxnSpPr>
-            <p:cNvPr id="14" name="Straight Arrow Connector 13"/>
-            <p:cNvCxnSpPr>
-              <a:stCxn id="10" idx="1"/>
-            </p:cNvCxnSpPr>
-            <p:nvPr/>
-          </p:nvCxnSpPr>
-          <p:spPr>
-            <a:xfrm flipH="1">
-              <a:off x="1219200" y="4914757"/>
-              <a:ext cx="1600200" cy="891152"/>
-            </a:xfrm>
-            <a:prstGeom prst="straightConnector1">
-              <a:avLst/>
-            </a:prstGeom>
-            <a:ln w="12700">
-              <a:solidFill>
-                <a:schemeClr val="tx1"/>
-              </a:solidFill>
-              <a:tailEnd type="arrow"/>
-            </a:ln>
-          </p:spPr>
-          <p:style>
-            <a:lnRef idx="1">
-              <a:schemeClr val="accent1"/>
-            </a:lnRef>
-            <a:fillRef idx="0">
-              <a:schemeClr val="accent1"/>
-            </a:fillRef>
-            <a:effectRef idx="0">
-              <a:schemeClr val="accent1"/>
-            </a:effectRef>
-            <a:fontRef idx="minor">
-              <a:schemeClr val="tx1"/>
-            </a:fontRef>
-          </p:style>
-        </p:cxnSp>
-      </p:grpSp>
-    </p:spTree>
-    <p:extLst>
-      <p:ext uri="{BB962C8B-B14F-4D97-AF65-F5344CB8AC3E}">
-        <p14:creationId xmlns:p14="http://schemas.microsoft.com/office/powerpoint/2010/main" val="234265556"/>
-      </p:ext>
-    </p:extLst>
-  </p:cSld>
-  <p:clrMapOvr>
-    <a:masterClrMapping/>
-  </p:clrMapOvr>
-  <p:timing>
-    <p:tnLst>
-      <p:par>
-        <p:cTn id="1" dur="indefinite" restart="never" nodeType="tmRoot">
-          <p:childTnLst>
-            <p:seq concurrent="1" nextAc="seek">
-              <p:cTn id="2" dur="indefinite" nodeType="mainSeq">
-                <p:childTnLst>
-                  <p:par>
-                    <p:cTn id="3" fill="hold">
-                      <p:stCondLst>
-                        <p:cond delay="indefinite"/>
-                      </p:stCondLst>
-                      <p:childTnLst>
-                        <p:par>
-                          <p:cTn id="4" fill="hold">
-                            <p:stCondLst>
-                              <p:cond delay="0"/>
-                            </p:stCondLst>
-                            <p:childTnLst>
-                              <p:par>
-                                <p:cTn id="5" presetID="10" presetClass="exit" presetSubtype="0" fill="hold" grpId="0" nodeType="clickEffect">
-                                  <p:stCondLst>
-                                    <p:cond delay="0"/>
-                                  </p:stCondLst>
-                                  <p:childTnLst>
-                                    <p:animEffect transition="out" filter="fade">
-                                      <p:cBhvr>
-                                        <p:cTn id="6" dur="500"/>
-                                        <p:tgtEl>
-                                          <p:spTgt spid="5"/>
-                                        </p:tgtEl>
-                                      </p:cBhvr>
-                                    </p:animEffect>
-                                    <p:set>
-                                      <p:cBhvr>
-                                        <p:cTn id="7" dur="1" fill="hold">
-                                          <p:stCondLst>
-                                            <p:cond delay="499"/>
-                                          </p:stCondLst>
-                                        </p:cTn>
-                                        <p:tgtEl>
-                                          <p:spTgt spid="5"/>
-                                        </p:tgtEl>
-                                        <p:attrNameLst>
-                                          <p:attrName>style.visibility</p:attrName>
-                                        </p:attrNameLst>
-                                      </p:cBhvr>
-                                      <p:to>
-                                        <p:strVal val="hidden"/>
-                                      </p:to>
-                                    </p:set>
-                                  </p:childTnLst>
-                                </p:cTn>
-                              </p:par>
-                            </p:childTnLst>
-                          </p:cTn>
-                        </p:par>
-                        <p:par>
-                          <p:cTn id="8" fill="hold">
-                            <p:stCondLst>
-                              <p:cond delay="500"/>
-                            </p:stCondLst>
-                            <p:childTnLst>
-                              <p:par>
-                                <p:cTn id="9" presetID="10" presetClass="entr" presetSubtype="0" fill="hold" nodeType="afterEffect">
-                                  <p:stCondLst>
-                                    <p:cond delay="0"/>
-                                  </p:stCondLst>
-                                  <p:childTnLst>
-                                    <p:set>
-                                      <p:cBhvr>
-                                        <p:cTn id="10" dur="1" fill="hold">
-                                          <p:stCondLst>
-                                            <p:cond delay="0"/>
-                                          </p:stCondLst>
-                                        </p:cTn>
-                                        <p:tgtEl>
-                                          <p:spTgt spid="13"/>
-                                        </p:tgtEl>
-                                        <p:attrNameLst>
-                                          <p:attrName>style.visibility</p:attrName>
-                                        </p:attrNameLst>
-                                      </p:cBhvr>
-                                      <p:to>
-                                        <p:strVal val="visible"/>
-                                      </p:to>
-                                    </p:set>
-                                    <p:animEffect transition="in" filter="fade">
-                                      <p:cBhvr>
-                                        <p:cTn id="11" dur="500"/>
-                                        <p:tgtEl>
-                                          <p:spTgt spid="13"/>
-                                        </p:tgtEl>
-                                      </p:cBhvr>
-                                    </p:animEffect>
-                                  </p:childTnLst>
-                                </p:cTn>
-                              </p:par>
-                            </p:childTnLst>
-                          </p:cTn>
-                        </p:par>
-                      </p:childTnLst>
-                    </p:cTn>
-                  </p:par>
-                  <p:par>
-                    <p:cTn id="12" fill="hold">
-                      <p:stCondLst>
-                        <p:cond delay="indefinite"/>
-                      </p:stCondLst>
-                      <p:childTnLst>
-                        <p:par>
-                          <p:cTn id="13" fill="hold">
-                            <p:stCondLst>
-                              <p:cond delay="0"/>
-                            </p:stCondLst>
-                            <p:childTnLst>
-                              <p:par>
-                                <p:cTn id="14" presetID="10" presetClass="entr" presetSubtype="0" fill="hold" nodeType="clickEffect">
-                                  <p:stCondLst>
-                                    <p:cond delay="0"/>
-                                  </p:stCondLst>
-                                  <p:childTnLst>
-                                    <p:set>
-                                      <p:cBhvr>
-                                        <p:cTn id="15" dur="1" fill="hold">
-                                          <p:stCondLst>
-                                            <p:cond delay="0"/>
-                                          </p:stCondLst>
-                                        </p:cTn>
-                                        <p:tgtEl>
-                                          <p:spTgt spid="17"/>
-                                        </p:tgtEl>
-                                        <p:attrNameLst>
-                                          <p:attrName>style.visibility</p:attrName>
-                                        </p:attrNameLst>
-                                      </p:cBhvr>
-                                      <p:to>
-                                        <p:strVal val="visible"/>
-                                      </p:to>
-                                    </p:set>
-                                    <p:animEffect transition="in" filter="fade">
-                                      <p:cBhvr>
-                                        <p:cTn id="16" dur="500"/>
-                                        <p:tgtEl>
-                                          <p:spTgt spid="17"/>
-                                        </p:tgtEl>
-                                      </p:cBhvr>
-                                    </p:animEffect>
-                                  </p:childTnLst>
-                                </p:cTn>
-                              </p:par>
-                            </p:childTnLst>
-                          </p:cTn>
-                        </p:par>
-                      </p:childTnLst>
-                    </p:cTn>
-                  </p:par>
-                </p:childTnLst>
-              </p:cTn>
-              <p:prevCondLst>
-                <p:cond evt="onPrev" delay="0">
-                  <p:tgtEl>
-                    <p:sldTgt/>
-                  </p:tgtEl>
-                </p:cond>
-              </p:prevCondLst>
-              <p:nextCondLst>
-                <p:cond evt="onNext" delay="0">
-                  <p:tgtEl>
-                    <p:sldTgt/>
-                  </p:tgtEl>
-                </p:cond>
-              </p:nextCondLst>
-            </p:seq>
-          </p:childTnLst>
-        </p:cTn>
-      </p:par>
-    </p:tnLst>
-    <p:bldLst>
-      <p:bldP spid="5" grpId="0" animBg="1"/>
-    </p:bldLst>
-  </p:timing>
-</p:sld>
-</file>
-
-<file path=ppt/slides/slide28.xml><?xml version="1.0" encoding="utf-8"?>
-<p:sld xmlns:a="http://schemas.openxmlformats.org/drawingml/2006/main" xmlns:r="http://schemas.openxmlformats.org/officeDocument/2006/relationships" xmlns:p="http://schemas.openxmlformats.org/presentationml/2006/main">
-  <p:cSld>
-    <p:spTree>
-      <p:nvGrpSpPr>
-        <p:cNvPr id="1" name=""/>
-        <p:cNvGrpSpPr/>
-        <p:nvPr/>
-      </p:nvGrpSpPr>
-      <p:grpSpPr>
-        <a:xfrm>
-          <a:off x="0" y="0"/>
-          <a:ext cx="0" cy="0"/>
-          <a:chOff x="0" y="0"/>
-          <a:chExt cx="0" cy="0"/>
-        </a:xfrm>
-      </p:grpSpPr>
-      <p:sp>
-        <p:nvSpPr>
-          <p:cNvPr id="2" name="Title 1"/>
-          <p:cNvSpPr>
-            <a:spLocks noGrp="1"/>
-          </p:cNvSpPr>
-          <p:nvPr>
-            <p:ph type="title"/>
-          </p:nvPr>
-        </p:nvSpPr>
-        <p:spPr/>
-        <p:txBody>
-          <a:bodyPr/>
-          <a:lstStyle/>
-          <a:p>
-            <a:r>
-              <a:rPr lang="en-US" dirty="0"/>
-              <a:t>Design Strategies turn into</a:t>
-            </a:r>
-            <a:r>
-              <a:rPr lang="en-US" dirty="0">
-                <a:sym typeface="Wingdings" pitchFamily="2" charset="2"/>
-              </a:rPr>
-              <a:t> Patterns</a:t>
-            </a:r>
-            <a:endParaRPr lang="en-US" dirty="0"/>
-          </a:p>
-        </p:txBody>
-      </p:sp>
-      <p:sp>
-        <p:nvSpPr>
-          <p:cNvPr id="3" name="Content Placeholder 2"/>
-          <p:cNvSpPr>
-            <a:spLocks noGrp="1"/>
-          </p:cNvSpPr>
-          <p:nvPr>
-            <p:ph idx="1"/>
-          </p:nvPr>
-        </p:nvSpPr>
-        <p:spPr/>
-        <p:txBody>
-          <a:bodyPr>
-            <a:normAutofit/>
-          </a:bodyPr>
-          <a:lstStyle/>
-          <a:p>
-            <a:r>
-              <a:rPr lang="en-US" dirty="0"/>
-              <a:t>In OO world, the important design strategies are at the class level.</a:t>
-            </a:r>
-          </a:p>
-          <a:p>
-            <a:r>
-              <a:rPr lang="en-US" dirty="0"/>
-              <a:t>Examples:</a:t>
-            </a:r>
-          </a:p>
-          <a:p>
-            <a:pPr lvl="1"/>
-            <a:r>
-              <a:rPr lang="en-US" dirty="0">
-                <a:sym typeface="Wingdings" pitchFamily="2" charset="2"/>
-              </a:rPr>
-              <a:t>composite pattern (</a:t>
-            </a:r>
-            <a:r>
-              <a:rPr lang="en-US" dirty="0" err="1">
-                <a:sym typeface="Wingdings" pitchFamily="2" charset="2"/>
-              </a:rPr>
-              <a:t>eg</a:t>
-            </a:r>
-            <a:r>
-              <a:rPr lang="en-US" dirty="0">
-                <a:sym typeface="Wingdings" pitchFamily="2" charset="2"/>
-              </a:rPr>
-              <a:t>, composite shapes)</a:t>
-            </a:r>
-          </a:p>
-          <a:p>
-            <a:pPr lvl="1"/>
-            <a:r>
-              <a:rPr lang="en-US" dirty="0">
-                <a:sym typeface="Wingdings" pitchFamily="2" charset="2"/>
-              </a:rPr>
-              <a:t>functional visitor pattern</a:t>
-            </a:r>
-          </a:p>
-          <a:p>
-            <a:pPr lvl="1"/>
-            <a:r>
-              <a:rPr lang="en-US" dirty="0">
-                <a:sym typeface="Wingdings" pitchFamily="2" charset="2"/>
-              </a:rPr>
-              <a:t>MapReduce pattern</a:t>
-            </a:r>
-          </a:p>
-          <a:p>
-            <a:pPr lvl="1"/>
-            <a:r>
-              <a:rPr lang="en-US" dirty="0">
-                <a:sym typeface="Wingdings" pitchFamily="2" charset="2"/>
-              </a:rPr>
-              <a:t>static factory method pattern</a:t>
-            </a:r>
-          </a:p>
-          <a:p>
-            <a:pPr lvl="1"/>
-            <a:r>
-              <a:rPr lang="en-US" dirty="0">
-                <a:sym typeface="Wingdings" pitchFamily="2" charset="2"/>
-              </a:rPr>
-              <a:t>strategy pattern (</a:t>
-            </a:r>
-            <a:r>
-              <a:rPr lang="en-US" dirty="0" err="1">
-                <a:sym typeface="Wingdings" pitchFamily="2" charset="2"/>
-              </a:rPr>
-              <a:t>eg</a:t>
-            </a:r>
-            <a:r>
-              <a:rPr lang="en-US" dirty="0">
-                <a:sym typeface="Wingdings" pitchFamily="2" charset="2"/>
-              </a:rPr>
-              <a:t>, next week’s </a:t>
-            </a:r>
-            <a:r>
-              <a:rPr lang="en-US" b="1" dirty="0" err="1">
-                <a:sym typeface="Wingdings" pitchFamily="2" charset="2"/>
-              </a:rPr>
-              <a:t>Fmap</a:t>
-            </a:r>
-            <a:r>
-              <a:rPr lang="en-US" dirty="0">
-                <a:sym typeface="Wingdings" pitchFamily="2" charset="2"/>
-              </a:rPr>
-              <a:t> example)</a:t>
-            </a:r>
-            <a:endParaRPr lang="en-US" dirty="0"/>
-          </a:p>
-        </p:txBody>
-      </p:sp>
-      <p:sp>
-        <p:nvSpPr>
-          <p:cNvPr id="4" name="Slide Number Placeholder 3"/>
-          <p:cNvSpPr>
-            <a:spLocks noGrp="1"/>
-          </p:cNvSpPr>
-          <p:nvPr>
-            <p:ph type="sldNum" sz="quarter" idx="12"/>
-          </p:nvPr>
-        </p:nvSpPr>
-        <p:spPr/>
-        <p:txBody>
-          <a:bodyPr/>
-          <a:lstStyle/>
-          <a:p>
-            <a:fld id="{B6F15528-21DE-4FAA-801E-634DDDAF4B2B}" type="slidenum">
-              <a:rPr lang="en-US" smtClean="0"/>
-              <a:pPr/>
-              <a:t>28</a:t>
-            </a:fld>
-            <a:endParaRPr lang="en-US"/>
-          </a:p>
-        </p:txBody>
-      </p:sp>
-    </p:spTree>
-  </p:cSld>
-  <p:clrMapOvr>
-    <a:masterClrMapping/>
-  </p:clrMapOvr>
-</p:sld>
-</file>
-
-<file path=ppt/slides/slide29.xml><?xml version="1.0" encoding="utf-8"?>
-<p:sld xmlns:a="http://schemas.openxmlformats.org/drawingml/2006/main" xmlns:r="http://schemas.openxmlformats.org/officeDocument/2006/relationships" xmlns:p="http://schemas.openxmlformats.org/presentationml/2006/main">
-  <p:cSld>
-    <p:spTree>
-      <p:nvGrpSpPr>
-        <p:cNvPr id="1" name=""/>
-        <p:cNvGrpSpPr/>
-        <p:nvPr/>
-      </p:nvGrpSpPr>
-      <p:grpSpPr>
-        <a:xfrm>
-          <a:off x="0" y="0"/>
-          <a:ext cx="0" cy="0"/>
-          <a:chOff x="0" y="0"/>
-          <a:chExt cx="0" cy="0"/>
-        </a:xfrm>
-      </p:grpSpPr>
-      <p:sp>
-        <p:nvSpPr>
-          <p:cNvPr id="2" name="Title 1">
-            <a:extLst>
-              <a:ext uri="{FF2B5EF4-FFF2-40B4-BE49-F238E27FC236}">
-                <a16:creationId xmlns:a16="http://schemas.microsoft.com/office/drawing/2014/main" id="{024C1161-54EC-4AD6-9C8F-90BEF79A8488}"/>
-              </a:ext>
-            </a:extLst>
-          </p:cNvPr>
-          <p:cNvSpPr>
-            <a:spLocks noGrp="1"/>
-          </p:cNvSpPr>
-          <p:nvPr>
-            <p:ph type="title"/>
-          </p:nvPr>
-        </p:nvSpPr>
-        <p:spPr/>
-        <p:txBody>
-          <a:bodyPr/>
-          <a:lstStyle/>
-          <a:p>
-            <a:r>
-              <a:rPr lang="en-US" dirty="0"/>
-              <a:t>Remember:</a:t>
-            </a:r>
-          </a:p>
-        </p:txBody>
-      </p:sp>
-      <p:sp>
-        <p:nvSpPr>
-          <p:cNvPr id="3" name="Content Placeholder 2">
-            <a:extLst>
-              <a:ext uri="{FF2B5EF4-FFF2-40B4-BE49-F238E27FC236}">
-                <a16:creationId xmlns:a16="http://schemas.microsoft.com/office/drawing/2014/main" id="{07BC52C3-17AA-4D8B-8001-5AD23358035D}"/>
-              </a:ext>
-            </a:extLst>
-          </p:cNvPr>
-          <p:cNvSpPr>
-            <a:spLocks noGrp="1"/>
-          </p:cNvSpPr>
-          <p:nvPr>
-            <p:ph idx="1"/>
-          </p:nvPr>
-        </p:nvSpPr>
-        <p:spPr/>
-        <p:txBody>
-          <a:bodyPr/>
-          <a:lstStyle/>
-          <a:p>
-            <a:r>
-              <a:rPr lang="en-US" dirty="0"/>
-              <a:t>The design recipe is a process, not just a list of deliverables.</a:t>
-            </a:r>
-          </a:p>
-        </p:txBody>
-      </p:sp>
-      <p:sp>
-        <p:nvSpPr>
-          <p:cNvPr id="4" name="Slide Number Placeholder 3">
-            <a:extLst>
-              <a:ext uri="{FF2B5EF4-FFF2-40B4-BE49-F238E27FC236}">
-                <a16:creationId xmlns:a16="http://schemas.microsoft.com/office/drawing/2014/main" id="{29EF32CA-0086-46BB-86C7-07BB7912CE26}"/>
-              </a:ext>
-            </a:extLst>
-          </p:cNvPr>
-          <p:cNvSpPr>
-            <a:spLocks noGrp="1"/>
-          </p:cNvSpPr>
-          <p:nvPr>
-            <p:ph type="sldNum" sz="quarter" idx="12"/>
-          </p:nvPr>
-        </p:nvSpPr>
-        <p:spPr/>
-        <p:txBody>
-          <a:bodyPr/>
-          <a:lstStyle/>
-          <a:p>
-            <a:fld id="{2AF3B5EA-18B6-4040-9F78-6052AF49C681}" type="slidenum">
-              <a:rPr lang="en-US" smtClean="0"/>
-              <a:t>29</a:t>
-            </a:fld>
-            <a:endParaRPr lang="en-US"/>
-          </a:p>
-        </p:txBody>
-      </p:sp>
-    </p:spTree>
-    <p:extLst>
-      <p:ext uri="{BB962C8B-B14F-4D97-AF65-F5344CB8AC3E}">
-        <p14:creationId xmlns:p14="http://schemas.microsoft.com/office/powerpoint/2010/main" val="1182208655"/>
-      </p:ext>
-    </p:extLst>
-  </p:cSld>
-  <p:clrMapOvr>
-    <a:masterClrMapping/>
-  </p:clrMapOvr>
-</p:sld>
-</file>
-
-<file path=ppt/slides/slide3.xml><?xml version="1.0" encoding="utf-8"?>
-<p:sld xmlns:a="http://schemas.openxmlformats.org/drawingml/2006/main" xmlns:r="http://schemas.openxmlformats.org/officeDocument/2006/relationships" xmlns:p="http://schemas.openxmlformats.org/presentationml/2006/main">
-  <p:cSld>
-    <p:spTree>
-      <p:nvGrpSpPr>
-        <p:cNvPr id="1" name=""/>
-        <p:cNvGrpSpPr/>
-        <p:nvPr/>
-      </p:nvGrpSpPr>
-      <p:grpSpPr>
-        <a:xfrm>
-          <a:off x="0" y="0"/>
-          <a:ext cx="0" cy="0"/>
-          <a:chOff x="0" y="0"/>
-          <a:chExt cx="0" cy="0"/>
-        </a:xfrm>
-      </p:grpSpPr>
-      <p:sp>
-        <p:nvSpPr>
-          <p:cNvPr id="2" name="Title 1"/>
-          <p:cNvSpPr>
-            <a:spLocks noGrp="1"/>
-          </p:cNvSpPr>
-          <p:nvPr>
-            <p:ph type="title"/>
-          </p:nvPr>
-        </p:nvSpPr>
-        <p:spPr/>
-        <p:txBody>
-          <a:bodyPr/>
-          <a:lstStyle/>
-          <a:p>
-            <a:r>
-              <a:rPr lang="en-US" dirty="0"/>
-              <a:t>Let's review the Design Recipe</a:t>
-            </a:r>
-          </a:p>
-        </p:txBody>
-      </p:sp>
-      <p:sp>
-        <p:nvSpPr>
-          <p:cNvPr id="5" name="Content Placeholder 4"/>
-          <p:cNvSpPr>
-            <a:spLocks noGrp="1"/>
-          </p:cNvSpPr>
-          <p:nvPr>
-            <p:ph idx="1"/>
-          </p:nvPr>
-        </p:nvSpPr>
-        <p:spPr/>
-        <p:txBody>
-          <a:bodyPr/>
-          <a:lstStyle/>
-          <a:p>
-            <a:endParaRPr lang="en-US"/>
-          </a:p>
-        </p:txBody>
-      </p:sp>
-      <p:sp>
-        <p:nvSpPr>
-          <p:cNvPr id="3" name="Slide Number Placeholder 2"/>
-          <p:cNvSpPr>
-            <a:spLocks noGrp="1"/>
-          </p:cNvSpPr>
-          <p:nvPr>
-            <p:ph type="sldNum" sz="quarter" idx="12"/>
-          </p:nvPr>
-        </p:nvSpPr>
-        <p:spPr/>
-        <p:txBody>
-          <a:bodyPr/>
-          <a:lstStyle/>
-          <a:p>
-            <a:fld id="{B6F15528-21DE-4FAA-801E-634DDDAF4B2B}" type="slidenum">
-              <a:rPr lang="en-US" smtClean="0"/>
-              <a:pPr/>
-              <a:t>3</a:t>
-            </a:fld>
-            <a:endParaRPr lang="en-US"/>
-          </a:p>
-        </p:txBody>
-      </p:sp>
-      <p:graphicFrame>
-        <p:nvGraphicFramePr>
-          <p:cNvPr id="6" name="Content Placeholder 3"/>
-          <p:cNvGraphicFramePr>
-            <a:graphicFrameLocks/>
-          </p:cNvGraphicFramePr>
-          <p:nvPr>
-            <p:extLst>
-              <p:ext uri="{D42A27DB-BD31-4B8C-83A1-F6EECF244321}">
-                <p14:modId xmlns:p14="http://schemas.microsoft.com/office/powerpoint/2010/main" val="3062039539"/>
-              </p:ext>
-            </p:extLst>
-          </p:nvPr>
-        </p:nvGraphicFramePr>
-        <p:xfrm>
-          <a:off x="457200" y="1600200"/>
-          <a:ext cx="8229600" cy="4053840"/>
-        </p:xfrm>
-        <a:graphic>
-          <a:graphicData uri="http://schemas.openxmlformats.org/drawingml/2006/table">
-            <a:tbl>
-              <a:tblPr firstRow="1" bandRow="1">
-                <a:tableStyleId>{5C22544A-7EE6-4342-B048-85BDC9FD1C3A}</a:tableStyleId>
-              </a:tblPr>
-              <a:tblGrid>
-                <a:gridCol w="8229600">
-                  <a:extLst>
-                    <a:ext uri="{9D8B030D-6E8A-4147-A177-3AD203B41FA5}">
-                      <a16:colId xmlns:a16="http://schemas.microsoft.com/office/drawing/2014/main" val="20000"/>
-                    </a:ext>
-                  </a:extLst>
-                </a:gridCol>
-              </a:tblGrid>
-              <a:tr h="370840">
-                <a:tc>
-                  <a:txBody>
-                    <a:bodyPr/>
-                    <a:lstStyle/>
-                    <a:p>
-                      <a:pPr algn="ctr"/>
-                      <a:r>
-                        <a:rPr lang="en-US" sz="3200" dirty="0"/>
-                        <a:t>The Function Design Recipe</a:t>
-                      </a:r>
-                    </a:p>
-                  </a:txBody>
-                  <a:tcPr/>
-                </a:tc>
-                <a:extLst>
-                  <a:ext uri="{0D108BD9-81ED-4DB2-BD59-A6C34878D82A}">
-                    <a16:rowId xmlns:a16="http://schemas.microsoft.com/office/drawing/2014/main" val="10000"/>
-                  </a:ext>
-                </a:extLst>
-              </a:tr>
-              <a:tr h="370840">
-                <a:tc>
-                  <a:txBody>
-                    <a:bodyPr/>
-                    <a:lstStyle/>
-                    <a:p>
-                      <a:r>
-                        <a:rPr lang="en-US" sz="3200" dirty="0"/>
-                        <a:t>1. Data Design</a:t>
-                      </a:r>
-                    </a:p>
-                  </a:txBody>
-                  <a:tcPr/>
-                </a:tc>
-                <a:extLst>
-                  <a:ext uri="{0D108BD9-81ED-4DB2-BD59-A6C34878D82A}">
-                    <a16:rowId xmlns:a16="http://schemas.microsoft.com/office/drawing/2014/main" val="10001"/>
-                  </a:ext>
-                </a:extLst>
-              </a:tr>
-              <a:tr h="370840">
-                <a:tc>
-                  <a:txBody>
-                    <a:bodyPr/>
-                    <a:lstStyle/>
-                    <a:p>
-                      <a:r>
-                        <a:rPr lang="en-US" sz="3200" dirty="0"/>
-                        <a:t>2. Contract and Purpose Statement</a:t>
-                      </a:r>
-                    </a:p>
-                  </a:txBody>
-                  <a:tcPr/>
-                </a:tc>
-                <a:extLst>
-                  <a:ext uri="{0D108BD9-81ED-4DB2-BD59-A6C34878D82A}">
-                    <a16:rowId xmlns:a16="http://schemas.microsoft.com/office/drawing/2014/main" val="10002"/>
-                  </a:ext>
-                </a:extLst>
-              </a:tr>
-              <a:tr h="370840">
-                <a:tc>
-                  <a:txBody>
-                    <a:bodyPr/>
-                    <a:lstStyle/>
-                    <a:p>
-                      <a:r>
-                        <a:rPr lang="en-US" sz="3200" dirty="0"/>
-                        <a:t>3.</a:t>
-                      </a:r>
-                      <a:r>
-                        <a:rPr lang="en-US" sz="3200" baseline="0" dirty="0"/>
-                        <a:t> Examples and Tests</a:t>
-                      </a:r>
-                      <a:endParaRPr lang="en-US" sz="3200" dirty="0"/>
-                    </a:p>
-                  </a:txBody>
-                  <a:tcPr/>
-                </a:tc>
-                <a:extLst>
-                  <a:ext uri="{0D108BD9-81ED-4DB2-BD59-A6C34878D82A}">
-                    <a16:rowId xmlns:a16="http://schemas.microsoft.com/office/drawing/2014/main" val="10003"/>
-                  </a:ext>
-                </a:extLst>
-              </a:tr>
-              <a:tr h="370840">
-                <a:tc>
-                  <a:txBody>
-                    <a:bodyPr/>
-                    <a:lstStyle/>
-                    <a:p>
-                      <a:r>
-                        <a:rPr lang="en-US" sz="3200" dirty="0"/>
-                        <a:t>4. Design Strategy</a:t>
-                      </a:r>
-                    </a:p>
-                  </a:txBody>
-                  <a:tcPr/>
-                </a:tc>
-                <a:extLst>
-                  <a:ext uri="{0D108BD9-81ED-4DB2-BD59-A6C34878D82A}">
-                    <a16:rowId xmlns:a16="http://schemas.microsoft.com/office/drawing/2014/main" val="10004"/>
-                  </a:ext>
-                </a:extLst>
-              </a:tr>
-              <a:tr h="370840">
-                <a:tc>
-                  <a:txBody>
-                    <a:bodyPr/>
-                    <a:lstStyle/>
-                    <a:p>
-                      <a:r>
-                        <a:rPr lang="en-US" sz="3200" dirty="0"/>
-                        <a:t>5. Function Definition</a:t>
-                      </a:r>
-                    </a:p>
-                  </a:txBody>
-                  <a:tcPr/>
-                </a:tc>
-                <a:extLst>
-                  <a:ext uri="{0D108BD9-81ED-4DB2-BD59-A6C34878D82A}">
-                    <a16:rowId xmlns:a16="http://schemas.microsoft.com/office/drawing/2014/main" val="10005"/>
-                  </a:ext>
-                </a:extLst>
-              </a:tr>
-              <a:tr h="370840">
-                <a:tc>
-                  <a:txBody>
-                    <a:bodyPr/>
-                    <a:lstStyle/>
-                    <a:p>
-                      <a:r>
-                        <a:rPr lang="en-US" sz="3200" dirty="0"/>
-                        <a:t>6. Program</a:t>
-                      </a:r>
-                      <a:r>
-                        <a:rPr lang="en-US" sz="3200" baseline="0" dirty="0"/>
-                        <a:t> Review</a:t>
-                      </a:r>
-                      <a:endParaRPr lang="en-US" sz="3200" dirty="0"/>
-                    </a:p>
-                  </a:txBody>
-                  <a:tcPr/>
-                </a:tc>
-                <a:extLst>
-                  <a:ext uri="{0D108BD9-81ED-4DB2-BD59-A6C34878D82A}">
-                    <a16:rowId xmlns:a16="http://schemas.microsoft.com/office/drawing/2014/main" val="10006"/>
-                  </a:ext>
-                </a:extLst>
-              </a:tr>
-            </a:tbl>
-          </a:graphicData>
-        </a:graphic>
-      </p:graphicFrame>
-    </p:spTree>
-  </p:cSld>
-  <p:clrMapOvr>
-    <a:masterClrMapping/>
-  </p:clrMapOvr>
-</p:sld>
-</file>
-
-<file path=ppt/slides/slide30.xml><?xml version="1.0" encoding="utf-8"?>
-<p:sld xmlns:a="http://schemas.openxmlformats.org/drawingml/2006/main" xmlns:r="http://schemas.openxmlformats.org/officeDocument/2006/relationships" xmlns:p="http://schemas.openxmlformats.org/presentationml/2006/main">
-  <p:cSld>
-    <p:spTree>
-      <p:nvGrpSpPr>
-        <p:cNvPr id="1" name=""/>
-        <p:cNvGrpSpPr/>
-        <p:nvPr/>
-      </p:nvGrpSpPr>
-      <p:grpSpPr>
-        <a:xfrm>
-          <a:off x="0" y="0"/>
-          <a:ext cx="0" cy="0"/>
-          <a:chOff x="0" y="0"/>
-          <a:chExt cx="0" cy="0"/>
-        </a:xfrm>
-      </p:grpSpPr>
-      <p:sp>
-        <p:nvSpPr>
-          <p:cNvPr id="2" name="Title 1"/>
-          <p:cNvSpPr>
-            <a:spLocks noGrp="1"/>
-          </p:cNvSpPr>
-          <p:nvPr>
-            <p:ph type="title"/>
-          </p:nvPr>
-        </p:nvSpPr>
-        <p:spPr/>
-        <p:txBody>
           <a:bodyPr/>
           <a:lstStyle/>
           <a:p>
@@ -12230,7 +9370,7 @@
           <a:p>
             <a:fld id="{2AF3B5EA-18B6-4040-9F78-6052AF49C681}" type="slidenum">
               <a:rPr lang="en-US" smtClean="0"/>
-              <a:t>30</a:t>
+              <a:t>25</a:t>
             </a:fld>
             <a:endParaRPr lang="en-US"/>
           </a:p>
@@ -12304,7 +9444,7 @@
 </p:sld>
 </file>
 
-<file path=ppt/slides/slide31.xml><?xml version="1.0" encoding="utf-8"?>
+<file path=ppt/slides/slide26.xml><?xml version="1.0" encoding="utf-8"?>
 <p:sld xmlns:a="http://schemas.openxmlformats.org/drawingml/2006/main" xmlns:r="http://schemas.openxmlformats.org/officeDocument/2006/relationships" xmlns:p="http://schemas.openxmlformats.org/presentationml/2006/main">
   <p:cSld>
     <p:spTree>
@@ -12394,7 +9534,7 @@
             <a:fld id="{B6F15528-21DE-4FAA-801E-634DDDAF4B2B}" type="slidenum">
               <a:rPr lang="en-US" smtClean="0"/>
               <a:pPr/>
-              <a:t>31</a:t>
+              <a:t>26</a:t>
             </a:fld>
             <a:endParaRPr lang="en-US"/>
           </a:p>
@@ -12608,7 +9748,7 @@
 </p:sld>
 </file>
 
-<file path=ppt/slides/slide32.xml><?xml version="1.0" encoding="utf-8"?>
+<file path=ppt/slides/slide27.xml><?xml version="1.0" encoding="utf-8"?>
 <p:sld xmlns:a="http://schemas.openxmlformats.org/drawingml/2006/main" xmlns:r="http://schemas.openxmlformats.org/officeDocument/2006/relationships" xmlns:p="http://schemas.openxmlformats.org/presentationml/2006/main">
   <p:cSld>
     <p:spTree>
@@ -12702,7 +9842,7 @@
             <a:fld id="{B6F15528-21DE-4FAA-801E-634DDDAF4B2B}" type="slidenum">
               <a:rPr lang="en-US" smtClean="0"/>
               <a:pPr/>
-              <a:t>32</a:t>
+              <a:t>27</a:t>
             </a:fld>
             <a:endParaRPr lang="en-US"/>
           </a:p>
@@ -12716,7 +9856,7 @@
 </p:sld>
 </file>
 
-<file path=ppt/slides/slide33.xml><?xml version="1.0" encoding="utf-8"?>
+<file path=ppt/slides/slide28.xml><?xml version="1.0" encoding="utf-8"?>
 <p:sld xmlns:a="http://schemas.openxmlformats.org/drawingml/2006/main" xmlns:r="http://schemas.openxmlformats.org/officeDocument/2006/relationships" xmlns:p="http://schemas.openxmlformats.org/presentationml/2006/main">
   <p:cSld>
     <p:spTree>
@@ -12805,7 +9945,7 @@
           <a:p>
             <a:fld id="{2AF3B5EA-18B6-4040-9F78-6052AF49C681}" type="slidenum">
               <a:rPr lang="en-US" smtClean="0"/>
-              <a:t>33</a:t>
+              <a:t>28</a:t>
             </a:fld>
             <a:endParaRPr lang="en-US"/>
           </a:p>
@@ -12824,7 +9964,384 @@
 </p:sld>
 </file>
 
+<file path=ppt/slides/slide3.xml><?xml version="1.0" encoding="utf-8"?>
+<p:sld xmlns:a="http://schemas.openxmlformats.org/drawingml/2006/main" xmlns:r="http://schemas.openxmlformats.org/officeDocument/2006/relationships" xmlns:p="http://schemas.openxmlformats.org/presentationml/2006/main">
+  <p:cSld>
+    <p:spTree>
+      <p:nvGrpSpPr>
+        <p:cNvPr id="1" name=""/>
+        <p:cNvGrpSpPr/>
+        <p:nvPr/>
+      </p:nvGrpSpPr>
+      <p:grpSpPr>
+        <a:xfrm>
+          <a:off x="0" y="0"/>
+          <a:ext cx="0" cy="0"/>
+          <a:chOff x="0" y="0"/>
+          <a:chExt cx="0" cy="0"/>
+        </a:xfrm>
+      </p:grpSpPr>
+      <p:sp>
+        <p:nvSpPr>
+          <p:cNvPr id="2" name="Title 1"/>
+          <p:cNvSpPr>
+            <a:spLocks noGrp="1"/>
+          </p:cNvSpPr>
+          <p:nvPr>
+            <p:ph type="title"/>
+          </p:nvPr>
+        </p:nvSpPr>
+        <p:spPr/>
+        <p:txBody>
+          <a:bodyPr/>
+          <a:lstStyle/>
+          <a:p>
+            <a:r>
+              <a:rPr lang="en-US" dirty="0"/>
+              <a:t>Goals of this lesson</a:t>
+            </a:r>
+          </a:p>
+        </p:txBody>
+      </p:sp>
+      <p:sp>
+        <p:nvSpPr>
+          <p:cNvPr id="3" name="Content Placeholder 2"/>
+          <p:cNvSpPr>
+            <a:spLocks noGrp="1"/>
+          </p:cNvSpPr>
+          <p:nvPr>
+            <p:ph idx="1"/>
+          </p:nvPr>
+        </p:nvSpPr>
+        <p:spPr/>
+        <p:txBody>
+          <a:bodyPr/>
+          <a:lstStyle/>
+          <a:p>
+            <a:r>
+              <a:rPr lang="en-US" dirty="0"/>
+              <a:t>See how the design recipe and its deliverables should appear in an object-oriented system</a:t>
+            </a:r>
+          </a:p>
+          <a:p>
+            <a:r>
+              <a:rPr lang="en-US" dirty="0"/>
+              <a:t>Note:  this is about OUR coding standards.  Your workplace may have different standards.</a:t>
+            </a:r>
+          </a:p>
+        </p:txBody>
+      </p:sp>
+      <p:sp>
+        <p:nvSpPr>
+          <p:cNvPr id="4" name="Slide Number Placeholder 3"/>
+          <p:cNvSpPr>
+            <a:spLocks noGrp="1"/>
+          </p:cNvSpPr>
+          <p:nvPr>
+            <p:ph type="sldNum" sz="quarter" idx="12"/>
+          </p:nvPr>
+        </p:nvSpPr>
+        <p:spPr/>
+        <p:txBody>
+          <a:bodyPr/>
+          <a:lstStyle/>
+          <a:p>
+            <a:fld id="{B6F15528-21DE-4FAA-801E-634DDDAF4B2B}" type="slidenum">
+              <a:rPr lang="en-US" smtClean="0"/>
+              <a:pPr/>
+              <a:t>3</a:t>
+            </a:fld>
+            <a:endParaRPr lang="en-US"/>
+          </a:p>
+        </p:txBody>
+      </p:sp>
+    </p:spTree>
+  </p:cSld>
+  <p:clrMapOvr>
+    <a:masterClrMapping/>
+  </p:clrMapOvr>
+</p:sld>
+</file>
+
 <file path=ppt/slides/slide4.xml><?xml version="1.0" encoding="utf-8"?>
+<p:sld xmlns:a="http://schemas.openxmlformats.org/drawingml/2006/main" xmlns:r="http://schemas.openxmlformats.org/officeDocument/2006/relationships" xmlns:p="http://schemas.openxmlformats.org/presentationml/2006/main">
+  <p:cSld>
+    <p:spTree>
+      <p:nvGrpSpPr>
+        <p:cNvPr id="1" name=""/>
+        <p:cNvGrpSpPr/>
+        <p:nvPr/>
+      </p:nvGrpSpPr>
+      <p:grpSpPr>
+        <a:xfrm>
+          <a:off x="0" y="0"/>
+          <a:ext cx="0" cy="0"/>
+          <a:chOff x="0" y="0"/>
+          <a:chExt cx="0" cy="0"/>
+        </a:xfrm>
+      </p:grpSpPr>
+      <p:sp>
+        <p:nvSpPr>
+          <p:cNvPr id="2" name="Title 1"/>
+          <p:cNvSpPr>
+            <a:spLocks noGrp="1"/>
+          </p:cNvSpPr>
+          <p:nvPr>
+            <p:ph type="title"/>
+          </p:nvPr>
+        </p:nvSpPr>
+        <p:spPr/>
+        <p:txBody>
+          <a:bodyPr/>
+          <a:lstStyle/>
+          <a:p>
+            <a:r>
+              <a:rPr lang="en-US" dirty="0"/>
+              <a:t>Let's review the Design Recipe</a:t>
+            </a:r>
+          </a:p>
+        </p:txBody>
+      </p:sp>
+      <p:sp>
+        <p:nvSpPr>
+          <p:cNvPr id="5" name="Content Placeholder 4"/>
+          <p:cNvSpPr>
+            <a:spLocks noGrp="1"/>
+          </p:cNvSpPr>
+          <p:nvPr>
+            <p:ph idx="1"/>
+          </p:nvPr>
+        </p:nvSpPr>
+        <p:spPr/>
+        <p:txBody>
+          <a:bodyPr/>
+          <a:lstStyle/>
+          <a:p>
+            <a:endParaRPr lang="en-US"/>
+          </a:p>
+        </p:txBody>
+      </p:sp>
+      <p:sp>
+        <p:nvSpPr>
+          <p:cNvPr id="3" name="Slide Number Placeholder 2"/>
+          <p:cNvSpPr>
+            <a:spLocks noGrp="1"/>
+          </p:cNvSpPr>
+          <p:nvPr>
+            <p:ph type="sldNum" sz="quarter" idx="12"/>
+          </p:nvPr>
+        </p:nvSpPr>
+        <p:spPr/>
+        <p:txBody>
+          <a:bodyPr/>
+          <a:lstStyle/>
+          <a:p>
+            <a:fld id="{B6F15528-21DE-4FAA-801E-634DDDAF4B2B}" type="slidenum">
+              <a:rPr lang="en-US" smtClean="0"/>
+              <a:pPr/>
+              <a:t>4</a:t>
+            </a:fld>
+            <a:endParaRPr lang="en-US"/>
+          </a:p>
+        </p:txBody>
+      </p:sp>
+      <p:graphicFrame>
+        <p:nvGraphicFramePr>
+          <p:cNvPr id="6" name="Content Placeholder 3"/>
+          <p:cNvGraphicFramePr>
+            <a:graphicFrameLocks/>
+          </p:cNvGraphicFramePr>
+          <p:nvPr>
+            <p:extLst>
+              <p:ext uri="{D42A27DB-BD31-4B8C-83A1-F6EECF244321}">
+                <p14:modId xmlns:p14="http://schemas.microsoft.com/office/powerpoint/2010/main" val="3062039539"/>
+              </p:ext>
+            </p:extLst>
+          </p:nvPr>
+        </p:nvGraphicFramePr>
+        <p:xfrm>
+          <a:off x="457200" y="1600200"/>
+          <a:ext cx="8229600" cy="4053840"/>
+        </p:xfrm>
+        <a:graphic>
+          <a:graphicData uri="http://schemas.openxmlformats.org/drawingml/2006/table">
+            <a:tbl>
+              <a:tblPr firstRow="1" bandRow="1">
+                <a:tableStyleId>{5C22544A-7EE6-4342-B048-85BDC9FD1C3A}</a:tableStyleId>
+              </a:tblPr>
+              <a:tblGrid>
+                <a:gridCol w="8229600">
+                  <a:extLst>
+                    <a:ext uri="{9D8B030D-6E8A-4147-A177-3AD203B41FA5}">
+                      <a16:colId xmlns:a16="http://schemas.microsoft.com/office/drawing/2014/main" val="20000"/>
+                    </a:ext>
+                  </a:extLst>
+                </a:gridCol>
+              </a:tblGrid>
+              <a:tr h="370840">
+                <a:tc>
+                  <a:txBody>
+                    <a:bodyPr/>
+                    <a:lstStyle/>
+                    <a:p>
+                      <a:pPr algn="ctr"/>
+                      <a:r>
+                        <a:rPr lang="en-US" sz="3200" dirty="0"/>
+                        <a:t>The Function Design Recipe</a:t>
+                      </a:r>
+                    </a:p>
+                  </a:txBody>
+                  <a:tcPr/>
+                </a:tc>
+                <a:extLst>
+                  <a:ext uri="{0D108BD9-81ED-4DB2-BD59-A6C34878D82A}">
+                    <a16:rowId xmlns:a16="http://schemas.microsoft.com/office/drawing/2014/main" val="10000"/>
+                  </a:ext>
+                </a:extLst>
+              </a:tr>
+              <a:tr h="370840">
+                <a:tc>
+                  <a:txBody>
+                    <a:bodyPr/>
+                    <a:lstStyle/>
+                    <a:p>
+                      <a:r>
+                        <a:rPr lang="en-US" sz="3200" dirty="0"/>
+                        <a:t>1. Data Design</a:t>
+                      </a:r>
+                    </a:p>
+                  </a:txBody>
+                  <a:tcPr/>
+                </a:tc>
+                <a:extLst>
+                  <a:ext uri="{0D108BD9-81ED-4DB2-BD59-A6C34878D82A}">
+                    <a16:rowId xmlns:a16="http://schemas.microsoft.com/office/drawing/2014/main" val="10001"/>
+                  </a:ext>
+                </a:extLst>
+              </a:tr>
+              <a:tr h="370840">
+                <a:tc>
+                  <a:txBody>
+                    <a:bodyPr/>
+                    <a:lstStyle/>
+                    <a:p>
+                      <a:r>
+                        <a:rPr lang="en-US" sz="3200" dirty="0"/>
+                        <a:t>2. Contract and Purpose Statement</a:t>
+                      </a:r>
+                    </a:p>
+                  </a:txBody>
+                  <a:tcPr/>
+                </a:tc>
+                <a:extLst>
+                  <a:ext uri="{0D108BD9-81ED-4DB2-BD59-A6C34878D82A}">
+                    <a16:rowId xmlns:a16="http://schemas.microsoft.com/office/drawing/2014/main" val="10002"/>
+                  </a:ext>
+                </a:extLst>
+              </a:tr>
+              <a:tr h="370840">
+                <a:tc>
+                  <a:txBody>
+                    <a:bodyPr/>
+                    <a:lstStyle/>
+                    <a:p>
+                      <a:r>
+                        <a:rPr lang="en-US" sz="3200" dirty="0"/>
+                        <a:t>3.</a:t>
+                      </a:r>
+                      <a:r>
+                        <a:rPr lang="en-US" sz="3200" baseline="0" dirty="0"/>
+                        <a:t> Examples and Tests</a:t>
+                      </a:r>
+                      <a:endParaRPr lang="en-US" sz="3200" dirty="0"/>
+                    </a:p>
+                  </a:txBody>
+                  <a:tcPr/>
+                </a:tc>
+                <a:extLst>
+                  <a:ext uri="{0D108BD9-81ED-4DB2-BD59-A6C34878D82A}">
+                    <a16:rowId xmlns:a16="http://schemas.microsoft.com/office/drawing/2014/main" val="10003"/>
+                  </a:ext>
+                </a:extLst>
+              </a:tr>
+              <a:tr h="370840">
+                <a:tc>
+                  <a:txBody>
+                    <a:bodyPr/>
+                    <a:lstStyle/>
+                    <a:p>
+                      <a:r>
+                        <a:rPr lang="en-US" sz="3200" dirty="0"/>
+                        <a:t>4. Design Strategy</a:t>
+                      </a:r>
+                    </a:p>
+                  </a:txBody>
+                  <a:tcPr/>
+                </a:tc>
+                <a:extLst>
+                  <a:ext uri="{0D108BD9-81ED-4DB2-BD59-A6C34878D82A}">
+                    <a16:rowId xmlns:a16="http://schemas.microsoft.com/office/drawing/2014/main" val="10004"/>
+                  </a:ext>
+                </a:extLst>
+              </a:tr>
+              <a:tr h="370840">
+                <a:tc>
+                  <a:txBody>
+                    <a:bodyPr/>
+                    <a:lstStyle/>
+                    <a:p>
+                      <a:r>
+                        <a:rPr lang="en-US" sz="3200" dirty="0"/>
+                        <a:t>5. Function Definition</a:t>
+                      </a:r>
+                    </a:p>
+                  </a:txBody>
+                  <a:tcPr/>
+                </a:tc>
+                <a:extLst>
+                  <a:ext uri="{0D108BD9-81ED-4DB2-BD59-A6C34878D82A}">
+                    <a16:rowId xmlns:a16="http://schemas.microsoft.com/office/drawing/2014/main" val="10005"/>
+                  </a:ext>
+                </a:extLst>
+              </a:tr>
+              <a:tr h="370840">
+                <a:tc>
+                  <a:txBody>
+                    <a:bodyPr/>
+                    <a:lstStyle/>
+                    <a:p>
+                      <a:r>
+                        <a:rPr lang="en-US" sz="3200" dirty="0"/>
+                        <a:t>6. Program</a:t>
+                      </a:r>
+                      <a:r>
+                        <a:rPr lang="en-US" sz="3200" baseline="0" dirty="0"/>
+                        <a:t> Review</a:t>
+                      </a:r>
+                      <a:endParaRPr lang="en-US" sz="3200" dirty="0"/>
+                    </a:p>
+                  </a:txBody>
+                  <a:tcPr/>
+                </a:tc>
+                <a:extLst>
+                  <a:ext uri="{0D108BD9-81ED-4DB2-BD59-A6C34878D82A}">
+                    <a16:rowId xmlns:a16="http://schemas.microsoft.com/office/drawing/2014/main" val="10006"/>
+                  </a:ext>
+                </a:extLst>
+              </a:tr>
+            </a:tbl>
+          </a:graphicData>
+        </a:graphic>
+      </p:graphicFrame>
+    </p:spTree>
+  </p:cSld>
+  <p:clrMapOvr>
+    <a:masterClrMapping/>
+  </p:clrMapOvr>
+</p:sld>
+</file>
+
+<file path=ppt/slides/slide5.xml><?xml version="1.0" encoding="utf-8"?>
 <p:sld xmlns:a="http://schemas.openxmlformats.org/drawingml/2006/main" xmlns:r="http://schemas.openxmlformats.org/officeDocument/2006/relationships" xmlns:p="http://schemas.openxmlformats.org/presentationml/2006/main">
   <p:cSld>
     <p:spTree>
@@ -13180,7 +10697,7 @@
           <a:p>
             <a:fld id="{2AF3B5EA-18B6-4040-9F78-6052AF49C681}" type="slidenum">
               <a:rPr lang="en-US" smtClean="0"/>
-              <a:t>4</a:t>
+              <a:t>5</a:t>
             </a:fld>
             <a:endParaRPr lang="en-US"/>
           </a:p>
@@ -13190,141 +10707,6 @@
     <p:extLst>
       <p:ext uri="{BB962C8B-B14F-4D97-AF65-F5344CB8AC3E}">
         <p14:creationId xmlns:p14="http://schemas.microsoft.com/office/powerpoint/2010/main" val="4244401720"/>
-      </p:ext>
-    </p:extLst>
-  </p:cSld>
-  <p:clrMapOvr>
-    <a:masterClrMapping/>
-  </p:clrMapOvr>
-</p:sld>
-</file>
-
-<file path=ppt/slides/slide5.xml><?xml version="1.0" encoding="utf-8"?>
-<p:sld xmlns:a="http://schemas.openxmlformats.org/drawingml/2006/main" xmlns:r="http://schemas.openxmlformats.org/officeDocument/2006/relationships" xmlns:p="http://schemas.openxmlformats.org/presentationml/2006/main">
-  <p:cSld>
-    <p:spTree>
-      <p:nvGrpSpPr>
-        <p:cNvPr id="1" name=""/>
-        <p:cNvGrpSpPr/>
-        <p:nvPr/>
-      </p:nvGrpSpPr>
-      <p:grpSpPr>
-        <a:xfrm>
-          <a:off x="0" y="0"/>
-          <a:ext cx="0" cy="0"/>
-          <a:chOff x="0" y="0"/>
-          <a:chExt cx="0" cy="0"/>
-        </a:xfrm>
-      </p:grpSpPr>
-      <p:sp>
-        <p:nvSpPr>
-          <p:cNvPr id="2" name="Title 1">
-            <a:extLst>
-              <a:ext uri="{FF2B5EF4-FFF2-40B4-BE49-F238E27FC236}">
-                <a16:creationId xmlns:a16="http://schemas.microsoft.com/office/drawing/2014/main" id="{C3DBF8C2-32B8-4E13-A005-A8F5763845F4}"/>
-              </a:ext>
-            </a:extLst>
-          </p:cNvPr>
-          <p:cNvSpPr>
-            <a:spLocks noGrp="1"/>
-          </p:cNvSpPr>
-          <p:nvPr>
-            <p:ph type="title"/>
-          </p:nvPr>
-        </p:nvSpPr>
-        <p:spPr/>
-        <p:txBody>
-          <a:bodyPr/>
-          <a:lstStyle/>
-          <a:p>
-            <a:r>
-              <a:rPr lang="en-US" dirty="0"/>
-              <a:t>Some differences</a:t>
-            </a:r>
-          </a:p>
-        </p:txBody>
-      </p:sp>
-      <p:sp>
-        <p:nvSpPr>
-          <p:cNvPr id="3" name="Content Placeholder 2">
-            <a:extLst>
-              <a:ext uri="{FF2B5EF4-FFF2-40B4-BE49-F238E27FC236}">
-                <a16:creationId xmlns:a16="http://schemas.microsoft.com/office/drawing/2014/main" id="{9B60A5F4-05BD-4155-A795-3914E34DB204}"/>
-              </a:ext>
-            </a:extLst>
-          </p:cNvPr>
-          <p:cNvSpPr>
-            <a:spLocks noGrp="1"/>
-          </p:cNvSpPr>
-          <p:nvPr>
-            <p:ph idx="1"/>
-          </p:nvPr>
-        </p:nvSpPr>
-        <p:spPr/>
-        <p:txBody>
-          <a:bodyPr>
-            <a:normAutofit fontScale="70000" lnSpcReduction="20000"/>
-          </a:bodyPr>
-          <a:lstStyle/>
-          <a:p>
-            <a:r>
-              <a:rPr lang="en-US" dirty="0"/>
-              <a:t>"Design Strategy" has been dropped as a separate step, but you should still describe a design strategy if you think it would help readers to understand your code. Most of the time, your methods will be so simple you probably won't need to describe a design strategy.</a:t>
-            </a:r>
-          </a:p>
-          <a:p>
-            <a:r>
-              <a:rPr lang="en-US" dirty="0"/>
-              <a:t>"Halting Measure" has been dropped as a deliverable, but you should still describe a halting measure for methods that might be involved in a recursion, unless the halting measure is obvious.</a:t>
-            </a:r>
-          </a:p>
-          <a:p>
-            <a:r>
-              <a:rPr lang="en-US" dirty="0"/>
-              <a:t>"Contract and Purpose Statement" is now part of the "Interface Design" and "Class Design" steps.</a:t>
-            </a:r>
-          </a:p>
-          <a:p>
-            <a:r>
-              <a:rPr lang="en-US" dirty="0"/>
-              <a:t>Unit tests are shown as the fourth step, after method definitions, but it is still a good idea to write at least some tests for each method after you write the contracts for the method and before you actually define the method.</a:t>
-            </a:r>
-          </a:p>
-        </p:txBody>
-      </p:sp>
-      <p:sp>
-        <p:nvSpPr>
-          <p:cNvPr id="4" name="Slide Number Placeholder 3">
-            <a:extLst>
-              <a:ext uri="{FF2B5EF4-FFF2-40B4-BE49-F238E27FC236}">
-                <a16:creationId xmlns:a16="http://schemas.microsoft.com/office/drawing/2014/main" id="{1A6C9AD0-38B3-4035-8010-ED20FD69BAAE}"/>
-              </a:ext>
-            </a:extLst>
-          </p:cNvPr>
-          <p:cNvSpPr>
-            <a:spLocks noGrp="1"/>
-          </p:cNvSpPr>
-          <p:nvPr>
-            <p:ph type="sldNum" sz="quarter" idx="12"/>
-          </p:nvPr>
-        </p:nvSpPr>
-        <p:spPr/>
-        <p:txBody>
-          <a:bodyPr/>
-          <a:lstStyle/>
-          <a:p>
-            <a:fld id="{2AF3B5EA-18B6-4040-9F78-6052AF49C681}" type="slidenum">
-              <a:rPr lang="en-US" smtClean="0"/>
-              <a:t>5</a:t>
-            </a:fld>
-            <a:endParaRPr lang="en-US"/>
-          </a:p>
-        </p:txBody>
-      </p:sp>
-    </p:spTree>
-    <p:extLst>
-      <p:ext uri="{BB962C8B-B14F-4D97-AF65-F5344CB8AC3E}">
-        <p14:creationId xmlns:p14="http://schemas.microsoft.com/office/powerpoint/2010/main" val="419944792"/>
       </p:ext>
     </p:extLst>
   </p:cSld>
@@ -13353,7 +10735,13 @@
       </p:grpSpPr>
       <p:sp>
         <p:nvSpPr>
-          <p:cNvPr id="2" name="Title 1"/>
+          <p:cNvPr id="2" name="Title 1">
+            <a:extLst>
+              <a:ext uri="{FF2B5EF4-FFF2-40B4-BE49-F238E27FC236}">
+                <a16:creationId xmlns:a16="http://schemas.microsoft.com/office/drawing/2014/main" id="{C3DBF8C2-32B8-4E13-A005-A8F5763845F4}"/>
+              </a:ext>
+            </a:extLst>
+          </p:cNvPr>
           <p:cNvSpPr>
             <a:spLocks noGrp="1"/>
           </p:cNvSpPr>
@@ -13368,14 +10756,20 @@
           <a:p>
             <a:r>
               <a:rPr lang="en-US" dirty="0"/>
-              <a:t>Step 1:  Interface Design</a:t>
-            </a:r>
-          </a:p>
-        </p:txBody>
-      </p:sp>
-      <p:sp>
-        <p:nvSpPr>
-          <p:cNvPr id="3" name="Content Placeholder 2"/>
+              <a:t>Some differences</a:t>
+            </a:r>
+          </a:p>
+        </p:txBody>
+      </p:sp>
+      <p:sp>
+        <p:nvSpPr>
+          <p:cNvPr id="3" name="Content Placeholder 2">
+            <a:extLst>
+              <a:ext uri="{FF2B5EF4-FFF2-40B4-BE49-F238E27FC236}">
+                <a16:creationId xmlns:a16="http://schemas.microsoft.com/office/drawing/2014/main" id="{9B60A5F4-05BD-4155-A795-3914E34DB204}"/>
+              </a:ext>
+            </a:extLst>
+          </p:cNvPr>
           <p:cNvSpPr>
             <a:spLocks noGrp="1"/>
           </p:cNvSpPr>
@@ -13385,55 +10779,45 @@
         </p:nvSpPr>
         <p:spPr/>
         <p:txBody>
-          <a:bodyPr/>
-          <a:lstStyle/>
-          <a:p>
-            <a:r>
-              <a:rPr lang="en-US" dirty="0"/>
-              <a:t>What kinds of things will exist in your system?</a:t>
-            </a:r>
-          </a:p>
-          <a:p>
-            <a:r>
-              <a:rPr lang="en-US" dirty="0"/>
-              <a:t>What  messages will they need to respond to?</a:t>
-            </a:r>
-          </a:p>
-          <a:p>
-            <a:r>
-              <a:rPr lang="en-US" dirty="0"/>
-              <a:t>List the messages (methods) in each interface</a:t>
-            </a:r>
-          </a:p>
-          <a:p>
-            <a:r>
-              <a:rPr lang="en-US" dirty="0"/>
-              <a:t>Write a purpose statement for the interface</a:t>
-            </a:r>
-          </a:p>
-          <a:p>
-            <a:r>
-              <a:rPr lang="en-US" dirty="0"/>
-              <a:t>For each method in the interface, write a contract and purpose statement.</a:t>
-            </a:r>
-          </a:p>
-          <a:p>
-            <a:r>
-              <a:rPr lang="en-US" dirty="0"/>
-              <a:t>Write the contracts in terms of data types and interfaces (never classes).</a:t>
-            </a:r>
-          </a:p>
-          <a:p>
-            <a:endParaRPr lang="en-US" dirty="0"/>
-          </a:p>
-          <a:p>
-            <a:endParaRPr lang="en-US" dirty="0"/>
-          </a:p>
-        </p:txBody>
-      </p:sp>
-      <p:sp>
-        <p:nvSpPr>
-          <p:cNvPr id="4" name="Slide Number Placeholder 3"/>
+          <a:bodyPr>
+            <a:normAutofit fontScale="70000" lnSpcReduction="20000"/>
+          </a:bodyPr>
+          <a:lstStyle/>
+          <a:p>
+            <a:r>
+              <a:rPr lang="en-US" dirty="0"/>
+              <a:t>"Design Strategy" has been dropped as a separate step, but you should still describe a design strategy if you think it would help readers to understand your code. Most of the time, your methods will be so simple you probably won't need to describe a design strategy.</a:t>
+            </a:r>
+          </a:p>
+          <a:p>
+            <a:r>
+              <a:rPr lang="en-US" dirty="0"/>
+              <a:t>"Halting Measure" has been dropped as a deliverable, but you should still describe a halting measure for methods that might be involved in a recursion, unless the halting measure is obvious.</a:t>
+            </a:r>
+          </a:p>
+          <a:p>
+            <a:r>
+              <a:rPr lang="en-US" dirty="0"/>
+              <a:t>"Contract and Purpose Statement" is now part of the "Interface Design" and "Class Design" steps.</a:t>
+            </a:r>
+          </a:p>
+          <a:p>
+            <a:r>
+              <a:rPr lang="en-US" dirty="0"/>
+              <a:t>Unit tests are shown as the fourth step, after method definitions, but it is still a good idea to write at least some tests for each method after you write the contracts for the method and before you actually define the method.</a:t>
+            </a:r>
+          </a:p>
+        </p:txBody>
+      </p:sp>
+      <p:sp>
+        <p:nvSpPr>
+          <p:cNvPr id="4" name="Slide Number Placeholder 3">
+            <a:extLst>
+              <a:ext uri="{FF2B5EF4-FFF2-40B4-BE49-F238E27FC236}">
+                <a16:creationId xmlns:a16="http://schemas.microsoft.com/office/drawing/2014/main" id="{1A6C9AD0-38B3-4035-8010-ED20FD69BAAE}"/>
+              </a:ext>
+            </a:extLst>
+          </p:cNvPr>
           <p:cNvSpPr>
             <a:spLocks noGrp="1"/>
           </p:cNvSpPr>
@@ -13457,7 +10841,7 @@
     </p:spTree>
     <p:extLst>
       <p:ext uri="{BB962C8B-B14F-4D97-AF65-F5344CB8AC3E}">
-        <p14:creationId xmlns:p14="http://schemas.microsoft.com/office/powerpoint/2010/main" val="3343465080"/>
+        <p14:creationId xmlns:p14="http://schemas.microsoft.com/office/powerpoint/2010/main" val="419944792"/>
       </p:ext>
     </p:extLst>
   </p:cSld>
@@ -13486,7 +10870,7 @@
       </p:grpSpPr>
       <p:sp>
         <p:nvSpPr>
-          <p:cNvPr id="4" name="Title 3"/>
+          <p:cNvPr id="2" name="Title 1"/>
           <p:cNvSpPr>
             <a:spLocks noGrp="1"/>
           </p:cNvSpPr>
@@ -13496,222 +10880,117 @@
         </p:nvSpPr>
         <p:spPr/>
         <p:txBody>
+          <a:bodyPr/>
+          <a:lstStyle/>
+          <a:p>
+            <a:r>
+              <a:rPr lang="en-US" dirty="0"/>
+              <a:t>Step 1:  Interface Design</a:t>
+            </a:r>
+          </a:p>
+        </p:txBody>
+      </p:sp>
+      <p:sp>
+        <p:nvSpPr>
+          <p:cNvPr id="3" name="Content Placeholder 2"/>
+          <p:cNvSpPr>
+            <a:spLocks noGrp="1"/>
+          </p:cNvSpPr>
+          <p:nvPr>
+            <p:ph idx="1"/>
+          </p:nvPr>
+        </p:nvSpPr>
+        <p:spPr/>
+        <p:txBody>
           <a:bodyPr>
-            <a:normAutofit/>
+            <a:normAutofit fontScale="92500" lnSpcReduction="20000"/>
           </a:bodyPr>
           <a:lstStyle/>
           <a:p>
             <a:r>
               <a:rPr lang="en-US" dirty="0"/>
-              <a:t>Example 1: </a:t>
+              <a:t>What kinds of things will exist in your system?</a:t>
+            </a:r>
+          </a:p>
+          <a:p>
+            <a:r>
+              <a:rPr lang="en-US" dirty="0"/>
+              <a:t>What  messages will they need to respond to?</a:t>
+            </a:r>
+          </a:p>
+          <a:p>
+            <a:r>
+              <a:rPr lang="en-US" dirty="0"/>
+              <a:t>List the messages (methods) in each interface</a:t>
+            </a:r>
+          </a:p>
+          <a:p>
+            <a:r>
+              <a:rPr lang="en-US" dirty="0"/>
+              <a:t>Write a purpose statement for the interface</a:t>
+            </a:r>
+          </a:p>
+          <a:p>
+            <a:r>
+              <a:rPr lang="en-US" dirty="0"/>
+              <a:t>For each method in the interface, write a contract and purpose statement.</a:t>
+            </a:r>
+          </a:p>
+          <a:p>
+            <a:r>
+              <a:rPr lang="en-US" dirty="0"/>
+              <a:t>Write the contracts in terms of data types and interfaces (never classes).</a:t>
+            </a:r>
+          </a:p>
+          <a:p>
+            <a:r>
+              <a:rPr lang="en-US" dirty="0"/>
+              <a:t>This is similar to the </a:t>
             </a:r>
             <a:r>
               <a:rPr lang="en-US" dirty="0" err="1"/>
-              <a:t>StupidRobot</a:t>
-            </a:r>
+              <a:t>wishlist</a:t>
+            </a:r>
+            <a:r>
+              <a:rPr lang="en-US" dirty="0"/>
+              <a:t> in the functional model.</a:t>
+            </a:r>
+          </a:p>
+          <a:p>
             <a:endParaRPr lang="en-US" dirty="0"/>
           </a:p>
-        </p:txBody>
-      </p:sp>
-      <p:sp>
-        <p:nvSpPr>
-          <p:cNvPr id="5" name="Content Placeholder 4"/>
-          <p:cNvSpPr>
-            <a:spLocks noGrp="1"/>
-          </p:cNvSpPr>
-          <p:nvPr>
-            <p:ph idx="1"/>
-          </p:nvPr>
-        </p:nvSpPr>
-        <p:spPr/>
-        <p:txBody>
-          <a:bodyPr>
-            <a:normAutofit fontScale="47500" lnSpcReduction="20000"/>
-          </a:bodyPr>
-          <a:lstStyle/>
-          <a:p>
-            <a:r>
-              <a:rPr lang="en-US" dirty="0"/>
-              <a:t> // A </a:t>
-            </a:r>
-            <a:r>
-              <a:rPr lang="en-US" dirty="0" err="1"/>
-              <a:t>StupidRobot</a:t>
-            </a:r>
-            <a:r>
-              <a:rPr lang="en-US" dirty="0"/>
-              <a:t> is an object of any class that implements </a:t>
-            </a:r>
-            <a:r>
-              <a:rPr lang="en-US" dirty="0" err="1"/>
-              <a:t>StupidRobot</a:t>
-            </a:r>
+          <a:p>
             <a:endParaRPr lang="en-US" dirty="0"/>
           </a:p>
-          <a:p>
-            <a:r>
-              <a:rPr lang="en-US" dirty="0"/>
-              <a:t>      //</a:t>
-            </a:r>
-          </a:p>
-          <a:p>
-            <a:r>
-              <a:rPr lang="en-US" dirty="0"/>
-              <a:t>      // Interpretation:  A </a:t>
-            </a:r>
-            <a:r>
-              <a:rPr lang="en-US" dirty="0" err="1"/>
-              <a:t>StupidRobot</a:t>
-            </a:r>
-            <a:r>
-              <a:rPr lang="en-US" dirty="0"/>
-              <a:t> represents a robot moving along</a:t>
-            </a:r>
-          </a:p>
-          <a:p>
-            <a:r>
-              <a:rPr lang="en-US" dirty="0"/>
-              <a:t>      //     a horizontal line starting at position 0.</a:t>
-            </a:r>
-          </a:p>
-          <a:p>
-            <a:r>
-              <a:rPr lang="en-US" dirty="0"/>
-              <a:t>      </a:t>
-            </a:r>
-          </a:p>
-          <a:p>
-            <a:r>
-              <a:rPr lang="en-US" dirty="0"/>
-              <a:t>      interface </a:t>
-            </a:r>
-            <a:r>
-              <a:rPr lang="en-US" dirty="0" err="1"/>
-              <a:t>StupidRobot</a:t>
-            </a:r>
-            <a:r>
-              <a:rPr lang="en-US" dirty="0"/>
-              <a:t> {</a:t>
-            </a:r>
-          </a:p>
-          <a:p>
-            <a:r>
-              <a:rPr lang="en-US" dirty="0"/>
-              <a:t>      </a:t>
-            </a:r>
-          </a:p>
-          <a:p>
-            <a:r>
-              <a:rPr lang="en-US" dirty="0"/>
-              <a:t>          // a new </a:t>
-            </a:r>
-            <a:r>
-              <a:rPr lang="en-US" dirty="0" err="1"/>
-              <a:t>StupidRobot</a:t>
-            </a:r>
-            <a:r>
-              <a:rPr lang="en-US" dirty="0"/>
-              <a:t> is required to start at position 0.</a:t>
-            </a:r>
-          </a:p>
-          <a:p>
-            <a:r>
-              <a:rPr lang="en-US" dirty="0"/>
-              <a:t>      </a:t>
-            </a:r>
-          </a:p>
-          <a:p>
-            <a:r>
-              <a:rPr lang="en-US" dirty="0"/>
-              <a:t>          // RETURNS: a robot just like this one, moved one position</a:t>
-            </a:r>
-          </a:p>
-          <a:p>
-            <a:r>
-              <a:rPr lang="en-US" dirty="0"/>
-              <a:t>          // to the right.</a:t>
-            </a:r>
-          </a:p>
-          <a:p>
-            <a:r>
-              <a:rPr lang="en-US" dirty="0"/>
-              <a:t>      </a:t>
-            </a:r>
-          </a:p>
-          <a:p>
-            <a:r>
-              <a:rPr lang="en-US" dirty="0"/>
-              <a:t>          </a:t>
-            </a:r>
-            <a:r>
-              <a:rPr lang="en-US" dirty="0" err="1"/>
-              <a:t>StupidRobot</a:t>
-            </a:r>
-            <a:r>
-              <a:rPr lang="en-US" dirty="0"/>
-              <a:t> </a:t>
-            </a:r>
-            <a:r>
-              <a:rPr lang="en-US" dirty="0" err="1"/>
-              <a:t>moveRight</a:t>
-            </a:r>
-            <a:r>
-              <a:rPr lang="en-US" dirty="0"/>
-              <a:t> ();</a:t>
-            </a:r>
-          </a:p>
-          <a:p>
-            <a:r>
-              <a:rPr lang="en-US" dirty="0"/>
-              <a:t>      </a:t>
-            </a:r>
-          </a:p>
-          <a:p>
-            <a:r>
-              <a:rPr lang="en-US" dirty="0"/>
-              <a:t>          // RETURNS: the current x-position of this robot</a:t>
-            </a:r>
-          </a:p>
-          <a:p>
-            <a:r>
-              <a:rPr lang="en-US" dirty="0"/>
-              <a:t>      </a:t>
-            </a:r>
-          </a:p>
-          <a:p>
-            <a:r>
-              <a:rPr lang="en-US" dirty="0"/>
-              <a:t>          </a:t>
-            </a:r>
-            <a:r>
-              <a:rPr lang="en-US" dirty="0" err="1"/>
-              <a:t>int</a:t>
-            </a:r>
-            <a:r>
-              <a:rPr lang="en-US" dirty="0"/>
-              <a:t> </a:t>
-            </a:r>
-            <a:r>
-              <a:rPr lang="en-US" dirty="0" err="1"/>
-              <a:t>getPos</a:t>
-            </a:r>
-            <a:r>
-              <a:rPr lang="en-US" dirty="0"/>
-              <a:t> ();</a:t>
-            </a:r>
-          </a:p>
-          <a:p>
-            <a:r>
-              <a:rPr lang="en-US" dirty="0"/>
-              <a:t>      }</a:t>
-            </a:r>
+        </p:txBody>
+      </p:sp>
+      <p:sp>
+        <p:nvSpPr>
+          <p:cNvPr id="4" name="Slide Number Placeholder 3"/>
+          <p:cNvSpPr>
+            <a:spLocks noGrp="1"/>
+          </p:cNvSpPr>
+          <p:nvPr>
+            <p:ph type="sldNum" sz="quarter" idx="12"/>
+          </p:nvPr>
+        </p:nvSpPr>
+        <p:spPr/>
+        <p:txBody>
+          <a:bodyPr/>
+          <a:lstStyle/>
+          <a:p>
+            <a:fld id="{2AF3B5EA-18B6-4040-9F78-6052AF49C681}" type="slidenum">
+              <a:rPr lang="en-US" smtClean="0"/>
+              <a:t>7</a:t>
+            </a:fld>
+            <a:endParaRPr lang="en-US"/>
           </a:p>
         </p:txBody>
       </p:sp>
     </p:spTree>
     <p:extLst>
       <p:ext uri="{BB962C8B-B14F-4D97-AF65-F5344CB8AC3E}">
-        <p14:creationId xmlns:p14="http://schemas.microsoft.com/office/powerpoint/2010/main" val="482356299"/>
+        <p14:creationId xmlns:p14="http://schemas.microsoft.com/office/powerpoint/2010/main" val="3343465080"/>
       </p:ext>
     </p:extLst>
   </p:cSld>
@@ -13740,6 +11019,260 @@
       </p:grpSpPr>
       <p:sp>
         <p:nvSpPr>
+          <p:cNvPr id="4" name="Title 3"/>
+          <p:cNvSpPr>
+            <a:spLocks noGrp="1"/>
+          </p:cNvSpPr>
+          <p:nvPr>
+            <p:ph type="title"/>
+          </p:nvPr>
+        </p:nvSpPr>
+        <p:spPr/>
+        <p:txBody>
+          <a:bodyPr>
+            <a:normAutofit/>
+          </a:bodyPr>
+          <a:lstStyle/>
+          <a:p>
+            <a:r>
+              <a:rPr lang="en-US" dirty="0"/>
+              <a:t>Example 1: </a:t>
+            </a:r>
+            <a:r>
+              <a:rPr lang="en-US" dirty="0" err="1"/>
+              <a:t>StupidRobot</a:t>
+            </a:r>
+            <a:endParaRPr lang="en-US" dirty="0"/>
+          </a:p>
+        </p:txBody>
+      </p:sp>
+      <p:sp>
+        <p:nvSpPr>
+          <p:cNvPr id="5" name="Content Placeholder 4"/>
+          <p:cNvSpPr>
+            <a:spLocks noGrp="1"/>
+          </p:cNvSpPr>
+          <p:nvPr>
+            <p:ph idx="1"/>
+          </p:nvPr>
+        </p:nvSpPr>
+        <p:spPr/>
+        <p:txBody>
+          <a:bodyPr>
+            <a:normAutofit fontScale="47500" lnSpcReduction="20000"/>
+          </a:bodyPr>
+          <a:lstStyle/>
+          <a:p>
+            <a:r>
+              <a:rPr lang="en-US" dirty="0"/>
+              <a:t> // A </a:t>
+            </a:r>
+            <a:r>
+              <a:rPr lang="en-US" dirty="0" err="1"/>
+              <a:t>StupidRobot</a:t>
+            </a:r>
+            <a:r>
+              <a:rPr lang="en-US" dirty="0"/>
+              <a:t> is an object of any class that implements </a:t>
+            </a:r>
+            <a:r>
+              <a:rPr lang="en-US" dirty="0" err="1"/>
+              <a:t>StupidRobot</a:t>
+            </a:r>
+            <a:endParaRPr lang="en-US" dirty="0"/>
+          </a:p>
+          <a:p>
+            <a:r>
+              <a:rPr lang="en-US" dirty="0"/>
+              <a:t>      //</a:t>
+            </a:r>
+          </a:p>
+          <a:p>
+            <a:r>
+              <a:rPr lang="en-US" dirty="0"/>
+              <a:t>      // Interpretation:  A </a:t>
+            </a:r>
+            <a:r>
+              <a:rPr lang="en-US" dirty="0" err="1"/>
+              <a:t>StupidRobot</a:t>
+            </a:r>
+            <a:r>
+              <a:rPr lang="en-US" dirty="0"/>
+              <a:t> represents a robot moving along</a:t>
+            </a:r>
+          </a:p>
+          <a:p>
+            <a:r>
+              <a:rPr lang="en-US" dirty="0"/>
+              <a:t>      //     a horizontal line starting at position 0.</a:t>
+            </a:r>
+          </a:p>
+          <a:p>
+            <a:r>
+              <a:rPr lang="en-US" dirty="0"/>
+              <a:t>      </a:t>
+            </a:r>
+          </a:p>
+          <a:p>
+            <a:r>
+              <a:rPr lang="en-US" dirty="0"/>
+              <a:t>      interface </a:t>
+            </a:r>
+            <a:r>
+              <a:rPr lang="en-US" dirty="0" err="1"/>
+              <a:t>StupidRobot</a:t>
+            </a:r>
+            <a:r>
+              <a:rPr lang="en-US" dirty="0"/>
+              <a:t> {</a:t>
+            </a:r>
+          </a:p>
+          <a:p>
+            <a:r>
+              <a:rPr lang="en-US" dirty="0"/>
+              <a:t>      </a:t>
+            </a:r>
+          </a:p>
+          <a:p>
+            <a:r>
+              <a:rPr lang="en-US" dirty="0"/>
+              <a:t>          // a new </a:t>
+            </a:r>
+            <a:r>
+              <a:rPr lang="en-US" dirty="0" err="1"/>
+              <a:t>StupidRobot</a:t>
+            </a:r>
+            <a:r>
+              <a:rPr lang="en-US" dirty="0"/>
+              <a:t> is required to start at position 0.</a:t>
+            </a:r>
+          </a:p>
+          <a:p>
+            <a:r>
+              <a:rPr lang="en-US" dirty="0"/>
+              <a:t>      </a:t>
+            </a:r>
+          </a:p>
+          <a:p>
+            <a:r>
+              <a:rPr lang="en-US" dirty="0"/>
+              <a:t>          // RETURNS: a robot just like this one, moved one position</a:t>
+            </a:r>
+          </a:p>
+          <a:p>
+            <a:r>
+              <a:rPr lang="en-US" dirty="0"/>
+              <a:t>          // to the right.</a:t>
+            </a:r>
+          </a:p>
+          <a:p>
+            <a:r>
+              <a:rPr lang="en-US" dirty="0"/>
+              <a:t>      </a:t>
+            </a:r>
+          </a:p>
+          <a:p>
+            <a:r>
+              <a:rPr lang="en-US" dirty="0"/>
+              <a:t>          </a:t>
+            </a:r>
+            <a:r>
+              <a:rPr lang="en-US" dirty="0" err="1"/>
+              <a:t>StupidRobot</a:t>
+            </a:r>
+            <a:r>
+              <a:rPr lang="en-US" dirty="0"/>
+              <a:t> </a:t>
+            </a:r>
+            <a:r>
+              <a:rPr lang="en-US" dirty="0" err="1"/>
+              <a:t>moveRight</a:t>
+            </a:r>
+            <a:r>
+              <a:rPr lang="en-US" dirty="0"/>
+              <a:t> ();</a:t>
+            </a:r>
+          </a:p>
+          <a:p>
+            <a:r>
+              <a:rPr lang="en-US" dirty="0"/>
+              <a:t>      </a:t>
+            </a:r>
+          </a:p>
+          <a:p>
+            <a:r>
+              <a:rPr lang="en-US" dirty="0"/>
+              <a:t>          // RETURNS: the current x-position of this robot</a:t>
+            </a:r>
+          </a:p>
+          <a:p>
+            <a:r>
+              <a:rPr lang="en-US" dirty="0"/>
+              <a:t>      </a:t>
+            </a:r>
+          </a:p>
+          <a:p>
+            <a:r>
+              <a:rPr lang="en-US" dirty="0"/>
+              <a:t>          </a:t>
+            </a:r>
+            <a:r>
+              <a:rPr lang="en-US" dirty="0" err="1"/>
+              <a:t>int</a:t>
+            </a:r>
+            <a:r>
+              <a:rPr lang="en-US" dirty="0"/>
+              <a:t> </a:t>
+            </a:r>
+            <a:r>
+              <a:rPr lang="en-US" dirty="0" err="1"/>
+              <a:t>getPos</a:t>
+            </a:r>
+            <a:r>
+              <a:rPr lang="en-US" dirty="0"/>
+              <a:t> ();</a:t>
+            </a:r>
+          </a:p>
+          <a:p>
+            <a:r>
+              <a:rPr lang="en-US" dirty="0"/>
+              <a:t>      }</a:t>
+            </a:r>
+          </a:p>
+        </p:txBody>
+      </p:sp>
+    </p:spTree>
+    <p:extLst>
+      <p:ext uri="{BB962C8B-B14F-4D97-AF65-F5344CB8AC3E}">
+        <p14:creationId xmlns:p14="http://schemas.microsoft.com/office/powerpoint/2010/main" val="482356299"/>
+      </p:ext>
+    </p:extLst>
+  </p:cSld>
+  <p:clrMapOvr>
+    <a:masterClrMapping/>
+  </p:clrMapOvr>
+</p:sld>
+</file>
+
+<file path=ppt/slides/slide9.xml><?xml version="1.0" encoding="utf-8"?>
+<p:sld xmlns:a="http://schemas.openxmlformats.org/drawingml/2006/main" xmlns:r="http://schemas.openxmlformats.org/officeDocument/2006/relationships" xmlns:p="http://schemas.openxmlformats.org/presentationml/2006/main">
+  <p:cSld>
+    <p:spTree>
+      <p:nvGrpSpPr>
+        <p:cNvPr id="1" name=""/>
+        <p:cNvGrpSpPr/>
+        <p:nvPr/>
+      </p:nvGrpSpPr>
+      <p:grpSpPr>
+        <a:xfrm>
+          <a:off x="0" y="0"/>
+          <a:ext cx="0" cy="0"/>
+          <a:chOff x="0" y="0"/>
+          <a:chExt cx="0" cy="0"/>
+        </a:xfrm>
+      </p:grpSpPr>
+      <p:sp>
+        <p:nvSpPr>
           <p:cNvPr id="2" name="Title 1"/>
           <p:cNvSpPr>
             <a:spLocks noGrp="1"/>
@@ -14245,7 +11778,7 @@
           <a:p>
             <a:fld id="{2AF3B5EA-18B6-4040-9F78-6052AF49C681}" type="slidenum">
               <a:rPr lang="en-US" smtClean="0"/>
-              <a:t>8</a:t>
+              <a:t>9</a:t>
             </a:fld>
             <a:endParaRPr lang="en-US"/>
           </a:p>
@@ -14349,145 +11882,6 @@
     <p:extLst>
       <p:ext uri="{BB962C8B-B14F-4D97-AF65-F5344CB8AC3E}">
         <p14:creationId xmlns:p14="http://schemas.microsoft.com/office/powerpoint/2010/main" val="140717665"/>
-      </p:ext>
-    </p:extLst>
-  </p:cSld>
-  <p:clrMapOvr>
-    <a:masterClrMapping/>
-  </p:clrMapOvr>
-</p:sld>
-</file>
-
-<file path=ppt/slides/slide9.xml><?xml version="1.0" encoding="utf-8"?>
-<p:sld xmlns:a="http://schemas.openxmlformats.org/drawingml/2006/main" xmlns:r="http://schemas.openxmlformats.org/officeDocument/2006/relationships" xmlns:p="http://schemas.openxmlformats.org/presentationml/2006/main">
-  <p:cSld>
-    <p:spTree>
-      <p:nvGrpSpPr>
-        <p:cNvPr id="1" name=""/>
-        <p:cNvGrpSpPr/>
-        <p:nvPr/>
-      </p:nvGrpSpPr>
-      <p:grpSpPr>
-        <a:xfrm>
-          <a:off x="0" y="0"/>
-          <a:ext cx="0" cy="0"/>
-          <a:chOff x="0" y="0"/>
-          <a:chExt cx="0" cy="0"/>
-        </a:xfrm>
-      </p:grpSpPr>
-      <p:sp>
-        <p:nvSpPr>
-          <p:cNvPr id="5" name="Title 4"/>
-          <p:cNvSpPr>
-            <a:spLocks noGrp="1"/>
-          </p:cNvSpPr>
-          <p:nvPr>
-            <p:ph type="title"/>
-          </p:nvPr>
-        </p:nvSpPr>
-        <p:spPr/>
-        <p:txBody>
-          <a:bodyPr/>
-          <a:lstStyle/>
-          <a:p>
-            <a:r>
-              <a:rPr lang="en-US" dirty="0"/>
-              <a:t>Step 2: Class Design</a:t>
-            </a:r>
-          </a:p>
-        </p:txBody>
-      </p:sp>
-      <p:sp>
-        <p:nvSpPr>
-          <p:cNvPr id="6" name="Content Placeholder 5"/>
-          <p:cNvSpPr>
-            <a:spLocks noGrp="1"/>
-          </p:cNvSpPr>
-          <p:nvPr>
-            <p:ph idx="1"/>
-          </p:nvPr>
-        </p:nvSpPr>
-        <p:spPr/>
-        <p:txBody>
-          <a:bodyPr>
-            <a:normAutofit fontScale="92500" lnSpcReduction="10000"/>
-          </a:bodyPr>
-          <a:lstStyle/>
-          <a:p>
-            <a:r>
-              <a:rPr lang="en-US" dirty="0"/>
-              <a:t>For each interface, consider the different kinds of objects that will implement this interface.  Each kind becomes a class.</a:t>
-            </a:r>
-          </a:p>
-          <a:p>
-            <a:r>
-              <a:rPr lang="en-US" dirty="0"/>
-              <a:t>For each class, include a purpose statement that says what information is represented by objects of that class.</a:t>
-            </a:r>
-          </a:p>
-          <a:p>
-            <a:r>
-              <a:rPr lang="en-US" dirty="0"/>
-              <a:t>For each class, give a constructor  template showing how to build an object of that class.</a:t>
-            </a:r>
-          </a:p>
-          <a:p>
-            <a:r>
-              <a:rPr lang="en-US" dirty="0"/>
-              <a:t>Each </a:t>
-            </a:r>
-            <a:r>
-              <a:rPr lang="en-US" dirty="0">
-                <a:latin typeface="Calibri" panose="020F0502020204030204" pitchFamily="34" charset="0"/>
-                <a:cs typeface="Consolas" pitchFamily="49" charset="0"/>
-              </a:rPr>
-              <a:t>field</a:t>
-            </a:r>
-            <a:r>
-              <a:rPr lang="en-US" dirty="0"/>
-              <a:t> should have an interpretation, just as every field in a </a:t>
-            </a:r>
-            <a:r>
-              <a:rPr lang="en-US" b="1" dirty="0" err="1"/>
-              <a:t>struct</a:t>
-            </a:r>
-            <a:r>
-              <a:rPr lang="en-US" dirty="0"/>
-              <a:t> has an interpretation.</a:t>
-            </a:r>
-          </a:p>
-          <a:p>
-            <a:endParaRPr lang="en-US" dirty="0"/>
-          </a:p>
-        </p:txBody>
-      </p:sp>
-      <p:sp>
-        <p:nvSpPr>
-          <p:cNvPr id="4" name="Slide Number Placeholder 3"/>
-          <p:cNvSpPr>
-            <a:spLocks noGrp="1"/>
-          </p:cNvSpPr>
-          <p:nvPr>
-            <p:ph type="sldNum" sz="quarter" idx="12"/>
-          </p:nvPr>
-        </p:nvSpPr>
-        <p:spPr/>
-        <p:txBody>
-          <a:bodyPr/>
-          <a:lstStyle/>
-          <a:p>
-            <a:fld id="{2AF3B5EA-18B6-4040-9F78-6052AF49C681}" type="slidenum">
-              <a:rPr lang="en-US" smtClean="0"/>
-              <a:t>9</a:t>
-            </a:fld>
-            <a:endParaRPr lang="en-US"/>
-          </a:p>
-        </p:txBody>
-      </p:sp>
-    </p:spTree>
-    <p:extLst>
-      <p:ext uri="{BB962C8B-B14F-4D97-AF65-F5344CB8AC3E}">
-        <p14:creationId xmlns:p14="http://schemas.microsoft.com/office/powerpoint/2010/main" val="3933718465"/>
       </p:ext>
     </p:extLst>
   </p:cSld>

--- a/Slides/Lesson 9.5 The Design Recipe Using Classes.pptx
+++ b/Slides/Lesson 9.5 The Design Recipe Using Classes.pptx
@@ -598,6 +598,854 @@
 </p:notes>
 </file>
 
+<file path=ppt/notesSlides/notesSlide10.xml><?xml version="1.0" encoding="utf-8"?>
+<p:notes xmlns:a="http://schemas.openxmlformats.org/drawingml/2006/main" xmlns:r="http://schemas.openxmlformats.org/officeDocument/2006/relationships" xmlns:p="http://schemas.openxmlformats.org/presentationml/2006/main">
+  <p:cSld>
+    <p:spTree>
+      <p:nvGrpSpPr>
+        <p:cNvPr id="1" name=""/>
+        <p:cNvGrpSpPr/>
+        <p:nvPr/>
+      </p:nvGrpSpPr>
+      <p:grpSpPr>
+        <a:xfrm>
+          <a:off x="0" y="0"/>
+          <a:ext cx="0" cy="0"/>
+          <a:chOff x="0" y="0"/>
+          <a:chExt cx="0" cy="0"/>
+        </a:xfrm>
+      </p:grpSpPr>
+      <p:sp>
+        <p:nvSpPr>
+          <p:cNvPr id="2" name="Slide Image Placeholder 1"/>
+          <p:cNvSpPr>
+            <a:spLocks noGrp="1" noRot="1" noChangeAspect="1"/>
+          </p:cNvSpPr>
+          <p:nvPr>
+            <p:ph type="sldImg"/>
+          </p:nvPr>
+        </p:nvSpPr>
+        <p:spPr/>
+      </p:sp>
+      <p:sp>
+        <p:nvSpPr>
+          <p:cNvPr id="3" name="Notes Placeholder 2"/>
+          <p:cNvSpPr>
+            <a:spLocks noGrp="1"/>
+          </p:cNvSpPr>
+          <p:nvPr>
+            <p:ph type="body" idx="1"/>
+          </p:nvPr>
+        </p:nvSpPr>
+        <p:spPr/>
+        <p:txBody>
+          <a:bodyPr/>
+          <a:lstStyle/>
+          <a:p>
+            <a:endParaRPr lang="en-US"/>
+          </a:p>
+        </p:txBody>
+      </p:sp>
+      <p:sp>
+        <p:nvSpPr>
+          <p:cNvPr id="4" name="Slide Number Placeholder 3"/>
+          <p:cNvSpPr>
+            <a:spLocks noGrp="1"/>
+          </p:cNvSpPr>
+          <p:nvPr>
+            <p:ph type="sldNum" sz="quarter" idx="10"/>
+          </p:nvPr>
+        </p:nvSpPr>
+        <p:spPr/>
+        <p:txBody>
+          <a:bodyPr/>
+          <a:lstStyle/>
+          <a:p>
+            <a:fld id="{3876E050-E992-427E-914D-D11B843CAC07}" type="slidenum">
+              <a:rPr lang="en-US" smtClean="0"/>
+              <a:pPr/>
+              <a:t>10</a:t>
+            </a:fld>
+            <a:endParaRPr lang="en-US"/>
+          </a:p>
+        </p:txBody>
+      </p:sp>
+    </p:spTree>
+    <p:extLst>
+      <p:ext uri="{BB962C8B-B14F-4D97-AF65-F5344CB8AC3E}">
+        <p14:creationId xmlns:p14="http://schemas.microsoft.com/office/powerpoint/2010/main" val="4027301322"/>
+      </p:ext>
+    </p:extLst>
+  </p:cSld>
+  <p:clrMapOvr>
+    <a:masterClrMapping/>
+  </p:clrMapOvr>
+</p:notes>
+</file>
+
+<file path=ppt/notesSlides/notesSlide11.xml><?xml version="1.0" encoding="utf-8"?>
+<p:notes xmlns:a="http://schemas.openxmlformats.org/drawingml/2006/main" xmlns:r="http://schemas.openxmlformats.org/officeDocument/2006/relationships" xmlns:p="http://schemas.openxmlformats.org/presentationml/2006/main">
+  <p:cSld>
+    <p:spTree>
+      <p:nvGrpSpPr>
+        <p:cNvPr id="1" name=""/>
+        <p:cNvGrpSpPr/>
+        <p:nvPr/>
+      </p:nvGrpSpPr>
+      <p:grpSpPr>
+        <a:xfrm>
+          <a:off x="0" y="0"/>
+          <a:ext cx="0" cy="0"/>
+          <a:chOff x="0" y="0"/>
+          <a:chExt cx="0" cy="0"/>
+        </a:xfrm>
+      </p:grpSpPr>
+      <p:sp>
+        <p:nvSpPr>
+          <p:cNvPr id="2" name="Slide Image Placeholder 1"/>
+          <p:cNvSpPr>
+            <a:spLocks noGrp="1" noRot="1" noChangeAspect="1"/>
+          </p:cNvSpPr>
+          <p:nvPr>
+            <p:ph type="sldImg"/>
+          </p:nvPr>
+        </p:nvSpPr>
+        <p:spPr/>
+      </p:sp>
+      <p:sp>
+        <p:nvSpPr>
+          <p:cNvPr id="3" name="Notes Placeholder 2"/>
+          <p:cNvSpPr>
+            <a:spLocks noGrp="1"/>
+          </p:cNvSpPr>
+          <p:nvPr>
+            <p:ph type="body" idx="1"/>
+          </p:nvPr>
+        </p:nvSpPr>
+        <p:spPr/>
+        <p:txBody>
+          <a:bodyPr/>
+          <a:lstStyle/>
+          <a:p>
+            <a:endParaRPr lang="en-US"/>
+          </a:p>
+        </p:txBody>
+      </p:sp>
+      <p:sp>
+        <p:nvSpPr>
+          <p:cNvPr id="4" name="Slide Number Placeholder 3"/>
+          <p:cNvSpPr>
+            <a:spLocks noGrp="1"/>
+          </p:cNvSpPr>
+          <p:nvPr>
+            <p:ph type="sldNum" sz="quarter" idx="10"/>
+          </p:nvPr>
+        </p:nvSpPr>
+        <p:spPr/>
+        <p:txBody>
+          <a:bodyPr/>
+          <a:lstStyle/>
+          <a:p>
+            <a:fld id="{3876E050-E992-427E-914D-D11B843CAC07}" type="slidenum">
+              <a:rPr lang="en-US" smtClean="0"/>
+              <a:pPr/>
+              <a:t>11</a:t>
+            </a:fld>
+            <a:endParaRPr lang="en-US"/>
+          </a:p>
+        </p:txBody>
+      </p:sp>
+    </p:spTree>
+    <p:extLst>
+      <p:ext uri="{BB962C8B-B14F-4D97-AF65-F5344CB8AC3E}">
+        <p14:creationId xmlns:p14="http://schemas.microsoft.com/office/powerpoint/2010/main" val="2767224627"/>
+      </p:ext>
+    </p:extLst>
+  </p:cSld>
+  <p:clrMapOvr>
+    <a:masterClrMapping/>
+  </p:clrMapOvr>
+</p:notes>
+</file>
+
+<file path=ppt/notesSlides/notesSlide12.xml><?xml version="1.0" encoding="utf-8"?>
+<p:notes xmlns:a="http://schemas.openxmlformats.org/drawingml/2006/main" xmlns:r="http://schemas.openxmlformats.org/officeDocument/2006/relationships" xmlns:p="http://schemas.openxmlformats.org/presentationml/2006/main">
+  <p:cSld>
+    <p:spTree>
+      <p:nvGrpSpPr>
+        <p:cNvPr id="1" name=""/>
+        <p:cNvGrpSpPr/>
+        <p:nvPr/>
+      </p:nvGrpSpPr>
+      <p:grpSpPr>
+        <a:xfrm>
+          <a:off x="0" y="0"/>
+          <a:ext cx="0" cy="0"/>
+          <a:chOff x="0" y="0"/>
+          <a:chExt cx="0" cy="0"/>
+        </a:xfrm>
+      </p:grpSpPr>
+      <p:sp>
+        <p:nvSpPr>
+          <p:cNvPr id="2" name="Slide Image Placeholder 1"/>
+          <p:cNvSpPr>
+            <a:spLocks noGrp="1" noRot="1" noChangeAspect="1"/>
+          </p:cNvSpPr>
+          <p:nvPr>
+            <p:ph type="sldImg"/>
+          </p:nvPr>
+        </p:nvSpPr>
+        <p:spPr/>
+      </p:sp>
+      <p:sp>
+        <p:nvSpPr>
+          <p:cNvPr id="3" name="Notes Placeholder 2"/>
+          <p:cNvSpPr>
+            <a:spLocks noGrp="1"/>
+          </p:cNvSpPr>
+          <p:nvPr>
+            <p:ph type="body" idx="1"/>
+          </p:nvPr>
+        </p:nvSpPr>
+        <p:spPr/>
+        <p:txBody>
+          <a:bodyPr/>
+          <a:lstStyle/>
+          <a:p>
+            <a:endParaRPr lang="en-US"/>
+          </a:p>
+        </p:txBody>
+      </p:sp>
+      <p:sp>
+        <p:nvSpPr>
+          <p:cNvPr id="4" name="Slide Number Placeholder 3"/>
+          <p:cNvSpPr>
+            <a:spLocks noGrp="1"/>
+          </p:cNvSpPr>
+          <p:nvPr>
+            <p:ph type="sldNum" sz="quarter" idx="10"/>
+          </p:nvPr>
+        </p:nvSpPr>
+        <p:spPr/>
+        <p:txBody>
+          <a:bodyPr/>
+          <a:lstStyle/>
+          <a:p>
+            <a:fld id="{3876E050-E992-427E-914D-D11B843CAC07}" type="slidenum">
+              <a:rPr lang="en-US" smtClean="0"/>
+              <a:pPr/>
+              <a:t>12</a:t>
+            </a:fld>
+            <a:endParaRPr lang="en-US"/>
+          </a:p>
+        </p:txBody>
+      </p:sp>
+    </p:spTree>
+    <p:extLst>
+      <p:ext uri="{BB962C8B-B14F-4D97-AF65-F5344CB8AC3E}">
+        <p14:creationId xmlns:p14="http://schemas.microsoft.com/office/powerpoint/2010/main" val="3396536685"/>
+      </p:ext>
+    </p:extLst>
+  </p:cSld>
+  <p:clrMapOvr>
+    <a:masterClrMapping/>
+  </p:clrMapOvr>
+</p:notes>
+</file>
+
+<file path=ppt/notesSlides/notesSlide13.xml><?xml version="1.0" encoding="utf-8"?>
+<p:notes xmlns:a="http://schemas.openxmlformats.org/drawingml/2006/main" xmlns:r="http://schemas.openxmlformats.org/officeDocument/2006/relationships" xmlns:p="http://schemas.openxmlformats.org/presentationml/2006/main">
+  <p:cSld>
+    <p:spTree>
+      <p:nvGrpSpPr>
+        <p:cNvPr id="1" name=""/>
+        <p:cNvGrpSpPr/>
+        <p:nvPr/>
+      </p:nvGrpSpPr>
+      <p:grpSpPr>
+        <a:xfrm>
+          <a:off x="0" y="0"/>
+          <a:ext cx="0" cy="0"/>
+          <a:chOff x="0" y="0"/>
+          <a:chExt cx="0" cy="0"/>
+        </a:xfrm>
+      </p:grpSpPr>
+      <p:sp>
+        <p:nvSpPr>
+          <p:cNvPr id="2" name="Slide Image Placeholder 1"/>
+          <p:cNvSpPr>
+            <a:spLocks noGrp="1" noRot="1" noChangeAspect="1"/>
+          </p:cNvSpPr>
+          <p:nvPr>
+            <p:ph type="sldImg"/>
+          </p:nvPr>
+        </p:nvSpPr>
+        <p:spPr/>
+      </p:sp>
+      <p:sp>
+        <p:nvSpPr>
+          <p:cNvPr id="3" name="Notes Placeholder 2"/>
+          <p:cNvSpPr>
+            <a:spLocks noGrp="1"/>
+          </p:cNvSpPr>
+          <p:nvPr>
+            <p:ph type="body" idx="1"/>
+          </p:nvPr>
+        </p:nvSpPr>
+        <p:spPr/>
+        <p:txBody>
+          <a:bodyPr/>
+          <a:lstStyle/>
+          <a:p>
+            <a:endParaRPr lang="en-US"/>
+          </a:p>
+        </p:txBody>
+      </p:sp>
+      <p:sp>
+        <p:nvSpPr>
+          <p:cNvPr id="4" name="Slide Number Placeholder 3"/>
+          <p:cNvSpPr>
+            <a:spLocks noGrp="1"/>
+          </p:cNvSpPr>
+          <p:nvPr>
+            <p:ph type="sldNum" sz="quarter" idx="10"/>
+          </p:nvPr>
+        </p:nvSpPr>
+        <p:spPr/>
+        <p:txBody>
+          <a:bodyPr/>
+          <a:lstStyle/>
+          <a:p>
+            <a:fld id="{3876E050-E992-427E-914D-D11B843CAC07}" type="slidenum">
+              <a:rPr lang="en-US" smtClean="0"/>
+              <a:pPr/>
+              <a:t>13</a:t>
+            </a:fld>
+            <a:endParaRPr lang="en-US"/>
+          </a:p>
+        </p:txBody>
+      </p:sp>
+    </p:spTree>
+    <p:extLst>
+      <p:ext uri="{BB962C8B-B14F-4D97-AF65-F5344CB8AC3E}">
+        <p14:creationId xmlns:p14="http://schemas.microsoft.com/office/powerpoint/2010/main" val="684620159"/>
+      </p:ext>
+    </p:extLst>
+  </p:cSld>
+  <p:clrMapOvr>
+    <a:masterClrMapping/>
+  </p:clrMapOvr>
+</p:notes>
+</file>
+
+<file path=ppt/notesSlides/notesSlide14.xml><?xml version="1.0" encoding="utf-8"?>
+<p:notes xmlns:a="http://schemas.openxmlformats.org/drawingml/2006/main" xmlns:r="http://schemas.openxmlformats.org/officeDocument/2006/relationships" xmlns:p="http://schemas.openxmlformats.org/presentationml/2006/main">
+  <p:cSld>
+    <p:spTree>
+      <p:nvGrpSpPr>
+        <p:cNvPr id="1" name=""/>
+        <p:cNvGrpSpPr/>
+        <p:nvPr/>
+      </p:nvGrpSpPr>
+      <p:grpSpPr>
+        <a:xfrm>
+          <a:off x="0" y="0"/>
+          <a:ext cx="0" cy="0"/>
+          <a:chOff x="0" y="0"/>
+          <a:chExt cx="0" cy="0"/>
+        </a:xfrm>
+      </p:grpSpPr>
+      <p:sp>
+        <p:nvSpPr>
+          <p:cNvPr id="2" name="Slide Image Placeholder 1"/>
+          <p:cNvSpPr>
+            <a:spLocks noGrp="1" noRot="1" noChangeAspect="1"/>
+          </p:cNvSpPr>
+          <p:nvPr>
+            <p:ph type="sldImg"/>
+          </p:nvPr>
+        </p:nvSpPr>
+        <p:spPr/>
+      </p:sp>
+      <p:sp>
+        <p:nvSpPr>
+          <p:cNvPr id="3" name="Notes Placeholder 2"/>
+          <p:cNvSpPr>
+            <a:spLocks noGrp="1"/>
+          </p:cNvSpPr>
+          <p:nvPr>
+            <p:ph type="body" idx="1"/>
+          </p:nvPr>
+        </p:nvSpPr>
+        <p:spPr/>
+        <p:txBody>
+          <a:bodyPr/>
+          <a:lstStyle/>
+          <a:p>
+            <a:endParaRPr lang="en-US"/>
+          </a:p>
+        </p:txBody>
+      </p:sp>
+      <p:sp>
+        <p:nvSpPr>
+          <p:cNvPr id="4" name="Slide Number Placeholder 3"/>
+          <p:cNvSpPr>
+            <a:spLocks noGrp="1"/>
+          </p:cNvSpPr>
+          <p:nvPr>
+            <p:ph type="sldNum" sz="quarter" idx="10"/>
+          </p:nvPr>
+        </p:nvSpPr>
+        <p:spPr/>
+        <p:txBody>
+          <a:bodyPr/>
+          <a:lstStyle/>
+          <a:p>
+            <a:fld id="{3876E050-E992-427E-914D-D11B843CAC07}" type="slidenum">
+              <a:rPr lang="en-US" smtClean="0"/>
+              <a:pPr/>
+              <a:t>14</a:t>
+            </a:fld>
+            <a:endParaRPr lang="en-US"/>
+          </a:p>
+        </p:txBody>
+      </p:sp>
+    </p:spTree>
+    <p:extLst>
+      <p:ext uri="{BB962C8B-B14F-4D97-AF65-F5344CB8AC3E}">
+        <p14:creationId xmlns:p14="http://schemas.microsoft.com/office/powerpoint/2010/main" val="605924533"/>
+      </p:ext>
+    </p:extLst>
+  </p:cSld>
+  <p:clrMapOvr>
+    <a:masterClrMapping/>
+  </p:clrMapOvr>
+</p:notes>
+</file>
+
+<file path=ppt/notesSlides/notesSlide15.xml><?xml version="1.0" encoding="utf-8"?>
+<p:notes xmlns:a="http://schemas.openxmlformats.org/drawingml/2006/main" xmlns:r="http://schemas.openxmlformats.org/officeDocument/2006/relationships" xmlns:p="http://schemas.openxmlformats.org/presentationml/2006/main">
+  <p:cSld>
+    <p:spTree>
+      <p:nvGrpSpPr>
+        <p:cNvPr id="1" name=""/>
+        <p:cNvGrpSpPr/>
+        <p:nvPr/>
+      </p:nvGrpSpPr>
+      <p:grpSpPr>
+        <a:xfrm>
+          <a:off x="0" y="0"/>
+          <a:ext cx="0" cy="0"/>
+          <a:chOff x="0" y="0"/>
+          <a:chExt cx="0" cy="0"/>
+        </a:xfrm>
+      </p:grpSpPr>
+      <p:sp>
+        <p:nvSpPr>
+          <p:cNvPr id="2" name="Slide Image Placeholder 1"/>
+          <p:cNvSpPr>
+            <a:spLocks noGrp="1" noRot="1" noChangeAspect="1"/>
+          </p:cNvSpPr>
+          <p:nvPr>
+            <p:ph type="sldImg"/>
+          </p:nvPr>
+        </p:nvSpPr>
+        <p:spPr/>
+      </p:sp>
+      <p:sp>
+        <p:nvSpPr>
+          <p:cNvPr id="3" name="Notes Placeholder 2"/>
+          <p:cNvSpPr>
+            <a:spLocks noGrp="1"/>
+          </p:cNvSpPr>
+          <p:nvPr>
+            <p:ph type="body" idx="1"/>
+          </p:nvPr>
+        </p:nvSpPr>
+        <p:spPr/>
+        <p:txBody>
+          <a:bodyPr/>
+          <a:lstStyle/>
+          <a:p>
+            <a:endParaRPr lang="en-US"/>
+          </a:p>
+        </p:txBody>
+      </p:sp>
+      <p:sp>
+        <p:nvSpPr>
+          <p:cNvPr id="4" name="Slide Number Placeholder 3"/>
+          <p:cNvSpPr>
+            <a:spLocks noGrp="1"/>
+          </p:cNvSpPr>
+          <p:nvPr>
+            <p:ph type="sldNum" sz="quarter" idx="10"/>
+          </p:nvPr>
+        </p:nvSpPr>
+        <p:spPr/>
+        <p:txBody>
+          <a:bodyPr/>
+          <a:lstStyle/>
+          <a:p>
+            <a:fld id="{3876E050-E992-427E-914D-D11B843CAC07}" type="slidenum">
+              <a:rPr lang="en-US" smtClean="0"/>
+              <a:pPr/>
+              <a:t>15</a:t>
+            </a:fld>
+            <a:endParaRPr lang="en-US"/>
+          </a:p>
+        </p:txBody>
+      </p:sp>
+    </p:spTree>
+    <p:extLst>
+      <p:ext uri="{BB962C8B-B14F-4D97-AF65-F5344CB8AC3E}">
+        <p14:creationId xmlns:p14="http://schemas.microsoft.com/office/powerpoint/2010/main" val="2731927503"/>
+      </p:ext>
+    </p:extLst>
+  </p:cSld>
+  <p:clrMapOvr>
+    <a:masterClrMapping/>
+  </p:clrMapOvr>
+</p:notes>
+</file>
+
+<file path=ppt/notesSlides/notesSlide16.xml><?xml version="1.0" encoding="utf-8"?>
+<p:notes xmlns:a="http://schemas.openxmlformats.org/drawingml/2006/main" xmlns:r="http://schemas.openxmlformats.org/officeDocument/2006/relationships" xmlns:p="http://schemas.openxmlformats.org/presentationml/2006/main">
+  <p:cSld>
+    <p:spTree>
+      <p:nvGrpSpPr>
+        <p:cNvPr id="1" name=""/>
+        <p:cNvGrpSpPr/>
+        <p:nvPr/>
+      </p:nvGrpSpPr>
+      <p:grpSpPr>
+        <a:xfrm>
+          <a:off x="0" y="0"/>
+          <a:ext cx="0" cy="0"/>
+          <a:chOff x="0" y="0"/>
+          <a:chExt cx="0" cy="0"/>
+        </a:xfrm>
+      </p:grpSpPr>
+      <p:sp>
+        <p:nvSpPr>
+          <p:cNvPr id="2" name="Slide Image Placeholder 1"/>
+          <p:cNvSpPr>
+            <a:spLocks noGrp="1" noRot="1" noChangeAspect="1"/>
+          </p:cNvSpPr>
+          <p:nvPr>
+            <p:ph type="sldImg"/>
+          </p:nvPr>
+        </p:nvSpPr>
+        <p:spPr/>
+      </p:sp>
+      <p:sp>
+        <p:nvSpPr>
+          <p:cNvPr id="3" name="Notes Placeholder 2"/>
+          <p:cNvSpPr>
+            <a:spLocks noGrp="1"/>
+          </p:cNvSpPr>
+          <p:nvPr>
+            <p:ph type="body" idx="1"/>
+          </p:nvPr>
+        </p:nvSpPr>
+        <p:spPr/>
+        <p:txBody>
+          <a:bodyPr/>
+          <a:lstStyle/>
+          <a:p>
+            <a:endParaRPr lang="en-US"/>
+          </a:p>
+        </p:txBody>
+      </p:sp>
+      <p:sp>
+        <p:nvSpPr>
+          <p:cNvPr id="4" name="Slide Number Placeholder 3"/>
+          <p:cNvSpPr>
+            <a:spLocks noGrp="1"/>
+          </p:cNvSpPr>
+          <p:nvPr>
+            <p:ph type="sldNum" sz="quarter" idx="10"/>
+          </p:nvPr>
+        </p:nvSpPr>
+        <p:spPr/>
+        <p:txBody>
+          <a:bodyPr/>
+          <a:lstStyle/>
+          <a:p>
+            <a:fld id="{3876E050-E992-427E-914D-D11B843CAC07}" type="slidenum">
+              <a:rPr lang="en-US" smtClean="0"/>
+              <a:pPr/>
+              <a:t>16</a:t>
+            </a:fld>
+            <a:endParaRPr lang="en-US"/>
+          </a:p>
+        </p:txBody>
+      </p:sp>
+    </p:spTree>
+    <p:extLst>
+      <p:ext uri="{BB962C8B-B14F-4D97-AF65-F5344CB8AC3E}">
+        <p14:creationId xmlns:p14="http://schemas.microsoft.com/office/powerpoint/2010/main" val="4252100859"/>
+      </p:ext>
+    </p:extLst>
+  </p:cSld>
+  <p:clrMapOvr>
+    <a:masterClrMapping/>
+  </p:clrMapOvr>
+</p:notes>
+</file>
+
+<file path=ppt/notesSlides/notesSlide17.xml><?xml version="1.0" encoding="utf-8"?>
+<p:notes xmlns:a="http://schemas.openxmlformats.org/drawingml/2006/main" xmlns:r="http://schemas.openxmlformats.org/officeDocument/2006/relationships" xmlns:p="http://schemas.openxmlformats.org/presentationml/2006/main">
+  <p:cSld>
+    <p:spTree>
+      <p:nvGrpSpPr>
+        <p:cNvPr id="1" name=""/>
+        <p:cNvGrpSpPr/>
+        <p:nvPr/>
+      </p:nvGrpSpPr>
+      <p:grpSpPr>
+        <a:xfrm>
+          <a:off x="0" y="0"/>
+          <a:ext cx="0" cy="0"/>
+          <a:chOff x="0" y="0"/>
+          <a:chExt cx="0" cy="0"/>
+        </a:xfrm>
+      </p:grpSpPr>
+      <p:sp>
+        <p:nvSpPr>
+          <p:cNvPr id="2" name="Slide Image Placeholder 1"/>
+          <p:cNvSpPr>
+            <a:spLocks noGrp="1" noRot="1" noChangeAspect="1"/>
+          </p:cNvSpPr>
+          <p:nvPr>
+            <p:ph type="sldImg"/>
+          </p:nvPr>
+        </p:nvSpPr>
+        <p:spPr/>
+      </p:sp>
+      <p:sp>
+        <p:nvSpPr>
+          <p:cNvPr id="3" name="Notes Placeholder 2"/>
+          <p:cNvSpPr>
+            <a:spLocks noGrp="1"/>
+          </p:cNvSpPr>
+          <p:nvPr>
+            <p:ph type="body" idx="1"/>
+          </p:nvPr>
+        </p:nvSpPr>
+        <p:spPr/>
+        <p:txBody>
+          <a:bodyPr/>
+          <a:lstStyle/>
+          <a:p>
+            <a:endParaRPr lang="en-US"/>
+          </a:p>
+        </p:txBody>
+      </p:sp>
+      <p:sp>
+        <p:nvSpPr>
+          <p:cNvPr id="4" name="Slide Number Placeholder 3"/>
+          <p:cNvSpPr>
+            <a:spLocks noGrp="1"/>
+          </p:cNvSpPr>
+          <p:nvPr>
+            <p:ph type="sldNum" sz="quarter" idx="10"/>
+          </p:nvPr>
+        </p:nvSpPr>
+        <p:spPr/>
+        <p:txBody>
+          <a:bodyPr/>
+          <a:lstStyle/>
+          <a:p>
+            <a:fld id="{3876E050-E992-427E-914D-D11B843CAC07}" type="slidenum">
+              <a:rPr lang="en-US" smtClean="0"/>
+              <a:pPr/>
+              <a:t>17</a:t>
+            </a:fld>
+            <a:endParaRPr lang="en-US"/>
+          </a:p>
+        </p:txBody>
+      </p:sp>
+    </p:spTree>
+    <p:extLst>
+      <p:ext uri="{BB962C8B-B14F-4D97-AF65-F5344CB8AC3E}">
+        <p14:creationId xmlns:p14="http://schemas.microsoft.com/office/powerpoint/2010/main" val="1837819777"/>
+      </p:ext>
+    </p:extLst>
+  </p:cSld>
+  <p:clrMapOvr>
+    <a:masterClrMapping/>
+  </p:clrMapOvr>
+</p:notes>
+</file>
+
+<file path=ppt/notesSlides/notesSlide18.xml><?xml version="1.0" encoding="utf-8"?>
+<p:notes xmlns:a="http://schemas.openxmlformats.org/drawingml/2006/main" xmlns:r="http://schemas.openxmlformats.org/officeDocument/2006/relationships" xmlns:p="http://schemas.openxmlformats.org/presentationml/2006/main">
+  <p:cSld>
+    <p:spTree>
+      <p:nvGrpSpPr>
+        <p:cNvPr id="1" name=""/>
+        <p:cNvGrpSpPr/>
+        <p:nvPr/>
+      </p:nvGrpSpPr>
+      <p:grpSpPr>
+        <a:xfrm>
+          <a:off x="0" y="0"/>
+          <a:ext cx="0" cy="0"/>
+          <a:chOff x="0" y="0"/>
+          <a:chExt cx="0" cy="0"/>
+        </a:xfrm>
+      </p:grpSpPr>
+      <p:sp>
+        <p:nvSpPr>
+          <p:cNvPr id="2" name="Slide Image Placeholder 1"/>
+          <p:cNvSpPr>
+            <a:spLocks noGrp="1" noRot="1" noChangeAspect="1"/>
+          </p:cNvSpPr>
+          <p:nvPr>
+            <p:ph type="sldImg"/>
+          </p:nvPr>
+        </p:nvSpPr>
+        <p:spPr/>
+      </p:sp>
+      <p:sp>
+        <p:nvSpPr>
+          <p:cNvPr id="3" name="Notes Placeholder 2"/>
+          <p:cNvSpPr>
+            <a:spLocks noGrp="1"/>
+          </p:cNvSpPr>
+          <p:nvPr>
+            <p:ph type="body" idx="1"/>
+          </p:nvPr>
+        </p:nvSpPr>
+        <p:spPr/>
+        <p:txBody>
+          <a:bodyPr/>
+          <a:lstStyle/>
+          <a:p>
+            <a:endParaRPr lang="en-US" b="1" dirty="0"/>
+          </a:p>
+        </p:txBody>
+      </p:sp>
+      <p:sp>
+        <p:nvSpPr>
+          <p:cNvPr id="4" name="Slide Number Placeholder 3"/>
+          <p:cNvSpPr>
+            <a:spLocks noGrp="1"/>
+          </p:cNvSpPr>
+          <p:nvPr>
+            <p:ph type="sldNum" sz="quarter" idx="10"/>
+          </p:nvPr>
+        </p:nvSpPr>
+        <p:spPr/>
+        <p:txBody>
+          <a:bodyPr/>
+          <a:lstStyle/>
+          <a:p>
+            <a:fld id="{D3C86B6F-9679-C544-B86B-D18AA0460570}" type="slidenum">
+              <a:rPr lang="en-US" smtClean="0"/>
+              <a:t>18</a:t>
+            </a:fld>
+            <a:endParaRPr lang="en-US"/>
+          </a:p>
+        </p:txBody>
+      </p:sp>
+    </p:spTree>
+    <p:extLst>
+      <p:ext uri="{BB962C8B-B14F-4D97-AF65-F5344CB8AC3E}">
+        <p14:creationId xmlns:p14="http://schemas.microsoft.com/office/powerpoint/2010/main" val="3085232185"/>
+      </p:ext>
+    </p:extLst>
+  </p:cSld>
+  <p:clrMapOvr>
+    <a:masterClrMapping/>
+  </p:clrMapOvr>
+</p:notes>
+</file>
+
+<file path=ppt/notesSlides/notesSlide19.xml><?xml version="1.0" encoding="utf-8"?>
+<p:notes xmlns:a="http://schemas.openxmlformats.org/drawingml/2006/main" xmlns:r="http://schemas.openxmlformats.org/officeDocument/2006/relationships" xmlns:p="http://schemas.openxmlformats.org/presentationml/2006/main">
+  <p:cSld>
+    <p:spTree>
+      <p:nvGrpSpPr>
+        <p:cNvPr id="1" name=""/>
+        <p:cNvGrpSpPr/>
+        <p:nvPr/>
+      </p:nvGrpSpPr>
+      <p:grpSpPr>
+        <a:xfrm>
+          <a:off x="0" y="0"/>
+          <a:ext cx="0" cy="0"/>
+          <a:chOff x="0" y="0"/>
+          <a:chExt cx="0" cy="0"/>
+        </a:xfrm>
+      </p:grpSpPr>
+      <p:sp>
+        <p:nvSpPr>
+          <p:cNvPr id="2" name="Slide Image Placeholder 1"/>
+          <p:cNvSpPr>
+            <a:spLocks noGrp="1" noRot="1" noChangeAspect="1"/>
+          </p:cNvSpPr>
+          <p:nvPr>
+            <p:ph type="sldImg"/>
+          </p:nvPr>
+        </p:nvSpPr>
+        <p:spPr/>
+      </p:sp>
+      <p:sp>
+        <p:nvSpPr>
+          <p:cNvPr id="3" name="Notes Placeholder 2"/>
+          <p:cNvSpPr>
+            <a:spLocks noGrp="1"/>
+          </p:cNvSpPr>
+          <p:nvPr>
+            <p:ph type="body" idx="1"/>
+          </p:nvPr>
+        </p:nvSpPr>
+        <p:spPr/>
+        <p:txBody>
+          <a:bodyPr/>
+          <a:lstStyle/>
+          <a:p>
+            <a:endParaRPr lang="en-US" dirty="0"/>
+          </a:p>
+        </p:txBody>
+      </p:sp>
+      <p:sp>
+        <p:nvSpPr>
+          <p:cNvPr id="4" name="Slide Number Placeholder 3"/>
+          <p:cNvSpPr>
+            <a:spLocks noGrp="1"/>
+          </p:cNvSpPr>
+          <p:nvPr>
+            <p:ph type="sldNum" sz="quarter" idx="10"/>
+          </p:nvPr>
+        </p:nvSpPr>
+        <p:spPr/>
+        <p:txBody>
+          <a:bodyPr/>
+          <a:lstStyle/>
+          <a:p>
+            <a:fld id="{D3C86B6F-9679-C544-B86B-D18AA0460570}" type="slidenum">
+              <a:rPr lang="en-US" smtClean="0"/>
+              <a:t>19</a:t>
+            </a:fld>
+            <a:endParaRPr lang="en-US"/>
+          </a:p>
+        </p:txBody>
+      </p:sp>
+    </p:spTree>
+    <p:extLst>
+      <p:ext uri="{BB962C8B-B14F-4D97-AF65-F5344CB8AC3E}">
+        <p14:creationId xmlns:p14="http://schemas.microsoft.com/office/powerpoint/2010/main" val="365138427"/>
+      </p:ext>
+    </p:extLst>
+  </p:cSld>
+  <p:clrMapOvr>
+    <a:masterClrMapping/>
+  </p:clrMapOvr>
+</p:notes>
+</file>
+
 <file path=ppt/notesSlides/notesSlide2.xml><?xml version="1.0" encoding="utf-8"?>
 <p:notes xmlns:a="http://schemas.openxmlformats.org/drawingml/2006/main" xmlns:r="http://schemas.openxmlformats.org/officeDocument/2006/relationships" xmlns:p="http://schemas.openxmlformats.org/presentationml/2006/main">
   <p:cSld>
@@ -642,7 +1490,7 @@
           <a:bodyPr/>
           <a:lstStyle/>
           <a:p>
-            <a:endParaRPr lang="en-US" dirty="0"/>
+            <a:endParaRPr lang="en-US"/>
           </a:p>
         </p:txBody>
       </p:sp>
@@ -664,7 +1512,7 @@
             <a:fld id="{3876E050-E992-427E-914D-D11B843CAC07}" type="slidenum">
               <a:rPr lang="en-US" smtClean="0"/>
               <a:pPr/>
-              <a:t>5</a:t>
+              <a:t>2</a:t>
             </a:fld>
             <a:endParaRPr lang="en-US"/>
           </a:p>
@@ -673,7 +1521,772 @@
     </p:spTree>
     <p:extLst>
       <p:ext uri="{BB962C8B-B14F-4D97-AF65-F5344CB8AC3E}">
-        <p14:creationId xmlns:p14="http://schemas.microsoft.com/office/powerpoint/2010/main" val="2129791700"/>
+        <p14:creationId xmlns:p14="http://schemas.microsoft.com/office/powerpoint/2010/main" val="4133107616"/>
+      </p:ext>
+    </p:extLst>
+  </p:cSld>
+  <p:clrMapOvr>
+    <a:masterClrMapping/>
+  </p:clrMapOvr>
+</p:notes>
+</file>
+
+<file path=ppt/notesSlides/notesSlide20.xml><?xml version="1.0" encoding="utf-8"?>
+<p:notes xmlns:a="http://schemas.openxmlformats.org/drawingml/2006/main" xmlns:r="http://schemas.openxmlformats.org/officeDocument/2006/relationships" xmlns:p="http://schemas.openxmlformats.org/presentationml/2006/main">
+  <p:cSld>
+    <p:spTree>
+      <p:nvGrpSpPr>
+        <p:cNvPr id="1" name=""/>
+        <p:cNvGrpSpPr/>
+        <p:nvPr/>
+      </p:nvGrpSpPr>
+      <p:grpSpPr>
+        <a:xfrm>
+          <a:off x="0" y="0"/>
+          <a:ext cx="0" cy="0"/>
+          <a:chOff x="0" y="0"/>
+          <a:chExt cx="0" cy="0"/>
+        </a:xfrm>
+      </p:grpSpPr>
+      <p:sp>
+        <p:nvSpPr>
+          <p:cNvPr id="2" name="Slide Image Placeholder 1"/>
+          <p:cNvSpPr>
+            <a:spLocks noGrp="1" noRot="1" noChangeAspect="1"/>
+          </p:cNvSpPr>
+          <p:nvPr>
+            <p:ph type="sldImg"/>
+          </p:nvPr>
+        </p:nvSpPr>
+        <p:spPr/>
+      </p:sp>
+      <p:sp>
+        <p:nvSpPr>
+          <p:cNvPr id="3" name="Notes Placeholder 2"/>
+          <p:cNvSpPr>
+            <a:spLocks noGrp="1"/>
+          </p:cNvSpPr>
+          <p:nvPr>
+            <p:ph type="body" idx="1"/>
+          </p:nvPr>
+        </p:nvSpPr>
+        <p:spPr/>
+        <p:txBody>
+          <a:bodyPr/>
+          <a:lstStyle/>
+          <a:p>
+            <a:endParaRPr lang="en-US"/>
+          </a:p>
+        </p:txBody>
+      </p:sp>
+      <p:sp>
+        <p:nvSpPr>
+          <p:cNvPr id="4" name="Slide Number Placeholder 3"/>
+          <p:cNvSpPr>
+            <a:spLocks noGrp="1"/>
+          </p:cNvSpPr>
+          <p:nvPr>
+            <p:ph type="sldNum" sz="quarter" idx="10"/>
+          </p:nvPr>
+        </p:nvSpPr>
+        <p:spPr/>
+        <p:txBody>
+          <a:bodyPr/>
+          <a:lstStyle/>
+          <a:p>
+            <a:fld id="{3876E050-E992-427E-914D-D11B843CAC07}" type="slidenum">
+              <a:rPr lang="en-US" smtClean="0"/>
+              <a:pPr/>
+              <a:t>20</a:t>
+            </a:fld>
+            <a:endParaRPr lang="en-US"/>
+          </a:p>
+        </p:txBody>
+      </p:sp>
+    </p:spTree>
+    <p:extLst>
+      <p:ext uri="{BB962C8B-B14F-4D97-AF65-F5344CB8AC3E}">
+        <p14:creationId xmlns:p14="http://schemas.microsoft.com/office/powerpoint/2010/main" val="1913190507"/>
+      </p:ext>
+    </p:extLst>
+  </p:cSld>
+  <p:clrMapOvr>
+    <a:masterClrMapping/>
+  </p:clrMapOvr>
+</p:notes>
+</file>
+
+<file path=ppt/notesSlides/notesSlide21.xml><?xml version="1.0" encoding="utf-8"?>
+<p:notes xmlns:a="http://schemas.openxmlformats.org/drawingml/2006/main" xmlns:r="http://schemas.openxmlformats.org/officeDocument/2006/relationships" xmlns:p="http://schemas.openxmlformats.org/presentationml/2006/main">
+  <p:cSld>
+    <p:spTree>
+      <p:nvGrpSpPr>
+        <p:cNvPr id="1" name=""/>
+        <p:cNvGrpSpPr/>
+        <p:nvPr/>
+      </p:nvGrpSpPr>
+      <p:grpSpPr>
+        <a:xfrm>
+          <a:off x="0" y="0"/>
+          <a:ext cx="0" cy="0"/>
+          <a:chOff x="0" y="0"/>
+          <a:chExt cx="0" cy="0"/>
+        </a:xfrm>
+      </p:grpSpPr>
+      <p:sp>
+        <p:nvSpPr>
+          <p:cNvPr id="2" name="Slide Image Placeholder 1"/>
+          <p:cNvSpPr>
+            <a:spLocks noGrp="1" noRot="1" noChangeAspect="1"/>
+          </p:cNvSpPr>
+          <p:nvPr>
+            <p:ph type="sldImg"/>
+          </p:nvPr>
+        </p:nvSpPr>
+        <p:spPr/>
+      </p:sp>
+      <p:sp>
+        <p:nvSpPr>
+          <p:cNvPr id="3" name="Notes Placeholder 2"/>
+          <p:cNvSpPr>
+            <a:spLocks noGrp="1"/>
+          </p:cNvSpPr>
+          <p:nvPr>
+            <p:ph type="body" idx="1"/>
+          </p:nvPr>
+        </p:nvSpPr>
+        <p:spPr/>
+        <p:txBody>
+          <a:bodyPr/>
+          <a:lstStyle/>
+          <a:p>
+            <a:endParaRPr lang="en-US"/>
+          </a:p>
+        </p:txBody>
+      </p:sp>
+      <p:sp>
+        <p:nvSpPr>
+          <p:cNvPr id="4" name="Slide Number Placeholder 3"/>
+          <p:cNvSpPr>
+            <a:spLocks noGrp="1"/>
+          </p:cNvSpPr>
+          <p:nvPr>
+            <p:ph type="sldNum" sz="quarter" idx="10"/>
+          </p:nvPr>
+        </p:nvSpPr>
+        <p:spPr/>
+        <p:txBody>
+          <a:bodyPr/>
+          <a:lstStyle/>
+          <a:p>
+            <a:fld id="{3876E050-E992-427E-914D-D11B843CAC07}" type="slidenum">
+              <a:rPr lang="en-US" smtClean="0"/>
+              <a:pPr/>
+              <a:t>21</a:t>
+            </a:fld>
+            <a:endParaRPr lang="en-US"/>
+          </a:p>
+        </p:txBody>
+      </p:sp>
+    </p:spTree>
+    <p:extLst>
+      <p:ext uri="{BB962C8B-B14F-4D97-AF65-F5344CB8AC3E}">
+        <p14:creationId xmlns:p14="http://schemas.microsoft.com/office/powerpoint/2010/main" val="1967712830"/>
+      </p:ext>
+    </p:extLst>
+  </p:cSld>
+  <p:clrMapOvr>
+    <a:masterClrMapping/>
+  </p:clrMapOvr>
+</p:notes>
+</file>
+
+<file path=ppt/notesSlides/notesSlide22.xml><?xml version="1.0" encoding="utf-8"?>
+<p:notes xmlns:a="http://schemas.openxmlformats.org/drawingml/2006/main" xmlns:r="http://schemas.openxmlformats.org/officeDocument/2006/relationships" xmlns:p="http://schemas.openxmlformats.org/presentationml/2006/main">
+  <p:cSld>
+    <p:spTree>
+      <p:nvGrpSpPr>
+        <p:cNvPr id="1" name=""/>
+        <p:cNvGrpSpPr/>
+        <p:nvPr/>
+      </p:nvGrpSpPr>
+      <p:grpSpPr>
+        <a:xfrm>
+          <a:off x="0" y="0"/>
+          <a:ext cx="0" cy="0"/>
+          <a:chOff x="0" y="0"/>
+          <a:chExt cx="0" cy="0"/>
+        </a:xfrm>
+      </p:grpSpPr>
+      <p:sp>
+        <p:nvSpPr>
+          <p:cNvPr id="2" name="Slide Image Placeholder 1"/>
+          <p:cNvSpPr>
+            <a:spLocks noGrp="1" noRot="1" noChangeAspect="1"/>
+          </p:cNvSpPr>
+          <p:nvPr>
+            <p:ph type="sldImg"/>
+          </p:nvPr>
+        </p:nvSpPr>
+        <p:spPr/>
+      </p:sp>
+      <p:sp>
+        <p:nvSpPr>
+          <p:cNvPr id="3" name="Notes Placeholder 2"/>
+          <p:cNvSpPr>
+            <a:spLocks noGrp="1"/>
+          </p:cNvSpPr>
+          <p:nvPr>
+            <p:ph type="body" idx="1"/>
+          </p:nvPr>
+        </p:nvSpPr>
+        <p:spPr/>
+        <p:txBody>
+          <a:bodyPr/>
+          <a:lstStyle/>
+          <a:p>
+            <a:endParaRPr lang="en-US"/>
+          </a:p>
+        </p:txBody>
+      </p:sp>
+      <p:sp>
+        <p:nvSpPr>
+          <p:cNvPr id="4" name="Slide Number Placeholder 3"/>
+          <p:cNvSpPr>
+            <a:spLocks noGrp="1"/>
+          </p:cNvSpPr>
+          <p:nvPr>
+            <p:ph type="sldNum" sz="quarter" idx="10"/>
+          </p:nvPr>
+        </p:nvSpPr>
+        <p:spPr/>
+        <p:txBody>
+          <a:bodyPr/>
+          <a:lstStyle/>
+          <a:p>
+            <a:fld id="{3876E050-E992-427E-914D-D11B843CAC07}" type="slidenum">
+              <a:rPr lang="en-US" smtClean="0"/>
+              <a:pPr/>
+              <a:t>22</a:t>
+            </a:fld>
+            <a:endParaRPr lang="en-US"/>
+          </a:p>
+        </p:txBody>
+      </p:sp>
+    </p:spTree>
+    <p:extLst>
+      <p:ext uri="{BB962C8B-B14F-4D97-AF65-F5344CB8AC3E}">
+        <p14:creationId xmlns:p14="http://schemas.microsoft.com/office/powerpoint/2010/main" val="198466577"/>
+      </p:ext>
+    </p:extLst>
+  </p:cSld>
+  <p:clrMapOvr>
+    <a:masterClrMapping/>
+  </p:clrMapOvr>
+</p:notes>
+</file>
+
+<file path=ppt/notesSlides/notesSlide23.xml><?xml version="1.0" encoding="utf-8"?>
+<p:notes xmlns:a="http://schemas.openxmlformats.org/drawingml/2006/main" xmlns:r="http://schemas.openxmlformats.org/officeDocument/2006/relationships" xmlns:p="http://schemas.openxmlformats.org/presentationml/2006/main">
+  <p:cSld>
+    <p:spTree>
+      <p:nvGrpSpPr>
+        <p:cNvPr id="1" name=""/>
+        <p:cNvGrpSpPr/>
+        <p:nvPr/>
+      </p:nvGrpSpPr>
+      <p:grpSpPr>
+        <a:xfrm>
+          <a:off x="0" y="0"/>
+          <a:ext cx="0" cy="0"/>
+          <a:chOff x="0" y="0"/>
+          <a:chExt cx="0" cy="0"/>
+        </a:xfrm>
+      </p:grpSpPr>
+      <p:sp>
+        <p:nvSpPr>
+          <p:cNvPr id="2" name="Slide Image Placeholder 1"/>
+          <p:cNvSpPr>
+            <a:spLocks noGrp="1" noRot="1" noChangeAspect="1"/>
+          </p:cNvSpPr>
+          <p:nvPr>
+            <p:ph type="sldImg"/>
+          </p:nvPr>
+        </p:nvSpPr>
+        <p:spPr/>
+      </p:sp>
+      <p:sp>
+        <p:nvSpPr>
+          <p:cNvPr id="3" name="Notes Placeholder 2"/>
+          <p:cNvSpPr>
+            <a:spLocks noGrp="1"/>
+          </p:cNvSpPr>
+          <p:nvPr>
+            <p:ph type="body" idx="1"/>
+          </p:nvPr>
+        </p:nvSpPr>
+        <p:spPr/>
+        <p:txBody>
+          <a:bodyPr/>
+          <a:lstStyle/>
+          <a:p>
+            <a:endParaRPr lang="en-US"/>
+          </a:p>
+        </p:txBody>
+      </p:sp>
+      <p:sp>
+        <p:nvSpPr>
+          <p:cNvPr id="4" name="Slide Number Placeholder 3"/>
+          <p:cNvSpPr>
+            <a:spLocks noGrp="1"/>
+          </p:cNvSpPr>
+          <p:nvPr>
+            <p:ph type="sldNum" sz="quarter" idx="10"/>
+          </p:nvPr>
+        </p:nvSpPr>
+        <p:spPr/>
+        <p:txBody>
+          <a:bodyPr/>
+          <a:lstStyle/>
+          <a:p>
+            <a:fld id="{3876E050-E992-427E-914D-D11B843CAC07}" type="slidenum">
+              <a:rPr lang="en-US" smtClean="0"/>
+              <a:pPr/>
+              <a:t>23</a:t>
+            </a:fld>
+            <a:endParaRPr lang="en-US"/>
+          </a:p>
+        </p:txBody>
+      </p:sp>
+    </p:spTree>
+    <p:extLst>
+      <p:ext uri="{BB962C8B-B14F-4D97-AF65-F5344CB8AC3E}">
+        <p14:creationId xmlns:p14="http://schemas.microsoft.com/office/powerpoint/2010/main" val="2453579943"/>
+      </p:ext>
+    </p:extLst>
+  </p:cSld>
+  <p:clrMapOvr>
+    <a:masterClrMapping/>
+  </p:clrMapOvr>
+</p:notes>
+</file>
+
+<file path=ppt/notesSlides/notesSlide24.xml><?xml version="1.0" encoding="utf-8"?>
+<p:notes xmlns:a="http://schemas.openxmlformats.org/drawingml/2006/main" xmlns:r="http://schemas.openxmlformats.org/officeDocument/2006/relationships" xmlns:p="http://schemas.openxmlformats.org/presentationml/2006/main">
+  <p:cSld>
+    <p:spTree>
+      <p:nvGrpSpPr>
+        <p:cNvPr id="1" name=""/>
+        <p:cNvGrpSpPr/>
+        <p:nvPr/>
+      </p:nvGrpSpPr>
+      <p:grpSpPr>
+        <a:xfrm>
+          <a:off x="0" y="0"/>
+          <a:ext cx="0" cy="0"/>
+          <a:chOff x="0" y="0"/>
+          <a:chExt cx="0" cy="0"/>
+        </a:xfrm>
+      </p:grpSpPr>
+      <p:sp>
+        <p:nvSpPr>
+          <p:cNvPr id="2" name="Slide Image Placeholder 1"/>
+          <p:cNvSpPr>
+            <a:spLocks noGrp="1" noRot="1" noChangeAspect="1"/>
+          </p:cNvSpPr>
+          <p:nvPr>
+            <p:ph type="sldImg"/>
+          </p:nvPr>
+        </p:nvSpPr>
+        <p:spPr/>
+      </p:sp>
+      <p:sp>
+        <p:nvSpPr>
+          <p:cNvPr id="3" name="Notes Placeholder 2"/>
+          <p:cNvSpPr>
+            <a:spLocks noGrp="1"/>
+          </p:cNvSpPr>
+          <p:nvPr>
+            <p:ph type="body" idx="1"/>
+          </p:nvPr>
+        </p:nvSpPr>
+        <p:spPr/>
+        <p:txBody>
+          <a:bodyPr/>
+          <a:lstStyle/>
+          <a:p>
+            <a:endParaRPr lang="en-US"/>
+          </a:p>
+        </p:txBody>
+      </p:sp>
+      <p:sp>
+        <p:nvSpPr>
+          <p:cNvPr id="4" name="Slide Number Placeholder 3"/>
+          <p:cNvSpPr>
+            <a:spLocks noGrp="1"/>
+          </p:cNvSpPr>
+          <p:nvPr>
+            <p:ph type="sldNum" sz="quarter" idx="10"/>
+          </p:nvPr>
+        </p:nvSpPr>
+        <p:spPr/>
+        <p:txBody>
+          <a:bodyPr/>
+          <a:lstStyle/>
+          <a:p>
+            <a:fld id="{3876E050-E992-427E-914D-D11B843CAC07}" type="slidenum">
+              <a:rPr lang="en-US" smtClean="0"/>
+              <a:pPr/>
+              <a:t>24</a:t>
+            </a:fld>
+            <a:endParaRPr lang="en-US"/>
+          </a:p>
+        </p:txBody>
+      </p:sp>
+    </p:spTree>
+    <p:extLst>
+      <p:ext uri="{BB962C8B-B14F-4D97-AF65-F5344CB8AC3E}">
+        <p14:creationId xmlns:p14="http://schemas.microsoft.com/office/powerpoint/2010/main" val="1581688701"/>
+      </p:ext>
+    </p:extLst>
+  </p:cSld>
+  <p:clrMapOvr>
+    <a:masterClrMapping/>
+  </p:clrMapOvr>
+</p:notes>
+</file>
+
+<file path=ppt/notesSlides/notesSlide25.xml><?xml version="1.0" encoding="utf-8"?>
+<p:notes xmlns:a="http://schemas.openxmlformats.org/drawingml/2006/main" xmlns:r="http://schemas.openxmlformats.org/officeDocument/2006/relationships" xmlns:p="http://schemas.openxmlformats.org/presentationml/2006/main">
+  <p:cSld>
+    <p:spTree>
+      <p:nvGrpSpPr>
+        <p:cNvPr id="1" name=""/>
+        <p:cNvGrpSpPr/>
+        <p:nvPr/>
+      </p:nvGrpSpPr>
+      <p:grpSpPr>
+        <a:xfrm>
+          <a:off x="0" y="0"/>
+          <a:ext cx="0" cy="0"/>
+          <a:chOff x="0" y="0"/>
+          <a:chExt cx="0" cy="0"/>
+        </a:xfrm>
+      </p:grpSpPr>
+      <p:sp>
+        <p:nvSpPr>
+          <p:cNvPr id="2" name="Slide Image Placeholder 1"/>
+          <p:cNvSpPr>
+            <a:spLocks noGrp="1" noRot="1" noChangeAspect="1"/>
+          </p:cNvSpPr>
+          <p:nvPr>
+            <p:ph type="sldImg"/>
+          </p:nvPr>
+        </p:nvSpPr>
+        <p:spPr/>
+      </p:sp>
+      <p:sp>
+        <p:nvSpPr>
+          <p:cNvPr id="3" name="Notes Placeholder 2"/>
+          <p:cNvSpPr>
+            <a:spLocks noGrp="1"/>
+          </p:cNvSpPr>
+          <p:nvPr>
+            <p:ph type="body" idx="1"/>
+          </p:nvPr>
+        </p:nvSpPr>
+        <p:spPr/>
+        <p:txBody>
+          <a:bodyPr/>
+          <a:lstStyle/>
+          <a:p>
+            <a:endParaRPr lang="en-US"/>
+          </a:p>
+        </p:txBody>
+      </p:sp>
+      <p:sp>
+        <p:nvSpPr>
+          <p:cNvPr id="4" name="Slide Number Placeholder 3"/>
+          <p:cNvSpPr>
+            <a:spLocks noGrp="1"/>
+          </p:cNvSpPr>
+          <p:nvPr>
+            <p:ph type="sldNum" sz="quarter" idx="10"/>
+          </p:nvPr>
+        </p:nvSpPr>
+        <p:spPr/>
+        <p:txBody>
+          <a:bodyPr/>
+          <a:lstStyle/>
+          <a:p>
+            <a:fld id="{3876E050-E992-427E-914D-D11B843CAC07}" type="slidenum">
+              <a:rPr lang="en-US" smtClean="0"/>
+              <a:pPr/>
+              <a:t>25</a:t>
+            </a:fld>
+            <a:endParaRPr lang="en-US"/>
+          </a:p>
+        </p:txBody>
+      </p:sp>
+    </p:spTree>
+    <p:extLst>
+      <p:ext uri="{BB962C8B-B14F-4D97-AF65-F5344CB8AC3E}">
+        <p14:creationId xmlns:p14="http://schemas.microsoft.com/office/powerpoint/2010/main" val="747621365"/>
+      </p:ext>
+    </p:extLst>
+  </p:cSld>
+  <p:clrMapOvr>
+    <a:masterClrMapping/>
+  </p:clrMapOvr>
+</p:notes>
+</file>
+
+<file path=ppt/notesSlides/notesSlide26.xml><?xml version="1.0" encoding="utf-8"?>
+<p:notes xmlns:a="http://schemas.openxmlformats.org/drawingml/2006/main" xmlns:r="http://schemas.openxmlformats.org/officeDocument/2006/relationships" xmlns:p="http://schemas.openxmlformats.org/presentationml/2006/main">
+  <p:cSld>
+    <p:spTree>
+      <p:nvGrpSpPr>
+        <p:cNvPr id="1" name=""/>
+        <p:cNvGrpSpPr/>
+        <p:nvPr/>
+      </p:nvGrpSpPr>
+      <p:grpSpPr>
+        <a:xfrm>
+          <a:off x="0" y="0"/>
+          <a:ext cx="0" cy="0"/>
+          <a:chOff x="0" y="0"/>
+          <a:chExt cx="0" cy="0"/>
+        </a:xfrm>
+      </p:grpSpPr>
+      <p:sp>
+        <p:nvSpPr>
+          <p:cNvPr id="2" name="Slide Image Placeholder 1"/>
+          <p:cNvSpPr>
+            <a:spLocks noGrp="1" noRot="1" noChangeAspect="1"/>
+          </p:cNvSpPr>
+          <p:nvPr>
+            <p:ph type="sldImg"/>
+          </p:nvPr>
+        </p:nvSpPr>
+        <p:spPr/>
+      </p:sp>
+      <p:sp>
+        <p:nvSpPr>
+          <p:cNvPr id="3" name="Notes Placeholder 2"/>
+          <p:cNvSpPr>
+            <a:spLocks noGrp="1"/>
+          </p:cNvSpPr>
+          <p:nvPr>
+            <p:ph type="body" idx="1"/>
+          </p:nvPr>
+        </p:nvSpPr>
+        <p:spPr/>
+        <p:txBody>
+          <a:bodyPr/>
+          <a:lstStyle/>
+          <a:p>
+            <a:endParaRPr lang="en-US"/>
+          </a:p>
+        </p:txBody>
+      </p:sp>
+      <p:sp>
+        <p:nvSpPr>
+          <p:cNvPr id="4" name="Slide Number Placeholder 3"/>
+          <p:cNvSpPr>
+            <a:spLocks noGrp="1"/>
+          </p:cNvSpPr>
+          <p:nvPr>
+            <p:ph type="sldNum" sz="quarter" idx="10"/>
+          </p:nvPr>
+        </p:nvSpPr>
+        <p:spPr/>
+        <p:txBody>
+          <a:bodyPr/>
+          <a:lstStyle/>
+          <a:p>
+            <a:fld id="{3876E050-E992-427E-914D-D11B843CAC07}" type="slidenum">
+              <a:rPr lang="en-US" smtClean="0"/>
+              <a:pPr/>
+              <a:t>26</a:t>
+            </a:fld>
+            <a:endParaRPr lang="en-US"/>
+          </a:p>
+        </p:txBody>
+      </p:sp>
+    </p:spTree>
+    <p:extLst>
+      <p:ext uri="{BB962C8B-B14F-4D97-AF65-F5344CB8AC3E}">
+        <p14:creationId xmlns:p14="http://schemas.microsoft.com/office/powerpoint/2010/main" val="3971594312"/>
+      </p:ext>
+    </p:extLst>
+  </p:cSld>
+  <p:clrMapOvr>
+    <a:masterClrMapping/>
+  </p:clrMapOvr>
+</p:notes>
+</file>
+
+<file path=ppt/notesSlides/notesSlide27.xml><?xml version="1.0" encoding="utf-8"?>
+<p:notes xmlns:a="http://schemas.openxmlformats.org/drawingml/2006/main" xmlns:r="http://schemas.openxmlformats.org/officeDocument/2006/relationships" xmlns:p="http://schemas.openxmlformats.org/presentationml/2006/main">
+  <p:cSld>
+    <p:spTree>
+      <p:nvGrpSpPr>
+        <p:cNvPr id="1" name=""/>
+        <p:cNvGrpSpPr/>
+        <p:nvPr/>
+      </p:nvGrpSpPr>
+      <p:grpSpPr>
+        <a:xfrm>
+          <a:off x="0" y="0"/>
+          <a:ext cx="0" cy="0"/>
+          <a:chOff x="0" y="0"/>
+          <a:chExt cx="0" cy="0"/>
+        </a:xfrm>
+      </p:grpSpPr>
+      <p:sp>
+        <p:nvSpPr>
+          <p:cNvPr id="2" name="Slide Image Placeholder 1"/>
+          <p:cNvSpPr>
+            <a:spLocks noGrp="1" noRot="1" noChangeAspect="1"/>
+          </p:cNvSpPr>
+          <p:nvPr>
+            <p:ph type="sldImg"/>
+          </p:nvPr>
+        </p:nvSpPr>
+        <p:spPr/>
+      </p:sp>
+      <p:sp>
+        <p:nvSpPr>
+          <p:cNvPr id="3" name="Notes Placeholder 2"/>
+          <p:cNvSpPr>
+            <a:spLocks noGrp="1"/>
+          </p:cNvSpPr>
+          <p:nvPr>
+            <p:ph type="body" idx="1"/>
+          </p:nvPr>
+        </p:nvSpPr>
+        <p:spPr/>
+        <p:txBody>
+          <a:bodyPr/>
+          <a:lstStyle/>
+          <a:p>
+            <a:endParaRPr lang="en-US"/>
+          </a:p>
+        </p:txBody>
+      </p:sp>
+      <p:sp>
+        <p:nvSpPr>
+          <p:cNvPr id="4" name="Slide Number Placeholder 3"/>
+          <p:cNvSpPr>
+            <a:spLocks noGrp="1"/>
+          </p:cNvSpPr>
+          <p:nvPr>
+            <p:ph type="sldNum" sz="quarter" idx="10"/>
+          </p:nvPr>
+        </p:nvSpPr>
+        <p:spPr/>
+        <p:txBody>
+          <a:bodyPr/>
+          <a:lstStyle/>
+          <a:p>
+            <a:fld id="{3876E050-E992-427E-914D-D11B843CAC07}" type="slidenum">
+              <a:rPr lang="en-US" smtClean="0"/>
+              <a:pPr/>
+              <a:t>27</a:t>
+            </a:fld>
+            <a:endParaRPr lang="en-US"/>
+          </a:p>
+        </p:txBody>
+      </p:sp>
+    </p:spTree>
+    <p:extLst>
+      <p:ext uri="{BB962C8B-B14F-4D97-AF65-F5344CB8AC3E}">
+        <p14:creationId xmlns:p14="http://schemas.microsoft.com/office/powerpoint/2010/main" val="257314362"/>
+      </p:ext>
+    </p:extLst>
+  </p:cSld>
+  <p:clrMapOvr>
+    <a:masterClrMapping/>
+  </p:clrMapOvr>
+</p:notes>
+</file>
+
+<file path=ppt/notesSlides/notesSlide28.xml><?xml version="1.0" encoding="utf-8"?>
+<p:notes xmlns:a="http://schemas.openxmlformats.org/drawingml/2006/main" xmlns:r="http://schemas.openxmlformats.org/officeDocument/2006/relationships" xmlns:p="http://schemas.openxmlformats.org/presentationml/2006/main">
+  <p:cSld>
+    <p:spTree>
+      <p:nvGrpSpPr>
+        <p:cNvPr id="1" name=""/>
+        <p:cNvGrpSpPr/>
+        <p:nvPr/>
+      </p:nvGrpSpPr>
+      <p:grpSpPr>
+        <a:xfrm>
+          <a:off x="0" y="0"/>
+          <a:ext cx="0" cy="0"/>
+          <a:chOff x="0" y="0"/>
+          <a:chExt cx="0" cy="0"/>
+        </a:xfrm>
+      </p:grpSpPr>
+      <p:sp>
+        <p:nvSpPr>
+          <p:cNvPr id="2" name="Slide Image Placeholder 1"/>
+          <p:cNvSpPr>
+            <a:spLocks noGrp="1" noRot="1" noChangeAspect="1"/>
+          </p:cNvSpPr>
+          <p:nvPr>
+            <p:ph type="sldImg"/>
+          </p:nvPr>
+        </p:nvSpPr>
+        <p:spPr/>
+      </p:sp>
+      <p:sp>
+        <p:nvSpPr>
+          <p:cNvPr id="3" name="Notes Placeholder 2"/>
+          <p:cNvSpPr>
+            <a:spLocks noGrp="1"/>
+          </p:cNvSpPr>
+          <p:nvPr>
+            <p:ph type="body" idx="1"/>
+          </p:nvPr>
+        </p:nvSpPr>
+        <p:spPr/>
+        <p:txBody>
+          <a:bodyPr/>
+          <a:lstStyle/>
+          <a:p>
+            <a:endParaRPr lang="en-US"/>
+          </a:p>
+        </p:txBody>
+      </p:sp>
+      <p:sp>
+        <p:nvSpPr>
+          <p:cNvPr id="4" name="Slide Number Placeholder 3"/>
+          <p:cNvSpPr>
+            <a:spLocks noGrp="1"/>
+          </p:cNvSpPr>
+          <p:nvPr>
+            <p:ph type="sldNum" sz="quarter" idx="10"/>
+          </p:nvPr>
+        </p:nvSpPr>
+        <p:spPr/>
+        <p:txBody>
+          <a:bodyPr/>
+          <a:lstStyle/>
+          <a:p>
+            <a:fld id="{3876E050-E992-427E-914D-D11B843CAC07}" type="slidenum">
+              <a:rPr lang="en-US" smtClean="0"/>
+              <a:pPr/>
+              <a:t>28</a:t>
+            </a:fld>
+            <a:endParaRPr lang="en-US"/>
+          </a:p>
+        </p:txBody>
+      </p:sp>
+    </p:spTree>
+    <p:extLst>
+      <p:ext uri="{BB962C8B-B14F-4D97-AF65-F5344CB8AC3E}">
+        <p14:creationId xmlns:p14="http://schemas.microsoft.com/office/powerpoint/2010/main" val="2226051059"/>
       </p:ext>
     </p:extLst>
   </p:cSld>
@@ -727,7 +2340,7 @@
           <a:bodyPr/>
           <a:lstStyle/>
           <a:p>
-            <a:endParaRPr lang="en-US" b="1" dirty="0"/>
+            <a:endParaRPr lang="en-US"/>
           </a:p>
         </p:txBody>
       </p:sp>
@@ -746,9 +2359,10 @@
           <a:bodyPr/>
           <a:lstStyle/>
           <a:p>
-            <a:fld id="{D3C86B6F-9679-C544-B86B-D18AA0460570}" type="slidenum">
+            <a:fld id="{3876E050-E992-427E-914D-D11B843CAC07}" type="slidenum">
               <a:rPr lang="en-US" smtClean="0"/>
-              <a:t>18</a:t>
+              <a:pPr/>
+              <a:t>3</a:t>
             </a:fld>
             <a:endParaRPr lang="en-US"/>
           </a:p>
@@ -757,7 +2371,7 @@
     </p:spTree>
     <p:extLst>
       <p:ext uri="{BB962C8B-B14F-4D97-AF65-F5344CB8AC3E}">
-        <p14:creationId xmlns:p14="http://schemas.microsoft.com/office/powerpoint/2010/main" val="3085232185"/>
+        <p14:creationId xmlns:p14="http://schemas.microsoft.com/office/powerpoint/2010/main" val="4004111461"/>
       </p:ext>
     </p:extLst>
   </p:cSld>
@@ -811,7 +2425,7 @@
           <a:bodyPr/>
           <a:lstStyle/>
           <a:p>
-            <a:endParaRPr lang="en-US" dirty="0"/>
+            <a:endParaRPr lang="en-US"/>
           </a:p>
         </p:txBody>
       </p:sp>
@@ -830,9 +2444,10 @@
           <a:bodyPr/>
           <a:lstStyle/>
           <a:p>
-            <a:fld id="{D3C86B6F-9679-C544-B86B-D18AA0460570}" type="slidenum">
+            <a:fld id="{3876E050-E992-427E-914D-D11B843CAC07}" type="slidenum">
               <a:rPr lang="en-US" smtClean="0"/>
-              <a:t>19</a:t>
+              <a:pPr/>
+              <a:t>4</a:t>
             </a:fld>
             <a:endParaRPr lang="en-US"/>
           </a:p>
@@ -841,7 +2456,432 @@
     </p:spTree>
     <p:extLst>
       <p:ext uri="{BB962C8B-B14F-4D97-AF65-F5344CB8AC3E}">
-        <p14:creationId xmlns:p14="http://schemas.microsoft.com/office/powerpoint/2010/main" val="365138427"/>
+        <p14:creationId xmlns:p14="http://schemas.microsoft.com/office/powerpoint/2010/main" val="4062910053"/>
+      </p:ext>
+    </p:extLst>
+  </p:cSld>
+  <p:clrMapOvr>
+    <a:masterClrMapping/>
+  </p:clrMapOvr>
+</p:notes>
+</file>
+
+<file path=ppt/notesSlides/notesSlide5.xml><?xml version="1.0" encoding="utf-8"?>
+<p:notes xmlns:a="http://schemas.openxmlformats.org/drawingml/2006/main" xmlns:r="http://schemas.openxmlformats.org/officeDocument/2006/relationships" xmlns:p="http://schemas.openxmlformats.org/presentationml/2006/main">
+  <p:cSld>
+    <p:spTree>
+      <p:nvGrpSpPr>
+        <p:cNvPr id="1" name=""/>
+        <p:cNvGrpSpPr/>
+        <p:nvPr/>
+      </p:nvGrpSpPr>
+      <p:grpSpPr>
+        <a:xfrm>
+          <a:off x="0" y="0"/>
+          <a:ext cx="0" cy="0"/>
+          <a:chOff x="0" y="0"/>
+          <a:chExt cx="0" cy="0"/>
+        </a:xfrm>
+      </p:grpSpPr>
+      <p:sp>
+        <p:nvSpPr>
+          <p:cNvPr id="2" name="Slide Image Placeholder 1"/>
+          <p:cNvSpPr>
+            <a:spLocks noGrp="1" noRot="1" noChangeAspect="1"/>
+          </p:cNvSpPr>
+          <p:nvPr>
+            <p:ph type="sldImg"/>
+          </p:nvPr>
+        </p:nvSpPr>
+        <p:spPr/>
+      </p:sp>
+      <p:sp>
+        <p:nvSpPr>
+          <p:cNvPr id="3" name="Notes Placeholder 2"/>
+          <p:cNvSpPr>
+            <a:spLocks noGrp="1"/>
+          </p:cNvSpPr>
+          <p:nvPr>
+            <p:ph type="body" idx="1"/>
+          </p:nvPr>
+        </p:nvSpPr>
+        <p:spPr/>
+        <p:txBody>
+          <a:bodyPr/>
+          <a:lstStyle/>
+          <a:p>
+            <a:endParaRPr lang="en-US" dirty="0"/>
+          </a:p>
+        </p:txBody>
+      </p:sp>
+      <p:sp>
+        <p:nvSpPr>
+          <p:cNvPr id="4" name="Slide Number Placeholder 3"/>
+          <p:cNvSpPr>
+            <a:spLocks noGrp="1"/>
+          </p:cNvSpPr>
+          <p:nvPr>
+            <p:ph type="sldNum" sz="quarter" idx="10"/>
+          </p:nvPr>
+        </p:nvSpPr>
+        <p:spPr/>
+        <p:txBody>
+          <a:bodyPr/>
+          <a:lstStyle/>
+          <a:p>
+            <a:fld id="{3876E050-E992-427E-914D-D11B843CAC07}" type="slidenum">
+              <a:rPr lang="en-US" smtClean="0"/>
+              <a:pPr/>
+              <a:t>5</a:t>
+            </a:fld>
+            <a:endParaRPr lang="en-US"/>
+          </a:p>
+        </p:txBody>
+      </p:sp>
+    </p:spTree>
+    <p:extLst>
+      <p:ext uri="{BB962C8B-B14F-4D97-AF65-F5344CB8AC3E}">
+        <p14:creationId xmlns:p14="http://schemas.microsoft.com/office/powerpoint/2010/main" val="2129791700"/>
+      </p:ext>
+    </p:extLst>
+  </p:cSld>
+  <p:clrMapOvr>
+    <a:masterClrMapping/>
+  </p:clrMapOvr>
+</p:notes>
+</file>
+
+<file path=ppt/notesSlides/notesSlide6.xml><?xml version="1.0" encoding="utf-8"?>
+<p:notes xmlns:a="http://schemas.openxmlformats.org/drawingml/2006/main" xmlns:r="http://schemas.openxmlformats.org/officeDocument/2006/relationships" xmlns:p="http://schemas.openxmlformats.org/presentationml/2006/main">
+  <p:cSld>
+    <p:spTree>
+      <p:nvGrpSpPr>
+        <p:cNvPr id="1" name=""/>
+        <p:cNvGrpSpPr/>
+        <p:nvPr/>
+      </p:nvGrpSpPr>
+      <p:grpSpPr>
+        <a:xfrm>
+          <a:off x="0" y="0"/>
+          <a:ext cx="0" cy="0"/>
+          <a:chOff x="0" y="0"/>
+          <a:chExt cx="0" cy="0"/>
+        </a:xfrm>
+      </p:grpSpPr>
+      <p:sp>
+        <p:nvSpPr>
+          <p:cNvPr id="2" name="Slide Image Placeholder 1"/>
+          <p:cNvSpPr>
+            <a:spLocks noGrp="1" noRot="1" noChangeAspect="1"/>
+          </p:cNvSpPr>
+          <p:nvPr>
+            <p:ph type="sldImg"/>
+          </p:nvPr>
+        </p:nvSpPr>
+        <p:spPr/>
+      </p:sp>
+      <p:sp>
+        <p:nvSpPr>
+          <p:cNvPr id="3" name="Notes Placeholder 2"/>
+          <p:cNvSpPr>
+            <a:spLocks noGrp="1"/>
+          </p:cNvSpPr>
+          <p:nvPr>
+            <p:ph type="body" idx="1"/>
+          </p:nvPr>
+        </p:nvSpPr>
+        <p:spPr/>
+        <p:txBody>
+          <a:bodyPr/>
+          <a:lstStyle/>
+          <a:p>
+            <a:endParaRPr lang="en-US"/>
+          </a:p>
+        </p:txBody>
+      </p:sp>
+      <p:sp>
+        <p:nvSpPr>
+          <p:cNvPr id="4" name="Slide Number Placeholder 3"/>
+          <p:cNvSpPr>
+            <a:spLocks noGrp="1"/>
+          </p:cNvSpPr>
+          <p:nvPr>
+            <p:ph type="sldNum" sz="quarter" idx="10"/>
+          </p:nvPr>
+        </p:nvSpPr>
+        <p:spPr/>
+        <p:txBody>
+          <a:bodyPr/>
+          <a:lstStyle/>
+          <a:p>
+            <a:fld id="{3876E050-E992-427E-914D-D11B843CAC07}" type="slidenum">
+              <a:rPr lang="en-US" smtClean="0"/>
+              <a:pPr/>
+              <a:t>6</a:t>
+            </a:fld>
+            <a:endParaRPr lang="en-US"/>
+          </a:p>
+        </p:txBody>
+      </p:sp>
+    </p:spTree>
+    <p:extLst>
+      <p:ext uri="{BB962C8B-B14F-4D97-AF65-F5344CB8AC3E}">
+        <p14:creationId xmlns:p14="http://schemas.microsoft.com/office/powerpoint/2010/main" val="4162430612"/>
+      </p:ext>
+    </p:extLst>
+  </p:cSld>
+  <p:clrMapOvr>
+    <a:masterClrMapping/>
+  </p:clrMapOvr>
+</p:notes>
+</file>
+
+<file path=ppt/notesSlides/notesSlide7.xml><?xml version="1.0" encoding="utf-8"?>
+<p:notes xmlns:a="http://schemas.openxmlformats.org/drawingml/2006/main" xmlns:r="http://schemas.openxmlformats.org/officeDocument/2006/relationships" xmlns:p="http://schemas.openxmlformats.org/presentationml/2006/main">
+  <p:cSld>
+    <p:spTree>
+      <p:nvGrpSpPr>
+        <p:cNvPr id="1" name=""/>
+        <p:cNvGrpSpPr/>
+        <p:nvPr/>
+      </p:nvGrpSpPr>
+      <p:grpSpPr>
+        <a:xfrm>
+          <a:off x="0" y="0"/>
+          <a:ext cx="0" cy="0"/>
+          <a:chOff x="0" y="0"/>
+          <a:chExt cx="0" cy="0"/>
+        </a:xfrm>
+      </p:grpSpPr>
+      <p:sp>
+        <p:nvSpPr>
+          <p:cNvPr id="2" name="Slide Image Placeholder 1"/>
+          <p:cNvSpPr>
+            <a:spLocks noGrp="1" noRot="1" noChangeAspect="1"/>
+          </p:cNvSpPr>
+          <p:nvPr>
+            <p:ph type="sldImg"/>
+          </p:nvPr>
+        </p:nvSpPr>
+        <p:spPr/>
+      </p:sp>
+      <p:sp>
+        <p:nvSpPr>
+          <p:cNvPr id="3" name="Notes Placeholder 2"/>
+          <p:cNvSpPr>
+            <a:spLocks noGrp="1"/>
+          </p:cNvSpPr>
+          <p:nvPr>
+            <p:ph type="body" idx="1"/>
+          </p:nvPr>
+        </p:nvSpPr>
+        <p:spPr/>
+        <p:txBody>
+          <a:bodyPr/>
+          <a:lstStyle/>
+          <a:p>
+            <a:endParaRPr lang="en-US"/>
+          </a:p>
+        </p:txBody>
+      </p:sp>
+      <p:sp>
+        <p:nvSpPr>
+          <p:cNvPr id="4" name="Slide Number Placeholder 3"/>
+          <p:cNvSpPr>
+            <a:spLocks noGrp="1"/>
+          </p:cNvSpPr>
+          <p:nvPr>
+            <p:ph type="sldNum" sz="quarter" idx="10"/>
+          </p:nvPr>
+        </p:nvSpPr>
+        <p:spPr/>
+        <p:txBody>
+          <a:bodyPr/>
+          <a:lstStyle/>
+          <a:p>
+            <a:fld id="{3876E050-E992-427E-914D-D11B843CAC07}" type="slidenum">
+              <a:rPr lang="en-US" smtClean="0"/>
+              <a:pPr/>
+              <a:t>7</a:t>
+            </a:fld>
+            <a:endParaRPr lang="en-US"/>
+          </a:p>
+        </p:txBody>
+      </p:sp>
+    </p:spTree>
+    <p:extLst>
+      <p:ext uri="{BB962C8B-B14F-4D97-AF65-F5344CB8AC3E}">
+        <p14:creationId xmlns:p14="http://schemas.microsoft.com/office/powerpoint/2010/main" val="5947333"/>
+      </p:ext>
+    </p:extLst>
+  </p:cSld>
+  <p:clrMapOvr>
+    <a:masterClrMapping/>
+  </p:clrMapOvr>
+</p:notes>
+</file>
+
+<file path=ppt/notesSlides/notesSlide8.xml><?xml version="1.0" encoding="utf-8"?>
+<p:notes xmlns:a="http://schemas.openxmlformats.org/drawingml/2006/main" xmlns:r="http://schemas.openxmlformats.org/officeDocument/2006/relationships" xmlns:p="http://schemas.openxmlformats.org/presentationml/2006/main">
+  <p:cSld>
+    <p:spTree>
+      <p:nvGrpSpPr>
+        <p:cNvPr id="1" name=""/>
+        <p:cNvGrpSpPr/>
+        <p:nvPr/>
+      </p:nvGrpSpPr>
+      <p:grpSpPr>
+        <a:xfrm>
+          <a:off x="0" y="0"/>
+          <a:ext cx="0" cy="0"/>
+          <a:chOff x="0" y="0"/>
+          <a:chExt cx="0" cy="0"/>
+        </a:xfrm>
+      </p:grpSpPr>
+      <p:sp>
+        <p:nvSpPr>
+          <p:cNvPr id="2" name="Slide Image Placeholder 1"/>
+          <p:cNvSpPr>
+            <a:spLocks noGrp="1" noRot="1" noChangeAspect="1"/>
+          </p:cNvSpPr>
+          <p:nvPr>
+            <p:ph type="sldImg"/>
+          </p:nvPr>
+        </p:nvSpPr>
+        <p:spPr/>
+      </p:sp>
+      <p:sp>
+        <p:nvSpPr>
+          <p:cNvPr id="3" name="Notes Placeholder 2"/>
+          <p:cNvSpPr>
+            <a:spLocks noGrp="1"/>
+          </p:cNvSpPr>
+          <p:nvPr>
+            <p:ph type="body" idx="1"/>
+          </p:nvPr>
+        </p:nvSpPr>
+        <p:spPr/>
+        <p:txBody>
+          <a:bodyPr/>
+          <a:lstStyle/>
+          <a:p>
+            <a:endParaRPr lang="en-US"/>
+          </a:p>
+        </p:txBody>
+      </p:sp>
+      <p:sp>
+        <p:nvSpPr>
+          <p:cNvPr id="4" name="Slide Number Placeholder 3"/>
+          <p:cNvSpPr>
+            <a:spLocks noGrp="1"/>
+          </p:cNvSpPr>
+          <p:nvPr>
+            <p:ph type="sldNum" sz="quarter" idx="10"/>
+          </p:nvPr>
+        </p:nvSpPr>
+        <p:spPr/>
+        <p:txBody>
+          <a:bodyPr/>
+          <a:lstStyle/>
+          <a:p>
+            <a:fld id="{3876E050-E992-427E-914D-D11B843CAC07}" type="slidenum">
+              <a:rPr lang="en-US" smtClean="0"/>
+              <a:pPr/>
+              <a:t>8</a:t>
+            </a:fld>
+            <a:endParaRPr lang="en-US"/>
+          </a:p>
+        </p:txBody>
+      </p:sp>
+    </p:spTree>
+    <p:extLst>
+      <p:ext uri="{BB962C8B-B14F-4D97-AF65-F5344CB8AC3E}">
+        <p14:creationId xmlns:p14="http://schemas.microsoft.com/office/powerpoint/2010/main" val="1138592879"/>
+      </p:ext>
+    </p:extLst>
+  </p:cSld>
+  <p:clrMapOvr>
+    <a:masterClrMapping/>
+  </p:clrMapOvr>
+</p:notes>
+</file>
+
+<file path=ppt/notesSlides/notesSlide9.xml><?xml version="1.0" encoding="utf-8"?>
+<p:notes xmlns:a="http://schemas.openxmlformats.org/drawingml/2006/main" xmlns:r="http://schemas.openxmlformats.org/officeDocument/2006/relationships" xmlns:p="http://schemas.openxmlformats.org/presentationml/2006/main">
+  <p:cSld>
+    <p:spTree>
+      <p:nvGrpSpPr>
+        <p:cNvPr id="1" name=""/>
+        <p:cNvGrpSpPr/>
+        <p:nvPr/>
+      </p:nvGrpSpPr>
+      <p:grpSpPr>
+        <a:xfrm>
+          <a:off x="0" y="0"/>
+          <a:ext cx="0" cy="0"/>
+          <a:chOff x="0" y="0"/>
+          <a:chExt cx="0" cy="0"/>
+        </a:xfrm>
+      </p:grpSpPr>
+      <p:sp>
+        <p:nvSpPr>
+          <p:cNvPr id="2" name="Slide Image Placeholder 1"/>
+          <p:cNvSpPr>
+            <a:spLocks noGrp="1" noRot="1" noChangeAspect="1"/>
+          </p:cNvSpPr>
+          <p:nvPr>
+            <p:ph type="sldImg"/>
+          </p:nvPr>
+        </p:nvSpPr>
+        <p:spPr/>
+      </p:sp>
+      <p:sp>
+        <p:nvSpPr>
+          <p:cNvPr id="3" name="Notes Placeholder 2"/>
+          <p:cNvSpPr>
+            <a:spLocks noGrp="1"/>
+          </p:cNvSpPr>
+          <p:nvPr>
+            <p:ph type="body" idx="1"/>
+          </p:nvPr>
+        </p:nvSpPr>
+        <p:spPr/>
+        <p:txBody>
+          <a:bodyPr/>
+          <a:lstStyle/>
+          <a:p>
+            <a:endParaRPr lang="en-US"/>
+          </a:p>
+        </p:txBody>
+      </p:sp>
+      <p:sp>
+        <p:nvSpPr>
+          <p:cNvPr id="4" name="Slide Number Placeholder 3"/>
+          <p:cNvSpPr>
+            <a:spLocks noGrp="1"/>
+          </p:cNvSpPr>
+          <p:nvPr>
+            <p:ph type="sldNum" sz="quarter" idx="10"/>
+          </p:nvPr>
+        </p:nvSpPr>
+        <p:spPr/>
+        <p:txBody>
+          <a:bodyPr/>
+          <a:lstStyle/>
+          <a:p>
+            <a:fld id="{3876E050-E992-427E-914D-D11B843CAC07}" type="slidenum">
+              <a:rPr lang="en-US" smtClean="0"/>
+              <a:pPr/>
+              <a:t>9</a:t>
+            </a:fld>
+            <a:endParaRPr lang="en-US"/>
+          </a:p>
+        </p:txBody>
+      </p:sp>
+    </p:spTree>
+    <p:extLst>
+      <p:ext uri="{BB962C8B-B14F-4D97-AF65-F5344CB8AC3E}">
+        <p14:creationId xmlns:p14="http://schemas.microsoft.com/office/powerpoint/2010/main" val="897188409"/>
       </p:ext>
     </p:extLst>
   </p:cSld>
@@ -4850,9 +6890,10 @@
           </a:p>
           <a:p>
             <a:r>
-              <a:rPr lang="en-US" dirty="0"/>
-              <a:t>Lesson 9.5</a:t>
-            </a:r>
+              <a:rPr lang="en-US"/>
+              <a:t>Lesson 9.6</a:t>
+            </a:r>
+            <a:endParaRPr lang="en-US" dirty="0"/>
           </a:p>
         </p:txBody>
       </p:sp>
